--- a/Dockerising .Net Applications v2.pptx
+++ b/Dockerising .Net Applications v2.pptx
@@ -5,7 +5,7 @@
     <p:sldMasterId id="2147483648" r:id="rId1"/>
   </p:sldMasterIdLst>
   <p:notesMasterIdLst>
-    <p:notesMasterId r:id="rId32"/>
+    <p:notesMasterId r:id="rId39"/>
   </p:notesMasterIdLst>
   <p:sldIdLst>
     <p:sldId id="256" r:id="rId2"/>
@@ -24,20 +24,27 @@
     <p:sldId id="277" r:id="rId15"/>
     <p:sldId id="269" r:id="rId16"/>
     <p:sldId id="268" r:id="rId17"/>
-    <p:sldId id="270" r:id="rId18"/>
-    <p:sldId id="271" r:id="rId19"/>
-    <p:sldId id="272" r:id="rId20"/>
-    <p:sldId id="288" r:id="rId21"/>
-    <p:sldId id="289" r:id="rId22"/>
-    <p:sldId id="276" r:id="rId23"/>
-    <p:sldId id="259" r:id="rId24"/>
-    <p:sldId id="265" r:id="rId25"/>
-    <p:sldId id="279" r:id="rId26"/>
-    <p:sldId id="264" r:id="rId27"/>
-    <p:sldId id="263" r:id="rId28"/>
-    <p:sldId id="260" r:id="rId29"/>
-    <p:sldId id="266" r:id="rId30"/>
-    <p:sldId id="257" r:id="rId31"/>
+    <p:sldId id="292" r:id="rId18"/>
+    <p:sldId id="270" r:id="rId19"/>
+    <p:sldId id="271" r:id="rId20"/>
+    <p:sldId id="294" r:id="rId21"/>
+    <p:sldId id="272" r:id="rId22"/>
+    <p:sldId id="293" r:id="rId23"/>
+    <p:sldId id="288" r:id="rId24"/>
+    <p:sldId id="295" r:id="rId25"/>
+    <p:sldId id="289" r:id="rId26"/>
+    <p:sldId id="296" r:id="rId27"/>
+    <p:sldId id="297" r:id="rId28"/>
+    <p:sldId id="276" r:id="rId29"/>
+    <p:sldId id="298" r:id="rId30"/>
+    <p:sldId id="259" r:id="rId31"/>
+    <p:sldId id="265" r:id="rId32"/>
+    <p:sldId id="279" r:id="rId33"/>
+    <p:sldId id="264" r:id="rId34"/>
+    <p:sldId id="263" r:id="rId35"/>
+    <p:sldId id="260" r:id="rId36"/>
+    <p:sldId id="266" r:id="rId37"/>
+    <p:sldId id="257" r:id="rId38"/>
   </p:sldIdLst>
   <p:sldSz cx="12192000" cy="6858000"/>
   <p:notesSz cx="6858000" cy="9144000"/>
@@ -237,7 +244,7 @@
           <a:p>
             <a:fld id="{580E84ED-F91A-D64D-846C-FB437175AFB3}" type="datetimeFigureOut">
               <a:rPr lang="en-US" smtClean="0"/>
-              <a:t>5/31/19</a:t>
+              <a:t>6/10/19</a:t>
             </a:fld>
             <a:endParaRPr lang="en-US"/>
           </a:p>
@@ -569,7 +576,7 @@
           <a:p>
             <a:fld id="{65E7520C-4FC8-4341-86D5-1A3A798BBF9A}" type="slidenum">
               <a:rPr lang="en-US" smtClean="0"/>
-              <a:t>5</a:t>
+              <a:t>1</a:t>
             </a:fld>
             <a:endParaRPr lang="en-US"/>
           </a:p>
@@ -578,7 +585,7 @@
     </p:spTree>
     <p:extLst>
       <p:ext uri="{BB962C8B-B14F-4D97-AF65-F5344CB8AC3E}">
-        <p14:creationId xmlns:p14="http://schemas.microsoft.com/office/powerpoint/2010/main" val="2947855143"/>
+        <p14:creationId xmlns:p14="http://schemas.microsoft.com/office/powerpoint/2010/main" val="4150280314"/>
       </p:ext>
     </p:extLst>
   </p:cSld>
@@ -634,7 +641,113 @@
           <a:p>
             <a:r>
               <a:rPr lang="en-US" dirty="0"/>
-              <a:t> </a:t>
+              <a:t>What’s wrong with this then?</a:t>
+            </a:r>
+          </a:p>
+          <a:p>
+            <a:endParaRPr lang="en-US" dirty="0"/>
+          </a:p>
+          <a:p>
+            <a:r>
+              <a:rPr lang="en-US" dirty="0"/>
+              <a:t>A number of things!</a:t>
+            </a:r>
+          </a:p>
+          <a:p>
+            <a:endParaRPr lang="en-US" dirty="0"/>
+          </a:p>
+          <a:p>
+            <a:pPr marL="171450" indent="-171450">
+              <a:buFontTx/>
+              <a:buChar char="-"/>
+            </a:pPr>
+            <a:r>
+              <a:rPr lang="en-US" dirty="0"/>
+              <a:t>It doesn’t run any of the tests from the solution, so we could be generating an image to load up a service that compiles ok, but actually doesn’t behave quite how we expect it to.</a:t>
+            </a:r>
+          </a:p>
+          <a:p>
+            <a:pPr marL="171450" indent="-171450">
+              <a:buFontTx/>
+              <a:buChar char="-"/>
+            </a:pPr>
+            <a:endParaRPr lang="en-US" dirty="0"/>
+          </a:p>
+          <a:p>
+            <a:pPr marL="171450" indent="-171450">
+              <a:buFontTx/>
+              <a:buChar char="-"/>
+            </a:pPr>
+            <a:r>
+              <a:rPr lang="en-US" dirty="0"/>
+              <a:t>Our image is based on the </a:t>
+            </a:r>
+            <a:r>
+              <a:rPr lang="en-US" dirty="0" err="1"/>
+              <a:t>.Net</a:t>
+            </a:r>
+            <a:r>
+              <a:rPr lang="en-US" dirty="0"/>
+              <a:t> Core SDK, rather than the runtime. We don’t want to use the SDK in production: the SDK is much bigger than the runtime, so takes longer to download, and obviously has a much larger attack vector and opportunities for misuse. Just like how we’d never install the full SDK of the </a:t>
+            </a:r>
+            <a:r>
+              <a:rPr lang="en-US" dirty="0" err="1"/>
+              <a:t>.Net</a:t>
+            </a:r>
+            <a:r>
+              <a:rPr lang="en-US" dirty="0"/>
+              <a:t> Framework on a production server, we don’t want to use it in Docker either.</a:t>
+            </a:r>
+          </a:p>
+          <a:p>
+            <a:pPr marL="171450" indent="-171450">
+              <a:buFontTx/>
+              <a:buChar char="-"/>
+            </a:pPr>
+            <a:endParaRPr lang="en-US" dirty="0"/>
+          </a:p>
+          <a:p>
+            <a:pPr marL="171450" indent="-171450">
+              <a:buFontTx/>
+              <a:buChar char="-"/>
+            </a:pPr>
+            <a:r>
+              <a:rPr lang="en-US" dirty="0"/>
+              <a:t>The copy instruction copies WAY too many files to the the Container – it’s copied literally everything from the root of our project to the image, so again, increasing the size of the image, and therefore the time to download it.</a:t>
+            </a:r>
+          </a:p>
+          <a:p>
+            <a:pPr marL="171450" indent="-171450">
+              <a:buFontTx/>
+              <a:buChar char="-"/>
+            </a:pPr>
+            <a:endParaRPr lang="en-US" dirty="0"/>
+          </a:p>
+          <a:p>
+            <a:pPr marL="171450" indent="-171450">
+              <a:buFontTx/>
+              <a:buChar char="-"/>
+            </a:pPr>
+            <a:r>
+              <a:rPr lang="en-US" dirty="0"/>
+              <a:t>It’s not deterministic – because we have not explicitly specified a version tag, Docker is defaulting to a tag called Latest. There are many ways in which this can come back to haunt us, because Latest doesn’t necessarily mean latest as you would expect, and as a result this can result in building your image on a complexly different version to what you actually wanted, which means that you can run the same command twice and end up with different results.  </a:t>
+            </a:r>
+          </a:p>
+          <a:p>
+            <a:pPr marL="171450" indent="-171450">
+              <a:buFontTx/>
+              <a:buChar char="-"/>
+            </a:pPr>
+            <a:endParaRPr lang="en-US" dirty="0"/>
+          </a:p>
+          <a:p>
+            <a:pPr marL="171450" indent="-171450">
+              <a:buFontTx/>
+              <a:buChar char="-"/>
+            </a:pPr>
+            <a:r>
+              <a:rPr lang="en-US" dirty="0"/>
+              <a:t>So lets improve upon our first attempt a little, starting with repeatable builds.</a:t>
             </a:r>
           </a:p>
         </p:txBody>
@@ -656,7 +769,7 @@
           <a:p>
             <a:fld id="{65E7520C-4FC8-4341-86D5-1A3A798BBF9A}" type="slidenum">
               <a:rPr lang="en-US" smtClean="0"/>
-              <a:t>19</a:t>
+              <a:t>18</a:t>
             </a:fld>
             <a:endParaRPr lang="en-US"/>
           </a:p>
@@ -665,7 +778,7 @@
     </p:spTree>
     <p:extLst>
       <p:ext uri="{BB962C8B-B14F-4D97-AF65-F5344CB8AC3E}">
-        <p14:creationId xmlns:p14="http://schemas.microsoft.com/office/powerpoint/2010/main" val="1766476148"/>
+        <p14:creationId xmlns:p14="http://schemas.microsoft.com/office/powerpoint/2010/main" val="3704929222"/>
       </p:ext>
     </p:extLst>
   </p:cSld>
@@ -721,7 +834,144 @@
           <a:p>
             <a:r>
               <a:rPr lang="en-US" dirty="0"/>
-              <a:t> </a:t>
+              <a:t>In this version of our </a:t>
+            </a:r>
+            <a:r>
+              <a:rPr lang="en-US" dirty="0" err="1"/>
+              <a:t>Dockerfile</a:t>
+            </a:r>
+            <a:r>
+              <a:rPr lang="en-US" dirty="0"/>
+              <a:t> we’ve updated our FROM instruction to use a version Tag to specify a fully qualified semantic version number – in this example, v2.2.204.</a:t>
+            </a:r>
+          </a:p>
+          <a:p>
+            <a:endParaRPr lang="en-US" dirty="0"/>
+          </a:p>
+          <a:p>
+            <a:r>
+              <a:rPr lang="en-US" dirty="0"/>
+              <a:t>This means that whenever and where ever we build an image from, we’ll always be using 2.2.204.</a:t>
+            </a:r>
+          </a:p>
+          <a:p>
+            <a:r>
+              <a:rPr lang="en-US" dirty="0"/>
+              <a:t>The same Docker image will be generated whenever we rebuild it, which means my </a:t>
+            </a:r>
+            <a:r>
+              <a:rPr lang="en-US" dirty="0" err="1"/>
+              <a:t>continerised</a:t>
+            </a:r>
+            <a:r>
+              <a:rPr lang="en-US" dirty="0"/>
+              <a:t> Service will behave the same, because my build artefacts haven’t mysteriously changed between builds.</a:t>
+            </a:r>
+          </a:p>
+          <a:p>
+            <a:r>
+              <a:rPr lang="en-US" dirty="0" err="1"/>
+              <a:t>Yeh</a:t>
+            </a:r>
+            <a:r>
+              <a:rPr lang="en-US" dirty="0"/>
+              <a:t>!</a:t>
+            </a:r>
+          </a:p>
+          <a:p>
+            <a:endParaRPr lang="en-US" dirty="0"/>
+          </a:p>
+          <a:p>
+            <a:r>
+              <a:rPr lang="en-US" dirty="0"/>
+              <a:t>Now the observant amongst you may have noticed that this from statement contains more differences than just a version number.</a:t>
+            </a:r>
+          </a:p>
+          <a:p>
+            <a:r>
+              <a:rPr lang="en-US" dirty="0"/>
+              <a:t>It still requests the </a:t>
+            </a:r>
+            <a:r>
+              <a:rPr lang="en-US" dirty="0" err="1"/>
+              <a:t>.Net</a:t>
+            </a:r>
+            <a:r>
+              <a:rPr lang="en-US" dirty="0"/>
+              <a:t> Core SDK, and it’s still a </a:t>
+            </a:r>
+            <a:r>
+              <a:rPr lang="en-US" dirty="0" err="1"/>
+              <a:t>Linix</a:t>
+            </a:r>
+            <a:r>
+              <a:rPr lang="en-US" dirty="0"/>
+              <a:t> image (although again, that isn’t obvious).</a:t>
+            </a:r>
+          </a:p>
+          <a:p>
+            <a:r>
+              <a:rPr lang="en-US" dirty="0"/>
+              <a:t>But this time it’s prefixed with </a:t>
+            </a:r>
+            <a:r>
+              <a:rPr lang="en-US" dirty="0" err="1"/>
+              <a:t>mcr.microsoft.com</a:t>
+            </a:r>
+            <a:r>
+              <a:rPr lang="en-US" dirty="0"/>
+              <a:t>…</a:t>
+            </a:r>
+          </a:p>
+          <a:p>
+            <a:endParaRPr lang="en-US" dirty="0"/>
+          </a:p>
+          <a:p>
+            <a:r>
+              <a:rPr lang="en-US" dirty="0"/>
+              <a:t>This is because I am now pulling my base image not from </a:t>
+            </a:r>
+            <a:r>
+              <a:rPr lang="en-US" dirty="0" err="1"/>
+              <a:t>DockerHub</a:t>
+            </a:r>
+            <a:r>
+              <a:rPr lang="en-US" dirty="0"/>
+              <a:t> as in the previous example, but from Microsoft’s own container registry (MCR for short).</a:t>
+            </a:r>
+          </a:p>
+          <a:p>
+            <a:r>
+              <a:rPr lang="en-US" dirty="0"/>
+              <a:t>MS no longer host patch versions of their images on </a:t>
+            </a:r>
+            <a:r>
+              <a:rPr lang="en-US" dirty="0" err="1"/>
+              <a:t>Dockerhub</a:t>
+            </a:r>
+            <a:r>
+              <a:rPr lang="en-US" dirty="0"/>
+              <a:t>, only on MCR, so if you want to be this specific about your image versions as this, then you need to get your images from there instead.</a:t>
+            </a:r>
+          </a:p>
+          <a:p>
+            <a:r>
+              <a:rPr lang="en-US" dirty="0"/>
+              <a:t>In fact, it’s probably best to pull your images from the MCR even if you are not being specific about versions numbers, because </a:t>
+            </a:r>
+            <a:r>
+              <a:rPr lang="en-US" dirty="0" err="1"/>
+              <a:t>Dockerhub</a:t>
+            </a:r>
+            <a:r>
+              <a:rPr lang="en-US" dirty="0"/>
+              <a:t> redirects to MCR anyway, so it should be a little quicker.</a:t>
+            </a:r>
+          </a:p>
+          <a:p>
+            <a:r>
+              <a:rPr lang="en-US" dirty="0"/>
+              <a:t>I’ve include a link explaining the reasons behind this on the resources slide at the end.  </a:t>
             </a:r>
           </a:p>
         </p:txBody>
@@ -743,7 +993,7 @@
           <a:p>
             <a:fld id="{65E7520C-4FC8-4341-86D5-1A3A798BBF9A}" type="slidenum">
               <a:rPr lang="en-US" smtClean="0"/>
-              <a:t>20</a:t>
+              <a:t>19</a:t>
             </a:fld>
             <a:endParaRPr lang="en-US"/>
           </a:p>
@@ -752,7 +1002,7 @@
     </p:spTree>
     <p:extLst>
       <p:ext uri="{BB962C8B-B14F-4D97-AF65-F5344CB8AC3E}">
-        <p14:creationId xmlns:p14="http://schemas.microsoft.com/office/powerpoint/2010/main" val="253953869"/>
+        <p14:creationId xmlns:p14="http://schemas.microsoft.com/office/powerpoint/2010/main" val="1557043513"/>
       </p:ext>
     </p:extLst>
   </p:cSld>
@@ -806,10 +1056,7 @@
           <a:bodyPr/>
           <a:lstStyle/>
           <a:p>
-            <a:r>
-              <a:rPr lang="en-US" dirty="0"/>
-              <a:t> </a:t>
-            </a:r>
+            <a:endParaRPr lang="en-US" dirty="0"/>
           </a:p>
         </p:txBody>
       </p:sp>
@@ -830,7 +1077,7 @@
           <a:p>
             <a:fld id="{65E7520C-4FC8-4341-86D5-1A3A798BBF9A}" type="slidenum">
               <a:rPr lang="en-US" smtClean="0"/>
-              <a:t>21</a:t>
+              <a:t>20</a:t>
             </a:fld>
             <a:endParaRPr lang="en-US"/>
           </a:p>
@@ -839,7 +1086,7 @@
     </p:spTree>
     <p:extLst>
       <p:ext uri="{BB962C8B-B14F-4D97-AF65-F5344CB8AC3E}">
-        <p14:creationId xmlns:p14="http://schemas.microsoft.com/office/powerpoint/2010/main" val="3910816272"/>
+        <p14:creationId xmlns:p14="http://schemas.microsoft.com/office/powerpoint/2010/main" val="2373170047"/>
       </p:ext>
     </p:extLst>
   </p:cSld>
@@ -893,7 +1140,158 @@
           <a:bodyPr/>
           <a:lstStyle/>
           <a:p>
+            <a:r>
+              <a:rPr lang="en-US" dirty="0"/>
+              <a:t>In this version of our </a:t>
+            </a:r>
+            <a:r>
+              <a:rPr lang="en-US" dirty="0" err="1"/>
+              <a:t>Dockerfile</a:t>
+            </a:r>
+            <a:r>
+              <a:rPr lang="en-US" dirty="0"/>
+              <a:t>, we address the issue of using the SDK in our production environment by using a Multistage </a:t>
+            </a:r>
+            <a:r>
+              <a:rPr lang="en-US" dirty="0" err="1"/>
+              <a:t>Dockerfile</a:t>
+            </a:r>
+            <a:r>
+              <a:rPr lang="en-US" dirty="0"/>
+              <a:t>.</a:t>
+            </a:r>
+          </a:p>
+          <a:p>
             <a:endParaRPr lang="en-US" dirty="0"/>
+          </a:p>
+          <a:p>
+            <a:r>
+              <a:rPr lang="en-US" dirty="0"/>
+              <a:t>A Multistage </a:t>
+            </a:r>
+            <a:r>
+              <a:rPr lang="en-US" dirty="0" err="1"/>
+              <a:t>DockerFile</a:t>
+            </a:r>
+            <a:r>
+              <a:rPr lang="en-US" dirty="0"/>
+              <a:t> contains multiple FROM instructions, with each FROM instruction creating a new stage.</a:t>
+            </a:r>
+          </a:p>
+          <a:p>
+            <a:r>
+              <a:rPr lang="en-GB" sz="1200" b="0" i="0" kern="1200" dirty="0">
+                <a:solidFill>
+                  <a:schemeClr val="tx1"/>
+                </a:solidFill>
+                <a:effectLst/>
+                <a:latin typeface="+mn-lt"/>
+                <a:ea typeface="+mn-ea"/>
+                <a:cs typeface="+mn-cs"/>
+              </a:rPr>
+              <a:t>You can selectively copy </a:t>
+            </a:r>
+            <a:r>
+              <a:rPr lang="en-GB" sz="1200" b="0" i="0" kern="1200" dirty="0" err="1">
+                <a:solidFill>
+                  <a:schemeClr val="tx1"/>
+                </a:solidFill>
+                <a:effectLst/>
+                <a:latin typeface="+mn-lt"/>
+                <a:ea typeface="+mn-ea"/>
+                <a:cs typeface="+mn-cs"/>
+              </a:rPr>
+              <a:t>artifacts</a:t>
+            </a:r>
+            <a:r>
+              <a:rPr lang="en-GB" sz="1200" b="0" i="0" kern="1200" dirty="0">
+                <a:solidFill>
+                  <a:schemeClr val="tx1"/>
+                </a:solidFill>
+                <a:effectLst/>
+                <a:latin typeface="+mn-lt"/>
+                <a:ea typeface="+mn-ea"/>
+                <a:cs typeface="+mn-cs"/>
+              </a:rPr>
+              <a:t> from one stage to another, leaving behind everything you don’t want in the final image.</a:t>
+            </a:r>
+          </a:p>
+          <a:p>
+            <a:endParaRPr lang="en-US" dirty="0"/>
+          </a:p>
+          <a:p>
+            <a:r>
+              <a:rPr lang="en-US" dirty="0"/>
+              <a:t>This example contains 2 stages.</a:t>
+            </a:r>
+          </a:p>
+          <a:p>
+            <a:endParaRPr lang="en-US" dirty="0"/>
+          </a:p>
+          <a:p>
+            <a:r>
+              <a:rPr lang="en-US" dirty="0"/>
+              <a:t>The first stage executes a FROM instruction using the SDK that we used previously to create an image, </a:t>
+            </a:r>
+          </a:p>
+          <a:p>
+            <a:endParaRPr lang="en-US" dirty="0"/>
+          </a:p>
+          <a:p>
+            <a:r>
+              <a:rPr lang="en-US" dirty="0"/>
+              <a:t>The second stage, which starts on line 5 with the second FROM instruction, specifies the base image to create a new image based on the </a:t>
+            </a:r>
+            <a:r>
+              <a:rPr lang="en-US" dirty="0" err="1"/>
+              <a:t>.Net</a:t>
+            </a:r>
+            <a:r>
+              <a:rPr lang="en-US" dirty="0"/>
+              <a:t> Core ASP Net runtime (Note that we are using a Tag to request a</a:t>
+            </a:r>
+          </a:p>
+          <a:p>
+            <a:r>
+              <a:rPr lang="en-US" dirty="0"/>
+              <a:t>Specific version of the runtime image in order to get deterministic builds)</a:t>
+            </a:r>
+          </a:p>
+          <a:p>
+            <a:endParaRPr lang="en-US" dirty="0"/>
+          </a:p>
+          <a:p>
+            <a:r>
+              <a:rPr lang="en-US" dirty="0"/>
+              <a:t>Then on line 8 we copy the contents of the app folder from the first stage to the final image that we will use as our build artefact.</a:t>
+            </a:r>
+          </a:p>
+          <a:p>
+            <a:endParaRPr lang="en-US" dirty="0"/>
+          </a:p>
+          <a:p>
+            <a:r>
+              <a:rPr lang="en-US" dirty="0"/>
+              <a:t>It does this using the Name we gave to the first stage at the end of line 1.</a:t>
+            </a:r>
+          </a:p>
+          <a:p>
+            <a:endParaRPr lang="en-US" dirty="0"/>
+          </a:p>
+          <a:p>
+            <a:r>
+              <a:rPr lang="en-US" dirty="0"/>
+              <a:t>Everything works exactly the same as it did before, but this time, our final image that we will create Containers from is built on top of the smaller, less vulnerable Runtime image.</a:t>
+            </a:r>
+          </a:p>
+          <a:p>
+            <a:endParaRPr lang="en-US" dirty="0"/>
+          </a:p>
+          <a:p>
+            <a:r>
+              <a:rPr lang="en-US" dirty="0"/>
+              <a:t>Do another quick demo to show that everything still works.  </a:t>
+            </a:r>
           </a:p>
         </p:txBody>
       </p:sp>
@@ -914,7 +1312,7 @@
           <a:p>
             <a:fld id="{65E7520C-4FC8-4341-86D5-1A3A798BBF9A}" type="slidenum">
               <a:rPr lang="en-US" smtClean="0"/>
-              <a:t>22</a:t>
+              <a:t>21</a:t>
             </a:fld>
             <a:endParaRPr lang="en-US"/>
           </a:p>
@@ -923,7 +1321,7 @@
     </p:spTree>
     <p:extLst>
       <p:ext uri="{BB962C8B-B14F-4D97-AF65-F5344CB8AC3E}">
-        <p14:creationId xmlns:p14="http://schemas.microsoft.com/office/powerpoint/2010/main" val="3360418479"/>
+        <p14:creationId xmlns:p14="http://schemas.microsoft.com/office/powerpoint/2010/main" val="1766476148"/>
       </p:ext>
     </p:extLst>
   </p:cSld>
@@ -977,155 +1375,7 @@
           <a:bodyPr/>
           <a:lstStyle/>
           <a:p>
-            <a:r>
-              <a:rPr lang="en-US" dirty="0"/>
-              <a:t>Never mind all the sale pitch, and dev ops </a:t>
-            </a:r>
-            <a:r>
-              <a:rPr lang="en-US" dirty="0" err="1"/>
-              <a:t>bla</a:t>
-            </a:r>
-            <a:r>
-              <a:rPr lang="en-US" dirty="0"/>
-              <a:t> </a:t>
-            </a:r>
-            <a:r>
-              <a:rPr lang="en-US" dirty="0" err="1"/>
-              <a:t>bla</a:t>
-            </a:r>
-            <a:r>
-              <a:rPr lang="en-US" dirty="0"/>
-              <a:t>.</a:t>
-            </a:r>
-          </a:p>
-          <a:p>
             <a:endParaRPr lang="en-US" dirty="0"/>
-          </a:p>
-          <a:p>
-            <a:r>
-              <a:rPr lang="en-US" dirty="0"/>
-              <a:t>What problems does it solve for a team of people trying to deliver software, regardless of whether they have permission to use Docker in production?</a:t>
-            </a:r>
-          </a:p>
-          <a:p>
-            <a:endParaRPr lang="en-US" dirty="0"/>
-          </a:p>
-          <a:p>
-            <a:pPr marL="171450" indent="-171450">
-              <a:buFontTx/>
-              <a:buChar char="-"/>
-            </a:pPr>
-            <a:r>
-              <a:rPr lang="en-US" dirty="0"/>
-              <a:t>Works on my machine</a:t>
-            </a:r>
-          </a:p>
-          <a:p>
-            <a:pPr marL="171450" indent="-171450">
-              <a:buFontTx/>
-              <a:buChar char="-"/>
-            </a:pPr>
-            <a:r>
-              <a:rPr lang="en-US" dirty="0"/>
-              <a:t>New team members up and running quick – no more installation and setup guides that takes days: just pull the repo and run!</a:t>
-            </a:r>
-          </a:p>
-          <a:p>
-            <a:pPr marL="171450" indent="-171450">
-              <a:buFontTx/>
-              <a:buChar char="-"/>
-            </a:pPr>
-            <a:r>
-              <a:rPr lang="en-US" dirty="0"/>
-              <a:t>Less technical team members up and running quick, with no detailed knowledge how the software all hangs together</a:t>
-            </a:r>
-          </a:p>
-          <a:p>
-            <a:pPr marL="171450" indent="-171450">
-              <a:buFontTx/>
-              <a:buChar char="-"/>
-            </a:pPr>
-            <a:r>
-              <a:rPr lang="en-US" dirty="0"/>
-              <a:t>Infrastructure as code</a:t>
-            </a:r>
-          </a:p>
-          <a:p>
-            <a:pPr marL="171450" indent="-171450">
-              <a:buFontTx/>
-              <a:buChar char="-"/>
-            </a:pPr>
-            <a:r>
-              <a:rPr lang="en-US" dirty="0"/>
-              <a:t>Maintainable, reproducible build and test process</a:t>
-            </a:r>
-          </a:p>
-          <a:p>
-            <a:pPr marL="171450" indent="-171450">
-              <a:buFontTx/>
-              <a:buChar char="-"/>
-            </a:pPr>
-            <a:r>
-              <a:rPr lang="en-US" dirty="0"/>
-              <a:t>Means that context switching between applications is much less painful</a:t>
-            </a:r>
-          </a:p>
-          <a:p>
-            <a:pPr marL="171450" indent="-171450">
-              <a:buFontTx/>
-              <a:buChar char="-"/>
-            </a:pPr>
-            <a:r>
-              <a:rPr lang="en-US" dirty="0"/>
-              <a:t>Language agnostic</a:t>
-            </a:r>
-          </a:p>
-          <a:p>
-            <a:pPr marL="171450" indent="-171450">
-              <a:buFontTx/>
-              <a:buChar char="-"/>
-            </a:pPr>
-            <a:r>
-              <a:rPr lang="en-US" dirty="0"/>
-              <a:t>Tech agnostic</a:t>
-            </a:r>
-          </a:p>
-          <a:p>
-            <a:pPr marL="171450" indent="-171450">
-              <a:buFontTx/>
-              <a:buChar char="-"/>
-            </a:pPr>
-            <a:r>
-              <a:rPr lang="en-US" dirty="0"/>
-              <a:t>OS agnostic</a:t>
-            </a:r>
-          </a:p>
-          <a:p>
-            <a:pPr marL="171450" indent="-171450">
-              <a:buFontTx/>
-              <a:buChar char="-"/>
-            </a:pPr>
-            <a:r>
-              <a:rPr lang="en-US" dirty="0"/>
-              <a:t>Fast</a:t>
-            </a:r>
-          </a:p>
-          <a:p>
-            <a:pPr marL="171450" indent="-171450">
-              <a:buFontTx/>
-              <a:buChar char="-"/>
-            </a:pPr>
-            <a:endParaRPr lang="en-US" dirty="0"/>
-          </a:p>
-          <a:p>
-            <a:pPr marL="171450" indent="-171450">
-              <a:buFontTx/>
-              <a:buChar char="-"/>
-            </a:pPr>
-            <a:r>
-              <a:rPr lang="en-US" dirty="0"/>
-              <a:t>Need to explain all this!</a:t>
-            </a:r>
           </a:p>
         </p:txBody>
       </p:sp>
@@ -1146,7 +1396,7 @@
           <a:p>
             <a:fld id="{65E7520C-4FC8-4341-86D5-1A3A798BBF9A}" type="slidenum">
               <a:rPr lang="en-US" smtClean="0"/>
-              <a:t>25</a:t>
+              <a:t>22</a:t>
             </a:fld>
             <a:endParaRPr lang="en-US"/>
           </a:p>
@@ -1155,7 +1405,7 @@
     </p:spTree>
     <p:extLst>
       <p:ext uri="{BB962C8B-B14F-4D97-AF65-F5344CB8AC3E}">
-        <p14:creationId xmlns:p14="http://schemas.microsoft.com/office/powerpoint/2010/main" val="3203360650"/>
+        <p14:creationId xmlns:p14="http://schemas.microsoft.com/office/powerpoint/2010/main" val="1406477091"/>
       </p:ext>
     </p:extLst>
   </p:cSld>
@@ -1210,263 +1460,69 @@
           <a:lstStyle/>
           <a:p>
             <a:r>
-              <a:rPr lang="en-GB" sz="1200" b="0" i="0" kern="1200" dirty="0">
-                <a:solidFill>
-                  <a:schemeClr val="tx1"/>
-                </a:solidFill>
-                <a:effectLst/>
-                <a:latin typeface="+mn-lt"/>
-                <a:ea typeface="+mn-ea"/>
-                <a:cs typeface="+mn-cs"/>
-              </a:rPr>
-              <a:t>Docker containers wrap up software and its dependencies into a single software artefact that includes everything it needs to run: code, runtime, operating system and libraries – all of it’s dependencies!</a:t>
-            </a:r>
-          </a:p>
-          <a:p>
-            <a:endParaRPr lang="en-GB" sz="1200" b="0" i="0" kern="1200" dirty="0">
-              <a:solidFill>
-                <a:schemeClr val="tx1"/>
-              </a:solidFill>
-              <a:effectLst/>
-              <a:latin typeface="+mn-lt"/>
-              <a:ea typeface="+mn-ea"/>
-              <a:cs typeface="+mn-cs"/>
-            </a:endParaRPr>
-          </a:p>
-          <a:p>
-            <a:r>
-              <a:rPr lang="en-GB" sz="1200" b="0" i="0" kern="1200" dirty="0">
-                <a:solidFill>
-                  <a:schemeClr val="tx1"/>
-                </a:solidFill>
-                <a:effectLst/>
-                <a:latin typeface="+mn-lt"/>
-                <a:ea typeface="+mn-ea"/>
-                <a:cs typeface="+mn-cs"/>
-              </a:rPr>
-              <a:t>A container is basically a single, portable package containing an application, that guarantees that application will always run everywhere.</a:t>
-            </a:r>
-          </a:p>
-          <a:p>
-            <a:endParaRPr lang="en-GB" sz="1200" b="0" i="0" kern="1200" dirty="0">
-              <a:solidFill>
-                <a:schemeClr val="tx1"/>
-              </a:solidFill>
-              <a:effectLst/>
-              <a:latin typeface="+mn-lt"/>
-              <a:ea typeface="+mn-ea"/>
-              <a:cs typeface="+mn-cs"/>
-            </a:endParaRPr>
-          </a:p>
-          <a:p>
-            <a:r>
-              <a:rPr lang="en-GB" sz="1200" b="0" i="0" kern="1200" dirty="0">
-                <a:solidFill>
-                  <a:schemeClr val="tx1"/>
-                </a:solidFill>
-                <a:effectLst/>
-                <a:latin typeface="+mn-lt"/>
-                <a:ea typeface="+mn-ea"/>
-                <a:cs typeface="+mn-cs"/>
-              </a:rPr>
-              <a:t>To run your applications in new environments or developer workstations, you simply need to run the container in that environment – you don’t even need to have any of the required tech installed on the target machine (except Docker).</a:t>
-            </a:r>
-          </a:p>
-          <a:p>
-            <a:endParaRPr lang="en-GB" sz="1200" b="0" i="0" kern="1200" dirty="0">
-              <a:solidFill>
-                <a:schemeClr val="tx1"/>
-              </a:solidFill>
-              <a:effectLst/>
-              <a:latin typeface="+mn-lt"/>
-              <a:ea typeface="+mn-ea"/>
-              <a:cs typeface="+mn-cs"/>
-            </a:endParaRPr>
-          </a:p>
-          <a:p>
-            <a:r>
-              <a:rPr lang="en-GB" sz="1200" b="0" i="0" kern="1200" dirty="0">
-                <a:solidFill>
-                  <a:schemeClr val="tx1"/>
-                </a:solidFill>
-                <a:effectLst/>
-                <a:latin typeface="+mn-lt"/>
-                <a:ea typeface="+mn-ea"/>
-                <a:cs typeface="+mn-cs"/>
-              </a:rPr>
-              <a:t>Example: </a:t>
-            </a:r>
-          </a:p>
-          <a:p>
-            <a:r>
-              <a:rPr lang="en-GB" sz="1200" b="0" i="0" kern="1200" dirty="0">
-                <a:solidFill>
-                  <a:schemeClr val="tx1"/>
-                </a:solidFill>
-                <a:effectLst/>
-                <a:latin typeface="+mn-lt"/>
-                <a:ea typeface="+mn-ea"/>
-                <a:cs typeface="+mn-cs"/>
-              </a:rPr>
-              <a:t>So if I build a </a:t>
-            </a:r>
-            <a:r>
-              <a:rPr lang="en-GB" sz="1200" b="0" i="0" kern="1200" dirty="0" err="1">
-                <a:solidFill>
-                  <a:schemeClr val="tx1"/>
-                </a:solidFill>
-                <a:effectLst/>
-                <a:latin typeface="+mn-lt"/>
-                <a:ea typeface="+mn-ea"/>
-                <a:cs typeface="+mn-cs"/>
-              </a:rPr>
-              <a:t>.Net</a:t>
-            </a:r>
-            <a:r>
-              <a:rPr lang="en-GB" sz="1200" b="0" i="0" kern="1200" dirty="0">
-                <a:solidFill>
-                  <a:schemeClr val="tx1"/>
-                </a:solidFill>
-                <a:effectLst/>
-                <a:latin typeface="+mn-lt"/>
-                <a:ea typeface="+mn-ea"/>
-                <a:cs typeface="+mn-cs"/>
-              </a:rPr>
-              <a:t> Core web </a:t>
-            </a:r>
-            <a:r>
-              <a:rPr lang="en-GB" sz="1200" b="0" i="0" kern="1200" dirty="0" err="1">
-                <a:solidFill>
-                  <a:schemeClr val="tx1"/>
-                </a:solidFill>
-                <a:effectLst/>
-                <a:latin typeface="+mn-lt"/>
-                <a:ea typeface="+mn-ea"/>
-                <a:cs typeface="+mn-cs"/>
-              </a:rPr>
-              <a:t>api</a:t>
-            </a:r>
-            <a:r>
-              <a:rPr lang="en-GB" sz="1200" b="0" i="0" kern="1200" dirty="0">
-                <a:solidFill>
-                  <a:schemeClr val="tx1"/>
-                </a:solidFill>
-                <a:effectLst/>
-                <a:latin typeface="+mn-lt"/>
-                <a:ea typeface="+mn-ea"/>
-                <a:cs typeface="+mn-cs"/>
-              </a:rPr>
-              <a:t> to expose functionality you need and you want to run it on your local machine, you can simply pull the code from </a:t>
-            </a:r>
-            <a:r>
-              <a:rPr lang="en-GB" sz="1200" b="0" i="0" kern="1200" dirty="0" err="1">
-                <a:solidFill>
-                  <a:schemeClr val="tx1"/>
-                </a:solidFill>
-                <a:effectLst/>
-                <a:latin typeface="+mn-lt"/>
-                <a:ea typeface="+mn-ea"/>
-                <a:cs typeface="+mn-cs"/>
-              </a:rPr>
-              <a:t>Github</a:t>
-            </a:r>
-            <a:r>
-              <a:rPr lang="en-GB" sz="1200" b="0" i="0" kern="1200" dirty="0">
-                <a:solidFill>
-                  <a:schemeClr val="tx1"/>
-                </a:solidFill>
-                <a:effectLst/>
-                <a:latin typeface="+mn-lt"/>
-                <a:ea typeface="+mn-ea"/>
-                <a:cs typeface="+mn-cs"/>
-              </a:rPr>
-              <a:t>, build and run the container, and then start hitting the </a:t>
-            </a:r>
-            <a:r>
-              <a:rPr lang="en-GB" sz="1200" b="0" i="0" kern="1200" dirty="0" err="1">
-                <a:solidFill>
-                  <a:schemeClr val="tx1"/>
-                </a:solidFill>
-                <a:effectLst/>
-                <a:latin typeface="+mn-lt"/>
-                <a:ea typeface="+mn-ea"/>
-                <a:cs typeface="+mn-cs"/>
-              </a:rPr>
-              <a:t>api</a:t>
-            </a:r>
-            <a:r>
-              <a:rPr lang="en-GB" sz="1200" b="0" i="0" kern="1200" dirty="0">
-                <a:solidFill>
-                  <a:schemeClr val="tx1"/>
-                </a:solidFill>
-                <a:effectLst/>
-                <a:latin typeface="+mn-lt"/>
-                <a:ea typeface="+mn-ea"/>
-                <a:cs typeface="+mn-cs"/>
-              </a:rPr>
-              <a:t> from your app, or postman. You don’t need to worry about what version of </a:t>
-            </a:r>
-            <a:r>
-              <a:rPr lang="en-GB" sz="1200" b="0" i="0" kern="1200" dirty="0" err="1">
-                <a:solidFill>
-                  <a:schemeClr val="tx1"/>
-                </a:solidFill>
-                <a:effectLst/>
-                <a:latin typeface="+mn-lt"/>
-                <a:ea typeface="+mn-ea"/>
-                <a:cs typeface="+mn-cs"/>
-              </a:rPr>
-              <a:t>.Net</a:t>
-            </a:r>
-            <a:r>
-              <a:rPr lang="en-GB" sz="1200" b="0" i="0" kern="1200" dirty="0">
-                <a:solidFill>
-                  <a:schemeClr val="tx1"/>
-                </a:solidFill>
-                <a:effectLst/>
-                <a:latin typeface="+mn-lt"/>
-                <a:ea typeface="+mn-ea"/>
-                <a:cs typeface="+mn-cs"/>
-              </a:rPr>
-              <a:t> it runs on, you don’t even need </a:t>
-            </a:r>
-            <a:r>
-              <a:rPr lang="en-GB" sz="1200" b="0" i="0" kern="1200" dirty="0" err="1">
-                <a:solidFill>
-                  <a:schemeClr val="tx1"/>
-                </a:solidFill>
-                <a:effectLst/>
-                <a:latin typeface="+mn-lt"/>
-                <a:ea typeface="+mn-ea"/>
-                <a:cs typeface="+mn-cs"/>
-              </a:rPr>
-              <a:t>.Net</a:t>
-            </a:r>
-            <a:r>
-              <a:rPr lang="en-GB" sz="1200" b="0" i="0" kern="1200" dirty="0">
-                <a:solidFill>
-                  <a:schemeClr val="tx1"/>
-                </a:solidFill>
-                <a:effectLst/>
-                <a:latin typeface="+mn-lt"/>
-                <a:ea typeface="+mn-ea"/>
-                <a:cs typeface="+mn-cs"/>
-              </a:rPr>
-              <a:t> installed on your machine, you just need Docker.</a:t>
-            </a:r>
-          </a:p>
-          <a:p>
-            <a:r>
-              <a:rPr lang="en-GB" sz="1200" b="0" i="0" kern="1200" dirty="0">
-                <a:solidFill>
-                  <a:schemeClr val="tx1"/>
-                </a:solidFill>
-                <a:effectLst/>
-                <a:latin typeface="+mn-lt"/>
-                <a:ea typeface="+mn-ea"/>
-                <a:cs typeface="+mn-cs"/>
-              </a:rPr>
-              <a:t>You don’t even need to worry about what operating system it needs, you just need Docker.</a:t>
+              <a:rPr lang="en-US" dirty="0"/>
+              <a:t>In this version of our </a:t>
+            </a:r>
+            <a:r>
+              <a:rPr lang="en-US" dirty="0" err="1"/>
+              <a:t>DockerFile</a:t>
+            </a:r>
+            <a:r>
+              <a:rPr lang="en-US" dirty="0"/>
+              <a:t> we want to ensure that we only generate build artefacts if our service is actually behaving the way we expect, </a:t>
+            </a:r>
+            <a:r>
+              <a:rPr lang="en-US" dirty="0" err="1"/>
+              <a:t>ie</a:t>
+            </a:r>
+            <a:r>
+              <a:rPr lang="en-US" dirty="0"/>
+              <a:t> it meets the specification</a:t>
+            </a:r>
+          </a:p>
+          <a:p>
+            <a:endParaRPr lang="en-US" dirty="0"/>
+          </a:p>
+          <a:p>
+            <a:r>
+              <a:rPr lang="en-US" dirty="0"/>
+              <a:t>In order to do this, we need to run the tests from with our Test Project.</a:t>
+            </a:r>
+          </a:p>
+          <a:p>
+            <a:endParaRPr lang="en-US" dirty="0"/>
+          </a:p>
+          <a:p>
+            <a:r>
+              <a:rPr lang="en-US" dirty="0"/>
+              <a:t>In order to run our tests we need to use the SDK to run the dotnet test command (an operation we cant run using the runtime).</a:t>
+            </a:r>
+          </a:p>
+          <a:p>
+            <a:endParaRPr lang="en-US" dirty="0"/>
+          </a:p>
+          <a:p>
+            <a:r>
+              <a:rPr lang="en-US" dirty="0"/>
+              <a:t>On line 4 we now execute Dotnet test against the test project that has already been copied to our builder stage.</a:t>
+            </a:r>
+          </a:p>
+          <a:p>
+            <a:endParaRPr lang="en-US" dirty="0"/>
+          </a:p>
+          <a:p>
+            <a:r>
+              <a:rPr lang="en-US" dirty="0"/>
+              <a:t>At this point, if any of the tests in that test project fail for any reason, the rest of the build will stop and exit with an error code. (Check this is all correct)</a:t>
+            </a:r>
+          </a:p>
+          <a:p>
+            <a:endParaRPr lang="en-US" dirty="0"/>
+          </a:p>
+          <a:p>
+            <a:r>
+              <a:rPr lang="en-US" dirty="0"/>
+              <a:t>Again – quick demo to show everything still works (Failure Demo??)</a:t>
             </a:r>
           </a:p>
         </p:txBody>
@@ -1488,7 +1544,7 @@
           <a:p>
             <a:fld id="{65E7520C-4FC8-4341-86D5-1A3A798BBF9A}" type="slidenum">
               <a:rPr lang="en-US" smtClean="0"/>
-              <a:t>26</a:t>
+              <a:t>23</a:t>
             </a:fld>
             <a:endParaRPr lang="en-US"/>
           </a:p>
@@ -1497,7 +1553,7 @@
     </p:spTree>
     <p:extLst>
       <p:ext uri="{BB962C8B-B14F-4D97-AF65-F5344CB8AC3E}">
-        <p14:creationId xmlns:p14="http://schemas.microsoft.com/office/powerpoint/2010/main" val="3310502452"/>
+        <p14:creationId xmlns:p14="http://schemas.microsoft.com/office/powerpoint/2010/main" val="253953869"/>
       </p:ext>
     </p:extLst>
   </p:cSld>
@@ -1551,39 +1607,6 @@
           <a:bodyPr/>
           <a:lstStyle/>
           <a:p>
-            <a:r>
-              <a:rPr lang="en-US" dirty="0"/>
-              <a:t>Containers are often described as or compared to Virtual Machines, but this is a poor comparison.</a:t>
-            </a:r>
-          </a:p>
-          <a:p>
-            <a:endParaRPr lang="en-US" dirty="0"/>
-          </a:p>
-          <a:p>
-            <a:r>
-              <a:rPr lang="en-US" dirty="0"/>
-              <a:t>Containers are thin layers that are applied on top of an operating system, where as VMs contain the operating system they are standing in for.</a:t>
-            </a:r>
-          </a:p>
-          <a:p>
-            <a:endParaRPr lang="en-US" dirty="0"/>
-          </a:p>
-          <a:p>
-            <a:r>
-              <a:rPr lang="en-US" dirty="0"/>
-              <a:t>Both models share the resources of the Host, but Containers are more light weight than VMs, and therefore faster to spin up and tear down.</a:t>
-            </a:r>
-          </a:p>
-          <a:p>
-            <a:endParaRPr lang="en-US" dirty="0"/>
-          </a:p>
-          <a:p>
-            <a:r>
-              <a:rPr lang="en-US" dirty="0"/>
-              <a:t>VM’s are built to mimic a physical server, and although can be spun up and town down on demand, the lifespan of a VM is typically measured in days or months, where as a container may live for only a minute of so before being destroyed, or could stay running for long periods too.</a:t>
-            </a:r>
-          </a:p>
-          <a:p>
             <a:endParaRPr lang="en-US" dirty="0"/>
           </a:p>
         </p:txBody>
@@ -1605,7 +1628,7 @@
           <a:p>
             <a:fld id="{65E7520C-4FC8-4341-86D5-1A3A798BBF9A}" type="slidenum">
               <a:rPr lang="en-US" smtClean="0"/>
-              <a:t>27</a:t>
+              <a:t>24</a:t>
             </a:fld>
             <a:endParaRPr lang="en-US"/>
           </a:p>
@@ -1614,7 +1637,7 @@
     </p:spTree>
     <p:extLst>
       <p:ext uri="{BB962C8B-B14F-4D97-AF65-F5344CB8AC3E}">
-        <p14:creationId xmlns:p14="http://schemas.microsoft.com/office/powerpoint/2010/main" val="1233940746"/>
+        <p14:creationId xmlns:p14="http://schemas.microsoft.com/office/powerpoint/2010/main" val="154004466"/>
       </p:ext>
     </p:extLst>
   </p:cSld>
@@ -1670,81 +1693,21 @@
           <a:p>
             <a:r>
               <a:rPr lang="en-US" dirty="0"/>
-              <a:t>It’s fast, in many aspects:</a:t>
-            </a:r>
-          </a:p>
-          <a:p>
-            <a:pPr marL="171450" indent="-171450">
-              <a:buFont typeface="Arial" panose="020B0604020202020204" pitchFamily="34" charset="0"/>
-              <a:buChar char="•"/>
-            </a:pPr>
-            <a:r>
-              <a:rPr lang="en-US" dirty="0"/>
-              <a:t>spinning up a container can take as little as a few seconds, especially Unix containers which are mush faster than Windows containers</a:t>
-            </a:r>
-          </a:p>
-          <a:p>
-            <a:pPr marL="171450" indent="-171450">
-              <a:buFont typeface="Arial" panose="020B0604020202020204" pitchFamily="34" charset="0"/>
-              <a:buChar char="•"/>
-            </a:pPr>
-            <a:r>
-              <a:rPr lang="en-US" dirty="0"/>
-              <a:t>new </a:t>
+              <a:t>In our final revision of our </a:t>
             </a:r>
             <a:r>
               <a:rPr lang="en-US" dirty="0" err="1"/>
-              <a:t>devs</a:t>
-            </a:r>
-            <a:r>
-              <a:rPr lang="en-US" dirty="0"/>
-              <a:t> on the team can be setup in minutes instead of hours, days or weeks, so they can start delivering value faster</a:t>
-            </a:r>
-          </a:p>
-          <a:p>
-            <a:pPr marL="171450" marR="0" lvl="0" indent="-171450" algn="l" defTabSz="914400" rtl="0" eaLnBrk="1" fontAlgn="auto" latinLnBrk="0" hangingPunct="1">
-              <a:lnSpc>
-                <a:spcPct val="100000"/>
-              </a:lnSpc>
-              <a:spcBef>
-                <a:spcPts val="0"/>
-              </a:spcBef>
-              <a:spcAft>
-                <a:spcPts val="0"/>
-              </a:spcAft>
-              <a:buClrTx/>
-              <a:buSzTx/>
-              <a:buFont typeface="Arial" panose="020B0604020202020204" pitchFamily="34" charset="0"/>
-              <a:buChar char="•"/>
-              <a:tabLst/>
-              <a:defRPr/>
-            </a:pPr>
-            <a:r>
-              <a:rPr lang="en-US" dirty="0"/>
-              <a:t>Massively reduces the burden of keeping software running on less technical team members development environments</a:t>
-            </a:r>
-          </a:p>
-          <a:p>
-            <a:pPr marL="171450" marR="0" lvl="0" indent="-171450" algn="l" defTabSz="914400" rtl="0" eaLnBrk="1" fontAlgn="auto" latinLnBrk="0" hangingPunct="1">
-              <a:lnSpc>
-                <a:spcPct val="100000"/>
-              </a:lnSpc>
-              <a:spcBef>
-                <a:spcPts val="0"/>
-              </a:spcBef>
-              <a:spcAft>
-                <a:spcPts val="0"/>
-              </a:spcAft>
-              <a:buClrTx/>
-              <a:buSzTx/>
-              <a:buFont typeface="Arial" panose="020B0604020202020204" pitchFamily="34" charset="0"/>
-              <a:buChar char="•"/>
-              <a:tabLst/>
-              <a:defRPr/>
-            </a:pPr>
-            <a:r>
-              <a:rPr lang="en-US" dirty="0"/>
-              <a:t>Enables automation, and therefore reduces human error and speeds up delivery.</a:t>
+              <a:t>Dockerfile</a:t>
+            </a:r>
+            <a:r>
+              <a:rPr lang="en-US" dirty="0"/>
+              <a:t>, we have made a very minor adjustment to the base images that well use in our Multistage build process.</a:t>
+            </a:r>
+          </a:p>
+          <a:p>
+            <a:r>
+              <a:rPr lang="en-US" dirty="0"/>
+              <a:t>At the end of lines 1 and 7 you will see that the image Tags now include an Alpine version.</a:t>
             </a:r>
           </a:p>
           <a:p>
@@ -1753,26 +1716,16 @@
           <a:p>
             <a:r>
               <a:rPr lang="en-US" dirty="0"/>
-              <a:t>Its also a highly sort after skillset – industry standard – stack overflow (Expand a little)</a:t>
-            </a:r>
-          </a:p>
-          <a:p>
-            <a:pPr marL="171450" indent="-171450">
-              <a:buFont typeface="Arial" panose="020B0604020202020204" pitchFamily="34" charset="0"/>
-              <a:buChar char="•"/>
-            </a:pPr>
+              <a:t>This change is aimed at reducing the size of our images so that they build faster, and so that we can push and pull them from our container registry faster.</a:t>
+            </a:r>
+          </a:p>
+          <a:p>
             <a:endParaRPr lang="en-US" dirty="0"/>
           </a:p>
           <a:p>
             <a:r>
               <a:rPr lang="en-US" dirty="0"/>
-              <a:t>OS &amp; Language agnostic – so it fits well with polyglot development </a:t>
-            </a:r>
-          </a:p>
-          <a:p>
-            <a:r>
-              <a:rPr lang="en-US" dirty="0"/>
-              <a:t>Everything just works ‘out the box’ solves the age old headache of environment setup and configuration of new environments and workstations, so gone are the days of ”Works on my machine!” </a:t>
+              <a:t>This is because Alpine is a very light weight version of the Unix operating system. Other choices include Debian &amp; Ubuntu.</a:t>
             </a:r>
           </a:p>
           <a:p>
@@ -1781,8 +1734,17 @@
           <a:p>
             <a:r>
               <a:rPr lang="en-US" dirty="0"/>
-              <a:t>And, as already stated, puts you in control of infrastructure – you’ll see exactly how and why that is soon.</a:t>
-            </a:r>
+              <a:t>Lets have another quick demo to check things still work, and have a look at how much we’ve brought down the image size with all these improvements.</a:t>
+            </a:r>
+          </a:p>
+          <a:p>
+            <a:endParaRPr lang="en-US" dirty="0"/>
+          </a:p>
+          <a:p>
+            <a:endParaRPr lang="en-US" dirty="0"/>
+          </a:p>
+          <a:p>
+            <a:endParaRPr lang="en-US" dirty="0"/>
           </a:p>
           <a:p>
             <a:endParaRPr lang="en-US" dirty="0"/>
@@ -1806,7 +1768,7 @@
           <a:p>
             <a:fld id="{65E7520C-4FC8-4341-86D5-1A3A798BBF9A}" type="slidenum">
               <a:rPr lang="en-US" smtClean="0"/>
-              <a:t>28</a:t>
+              <a:t>25</a:t>
             </a:fld>
             <a:endParaRPr lang="en-US"/>
           </a:p>
@@ -1815,7 +1777,7 @@
     </p:spTree>
     <p:extLst>
       <p:ext uri="{BB962C8B-B14F-4D97-AF65-F5344CB8AC3E}">
-        <p14:creationId xmlns:p14="http://schemas.microsoft.com/office/powerpoint/2010/main" val="565019329"/>
+        <p14:creationId xmlns:p14="http://schemas.microsoft.com/office/powerpoint/2010/main" val="3910816272"/>
       </p:ext>
     </p:extLst>
   </p:cSld>
@@ -1869,10 +1831,59 @@
           <a:bodyPr/>
           <a:lstStyle/>
           <a:p>
-            <a:r>
-              <a:rPr lang="en-US" dirty="0"/>
-              <a:t>Quick demo to pull a dotnet image from docker hub, build a run, then browse to the site.</a:t>
-            </a:r>
+            <a:pPr marL="0" marR="0" lvl="0" indent="0" algn="l" defTabSz="914400" rtl="0" eaLnBrk="1" fontAlgn="auto" latinLnBrk="0" hangingPunct="1">
+              <a:lnSpc>
+                <a:spcPct val="100000"/>
+              </a:lnSpc>
+              <a:spcBef>
+                <a:spcPts val="0"/>
+              </a:spcBef>
+              <a:spcAft>
+                <a:spcPts val="0"/>
+              </a:spcAft>
+              <a:buClrTx/>
+              <a:buSzTx/>
+              <a:buFontTx/>
+              <a:buNone/>
+              <a:tabLst/>
+              <a:defRPr/>
+            </a:pPr>
+            <a:r>
+              <a:rPr lang="en-GB" sz="1200" kern="1200" dirty="0">
+                <a:solidFill>
+                  <a:schemeClr val="tx1"/>
+                </a:solidFill>
+                <a:effectLst/>
+                <a:latin typeface="+mn-lt"/>
+                <a:ea typeface="+mn-ea"/>
+                <a:cs typeface="+mn-cs"/>
+              </a:rPr>
+              <a:t>docker images </a:t>
+            </a:r>
+            <a:r>
+              <a:rPr lang="en-GB" sz="1200" kern="1200" dirty="0" err="1">
+                <a:solidFill>
+                  <a:schemeClr val="tx1"/>
+                </a:solidFill>
+                <a:effectLst/>
+                <a:latin typeface="+mn-lt"/>
+                <a:ea typeface="+mn-ea"/>
+                <a:cs typeface="+mn-cs"/>
+              </a:rPr>
+              <a:t>isprime_dotnetcore</a:t>
+            </a:r>
+            <a:endParaRPr lang="en-GB" sz="1200" kern="1200" dirty="0">
+              <a:solidFill>
+                <a:schemeClr val="tx1"/>
+              </a:solidFill>
+              <a:effectLst/>
+              <a:latin typeface="+mn-lt"/>
+              <a:ea typeface="+mn-ea"/>
+              <a:cs typeface="+mn-cs"/>
+            </a:endParaRPr>
+          </a:p>
+          <a:p>
+            <a:endParaRPr lang="en-US" dirty="0"/>
           </a:p>
         </p:txBody>
       </p:sp>
@@ -1893,7 +1904,7 @@
           <a:p>
             <a:fld id="{65E7520C-4FC8-4341-86D5-1A3A798BBF9A}" type="slidenum">
               <a:rPr lang="en-US" smtClean="0"/>
-              <a:t>29</a:t>
+              <a:t>26</a:t>
             </a:fld>
             <a:endParaRPr lang="en-US"/>
           </a:p>
@@ -1902,7 +1913,7 @@
     </p:spTree>
     <p:extLst>
       <p:ext uri="{BB962C8B-B14F-4D97-AF65-F5344CB8AC3E}">
-        <p14:creationId xmlns:p14="http://schemas.microsoft.com/office/powerpoint/2010/main" val="2353671328"/>
+        <p14:creationId xmlns:p14="http://schemas.microsoft.com/office/powerpoint/2010/main" val="875023439"/>
       </p:ext>
     </p:extLst>
   </p:cSld>
@@ -1956,92 +1967,7 @@
           <a:bodyPr/>
           <a:lstStyle/>
           <a:p>
-            <a:r>
-              <a:rPr lang="en-US" dirty="0"/>
-              <a:t>High level …. Docker is a very simple tool for building and sharing our software with others.</a:t>
-            </a:r>
-          </a:p>
-          <a:p>
             <a:endParaRPr lang="en-US" dirty="0"/>
-          </a:p>
-          <a:p>
-            <a:r>
-              <a:rPr lang="en-US" dirty="0"/>
-              <a:t>You’ll see in the coming demos that it:</a:t>
-            </a:r>
-          </a:p>
-          <a:p>
-            <a:endParaRPr lang="en-US" dirty="0"/>
-          </a:p>
-          <a:p>
-            <a:pPr marL="171450" indent="-171450">
-              <a:buFont typeface="Arial" panose="020B0604020202020204" pitchFamily="34" charset="0"/>
-              <a:buChar char="•"/>
-            </a:pPr>
-            <a:r>
-              <a:rPr lang="en-US" dirty="0" err="1"/>
-              <a:t>standardises</a:t>
-            </a:r>
-            <a:r>
-              <a:rPr lang="en-US" dirty="0"/>
-              <a:t> how we build and interact with our applications, making them technology agnostic from the outside. </a:t>
-            </a:r>
-          </a:p>
-          <a:p>
-            <a:endParaRPr lang="en-US" dirty="0"/>
-          </a:p>
-          <a:p>
-            <a:pPr marL="171450" indent="-171450">
-              <a:buFont typeface="Arial" panose="020B0604020202020204" pitchFamily="34" charset="0"/>
-              <a:buChar char="•"/>
-            </a:pPr>
-            <a:r>
-              <a:rPr lang="en-US" dirty="0"/>
-              <a:t>enables Dev teams to focus on delivering working software, while also giving them more control over the infrastructure in which that software runs: for example, if you want your service to run on version 3 of </a:t>
-            </a:r>
-            <a:r>
-              <a:rPr lang="en-US" dirty="0" err="1"/>
-              <a:t>.Net</a:t>
-            </a:r>
-            <a:r>
-              <a:rPr lang="en-US" dirty="0"/>
-              <a:t> Core then you are in control of that, not the Release Team, and you don’t need to worry if that dependency will be installed in production when it comes to going live.</a:t>
-            </a:r>
-          </a:p>
-          <a:p>
-            <a:endParaRPr lang="en-US" dirty="0"/>
-          </a:p>
-          <a:p>
-            <a:pPr marL="171450" indent="-171450">
-              <a:buFont typeface="Arial" panose="020B0604020202020204" pitchFamily="34" charset="0"/>
-              <a:buChar char="•"/>
-            </a:pPr>
-            <a:r>
-              <a:rPr lang="en-US" dirty="0"/>
-              <a:t>Enables Ops teams of focus on deploying software to various environment without getting bogged down in technical details of provisioning environments, for example; version A requires version 3 of dependency B. This means that they can focus on improving the deployment process. </a:t>
-            </a:r>
-          </a:p>
-          <a:p>
-            <a:endParaRPr lang="en-US" dirty="0"/>
-          </a:p>
-          <a:p>
-            <a:pPr marL="171450" indent="-171450">
-              <a:buFont typeface="Arial" panose="020B0604020202020204" pitchFamily="34" charset="0"/>
-              <a:buChar char="•"/>
-            </a:pPr>
-            <a:r>
-              <a:rPr lang="en-US" dirty="0"/>
-              <a:t>All of this creates a clear handover point between dev and ops, and means there is a lot less wasted time going back and forth between these teams. </a:t>
-            </a:r>
-          </a:p>
-          <a:p>
-            <a:endParaRPr lang="en-US" dirty="0"/>
-          </a:p>
-          <a:p>
-            <a:r>
-              <a:rPr lang="en-US" dirty="0"/>
-              <a:t>That sounds great – How does it do that?</a:t>
-            </a:r>
           </a:p>
         </p:txBody>
       </p:sp>
@@ -2062,7 +1988,7 @@
           <a:p>
             <a:fld id="{65E7520C-4FC8-4341-86D5-1A3A798BBF9A}" type="slidenum">
               <a:rPr lang="en-US" smtClean="0"/>
-              <a:t>30</a:t>
+              <a:t>27</a:t>
             </a:fld>
             <a:endParaRPr lang="en-US"/>
           </a:p>
@@ -2071,7 +1997,7 @@
     </p:spTree>
     <p:extLst>
       <p:ext uri="{BB962C8B-B14F-4D97-AF65-F5344CB8AC3E}">
-        <p14:creationId xmlns:p14="http://schemas.microsoft.com/office/powerpoint/2010/main" val="2160031897"/>
+        <p14:creationId xmlns:p14="http://schemas.microsoft.com/office/powerpoint/2010/main" val="1734314932"/>
       </p:ext>
     </p:extLst>
   </p:cSld>
@@ -2146,7 +2072,7 @@
           <a:p>
             <a:fld id="{65E7520C-4FC8-4341-86D5-1A3A798BBF9A}" type="slidenum">
               <a:rPr lang="en-US" smtClean="0"/>
-              <a:t>6</a:t>
+              <a:t>5</a:t>
             </a:fld>
             <a:endParaRPr lang="en-US"/>
           </a:p>
@@ -2155,7 +2081,1323 @@
     </p:spTree>
     <p:extLst>
       <p:ext uri="{BB962C8B-B14F-4D97-AF65-F5344CB8AC3E}">
-        <p14:creationId xmlns:p14="http://schemas.microsoft.com/office/powerpoint/2010/main" val="3794809964"/>
+        <p14:creationId xmlns:p14="http://schemas.microsoft.com/office/powerpoint/2010/main" val="2947855143"/>
+      </p:ext>
+    </p:extLst>
+  </p:cSld>
+  <p:clrMapOvr>
+    <a:masterClrMapping/>
+  </p:clrMapOvr>
+</p:notes>
+</file>
+
+<file path=ppt/notesSlides/notesSlide20.xml><?xml version="1.0" encoding="utf-8"?>
+<p:notes xmlns:a="http://schemas.openxmlformats.org/drawingml/2006/main" xmlns:r="http://schemas.openxmlformats.org/officeDocument/2006/relationships" xmlns:p="http://schemas.openxmlformats.org/presentationml/2006/main">
+  <p:cSld>
+    <p:spTree>
+      <p:nvGrpSpPr>
+        <p:cNvPr id="1" name=""/>
+        <p:cNvGrpSpPr/>
+        <p:nvPr/>
+      </p:nvGrpSpPr>
+      <p:grpSpPr>
+        <a:xfrm>
+          <a:off x="0" y="0"/>
+          <a:ext cx="0" cy="0"/>
+          <a:chOff x="0" y="0"/>
+          <a:chExt cx="0" cy="0"/>
+        </a:xfrm>
+      </p:grpSpPr>
+      <p:sp>
+        <p:nvSpPr>
+          <p:cNvPr id="2" name="Slide Image Placeholder 1"/>
+          <p:cNvSpPr>
+            <a:spLocks noGrp="1" noRot="1" noChangeAspect="1"/>
+          </p:cNvSpPr>
+          <p:nvPr>
+            <p:ph type="sldImg"/>
+          </p:nvPr>
+        </p:nvSpPr>
+        <p:spPr/>
+      </p:sp>
+      <p:sp>
+        <p:nvSpPr>
+          <p:cNvPr id="3" name="Notes Placeholder 2"/>
+          <p:cNvSpPr>
+            <a:spLocks noGrp="1"/>
+          </p:cNvSpPr>
+          <p:nvPr>
+            <p:ph type="body" idx="1"/>
+          </p:nvPr>
+        </p:nvSpPr>
+        <p:spPr/>
+        <p:txBody>
+          <a:bodyPr/>
+          <a:lstStyle/>
+          <a:p>
+            <a:endParaRPr lang="en-US" dirty="0"/>
+          </a:p>
+        </p:txBody>
+      </p:sp>
+      <p:sp>
+        <p:nvSpPr>
+          <p:cNvPr id="4" name="Slide Number Placeholder 3"/>
+          <p:cNvSpPr>
+            <a:spLocks noGrp="1"/>
+          </p:cNvSpPr>
+          <p:nvPr>
+            <p:ph type="sldNum" sz="quarter" idx="5"/>
+          </p:nvPr>
+        </p:nvSpPr>
+        <p:spPr/>
+        <p:txBody>
+          <a:bodyPr/>
+          <a:lstStyle/>
+          <a:p>
+            <a:fld id="{65E7520C-4FC8-4341-86D5-1A3A798BBF9A}" type="slidenum">
+              <a:rPr lang="en-US" smtClean="0"/>
+              <a:t>28</a:t>
+            </a:fld>
+            <a:endParaRPr lang="en-US"/>
+          </a:p>
+        </p:txBody>
+      </p:sp>
+    </p:spTree>
+    <p:extLst>
+      <p:ext uri="{BB962C8B-B14F-4D97-AF65-F5344CB8AC3E}">
+        <p14:creationId xmlns:p14="http://schemas.microsoft.com/office/powerpoint/2010/main" val="3360418479"/>
+      </p:ext>
+    </p:extLst>
+  </p:cSld>
+  <p:clrMapOvr>
+    <a:masterClrMapping/>
+  </p:clrMapOvr>
+</p:notes>
+</file>
+
+<file path=ppt/notesSlides/notesSlide21.xml><?xml version="1.0" encoding="utf-8"?>
+<p:notes xmlns:a="http://schemas.openxmlformats.org/drawingml/2006/main" xmlns:r="http://schemas.openxmlformats.org/officeDocument/2006/relationships" xmlns:p="http://schemas.openxmlformats.org/presentationml/2006/main">
+  <p:cSld>
+    <p:spTree>
+      <p:nvGrpSpPr>
+        <p:cNvPr id="1" name=""/>
+        <p:cNvGrpSpPr/>
+        <p:nvPr/>
+      </p:nvGrpSpPr>
+      <p:grpSpPr>
+        <a:xfrm>
+          <a:off x="0" y="0"/>
+          <a:ext cx="0" cy="0"/>
+          <a:chOff x="0" y="0"/>
+          <a:chExt cx="0" cy="0"/>
+        </a:xfrm>
+      </p:grpSpPr>
+      <p:sp>
+        <p:nvSpPr>
+          <p:cNvPr id="2" name="Slide Image Placeholder 1"/>
+          <p:cNvSpPr>
+            <a:spLocks noGrp="1" noRot="1" noChangeAspect="1"/>
+          </p:cNvSpPr>
+          <p:nvPr>
+            <p:ph type="sldImg"/>
+          </p:nvPr>
+        </p:nvSpPr>
+        <p:spPr/>
+      </p:sp>
+      <p:sp>
+        <p:nvSpPr>
+          <p:cNvPr id="3" name="Notes Placeholder 2"/>
+          <p:cNvSpPr>
+            <a:spLocks noGrp="1"/>
+          </p:cNvSpPr>
+          <p:nvPr>
+            <p:ph type="body" idx="1"/>
+          </p:nvPr>
+        </p:nvSpPr>
+        <p:spPr/>
+        <p:txBody>
+          <a:bodyPr/>
+          <a:lstStyle/>
+          <a:p>
+            <a:endParaRPr lang="en-US" dirty="0"/>
+          </a:p>
+        </p:txBody>
+      </p:sp>
+      <p:sp>
+        <p:nvSpPr>
+          <p:cNvPr id="4" name="Slide Number Placeholder 3"/>
+          <p:cNvSpPr>
+            <a:spLocks noGrp="1"/>
+          </p:cNvSpPr>
+          <p:nvPr>
+            <p:ph type="sldNum" sz="quarter" idx="5"/>
+          </p:nvPr>
+        </p:nvSpPr>
+        <p:spPr/>
+        <p:txBody>
+          <a:bodyPr/>
+          <a:lstStyle/>
+          <a:p>
+            <a:fld id="{65E7520C-4FC8-4341-86D5-1A3A798BBF9A}" type="slidenum">
+              <a:rPr lang="en-US" smtClean="0"/>
+              <a:t>29</a:t>
+            </a:fld>
+            <a:endParaRPr lang="en-US"/>
+          </a:p>
+        </p:txBody>
+      </p:sp>
+    </p:spTree>
+    <p:extLst>
+      <p:ext uri="{BB962C8B-B14F-4D97-AF65-F5344CB8AC3E}">
+        <p14:creationId xmlns:p14="http://schemas.microsoft.com/office/powerpoint/2010/main" val="3612699240"/>
+      </p:ext>
+    </p:extLst>
+  </p:cSld>
+  <p:clrMapOvr>
+    <a:masterClrMapping/>
+  </p:clrMapOvr>
+</p:notes>
+</file>
+
+<file path=ppt/notesSlides/notesSlide22.xml><?xml version="1.0" encoding="utf-8"?>
+<p:notes xmlns:a="http://schemas.openxmlformats.org/drawingml/2006/main" xmlns:r="http://schemas.openxmlformats.org/officeDocument/2006/relationships" xmlns:p="http://schemas.openxmlformats.org/presentationml/2006/main">
+  <p:cSld>
+    <p:spTree>
+      <p:nvGrpSpPr>
+        <p:cNvPr id="1" name=""/>
+        <p:cNvGrpSpPr/>
+        <p:nvPr/>
+      </p:nvGrpSpPr>
+      <p:grpSpPr>
+        <a:xfrm>
+          <a:off x="0" y="0"/>
+          <a:ext cx="0" cy="0"/>
+          <a:chOff x="0" y="0"/>
+          <a:chExt cx="0" cy="0"/>
+        </a:xfrm>
+      </p:grpSpPr>
+      <p:sp>
+        <p:nvSpPr>
+          <p:cNvPr id="2" name="Slide Image Placeholder 1"/>
+          <p:cNvSpPr>
+            <a:spLocks noGrp="1" noRot="1" noChangeAspect="1"/>
+          </p:cNvSpPr>
+          <p:nvPr>
+            <p:ph type="sldImg"/>
+          </p:nvPr>
+        </p:nvSpPr>
+        <p:spPr/>
+      </p:sp>
+      <p:sp>
+        <p:nvSpPr>
+          <p:cNvPr id="3" name="Notes Placeholder 2"/>
+          <p:cNvSpPr>
+            <a:spLocks noGrp="1"/>
+          </p:cNvSpPr>
+          <p:nvPr>
+            <p:ph type="body" idx="1"/>
+          </p:nvPr>
+        </p:nvSpPr>
+        <p:spPr/>
+        <p:txBody>
+          <a:bodyPr/>
+          <a:lstStyle/>
+          <a:p>
+            <a:r>
+              <a:rPr lang="en-US" dirty="0"/>
+              <a:t>Never mind all the sale pitch, and dev ops </a:t>
+            </a:r>
+            <a:r>
+              <a:rPr lang="en-US" dirty="0" err="1"/>
+              <a:t>bla</a:t>
+            </a:r>
+            <a:r>
+              <a:rPr lang="en-US" dirty="0"/>
+              <a:t> </a:t>
+            </a:r>
+            <a:r>
+              <a:rPr lang="en-US" dirty="0" err="1"/>
+              <a:t>bla</a:t>
+            </a:r>
+            <a:r>
+              <a:rPr lang="en-US" dirty="0"/>
+              <a:t>.</a:t>
+            </a:r>
+          </a:p>
+          <a:p>
+            <a:endParaRPr lang="en-US" dirty="0"/>
+          </a:p>
+          <a:p>
+            <a:r>
+              <a:rPr lang="en-US" dirty="0"/>
+              <a:t>What problems does it solve for a team of people trying to deliver software, regardless of whether they have permission to use Docker in production?</a:t>
+            </a:r>
+          </a:p>
+          <a:p>
+            <a:endParaRPr lang="en-US" dirty="0"/>
+          </a:p>
+          <a:p>
+            <a:pPr marL="171450" indent="-171450">
+              <a:buFontTx/>
+              <a:buChar char="-"/>
+            </a:pPr>
+            <a:r>
+              <a:rPr lang="en-US" dirty="0"/>
+              <a:t>Works on my machine</a:t>
+            </a:r>
+          </a:p>
+          <a:p>
+            <a:pPr marL="171450" indent="-171450">
+              <a:buFontTx/>
+              <a:buChar char="-"/>
+            </a:pPr>
+            <a:r>
+              <a:rPr lang="en-US" dirty="0"/>
+              <a:t>New team members up and running quick – no more installation and setup guides that takes days: just pull the repo and run!</a:t>
+            </a:r>
+          </a:p>
+          <a:p>
+            <a:pPr marL="171450" indent="-171450">
+              <a:buFontTx/>
+              <a:buChar char="-"/>
+            </a:pPr>
+            <a:r>
+              <a:rPr lang="en-US" dirty="0"/>
+              <a:t>Less technical team members up and running quick, with no detailed knowledge how the software all hangs together</a:t>
+            </a:r>
+          </a:p>
+          <a:p>
+            <a:pPr marL="171450" indent="-171450">
+              <a:buFontTx/>
+              <a:buChar char="-"/>
+            </a:pPr>
+            <a:r>
+              <a:rPr lang="en-US" dirty="0"/>
+              <a:t>Infrastructure as code</a:t>
+            </a:r>
+          </a:p>
+          <a:p>
+            <a:pPr marL="171450" indent="-171450">
+              <a:buFontTx/>
+              <a:buChar char="-"/>
+            </a:pPr>
+            <a:r>
+              <a:rPr lang="en-US" dirty="0"/>
+              <a:t>Maintainable, reproducible build and test process</a:t>
+            </a:r>
+          </a:p>
+          <a:p>
+            <a:pPr marL="171450" indent="-171450">
+              <a:buFontTx/>
+              <a:buChar char="-"/>
+            </a:pPr>
+            <a:r>
+              <a:rPr lang="en-US" dirty="0"/>
+              <a:t>Means that context switching between applications is much less painful</a:t>
+            </a:r>
+          </a:p>
+          <a:p>
+            <a:pPr marL="171450" indent="-171450">
+              <a:buFontTx/>
+              <a:buChar char="-"/>
+            </a:pPr>
+            <a:r>
+              <a:rPr lang="en-US" dirty="0"/>
+              <a:t>Language agnostic</a:t>
+            </a:r>
+          </a:p>
+          <a:p>
+            <a:pPr marL="171450" indent="-171450">
+              <a:buFontTx/>
+              <a:buChar char="-"/>
+            </a:pPr>
+            <a:r>
+              <a:rPr lang="en-US" dirty="0"/>
+              <a:t>Tech agnostic</a:t>
+            </a:r>
+          </a:p>
+          <a:p>
+            <a:pPr marL="171450" indent="-171450">
+              <a:buFontTx/>
+              <a:buChar char="-"/>
+            </a:pPr>
+            <a:r>
+              <a:rPr lang="en-US" dirty="0"/>
+              <a:t>OS agnostic</a:t>
+            </a:r>
+          </a:p>
+          <a:p>
+            <a:pPr marL="171450" indent="-171450">
+              <a:buFontTx/>
+              <a:buChar char="-"/>
+            </a:pPr>
+            <a:r>
+              <a:rPr lang="en-US" dirty="0"/>
+              <a:t>Fast</a:t>
+            </a:r>
+          </a:p>
+          <a:p>
+            <a:pPr marL="171450" indent="-171450">
+              <a:buFontTx/>
+              <a:buChar char="-"/>
+            </a:pPr>
+            <a:endParaRPr lang="en-US" dirty="0"/>
+          </a:p>
+          <a:p>
+            <a:pPr marL="171450" indent="-171450">
+              <a:buFontTx/>
+              <a:buChar char="-"/>
+            </a:pPr>
+            <a:r>
+              <a:rPr lang="en-US" dirty="0"/>
+              <a:t>Need to explain all this!</a:t>
+            </a:r>
+          </a:p>
+        </p:txBody>
+      </p:sp>
+      <p:sp>
+        <p:nvSpPr>
+          <p:cNvPr id="4" name="Slide Number Placeholder 3"/>
+          <p:cNvSpPr>
+            <a:spLocks noGrp="1"/>
+          </p:cNvSpPr>
+          <p:nvPr>
+            <p:ph type="sldNum" sz="quarter" idx="5"/>
+          </p:nvPr>
+        </p:nvSpPr>
+        <p:spPr/>
+        <p:txBody>
+          <a:bodyPr/>
+          <a:lstStyle/>
+          <a:p>
+            <a:fld id="{65E7520C-4FC8-4341-86D5-1A3A798BBF9A}" type="slidenum">
+              <a:rPr lang="en-US" smtClean="0"/>
+              <a:t>32</a:t>
+            </a:fld>
+            <a:endParaRPr lang="en-US"/>
+          </a:p>
+        </p:txBody>
+      </p:sp>
+    </p:spTree>
+    <p:extLst>
+      <p:ext uri="{BB962C8B-B14F-4D97-AF65-F5344CB8AC3E}">
+        <p14:creationId xmlns:p14="http://schemas.microsoft.com/office/powerpoint/2010/main" val="3203360650"/>
+      </p:ext>
+    </p:extLst>
+  </p:cSld>
+  <p:clrMapOvr>
+    <a:masterClrMapping/>
+  </p:clrMapOvr>
+</p:notes>
+</file>
+
+<file path=ppt/notesSlides/notesSlide23.xml><?xml version="1.0" encoding="utf-8"?>
+<p:notes xmlns:a="http://schemas.openxmlformats.org/drawingml/2006/main" xmlns:r="http://schemas.openxmlformats.org/officeDocument/2006/relationships" xmlns:p="http://schemas.openxmlformats.org/presentationml/2006/main">
+  <p:cSld>
+    <p:spTree>
+      <p:nvGrpSpPr>
+        <p:cNvPr id="1" name=""/>
+        <p:cNvGrpSpPr/>
+        <p:nvPr/>
+      </p:nvGrpSpPr>
+      <p:grpSpPr>
+        <a:xfrm>
+          <a:off x="0" y="0"/>
+          <a:ext cx="0" cy="0"/>
+          <a:chOff x="0" y="0"/>
+          <a:chExt cx="0" cy="0"/>
+        </a:xfrm>
+      </p:grpSpPr>
+      <p:sp>
+        <p:nvSpPr>
+          <p:cNvPr id="2" name="Slide Image Placeholder 1"/>
+          <p:cNvSpPr>
+            <a:spLocks noGrp="1" noRot="1" noChangeAspect="1"/>
+          </p:cNvSpPr>
+          <p:nvPr>
+            <p:ph type="sldImg"/>
+          </p:nvPr>
+        </p:nvSpPr>
+        <p:spPr/>
+      </p:sp>
+      <p:sp>
+        <p:nvSpPr>
+          <p:cNvPr id="3" name="Notes Placeholder 2"/>
+          <p:cNvSpPr>
+            <a:spLocks noGrp="1"/>
+          </p:cNvSpPr>
+          <p:nvPr>
+            <p:ph type="body" idx="1"/>
+          </p:nvPr>
+        </p:nvSpPr>
+        <p:spPr/>
+        <p:txBody>
+          <a:bodyPr/>
+          <a:lstStyle/>
+          <a:p>
+            <a:r>
+              <a:rPr lang="en-GB" sz="1200" b="0" i="0" kern="1200" dirty="0">
+                <a:solidFill>
+                  <a:schemeClr val="tx1"/>
+                </a:solidFill>
+                <a:effectLst/>
+                <a:latin typeface="+mn-lt"/>
+                <a:ea typeface="+mn-ea"/>
+                <a:cs typeface="+mn-cs"/>
+              </a:rPr>
+              <a:t>Docker containers wrap up software and its dependencies into a single software artefact that includes everything it needs to run: code, runtime, operating system and libraries – all of it’s dependencies!</a:t>
+            </a:r>
+          </a:p>
+          <a:p>
+            <a:endParaRPr lang="en-GB" sz="1200" b="0" i="0" kern="1200" dirty="0">
+              <a:solidFill>
+                <a:schemeClr val="tx1"/>
+              </a:solidFill>
+              <a:effectLst/>
+              <a:latin typeface="+mn-lt"/>
+              <a:ea typeface="+mn-ea"/>
+              <a:cs typeface="+mn-cs"/>
+            </a:endParaRPr>
+          </a:p>
+          <a:p>
+            <a:r>
+              <a:rPr lang="en-GB" sz="1200" b="0" i="0" kern="1200" dirty="0">
+                <a:solidFill>
+                  <a:schemeClr val="tx1"/>
+                </a:solidFill>
+                <a:effectLst/>
+                <a:latin typeface="+mn-lt"/>
+                <a:ea typeface="+mn-ea"/>
+                <a:cs typeface="+mn-cs"/>
+              </a:rPr>
+              <a:t>A container is basically a single, portable package containing an application, that guarantees that application will always run everywhere.</a:t>
+            </a:r>
+          </a:p>
+          <a:p>
+            <a:endParaRPr lang="en-GB" sz="1200" b="0" i="0" kern="1200" dirty="0">
+              <a:solidFill>
+                <a:schemeClr val="tx1"/>
+              </a:solidFill>
+              <a:effectLst/>
+              <a:latin typeface="+mn-lt"/>
+              <a:ea typeface="+mn-ea"/>
+              <a:cs typeface="+mn-cs"/>
+            </a:endParaRPr>
+          </a:p>
+          <a:p>
+            <a:r>
+              <a:rPr lang="en-GB" sz="1200" b="0" i="0" kern="1200" dirty="0">
+                <a:solidFill>
+                  <a:schemeClr val="tx1"/>
+                </a:solidFill>
+                <a:effectLst/>
+                <a:latin typeface="+mn-lt"/>
+                <a:ea typeface="+mn-ea"/>
+                <a:cs typeface="+mn-cs"/>
+              </a:rPr>
+              <a:t>To run your applications in new environments or developer workstations, you simply need to run the container in that environment – you don’t even need to have any of the required tech installed on the target machine (except Docker).</a:t>
+            </a:r>
+          </a:p>
+          <a:p>
+            <a:endParaRPr lang="en-GB" sz="1200" b="0" i="0" kern="1200" dirty="0">
+              <a:solidFill>
+                <a:schemeClr val="tx1"/>
+              </a:solidFill>
+              <a:effectLst/>
+              <a:latin typeface="+mn-lt"/>
+              <a:ea typeface="+mn-ea"/>
+              <a:cs typeface="+mn-cs"/>
+            </a:endParaRPr>
+          </a:p>
+          <a:p>
+            <a:r>
+              <a:rPr lang="en-GB" sz="1200" b="0" i="0" kern="1200" dirty="0">
+                <a:solidFill>
+                  <a:schemeClr val="tx1"/>
+                </a:solidFill>
+                <a:effectLst/>
+                <a:latin typeface="+mn-lt"/>
+                <a:ea typeface="+mn-ea"/>
+                <a:cs typeface="+mn-cs"/>
+              </a:rPr>
+              <a:t>Example: </a:t>
+            </a:r>
+          </a:p>
+          <a:p>
+            <a:r>
+              <a:rPr lang="en-GB" sz="1200" b="0" i="0" kern="1200" dirty="0">
+                <a:solidFill>
+                  <a:schemeClr val="tx1"/>
+                </a:solidFill>
+                <a:effectLst/>
+                <a:latin typeface="+mn-lt"/>
+                <a:ea typeface="+mn-ea"/>
+                <a:cs typeface="+mn-cs"/>
+              </a:rPr>
+              <a:t>So if I build a </a:t>
+            </a:r>
+            <a:r>
+              <a:rPr lang="en-GB" sz="1200" b="0" i="0" kern="1200" dirty="0" err="1">
+                <a:solidFill>
+                  <a:schemeClr val="tx1"/>
+                </a:solidFill>
+                <a:effectLst/>
+                <a:latin typeface="+mn-lt"/>
+                <a:ea typeface="+mn-ea"/>
+                <a:cs typeface="+mn-cs"/>
+              </a:rPr>
+              <a:t>.Net</a:t>
+            </a:r>
+            <a:r>
+              <a:rPr lang="en-GB" sz="1200" b="0" i="0" kern="1200" dirty="0">
+                <a:solidFill>
+                  <a:schemeClr val="tx1"/>
+                </a:solidFill>
+                <a:effectLst/>
+                <a:latin typeface="+mn-lt"/>
+                <a:ea typeface="+mn-ea"/>
+                <a:cs typeface="+mn-cs"/>
+              </a:rPr>
+              <a:t> Core web </a:t>
+            </a:r>
+            <a:r>
+              <a:rPr lang="en-GB" sz="1200" b="0" i="0" kern="1200" dirty="0" err="1">
+                <a:solidFill>
+                  <a:schemeClr val="tx1"/>
+                </a:solidFill>
+                <a:effectLst/>
+                <a:latin typeface="+mn-lt"/>
+                <a:ea typeface="+mn-ea"/>
+                <a:cs typeface="+mn-cs"/>
+              </a:rPr>
+              <a:t>api</a:t>
+            </a:r>
+            <a:r>
+              <a:rPr lang="en-GB" sz="1200" b="0" i="0" kern="1200" dirty="0">
+                <a:solidFill>
+                  <a:schemeClr val="tx1"/>
+                </a:solidFill>
+                <a:effectLst/>
+                <a:latin typeface="+mn-lt"/>
+                <a:ea typeface="+mn-ea"/>
+                <a:cs typeface="+mn-cs"/>
+              </a:rPr>
+              <a:t> to expose functionality you need and you want to run it on your local machine, you can simply pull the code from </a:t>
+            </a:r>
+            <a:r>
+              <a:rPr lang="en-GB" sz="1200" b="0" i="0" kern="1200" dirty="0" err="1">
+                <a:solidFill>
+                  <a:schemeClr val="tx1"/>
+                </a:solidFill>
+                <a:effectLst/>
+                <a:latin typeface="+mn-lt"/>
+                <a:ea typeface="+mn-ea"/>
+                <a:cs typeface="+mn-cs"/>
+              </a:rPr>
+              <a:t>Github</a:t>
+            </a:r>
+            <a:r>
+              <a:rPr lang="en-GB" sz="1200" b="0" i="0" kern="1200" dirty="0">
+                <a:solidFill>
+                  <a:schemeClr val="tx1"/>
+                </a:solidFill>
+                <a:effectLst/>
+                <a:latin typeface="+mn-lt"/>
+                <a:ea typeface="+mn-ea"/>
+                <a:cs typeface="+mn-cs"/>
+              </a:rPr>
+              <a:t>, build and run the container, and then start hitting the </a:t>
+            </a:r>
+            <a:r>
+              <a:rPr lang="en-GB" sz="1200" b="0" i="0" kern="1200" dirty="0" err="1">
+                <a:solidFill>
+                  <a:schemeClr val="tx1"/>
+                </a:solidFill>
+                <a:effectLst/>
+                <a:latin typeface="+mn-lt"/>
+                <a:ea typeface="+mn-ea"/>
+                <a:cs typeface="+mn-cs"/>
+              </a:rPr>
+              <a:t>api</a:t>
+            </a:r>
+            <a:r>
+              <a:rPr lang="en-GB" sz="1200" b="0" i="0" kern="1200" dirty="0">
+                <a:solidFill>
+                  <a:schemeClr val="tx1"/>
+                </a:solidFill>
+                <a:effectLst/>
+                <a:latin typeface="+mn-lt"/>
+                <a:ea typeface="+mn-ea"/>
+                <a:cs typeface="+mn-cs"/>
+              </a:rPr>
+              <a:t> from your app, or postman. You don’t need to worry about what version of </a:t>
+            </a:r>
+            <a:r>
+              <a:rPr lang="en-GB" sz="1200" b="0" i="0" kern="1200" dirty="0" err="1">
+                <a:solidFill>
+                  <a:schemeClr val="tx1"/>
+                </a:solidFill>
+                <a:effectLst/>
+                <a:latin typeface="+mn-lt"/>
+                <a:ea typeface="+mn-ea"/>
+                <a:cs typeface="+mn-cs"/>
+              </a:rPr>
+              <a:t>.Net</a:t>
+            </a:r>
+            <a:r>
+              <a:rPr lang="en-GB" sz="1200" b="0" i="0" kern="1200" dirty="0">
+                <a:solidFill>
+                  <a:schemeClr val="tx1"/>
+                </a:solidFill>
+                <a:effectLst/>
+                <a:latin typeface="+mn-lt"/>
+                <a:ea typeface="+mn-ea"/>
+                <a:cs typeface="+mn-cs"/>
+              </a:rPr>
+              <a:t> it runs on, you don’t even need </a:t>
+            </a:r>
+            <a:r>
+              <a:rPr lang="en-GB" sz="1200" b="0" i="0" kern="1200" dirty="0" err="1">
+                <a:solidFill>
+                  <a:schemeClr val="tx1"/>
+                </a:solidFill>
+                <a:effectLst/>
+                <a:latin typeface="+mn-lt"/>
+                <a:ea typeface="+mn-ea"/>
+                <a:cs typeface="+mn-cs"/>
+              </a:rPr>
+              <a:t>.Net</a:t>
+            </a:r>
+            <a:r>
+              <a:rPr lang="en-GB" sz="1200" b="0" i="0" kern="1200" dirty="0">
+                <a:solidFill>
+                  <a:schemeClr val="tx1"/>
+                </a:solidFill>
+                <a:effectLst/>
+                <a:latin typeface="+mn-lt"/>
+                <a:ea typeface="+mn-ea"/>
+                <a:cs typeface="+mn-cs"/>
+              </a:rPr>
+              <a:t> installed on your machine, you just need Docker.</a:t>
+            </a:r>
+          </a:p>
+          <a:p>
+            <a:r>
+              <a:rPr lang="en-GB" sz="1200" b="0" i="0" kern="1200" dirty="0">
+                <a:solidFill>
+                  <a:schemeClr val="tx1"/>
+                </a:solidFill>
+                <a:effectLst/>
+                <a:latin typeface="+mn-lt"/>
+                <a:ea typeface="+mn-ea"/>
+                <a:cs typeface="+mn-cs"/>
+              </a:rPr>
+              <a:t>You don’t even need to worry about what operating system it needs, you just need Docker.</a:t>
+            </a:r>
+          </a:p>
+        </p:txBody>
+      </p:sp>
+      <p:sp>
+        <p:nvSpPr>
+          <p:cNvPr id="4" name="Slide Number Placeholder 3"/>
+          <p:cNvSpPr>
+            <a:spLocks noGrp="1"/>
+          </p:cNvSpPr>
+          <p:nvPr>
+            <p:ph type="sldNum" sz="quarter" idx="5"/>
+          </p:nvPr>
+        </p:nvSpPr>
+        <p:spPr/>
+        <p:txBody>
+          <a:bodyPr/>
+          <a:lstStyle/>
+          <a:p>
+            <a:fld id="{65E7520C-4FC8-4341-86D5-1A3A798BBF9A}" type="slidenum">
+              <a:rPr lang="en-US" smtClean="0"/>
+              <a:t>33</a:t>
+            </a:fld>
+            <a:endParaRPr lang="en-US"/>
+          </a:p>
+        </p:txBody>
+      </p:sp>
+    </p:spTree>
+    <p:extLst>
+      <p:ext uri="{BB962C8B-B14F-4D97-AF65-F5344CB8AC3E}">
+        <p14:creationId xmlns:p14="http://schemas.microsoft.com/office/powerpoint/2010/main" val="3310502452"/>
+      </p:ext>
+    </p:extLst>
+  </p:cSld>
+  <p:clrMapOvr>
+    <a:masterClrMapping/>
+  </p:clrMapOvr>
+</p:notes>
+</file>
+
+<file path=ppt/notesSlides/notesSlide24.xml><?xml version="1.0" encoding="utf-8"?>
+<p:notes xmlns:a="http://schemas.openxmlformats.org/drawingml/2006/main" xmlns:r="http://schemas.openxmlformats.org/officeDocument/2006/relationships" xmlns:p="http://schemas.openxmlformats.org/presentationml/2006/main">
+  <p:cSld>
+    <p:spTree>
+      <p:nvGrpSpPr>
+        <p:cNvPr id="1" name=""/>
+        <p:cNvGrpSpPr/>
+        <p:nvPr/>
+      </p:nvGrpSpPr>
+      <p:grpSpPr>
+        <a:xfrm>
+          <a:off x="0" y="0"/>
+          <a:ext cx="0" cy="0"/>
+          <a:chOff x="0" y="0"/>
+          <a:chExt cx="0" cy="0"/>
+        </a:xfrm>
+      </p:grpSpPr>
+      <p:sp>
+        <p:nvSpPr>
+          <p:cNvPr id="2" name="Slide Image Placeholder 1"/>
+          <p:cNvSpPr>
+            <a:spLocks noGrp="1" noRot="1" noChangeAspect="1"/>
+          </p:cNvSpPr>
+          <p:nvPr>
+            <p:ph type="sldImg"/>
+          </p:nvPr>
+        </p:nvSpPr>
+        <p:spPr/>
+      </p:sp>
+      <p:sp>
+        <p:nvSpPr>
+          <p:cNvPr id="3" name="Notes Placeholder 2"/>
+          <p:cNvSpPr>
+            <a:spLocks noGrp="1"/>
+          </p:cNvSpPr>
+          <p:nvPr>
+            <p:ph type="body" idx="1"/>
+          </p:nvPr>
+        </p:nvSpPr>
+        <p:spPr/>
+        <p:txBody>
+          <a:bodyPr/>
+          <a:lstStyle/>
+          <a:p>
+            <a:r>
+              <a:rPr lang="en-US" dirty="0"/>
+              <a:t>Containers are often described as or compared to Virtual Machines, but this is a poor comparison.</a:t>
+            </a:r>
+          </a:p>
+          <a:p>
+            <a:endParaRPr lang="en-US" dirty="0"/>
+          </a:p>
+          <a:p>
+            <a:r>
+              <a:rPr lang="en-US" dirty="0"/>
+              <a:t>Containers are thin layers that are applied on top of an operating system, where as VMs contain the operating system they are standing in for.</a:t>
+            </a:r>
+          </a:p>
+          <a:p>
+            <a:endParaRPr lang="en-US" dirty="0"/>
+          </a:p>
+          <a:p>
+            <a:r>
+              <a:rPr lang="en-US" dirty="0"/>
+              <a:t>Both models share the resources of the Host, but Containers are more light weight than VMs, and therefore faster to spin up and tear down.</a:t>
+            </a:r>
+          </a:p>
+          <a:p>
+            <a:endParaRPr lang="en-US" dirty="0"/>
+          </a:p>
+          <a:p>
+            <a:r>
+              <a:rPr lang="en-US" dirty="0"/>
+              <a:t>VM’s are built to mimic a physical server, and although can be spun up and town down on demand, the lifespan of a VM is typically measured in days or months, where as a container may live for only a minute of so before being destroyed, or could stay running for long periods too.</a:t>
+            </a:r>
+          </a:p>
+          <a:p>
+            <a:endParaRPr lang="en-US" dirty="0"/>
+          </a:p>
+        </p:txBody>
+      </p:sp>
+      <p:sp>
+        <p:nvSpPr>
+          <p:cNvPr id="4" name="Slide Number Placeholder 3"/>
+          <p:cNvSpPr>
+            <a:spLocks noGrp="1"/>
+          </p:cNvSpPr>
+          <p:nvPr>
+            <p:ph type="sldNum" sz="quarter" idx="5"/>
+          </p:nvPr>
+        </p:nvSpPr>
+        <p:spPr/>
+        <p:txBody>
+          <a:bodyPr/>
+          <a:lstStyle/>
+          <a:p>
+            <a:fld id="{65E7520C-4FC8-4341-86D5-1A3A798BBF9A}" type="slidenum">
+              <a:rPr lang="en-US" smtClean="0"/>
+              <a:t>34</a:t>
+            </a:fld>
+            <a:endParaRPr lang="en-US"/>
+          </a:p>
+        </p:txBody>
+      </p:sp>
+    </p:spTree>
+    <p:extLst>
+      <p:ext uri="{BB962C8B-B14F-4D97-AF65-F5344CB8AC3E}">
+        <p14:creationId xmlns:p14="http://schemas.microsoft.com/office/powerpoint/2010/main" val="1233940746"/>
+      </p:ext>
+    </p:extLst>
+  </p:cSld>
+  <p:clrMapOvr>
+    <a:masterClrMapping/>
+  </p:clrMapOvr>
+</p:notes>
+</file>
+
+<file path=ppt/notesSlides/notesSlide25.xml><?xml version="1.0" encoding="utf-8"?>
+<p:notes xmlns:a="http://schemas.openxmlformats.org/drawingml/2006/main" xmlns:r="http://schemas.openxmlformats.org/officeDocument/2006/relationships" xmlns:p="http://schemas.openxmlformats.org/presentationml/2006/main">
+  <p:cSld>
+    <p:spTree>
+      <p:nvGrpSpPr>
+        <p:cNvPr id="1" name=""/>
+        <p:cNvGrpSpPr/>
+        <p:nvPr/>
+      </p:nvGrpSpPr>
+      <p:grpSpPr>
+        <a:xfrm>
+          <a:off x="0" y="0"/>
+          <a:ext cx="0" cy="0"/>
+          <a:chOff x="0" y="0"/>
+          <a:chExt cx="0" cy="0"/>
+        </a:xfrm>
+      </p:grpSpPr>
+      <p:sp>
+        <p:nvSpPr>
+          <p:cNvPr id="2" name="Slide Image Placeholder 1"/>
+          <p:cNvSpPr>
+            <a:spLocks noGrp="1" noRot="1" noChangeAspect="1"/>
+          </p:cNvSpPr>
+          <p:nvPr>
+            <p:ph type="sldImg"/>
+          </p:nvPr>
+        </p:nvSpPr>
+        <p:spPr/>
+      </p:sp>
+      <p:sp>
+        <p:nvSpPr>
+          <p:cNvPr id="3" name="Notes Placeholder 2"/>
+          <p:cNvSpPr>
+            <a:spLocks noGrp="1"/>
+          </p:cNvSpPr>
+          <p:nvPr>
+            <p:ph type="body" idx="1"/>
+          </p:nvPr>
+        </p:nvSpPr>
+        <p:spPr/>
+        <p:txBody>
+          <a:bodyPr/>
+          <a:lstStyle/>
+          <a:p>
+            <a:r>
+              <a:rPr lang="en-US" dirty="0"/>
+              <a:t>It’s fast, in many aspects:</a:t>
+            </a:r>
+          </a:p>
+          <a:p>
+            <a:pPr marL="171450" indent="-171450">
+              <a:buFont typeface="Arial" panose="020B0604020202020204" pitchFamily="34" charset="0"/>
+              <a:buChar char="•"/>
+            </a:pPr>
+            <a:r>
+              <a:rPr lang="en-US" dirty="0"/>
+              <a:t>spinning up a container can take as little as a few seconds, especially Unix containers which are mush faster than Windows containers</a:t>
+            </a:r>
+          </a:p>
+          <a:p>
+            <a:pPr marL="171450" indent="-171450">
+              <a:buFont typeface="Arial" panose="020B0604020202020204" pitchFamily="34" charset="0"/>
+              <a:buChar char="•"/>
+            </a:pPr>
+            <a:r>
+              <a:rPr lang="en-US" dirty="0"/>
+              <a:t>new </a:t>
+            </a:r>
+            <a:r>
+              <a:rPr lang="en-US" dirty="0" err="1"/>
+              <a:t>devs</a:t>
+            </a:r>
+            <a:r>
+              <a:rPr lang="en-US" dirty="0"/>
+              <a:t> on the team can be setup in minutes instead of hours, days or weeks, so they can start delivering value faster</a:t>
+            </a:r>
+          </a:p>
+          <a:p>
+            <a:pPr marL="171450" marR="0" lvl="0" indent="-171450" algn="l" defTabSz="914400" rtl="0" eaLnBrk="1" fontAlgn="auto" latinLnBrk="0" hangingPunct="1">
+              <a:lnSpc>
+                <a:spcPct val="100000"/>
+              </a:lnSpc>
+              <a:spcBef>
+                <a:spcPts val="0"/>
+              </a:spcBef>
+              <a:spcAft>
+                <a:spcPts val="0"/>
+              </a:spcAft>
+              <a:buClrTx/>
+              <a:buSzTx/>
+              <a:buFont typeface="Arial" panose="020B0604020202020204" pitchFamily="34" charset="0"/>
+              <a:buChar char="•"/>
+              <a:tabLst/>
+              <a:defRPr/>
+            </a:pPr>
+            <a:r>
+              <a:rPr lang="en-US" dirty="0"/>
+              <a:t>Massively reduces the burden of keeping software running on less technical team members development environments</a:t>
+            </a:r>
+          </a:p>
+          <a:p>
+            <a:pPr marL="171450" marR="0" lvl="0" indent="-171450" algn="l" defTabSz="914400" rtl="0" eaLnBrk="1" fontAlgn="auto" latinLnBrk="0" hangingPunct="1">
+              <a:lnSpc>
+                <a:spcPct val="100000"/>
+              </a:lnSpc>
+              <a:spcBef>
+                <a:spcPts val="0"/>
+              </a:spcBef>
+              <a:spcAft>
+                <a:spcPts val="0"/>
+              </a:spcAft>
+              <a:buClrTx/>
+              <a:buSzTx/>
+              <a:buFont typeface="Arial" panose="020B0604020202020204" pitchFamily="34" charset="0"/>
+              <a:buChar char="•"/>
+              <a:tabLst/>
+              <a:defRPr/>
+            </a:pPr>
+            <a:r>
+              <a:rPr lang="en-US" dirty="0"/>
+              <a:t>Enables automation, and therefore reduces human error and speeds up delivery.</a:t>
+            </a:r>
+          </a:p>
+          <a:p>
+            <a:endParaRPr lang="en-US" dirty="0"/>
+          </a:p>
+          <a:p>
+            <a:r>
+              <a:rPr lang="en-US" dirty="0"/>
+              <a:t>Its also a highly sort after skillset – industry standard – stack overflow (Expand a little)</a:t>
+            </a:r>
+          </a:p>
+          <a:p>
+            <a:pPr marL="171450" indent="-171450">
+              <a:buFont typeface="Arial" panose="020B0604020202020204" pitchFamily="34" charset="0"/>
+              <a:buChar char="•"/>
+            </a:pPr>
+            <a:endParaRPr lang="en-US" dirty="0"/>
+          </a:p>
+          <a:p>
+            <a:r>
+              <a:rPr lang="en-US" dirty="0"/>
+              <a:t>OS &amp; Language agnostic – so it fits well with polyglot development </a:t>
+            </a:r>
+          </a:p>
+          <a:p>
+            <a:r>
+              <a:rPr lang="en-US" dirty="0"/>
+              <a:t>Everything just works ‘out the box’ solves the age old headache of environment setup and configuration of new environments and workstations, so gone are the days of ”Works on my machine!” </a:t>
+            </a:r>
+          </a:p>
+          <a:p>
+            <a:endParaRPr lang="en-US" dirty="0"/>
+          </a:p>
+          <a:p>
+            <a:r>
+              <a:rPr lang="en-US" dirty="0"/>
+              <a:t>And, as already stated, puts you in control of infrastructure – you’ll see exactly how and why that is soon.</a:t>
+            </a:r>
+          </a:p>
+          <a:p>
+            <a:endParaRPr lang="en-US" dirty="0"/>
+          </a:p>
+        </p:txBody>
+      </p:sp>
+      <p:sp>
+        <p:nvSpPr>
+          <p:cNvPr id="4" name="Slide Number Placeholder 3"/>
+          <p:cNvSpPr>
+            <a:spLocks noGrp="1"/>
+          </p:cNvSpPr>
+          <p:nvPr>
+            <p:ph type="sldNum" sz="quarter" idx="5"/>
+          </p:nvPr>
+        </p:nvSpPr>
+        <p:spPr/>
+        <p:txBody>
+          <a:bodyPr/>
+          <a:lstStyle/>
+          <a:p>
+            <a:fld id="{65E7520C-4FC8-4341-86D5-1A3A798BBF9A}" type="slidenum">
+              <a:rPr lang="en-US" smtClean="0"/>
+              <a:t>35</a:t>
+            </a:fld>
+            <a:endParaRPr lang="en-US"/>
+          </a:p>
+        </p:txBody>
+      </p:sp>
+    </p:spTree>
+    <p:extLst>
+      <p:ext uri="{BB962C8B-B14F-4D97-AF65-F5344CB8AC3E}">
+        <p14:creationId xmlns:p14="http://schemas.microsoft.com/office/powerpoint/2010/main" val="565019329"/>
+      </p:ext>
+    </p:extLst>
+  </p:cSld>
+  <p:clrMapOvr>
+    <a:masterClrMapping/>
+  </p:clrMapOvr>
+</p:notes>
+</file>
+
+<file path=ppt/notesSlides/notesSlide26.xml><?xml version="1.0" encoding="utf-8"?>
+<p:notes xmlns:a="http://schemas.openxmlformats.org/drawingml/2006/main" xmlns:r="http://schemas.openxmlformats.org/officeDocument/2006/relationships" xmlns:p="http://schemas.openxmlformats.org/presentationml/2006/main">
+  <p:cSld>
+    <p:spTree>
+      <p:nvGrpSpPr>
+        <p:cNvPr id="1" name=""/>
+        <p:cNvGrpSpPr/>
+        <p:nvPr/>
+      </p:nvGrpSpPr>
+      <p:grpSpPr>
+        <a:xfrm>
+          <a:off x="0" y="0"/>
+          <a:ext cx="0" cy="0"/>
+          <a:chOff x="0" y="0"/>
+          <a:chExt cx="0" cy="0"/>
+        </a:xfrm>
+      </p:grpSpPr>
+      <p:sp>
+        <p:nvSpPr>
+          <p:cNvPr id="2" name="Slide Image Placeholder 1"/>
+          <p:cNvSpPr>
+            <a:spLocks noGrp="1" noRot="1" noChangeAspect="1"/>
+          </p:cNvSpPr>
+          <p:nvPr>
+            <p:ph type="sldImg"/>
+          </p:nvPr>
+        </p:nvSpPr>
+        <p:spPr/>
+      </p:sp>
+      <p:sp>
+        <p:nvSpPr>
+          <p:cNvPr id="3" name="Notes Placeholder 2"/>
+          <p:cNvSpPr>
+            <a:spLocks noGrp="1"/>
+          </p:cNvSpPr>
+          <p:nvPr>
+            <p:ph type="body" idx="1"/>
+          </p:nvPr>
+        </p:nvSpPr>
+        <p:spPr/>
+        <p:txBody>
+          <a:bodyPr/>
+          <a:lstStyle/>
+          <a:p>
+            <a:r>
+              <a:rPr lang="en-US" dirty="0"/>
+              <a:t>Quick demo to pull a dotnet image from docker hub, build a run, then browse to the site.</a:t>
+            </a:r>
+          </a:p>
+        </p:txBody>
+      </p:sp>
+      <p:sp>
+        <p:nvSpPr>
+          <p:cNvPr id="4" name="Slide Number Placeholder 3"/>
+          <p:cNvSpPr>
+            <a:spLocks noGrp="1"/>
+          </p:cNvSpPr>
+          <p:nvPr>
+            <p:ph type="sldNum" sz="quarter" idx="5"/>
+          </p:nvPr>
+        </p:nvSpPr>
+        <p:spPr/>
+        <p:txBody>
+          <a:bodyPr/>
+          <a:lstStyle/>
+          <a:p>
+            <a:fld id="{65E7520C-4FC8-4341-86D5-1A3A798BBF9A}" type="slidenum">
+              <a:rPr lang="en-US" smtClean="0"/>
+              <a:t>36</a:t>
+            </a:fld>
+            <a:endParaRPr lang="en-US"/>
+          </a:p>
+        </p:txBody>
+      </p:sp>
+    </p:spTree>
+    <p:extLst>
+      <p:ext uri="{BB962C8B-B14F-4D97-AF65-F5344CB8AC3E}">
+        <p14:creationId xmlns:p14="http://schemas.microsoft.com/office/powerpoint/2010/main" val="2353671328"/>
+      </p:ext>
+    </p:extLst>
+  </p:cSld>
+  <p:clrMapOvr>
+    <a:masterClrMapping/>
+  </p:clrMapOvr>
+</p:notes>
+</file>
+
+<file path=ppt/notesSlides/notesSlide27.xml><?xml version="1.0" encoding="utf-8"?>
+<p:notes xmlns:a="http://schemas.openxmlformats.org/drawingml/2006/main" xmlns:r="http://schemas.openxmlformats.org/officeDocument/2006/relationships" xmlns:p="http://schemas.openxmlformats.org/presentationml/2006/main">
+  <p:cSld>
+    <p:spTree>
+      <p:nvGrpSpPr>
+        <p:cNvPr id="1" name=""/>
+        <p:cNvGrpSpPr/>
+        <p:nvPr/>
+      </p:nvGrpSpPr>
+      <p:grpSpPr>
+        <a:xfrm>
+          <a:off x="0" y="0"/>
+          <a:ext cx="0" cy="0"/>
+          <a:chOff x="0" y="0"/>
+          <a:chExt cx="0" cy="0"/>
+        </a:xfrm>
+      </p:grpSpPr>
+      <p:sp>
+        <p:nvSpPr>
+          <p:cNvPr id="2" name="Slide Image Placeholder 1"/>
+          <p:cNvSpPr>
+            <a:spLocks noGrp="1" noRot="1" noChangeAspect="1"/>
+          </p:cNvSpPr>
+          <p:nvPr>
+            <p:ph type="sldImg"/>
+          </p:nvPr>
+        </p:nvSpPr>
+        <p:spPr/>
+      </p:sp>
+      <p:sp>
+        <p:nvSpPr>
+          <p:cNvPr id="3" name="Notes Placeholder 2"/>
+          <p:cNvSpPr>
+            <a:spLocks noGrp="1"/>
+          </p:cNvSpPr>
+          <p:nvPr>
+            <p:ph type="body" idx="1"/>
+          </p:nvPr>
+        </p:nvSpPr>
+        <p:spPr/>
+        <p:txBody>
+          <a:bodyPr/>
+          <a:lstStyle/>
+          <a:p>
+            <a:r>
+              <a:rPr lang="en-US" dirty="0"/>
+              <a:t>High level …. Docker is a very simple tool for building and sharing our software with others.</a:t>
+            </a:r>
+          </a:p>
+          <a:p>
+            <a:endParaRPr lang="en-US" dirty="0"/>
+          </a:p>
+          <a:p>
+            <a:r>
+              <a:rPr lang="en-US" dirty="0"/>
+              <a:t>You’ll see in the coming demos that it:</a:t>
+            </a:r>
+          </a:p>
+          <a:p>
+            <a:endParaRPr lang="en-US" dirty="0"/>
+          </a:p>
+          <a:p>
+            <a:pPr marL="171450" indent="-171450">
+              <a:buFont typeface="Arial" panose="020B0604020202020204" pitchFamily="34" charset="0"/>
+              <a:buChar char="•"/>
+            </a:pPr>
+            <a:r>
+              <a:rPr lang="en-US" dirty="0" err="1"/>
+              <a:t>standardises</a:t>
+            </a:r>
+            <a:r>
+              <a:rPr lang="en-US" dirty="0"/>
+              <a:t> how we build and interact with our applications, making them technology agnostic from the outside. </a:t>
+            </a:r>
+          </a:p>
+          <a:p>
+            <a:endParaRPr lang="en-US" dirty="0"/>
+          </a:p>
+          <a:p>
+            <a:pPr marL="171450" indent="-171450">
+              <a:buFont typeface="Arial" panose="020B0604020202020204" pitchFamily="34" charset="0"/>
+              <a:buChar char="•"/>
+            </a:pPr>
+            <a:r>
+              <a:rPr lang="en-US" dirty="0"/>
+              <a:t>enables Dev teams to focus on delivering working software, while also giving them more control over the infrastructure in which that software runs: for example, if you want your service to run on version 3 of </a:t>
+            </a:r>
+            <a:r>
+              <a:rPr lang="en-US" dirty="0" err="1"/>
+              <a:t>.Net</a:t>
+            </a:r>
+            <a:r>
+              <a:rPr lang="en-US" dirty="0"/>
+              <a:t> Core then you are in control of that, not the Release Team, and you don’t need to worry if that dependency will be installed in production when it comes to going live.</a:t>
+            </a:r>
+          </a:p>
+          <a:p>
+            <a:endParaRPr lang="en-US" dirty="0"/>
+          </a:p>
+          <a:p>
+            <a:pPr marL="171450" indent="-171450">
+              <a:buFont typeface="Arial" panose="020B0604020202020204" pitchFamily="34" charset="0"/>
+              <a:buChar char="•"/>
+            </a:pPr>
+            <a:r>
+              <a:rPr lang="en-US" dirty="0"/>
+              <a:t>Enables Ops teams of focus on deploying software to various environment without getting bogged down in technical details of provisioning environments, for example; version A requires version 3 of dependency B. This means that they can focus on improving the deployment process. </a:t>
+            </a:r>
+          </a:p>
+          <a:p>
+            <a:endParaRPr lang="en-US" dirty="0"/>
+          </a:p>
+          <a:p>
+            <a:pPr marL="171450" indent="-171450">
+              <a:buFont typeface="Arial" panose="020B0604020202020204" pitchFamily="34" charset="0"/>
+              <a:buChar char="•"/>
+            </a:pPr>
+            <a:r>
+              <a:rPr lang="en-US" dirty="0"/>
+              <a:t>All of this creates a clear handover point between dev and ops, and means there is a lot less wasted time going back and forth between these teams. </a:t>
+            </a:r>
+          </a:p>
+          <a:p>
+            <a:endParaRPr lang="en-US" dirty="0"/>
+          </a:p>
+          <a:p>
+            <a:r>
+              <a:rPr lang="en-US" dirty="0"/>
+              <a:t>That sounds great – How does it do that?</a:t>
+            </a:r>
+          </a:p>
+        </p:txBody>
+      </p:sp>
+      <p:sp>
+        <p:nvSpPr>
+          <p:cNvPr id="4" name="Slide Number Placeholder 3"/>
+          <p:cNvSpPr>
+            <a:spLocks noGrp="1"/>
+          </p:cNvSpPr>
+          <p:nvPr>
+            <p:ph type="sldNum" sz="quarter" idx="5"/>
+          </p:nvPr>
+        </p:nvSpPr>
+        <p:spPr/>
+        <p:txBody>
+          <a:bodyPr/>
+          <a:lstStyle/>
+          <a:p>
+            <a:fld id="{65E7520C-4FC8-4341-86D5-1A3A798BBF9A}" type="slidenum">
+              <a:rPr lang="en-US" smtClean="0"/>
+              <a:t>37</a:t>
+            </a:fld>
+            <a:endParaRPr lang="en-US"/>
+          </a:p>
+        </p:txBody>
+      </p:sp>
+    </p:spTree>
+    <p:extLst>
+      <p:ext uri="{BB962C8B-B14F-4D97-AF65-F5344CB8AC3E}">
+        <p14:creationId xmlns:p14="http://schemas.microsoft.com/office/powerpoint/2010/main" val="2160031897"/>
       </p:ext>
     </p:extLst>
   </p:cSld>
@@ -2230,7 +3472,7 @@
           <a:p>
             <a:fld id="{65E7520C-4FC8-4341-86D5-1A3A798BBF9A}" type="slidenum">
               <a:rPr lang="en-US" smtClean="0"/>
-              <a:t>10</a:t>
+              <a:t>6</a:t>
             </a:fld>
             <a:endParaRPr lang="en-US"/>
           </a:p>
@@ -2239,7 +3481,7 @@
     </p:spTree>
     <p:extLst>
       <p:ext uri="{BB962C8B-B14F-4D97-AF65-F5344CB8AC3E}">
-        <p14:creationId xmlns:p14="http://schemas.microsoft.com/office/powerpoint/2010/main" val="820360631"/>
+        <p14:creationId xmlns:p14="http://schemas.microsoft.com/office/powerpoint/2010/main" val="3794809964"/>
       </p:ext>
     </p:extLst>
   </p:cSld>
@@ -2314,7 +3556,7 @@
           <a:p>
             <a:fld id="{65E7520C-4FC8-4341-86D5-1A3A798BBF9A}" type="slidenum">
               <a:rPr lang="en-US" smtClean="0"/>
-              <a:t>13</a:t>
+              <a:t>10</a:t>
             </a:fld>
             <a:endParaRPr lang="en-US"/>
           </a:p>
@@ -2323,7 +3565,7 @@
     </p:spTree>
     <p:extLst>
       <p:ext uri="{BB962C8B-B14F-4D97-AF65-F5344CB8AC3E}">
-        <p14:creationId xmlns:p14="http://schemas.microsoft.com/office/powerpoint/2010/main" val="231714972"/>
+        <p14:creationId xmlns:p14="http://schemas.microsoft.com/office/powerpoint/2010/main" val="820360631"/>
       </p:ext>
     </p:extLst>
   </p:cSld>
@@ -2377,128 +3619,7 @@
           <a:bodyPr/>
           <a:lstStyle/>
           <a:p>
-            <a:r>
-              <a:rPr lang="en-US" dirty="0"/>
-              <a:t>Ok, so we now know what Docker is and have an idea of what it can do for us once we have our apps in Containers.</a:t>
-            </a:r>
-          </a:p>
-          <a:p>
-            <a:r>
-              <a:rPr lang="en-US" dirty="0"/>
-              <a:t>Now we need to know how to get our app inside a container?</a:t>
-            </a:r>
-          </a:p>
-          <a:p>
             <a:endParaRPr lang="en-US" dirty="0"/>
-          </a:p>
-          <a:p>
-            <a:r>
-              <a:rPr lang="en-US" dirty="0"/>
-              <a:t>You spin up a Container instance from an Image. (note the language I used there - spin up a Container Instance or Instances, from an image) </a:t>
-            </a:r>
-          </a:p>
-          <a:p>
-            <a:r>
-              <a:rPr lang="en-GB" sz="1200" b="0" i="0" kern="1200" dirty="0">
-                <a:solidFill>
-                  <a:schemeClr val="tx1"/>
-                </a:solidFill>
-                <a:effectLst/>
-                <a:latin typeface="+mn-lt"/>
-                <a:ea typeface="+mn-ea"/>
-                <a:cs typeface="+mn-cs"/>
-              </a:rPr>
-              <a:t>A </a:t>
-            </a:r>
-            <a:r>
-              <a:rPr lang="en-GB" sz="1200" b="1" i="0" kern="1200" dirty="0">
-                <a:solidFill>
-                  <a:schemeClr val="tx1"/>
-                </a:solidFill>
-                <a:effectLst/>
-                <a:latin typeface="+mn-lt"/>
-                <a:ea typeface="+mn-ea"/>
-                <a:cs typeface="+mn-cs"/>
-              </a:rPr>
-              <a:t>Container</a:t>
-            </a:r>
-            <a:r>
-              <a:rPr lang="en-GB" sz="1200" b="0" i="0" kern="1200" dirty="0">
-                <a:solidFill>
-                  <a:schemeClr val="tx1"/>
-                </a:solidFill>
-                <a:effectLst/>
-                <a:latin typeface="+mn-lt"/>
-                <a:ea typeface="+mn-ea"/>
-                <a:cs typeface="+mn-cs"/>
-              </a:rPr>
-              <a:t> is a runtime instance of an image, and you can have many instances, for example, in a load balanced environment.</a:t>
-            </a:r>
-          </a:p>
-          <a:p>
-            <a:endParaRPr lang="en-US" dirty="0"/>
-          </a:p>
-          <a:p>
-            <a:r>
-              <a:rPr lang="en-GB" sz="1200" b="0" i="0" kern="1200" dirty="0">
-                <a:solidFill>
-                  <a:schemeClr val="tx1"/>
-                </a:solidFill>
-                <a:effectLst/>
-                <a:latin typeface="+mn-lt"/>
-                <a:ea typeface="+mn-ea"/>
-                <a:cs typeface="+mn-cs"/>
-              </a:rPr>
-              <a:t>An </a:t>
-            </a:r>
-            <a:r>
-              <a:rPr lang="en-GB" sz="1200" b="1" i="0" kern="1200" dirty="0">
-                <a:solidFill>
-                  <a:schemeClr val="tx1"/>
-                </a:solidFill>
-                <a:effectLst/>
-                <a:latin typeface="+mn-lt"/>
-                <a:ea typeface="+mn-ea"/>
-                <a:cs typeface="+mn-cs"/>
-              </a:rPr>
-              <a:t>image</a:t>
-            </a:r>
-            <a:r>
-              <a:rPr lang="en-GB" sz="1200" b="0" i="0" kern="1200" dirty="0">
-                <a:solidFill>
-                  <a:schemeClr val="tx1"/>
-                </a:solidFill>
-                <a:effectLst/>
-                <a:latin typeface="+mn-lt"/>
-                <a:ea typeface="+mn-ea"/>
-                <a:cs typeface="+mn-cs"/>
-              </a:rPr>
-              <a:t> is an executable package that includes everything needed to run an application-</a:t>
-            </a:r>
-            <a:endParaRPr lang="en-US" dirty="0"/>
-          </a:p>
-          <a:p>
-            <a:r>
-              <a:rPr lang="en-US" dirty="0"/>
-              <a:t>You define an image using a </a:t>
-            </a:r>
-            <a:r>
-              <a:rPr lang="en-US" dirty="0" err="1"/>
-              <a:t>Dockerfile</a:t>
-            </a:r>
-            <a:r>
-              <a:rPr lang="en-US" dirty="0"/>
-              <a:t>, which contains all the instructions for creating your image.</a:t>
-            </a:r>
-          </a:p>
-          <a:p>
-            <a:endParaRPr lang="en-US" dirty="0"/>
-          </a:p>
-          <a:p>
-            <a:r>
-              <a:rPr lang="en-US" dirty="0"/>
-              <a:t>Its essentially the blue prints for what every Container instance created from it will look like and behave.</a:t>
-            </a:r>
           </a:p>
         </p:txBody>
       </p:sp>
@@ -2519,7 +3640,7 @@
           <a:p>
             <a:fld id="{65E7520C-4FC8-4341-86D5-1A3A798BBF9A}" type="slidenum">
               <a:rPr lang="en-US" smtClean="0"/>
-              <a:t>14</a:t>
+              <a:t>13</a:t>
             </a:fld>
             <a:endParaRPr lang="en-US"/>
           </a:p>
@@ -2528,7 +3649,7 @@
     </p:spTree>
     <p:extLst>
       <p:ext uri="{BB962C8B-B14F-4D97-AF65-F5344CB8AC3E}">
-        <p14:creationId xmlns:p14="http://schemas.microsoft.com/office/powerpoint/2010/main" val="3768059179"/>
+        <p14:creationId xmlns:p14="http://schemas.microsoft.com/office/powerpoint/2010/main" val="231714972"/>
       </p:ext>
     </p:extLst>
   </p:cSld>
@@ -2584,110 +3705,125 @@
           <a:p>
             <a:r>
               <a:rPr lang="en-US" dirty="0"/>
-              <a:t>In a moment we will have a look at our first </a:t>
+              <a:t>Ok, so we now know what Docker is and have an idea of what it can do for us once we have our apps in Containers.</a:t>
+            </a:r>
+          </a:p>
+          <a:p>
+            <a:r>
+              <a:rPr lang="en-US" dirty="0"/>
+              <a:t>Now we need to know how to get our app inside a container?</a:t>
+            </a:r>
+          </a:p>
+          <a:p>
+            <a:endParaRPr lang="en-US" dirty="0"/>
+          </a:p>
+          <a:p>
+            <a:r>
+              <a:rPr lang="en-US" dirty="0"/>
+              <a:t>You spin up a Container instance from an Image. (note the language I used there - spin up a Container Instance or Instances, from an image) </a:t>
+            </a:r>
+          </a:p>
+          <a:p>
+            <a:r>
+              <a:rPr lang="en-GB" sz="1200" b="0" i="0" kern="1200" dirty="0">
+                <a:solidFill>
+                  <a:schemeClr val="tx1"/>
+                </a:solidFill>
+                <a:effectLst/>
+                <a:latin typeface="+mn-lt"/>
+                <a:ea typeface="+mn-ea"/>
+                <a:cs typeface="+mn-cs"/>
+              </a:rPr>
+              <a:t>A </a:t>
+            </a:r>
+            <a:r>
+              <a:rPr lang="en-GB" sz="1200" b="1" i="0" kern="1200" dirty="0">
+                <a:solidFill>
+                  <a:schemeClr val="tx1"/>
+                </a:solidFill>
+                <a:effectLst/>
+                <a:latin typeface="+mn-lt"/>
+                <a:ea typeface="+mn-ea"/>
+                <a:cs typeface="+mn-cs"/>
+              </a:rPr>
+              <a:t>Container</a:t>
+            </a:r>
+            <a:r>
+              <a:rPr lang="en-GB" sz="1200" b="0" i="0" kern="1200" dirty="0">
+                <a:solidFill>
+                  <a:schemeClr val="tx1"/>
+                </a:solidFill>
+                <a:effectLst/>
+                <a:latin typeface="+mn-lt"/>
+                <a:ea typeface="+mn-ea"/>
+                <a:cs typeface="+mn-cs"/>
+              </a:rPr>
+              <a:t> is a runtime instance of an image, and you can have many instances, for example, in a load balanced environment.</a:t>
+            </a:r>
+          </a:p>
+          <a:p>
+            <a:endParaRPr lang="en-US" dirty="0"/>
+          </a:p>
+          <a:p>
+            <a:r>
+              <a:rPr lang="en-GB" sz="1200" b="0" i="0" kern="1200" dirty="0">
+                <a:solidFill>
+                  <a:schemeClr val="tx1"/>
+                </a:solidFill>
+                <a:effectLst/>
+                <a:latin typeface="+mn-lt"/>
+                <a:ea typeface="+mn-ea"/>
+                <a:cs typeface="+mn-cs"/>
+              </a:rPr>
+              <a:t>An </a:t>
+            </a:r>
+            <a:r>
+              <a:rPr lang="en-GB" sz="1200" b="1" i="0" kern="1200" dirty="0">
+                <a:solidFill>
+                  <a:schemeClr val="tx1"/>
+                </a:solidFill>
+                <a:effectLst/>
+                <a:latin typeface="+mn-lt"/>
+                <a:ea typeface="+mn-ea"/>
+                <a:cs typeface="+mn-cs"/>
+              </a:rPr>
+              <a:t>image</a:t>
+            </a:r>
+            <a:r>
+              <a:rPr lang="en-GB" sz="1200" b="0" i="0" kern="1200" dirty="0">
+                <a:solidFill>
+                  <a:schemeClr val="tx1"/>
+                </a:solidFill>
+                <a:effectLst/>
+                <a:latin typeface="+mn-lt"/>
+                <a:ea typeface="+mn-ea"/>
+                <a:cs typeface="+mn-cs"/>
+              </a:rPr>
+              <a:t> is an executable package that includes everything needed to run an application-</a:t>
+            </a:r>
+            <a:endParaRPr lang="en-US" dirty="0"/>
+          </a:p>
+          <a:p>
+            <a:r>
+              <a:rPr lang="en-US" dirty="0"/>
+              <a:t>You define an image using a </a:t>
             </a:r>
             <a:r>
               <a:rPr lang="en-US" dirty="0" err="1"/>
-              <a:t>DockerFile</a:t>
-            </a:r>
+              <a:t>Dockerfile</a:t>
+            </a:r>
+            <a:r>
+              <a:rPr lang="en-US" dirty="0"/>
+              <a:t>, which contains all the instructions for creating your image.</a:t>
+            </a:r>
+          </a:p>
+          <a:p>
             <a:endParaRPr lang="en-US" dirty="0"/>
           </a:p>
           <a:p>
-            <a:endParaRPr lang="en-US" dirty="0"/>
-          </a:p>
-          <a:p>
-            <a:r>
-              <a:rPr lang="en-US" dirty="0"/>
-              <a:t>But before that, let me first introduce the application that we are going to be </a:t>
-            </a:r>
-            <a:r>
-              <a:rPr lang="en-US" dirty="0" err="1"/>
-              <a:t>Dockerising</a:t>
-            </a:r>
-            <a:r>
-              <a:rPr lang="en-US" dirty="0"/>
-              <a:t>: A really simple web </a:t>
-            </a:r>
-            <a:r>
-              <a:rPr lang="en-US" dirty="0" err="1"/>
-              <a:t>api</a:t>
-            </a:r>
-            <a:r>
-              <a:rPr lang="en-US" dirty="0"/>
-              <a:t> project, running on </a:t>
-            </a:r>
-            <a:r>
-              <a:rPr lang="en-US" dirty="0" err="1"/>
-              <a:t>.Net</a:t>
-            </a:r>
-            <a:r>
-              <a:rPr lang="en-US" dirty="0"/>
-              <a:t> Core.</a:t>
-            </a:r>
-          </a:p>
-          <a:p>
-            <a:r>
-              <a:rPr lang="en-US" dirty="0"/>
-              <a:t>This provides a single HTTP endpoint to make a get request, and returns a response indicating if the supplied parameter is a prime number or not.</a:t>
-            </a:r>
-          </a:p>
-          <a:p>
-            <a:endParaRPr lang="en-US" dirty="0"/>
-          </a:p>
-          <a:p>
-            <a:r>
-              <a:rPr lang="en-US" dirty="0"/>
-              <a:t>On the left you can see the solution structure – there is a single project folder called </a:t>
-            </a:r>
-            <a:r>
-              <a:rPr lang="en-US" dirty="0" err="1"/>
-              <a:t>IsPrime</a:t>
-            </a:r>
-            <a:r>
-              <a:rPr lang="en-US" dirty="0"/>
-              <a:t> which contains the </a:t>
-            </a:r>
-            <a:r>
-              <a:rPr lang="en-US" dirty="0" err="1"/>
-              <a:t>WebApi</a:t>
-            </a:r>
-            <a:r>
-              <a:rPr lang="en-US" dirty="0"/>
-              <a:t> service, and a single test project called </a:t>
-            </a:r>
-            <a:r>
-              <a:rPr lang="en-US" dirty="0" err="1"/>
-              <a:t>IsPrime.Tests</a:t>
-            </a:r>
-            <a:r>
-              <a:rPr lang="en-US" dirty="0"/>
-              <a:t>, with a few tests to run over the code on the right.</a:t>
-            </a:r>
-          </a:p>
-          <a:p>
-            <a:endParaRPr lang="en-US" dirty="0"/>
-          </a:p>
-          <a:p>
-            <a:r>
-              <a:rPr lang="en-US" dirty="0"/>
-              <a:t>The code in the service is super simple - I’ve omitted things like error handling and Dependency injection for clarity.</a:t>
-            </a:r>
-          </a:p>
-          <a:p>
-            <a:endParaRPr lang="en-US" dirty="0"/>
-          </a:p>
-          <a:p>
-            <a:r>
-              <a:rPr lang="en-US" dirty="0"/>
-              <a:t>Something you can’t see here is that this service is configured in </a:t>
-            </a:r>
-            <a:r>
-              <a:rPr lang="en-US" dirty="0" err="1"/>
-              <a:t>Program.cs</a:t>
-            </a:r>
-            <a:r>
-              <a:rPr lang="en-US" dirty="0"/>
-              <a:t> to run on Port 9021 </a:t>
+            <a:r>
+              <a:rPr lang="en-US" dirty="0"/>
+              <a:t>Its essentially the blue prints for what every Container instance created from it will look like and behave.</a:t>
             </a:r>
           </a:p>
         </p:txBody>
@@ -2709,7 +3845,7 @@
           <a:p>
             <a:fld id="{65E7520C-4FC8-4341-86D5-1A3A798BBF9A}" type="slidenum">
               <a:rPr lang="en-US" smtClean="0"/>
-              <a:t>15</a:t>
+              <a:t>14</a:t>
             </a:fld>
             <a:endParaRPr lang="en-US"/>
           </a:p>
@@ -2718,7 +3854,7 @@
     </p:spTree>
     <p:extLst>
       <p:ext uri="{BB962C8B-B14F-4D97-AF65-F5344CB8AC3E}">
-        <p14:creationId xmlns:p14="http://schemas.microsoft.com/office/powerpoint/2010/main" val="615815078"/>
+        <p14:creationId xmlns:p14="http://schemas.microsoft.com/office/powerpoint/2010/main" val="3768059179"/>
       </p:ext>
     </p:extLst>
   </p:cSld>
@@ -2774,64 +3910,37 @@
           <a:p>
             <a:r>
               <a:rPr lang="en-US" dirty="0"/>
-              <a:t>Here is our first, deliberately very simple </a:t>
+              <a:t>In a moment we will have a look at our first </a:t>
             </a:r>
             <a:r>
               <a:rPr lang="en-US" dirty="0" err="1"/>
-              <a:t>dockerfile</a:t>
-            </a:r>
-            <a:r>
-              <a:rPr lang="en-US" dirty="0"/>
-              <a:t>. </a:t>
-            </a:r>
-          </a:p>
-          <a:p>
+              <a:t>DockerFile</a:t>
+            </a:r>
             <a:endParaRPr lang="en-US" dirty="0"/>
           </a:p>
           <a:p>
-            <a:r>
-              <a:rPr lang="en-US" dirty="0"/>
-              <a:t>There is a lot of stuff to explain here, so we’ll walk through it together.</a:t>
-            </a:r>
-          </a:p>
-          <a:p>
             <a:endParaRPr lang="en-US" dirty="0"/>
           </a:p>
           <a:p>
             <a:r>
               <a:rPr lang="en-US" dirty="0"/>
-              <a:t>There are 6 instructions in this </a:t>
+              <a:t>But before that, let me first introduce the application that we are going to be </a:t>
             </a:r>
             <a:r>
               <a:rPr lang="en-US" dirty="0" err="1"/>
-              <a:t>Dockerfile</a:t>
-            </a:r>
-            <a:r>
-              <a:rPr lang="en-US" dirty="0"/>
-              <a:t>, which all run in the order specified.</a:t>
-            </a:r>
-          </a:p>
-          <a:p>
-            <a:endParaRPr lang="en-US" dirty="0"/>
-          </a:p>
-          <a:p>
-            <a:r>
-              <a:rPr lang="en-US" dirty="0"/>
-              <a:t>The FROM instruction (which is almost always the first instruction in every </a:t>
+              <a:t>Dockerising</a:t>
+            </a:r>
+            <a:r>
+              <a:rPr lang="en-US" dirty="0"/>
+              <a:t>: A really simple web </a:t>
             </a:r>
             <a:r>
               <a:rPr lang="en-US" dirty="0" err="1"/>
-              <a:t>Dockerfile</a:t>
-            </a:r>
-            <a:r>
-              <a:rPr lang="en-US" dirty="0"/>
-              <a:t>) specifies the base image that this image builds upon and the operating system your image will be based upon</a:t>
-            </a:r>
-          </a:p>
-          <a:p>
-            <a:r>
-              <a:rPr lang="en-US" dirty="0"/>
-              <a:t>In this example, we are using the latest version of the </a:t>
+              <a:t>api</a:t>
+            </a:r>
+            <a:r>
+              <a:rPr lang="en-US" dirty="0"/>
+              <a:t> project, running on </a:t>
             </a:r>
             <a:r>
               <a:rPr lang="en-US" dirty="0" err="1"/>
@@ -2839,27 +3948,46 @@
             </a:r>
             <a:r>
               <a:rPr lang="en-US" dirty="0"/>
-              <a:t> Core SDK on Linux (although that’s not particularly obvious – you’ll see that the Windows images have the word Windows in the image name.)</a:t>
-            </a:r>
-          </a:p>
-          <a:p>
-            <a:r>
-              <a:rPr lang="en-US" dirty="0"/>
-              <a:t>Images work in a similar way to large inheritance hierarchies in </a:t>
+              <a:t> Core.</a:t>
+            </a:r>
+          </a:p>
+          <a:p>
+            <a:r>
+              <a:rPr lang="en-US" dirty="0"/>
+              <a:t>This provides a single HTTP endpoint to make a get request, and returns a response indicating if the supplied parameter is a prime number or not.</a:t>
+            </a:r>
+          </a:p>
+          <a:p>
+            <a:endParaRPr lang="en-US" dirty="0"/>
+          </a:p>
+          <a:p>
+            <a:r>
+              <a:rPr lang="en-US" dirty="0"/>
+              <a:t>On the left you can see the solution structure – there is a single project folder called </a:t>
             </a:r>
             <a:r>
               <a:rPr lang="en-US" dirty="0" err="1"/>
-              <a:t>.Net</a:t>
-            </a:r>
-            <a:r>
-              <a:rPr lang="en-US" dirty="0"/>
-              <a:t> – with each new Layer adding more behavior on top of the previous.</a:t>
-            </a:r>
-          </a:p>
-          <a:p>
-            <a:r>
-              <a:rPr lang="en-US" dirty="0"/>
-              <a:t>So here we are using building on top of a Dotnet SKD layer, which is build upon a Linux Layer, all the way to the root image which is built in something called Scratch.  </a:t>
+              <a:t>IsPrime</a:t>
+            </a:r>
+            <a:r>
+              <a:rPr lang="en-US" dirty="0"/>
+              <a:t> which contains the </a:t>
+            </a:r>
+            <a:r>
+              <a:rPr lang="en-US" dirty="0" err="1"/>
+              <a:t>WebApi</a:t>
+            </a:r>
+            <a:r>
+              <a:rPr lang="en-US" dirty="0"/>
+              <a:t> service, and a single test project called </a:t>
+            </a:r>
+            <a:r>
+              <a:rPr lang="en-US" dirty="0" err="1"/>
+              <a:t>IsPrime.Tests</a:t>
+            </a:r>
+            <a:r>
+              <a:rPr lang="en-US" dirty="0"/>
+              <a:t>, with a few tests to run over the code on the right.</a:t>
             </a:r>
           </a:p>
           <a:p>
@@ -2868,211 +3996,25 @@
           <a:p>
             <a:r>
               <a:rPr lang="en-US" dirty="0"/>
-              <a:t>The base image will be hosted in a Docker Repository of some description – I’ll discuss that further later, but the default public Docker Repository is </a:t>
+              <a:t>The code in the service is super simple - I’ve omitted things like error handling and Dependency injection for clarity.</a:t>
+            </a:r>
+          </a:p>
+          <a:p>
+            <a:endParaRPr lang="en-US" dirty="0"/>
+          </a:p>
+          <a:p>
+            <a:r>
+              <a:rPr lang="en-US" dirty="0"/>
+              <a:t>Something you can’t see here is that this service is configured in </a:t>
             </a:r>
             <a:r>
               <a:rPr lang="en-US" dirty="0" err="1"/>
-              <a:t>DockerHub</a:t>
-            </a:r>
-            <a:r>
-              <a:rPr lang="en-US" dirty="0"/>
-              <a:t>.</a:t>
-            </a:r>
-          </a:p>
-          <a:p>
-            <a:endParaRPr lang="en-US" dirty="0"/>
-          </a:p>
-          <a:p>
-            <a:r>
-              <a:rPr lang="en-GB" sz="1200" b="0" i="0" kern="1200" dirty="0">
-                <a:solidFill>
-                  <a:schemeClr val="tx1"/>
-                </a:solidFill>
-                <a:effectLst/>
-                <a:latin typeface="+mn-lt"/>
-                <a:ea typeface="+mn-ea"/>
-                <a:cs typeface="+mn-cs"/>
-              </a:rPr>
-              <a:t>The </a:t>
-            </a:r>
-            <a:r>
-              <a:rPr lang="en-GB" dirty="0"/>
-              <a:t>WORKDIR</a:t>
-            </a:r>
-            <a:r>
-              <a:rPr lang="en-GB" sz="1200" b="0" i="0" kern="1200" dirty="0">
-                <a:solidFill>
-                  <a:schemeClr val="tx1"/>
-                </a:solidFill>
-                <a:effectLst/>
-                <a:latin typeface="+mn-lt"/>
-                <a:ea typeface="+mn-ea"/>
-                <a:cs typeface="+mn-cs"/>
-              </a:rPr>
-              <a:t> instruction sets the working directory where all subsequent instructions in the </a:t>
-            </a:r>
-            <a:r>
-              <a:rPr lang="en-GB" dirty="0" err="1"/>
-              <a:t>Dockerfile</a:t>
-            </a:r>
-            <a:r>
-              <a:rPr lang="en-GB" dirty="0"/>
-              <a:t> will apply.</a:t>
-            </a:r>
-          </a:p>
-          <a:p>
-            <a:endParaRPr lang="en-GB" dirty="0"/>
-          </a:p>
-          <a:p>
-            <a:r>
-              <a:rPr lang="en-GB" dirty="0"/>
-              <a:t>The COPY instruction copies all of our source files to the file system of the image. </a:t>
-            </a:r>
-          </a:p>
-          <a:p>
-            <a:endParaRPr lang="en-GB" dirty="0"/>
-          </a:p>
-          <a:p>
-            <a:r>
-              <a:rPr lang="en-GB" dirty="0"/>
-              <a:t>The RUN instruction executes the dotnet publish command within the image. In this example, this outputs the generated </a:t>
-            </a:r>
-            <a:r>
-              <a:rPr lang="en-GB" dirty="0" err="1"/>
-              <a:t>dlls</a:t>
-            </a:r>
-            <a:r>
-              <a:rPr lang="en-GB" dirty="0"/>
-              <a:t> to the App folder, which is also our current working directory. </a:t>
-            </a:r>
-          </a:p>
-          <a:p>
-            <a:endParaRPr lang="en-GB" dirty="0"/>
-          </a:p>
-          <a:p>
-            <a:r>
-              <a:rPr lang="en-GB" dirty="0"/>
-              <a:t>The CMD instruction defaults what is executed when the Container is started - and this is the </a:t>
-            </a:r>
-            <a:r>
-              <a:rPr lang="en-GB" dirty="0" err="1"/>
-              <a:t>dll</a:t>
-            </a:r>
-            <a:r>
-              <a:rPr lang="en-GB" dirty="0"/>
-              <a:t> we have just generated via the publish command. </a:t>
-            </a:r>
-            <a:endParaRPr lang="en-US" dirty="0"/>
-          </a:p>
-          <a:p>
-            <a:endParaRPr lang="en-US" dirty="0"/>
-          </a:p>
-          <a:p>
-            <a:endParaRPr lang="en-US" dirty="0"/>
-          </a:p>
-          <a:p>
-            <a:r>
-              <a:rPr lang="en-US" dirty="0"/>
-              <a:t>In essence, this </a:t>
-            </a:r>
-            <a:r>
-              <a:rPr lang="en-US" dirty="0" err="1"/>
-              <a:t>Dockerfile</a:t>
-            </a:r>
-            <a:r>
-              <a:rPr lang="en-US" dirty="0"/>
-              <a:t> builds a new image on top to the Linux </a:t>
-            </a:r>
-            <a:r>
-              <a:rPr lang="en-US" dirty="0" err="1"/>
-              <a:t>.Net</a:t>
-            </a:r>
-            <a:r>
-              <a:rPr lang="en-US" dirty="0"/>
-              <a:t> SDK image, copies our code onto the image, creates a DLL buy calling </a:t>
-            </a:r>
-            <a:r>
-              <a:rPr lang="en-US" dirty="0" err="1"/>
-              <a:t>.Net</a:t>
-            </a:r>
-            <a:r>
-              <a:rPr lang="en-US" dirty="0"/>
-              <a:t> Publish, and sets this </a:t>
-            </a:r>
-            <a:r>
-              <a:rPr lang="en-US" dirty="0" err="1"/>
-              <a:t>Dll</a:t>
-            </a:r>
-            <a:r>
-              <a:rPr lang="en-US" dirty="0"/>
-              <a:t> as the process to run when the container starts.</a:t>
-            </a:r>
-          </a:p>
-          <a:p>
-            <a:endParaRPr lang="en-US" dirty="0"/>
-          </a:p>
-          <a:p>
-            <a:endParaRPr lang="en-US" dirty="0"/>
-          </a:p>
-          <a:p>
-            <a:r>
-              <a:rPr lang="en-US" dirty="0"/>
-              <a:t>  </a:t>
-            </a:r>
-          </a:p>
-          <a:p>
-            <a:r>
-              <a:rPr lang="en-US" dirty="0"/>
-              <a:t>Our first </a:t>
-            </a:r>
-            <a:r>
-              <a:rPr lang="en-US" dirty="0" err="1"/>
-              <a:t>Dockerfile</a:t>
-            </a:r>
-            <a:r>
-              <a:rPr lang="en-US" dirty="0"/>
-              <a:t> is ready, and we could now build an image from this and spin up a Container from it.</a:t>
-            </a:r>
-          </a:p>
-          <a:p>
-            <a:r>
-              <a:rPr lang="en-US" dirty="0"/>
-              <a:t>However, there are a few issues that we really ought to resolve first!</a:t>
-            </a:r>
-          </a:p>
-          <a:p>
-            <a:endParaRPr lang="en-US" dirty="0"/>
-          </a:p>
-          <a:p>
-            <a:r>
-              <a:rPr lang="en-US" dirty="0"/>
-              <a:t>docker build -t </a:t>
-            </a:r>
-            <a:r>
-              <a:rPr lang="en-US" dirty="0" err="1"/>
-              <a:t>isprimedotnetcore</a:t>
-            </a:r>
-            <a:r>
-              <a:rPr lang="en-US" dirty="0"/>
-              <a:t> .</a:t>
-            </a:r>
-          </a:p>
-          <a:p>
-            <a:r>
-              <a:rPr lang="en-US" dirty="0"/>
-              <a:t>docker run -p 9021:9021 </a:t>
-            </a:r>
-            <a:r>
-              <a:rPr lang="en-US" dirty="0" err="1"/>
-              <a:t>isprimedotnetcore</a:t>
-            </a:r>
-            <a:r>
-              <a:rPr lang="en-US" dirty="0"/>
-              <a:t> </a:t>
-            </a:r>
-          </a:p>
-          <a:p>
-            <a:endParaRPr lang="en-US" dirty="0"/>
+              <a:t>Program.cs</a:t>
+            </a:r>
+            <a:r>
+              <a:rPr lang="en-US" dirty="0"/>
+              <a:t> to run on Port 9021 </a:t>
+            </a:r>
           </a:p>
         </p:txBody>
       </p:sp>
@@ -3093,7 +4035,7 @@
           <a:p>
             <a:fld id="{65E7520C-4FC8-4341-86D5-1A3A798BBF9A}" type="slidenum">
               <a:rPr lang="en-US" smtClean="0"/>
-              <a:t>16</a:t>
+              <a:t>15</a:t>
             </a:fld>
             <a:endParaRPr lang="en-US"/>
           </a:p>
@@ -3102,7 +4044,7 @@
     </p:spTree>
     <p:extLst>
       <p:ext uri="{BB962C8B-B14F-4D97-AF65-F5344CB8AC3E}">
-        <p14:creationId xmlns:p14="http://schemas.microsoft.com/office/powerpoint/2010/main" val="1736587491"/>
+        <p14:creationId xmlns:p14="http://schemas.microsoft.com/office/powerpoint/2010/main" val="615815078"/>
       </p:ext>
     </p:extLst>
   </p:cSld>
@@ -3158,7 +4100,15 @@
           <a:p>
             <a:r>
               <a:rPr lang="en-US" dirty="0"/>
-              <a:t>What’s wrong with this then?</a:t>
+              <a:t>Here is our first, deliberately very simple </a:t>
+            </a:r>
+            <a:r>
+              <a:rPr lang="en-US" dirty="0" err="1"/>
+              <a:t>dockerfile</a:t>
+            </a:r>
+            <a:r>
+              <a:rPr lang="en-US" dirty="0"/>
+              <a:t>. </a:t>
             </a:r>
           </a:p>
           <a:p>
@@ -3167,37 +4117,47 @@
           <a:p>
             <a:r>
               <a:rPr lang="en-US" dirty="0"/>
-              <a:t>A number of things!</a:t>
+              <a:t>There is a lot of stuff to explain here, so we’ll walk through it together.</a:t>
             </a:r>
           </a:p>
           <a:p>
             <a:endParaRPr lang="en-US" dirty="0"/>
           </a:p>
           <a:p>
-            <a:pPr marL="171450" indent="-171450">
-              <a:buFontTx/>
-              <a:buChar char="-"/>
-            </a:pPr>
-            <a:r>
-              <a:rPr lang="en-US" dirty="0"/>
-              <a:t>It doesn’t run any of the tests from the solution, so we could be generating an image to load up a service that compiles ok, but actually doesn’t behave quite how we expect it to.</a:t>
-            </a:r>
-          </a:p>
-          <a:p>
-            <a:pPr marL="171450" indent="-171450">
-              <a:buFontTx/>
-              <a:buChar char="-"/>
-            </a:pPr>
+            <a:r>
+              <a:rPr lang="en-US" dirty="0"/>
+              <a:t>There are 6 instructions in this </a:t>
+            </a:r>
+            <a:r>
+              <a:rPr lang="en-US" dirty="0" err="1"/>
+              <a:t>Dockerfile</a:t>
+            </a:r>
+            <a:r>
+              <a:rPr lang="en-US" dirty="0"/>
+              <a:t>, which all run in the order specified.</a:t>
+            </a:r>
+          </a:p>
+          <a:p>
             <a:endParaRPr lang="en-US" dirty="0"/>
           </a:p>
           <a:p>
-            <a:pPr marL="171450" indent="-171450">
-              <a:buFontTx/>
-              <a:buChar char="-"/>
-            </a:pPr>
-            <a:r>
-              <a:rPr lang="en-US" dirty="0"/>
-              <a:t>Our image is based on the </a:t>
+            <a:r>
+              <a:rPr lang="en-US" dirty="0"/>
+              <a:t>The FROM instruction (which is almost always the first instruction in every </a:t>
+            </a:r>
+            <a:r>
+              <a:rPr lang="en-US" dirty="0" err="1"/>
+              <a:t>Dockerfile</a:t>
+            </a:r>
+            <a:r>
+              <a:rPr lang="en-US" dirty="0"/>
+              <a:t>) specifies the base image that this image builds upon and the operating system your image will be based upon</a:t>
+            </a:r>
+          </a:p>
+          <a:p>
+            <a:r>
+              <a:rPr lang="en-US" dirty="0"/>
+              <a:t>In this example, we are using the latest version of the </a:t>
             </a:r>
             <a:r>
               <a:rPr lang="en-US" dirty="0" err="1"/>
@@ -3205,7 +4165,13 @@
             </a:r>
             <a:r>
               <a:rPr lang="en-US" dirty="0"/>
-              <a:t> Core SDK, rather than the runtime. We don’t want to use the SDK in production: the SDK is much bigger than the runtime, so takes longer to download, and obviously has a much larger attack vector and opportunities for misuse. Just like how we’d never install the full SDK of the </a:t>
+              <a:t> Core SDK on Linux (although that’s not particularly obvious – you’ll see that the Windows images have the word Windows in the image name.)</a:t>
+            </a:r>
+          </a:p>
+          <a:p>
+            <a:r>
+              <a:rPr lang="en-US" dirty="0"/>
+              <a:t>Images work in a similar way to large inheritance hierarchies in </a:t>
             </a:r>
             <a:r>
               <a:rPr lang="en-US" dirty="0" err="1"/>
@@ -3213,59 +4179,226 @@
             </a:r>
             <a:r>
               <a:rPr lang="en-US" dirty="0"/>
-              <a:t> Framework on a production server, we don’t want to use it in Docker either.</a:t>
-            </a:r>
-          </a:p>
-          <a:p>
-            <a:pPr marL="171450" indent="-171450">
-              <a:buFontTx/>
-              <a:buChar char="-"/>
-            </a:pPr>
+              <a:t> – with each new Layer adding more behavior on top of the previous.</a:t>
+            </a:r>
+          </a:p>
+          <a:p>
+            <a:r>
+              <a:rPr lang="en-US" dirty="0"/>
+              <a:t>So here we are using building on top of a Dotnet SKD layer, which is build upon a Linux Layer, all the way to the root image which is built in something called Scratch.  </a:t>
+            </a:r>
+          </a:p>
+          <a:p>
             <a:endParaRPr lang="en-US" dirty="0"/>
           </a:p>
           <a:p>
-            <a:pPr marL="171450" indent="-171450">
-              <a:buFontTx/>
-              <a:buChar char="-"/>
-            </a:pPr>
-            <a:r>
-              <a:rPr lang="en-US" dirty="0"/>
-              <a:t>The copy instruction copies WAY too many files to the the Container – it’s copied literally everything from the root of our project to the image, so again, increasing the size of the image, and therefore the time to download it.</a:t>
-            </a:r>
-          </a:p>
-          <a:p>
-            <a:pPr marL="171450" indent="-171450">
-              <a:buFontTx/>
-              <a:buChar char="-"/>
-            </a:pPr>
+            <a:r>
+              <a:rPr lang="en-US" dirty="0"/>
+              <a:t>The base image will be hosted in a Docker Repository of some description – I’ll discuss that further later, but the default public Docker Repository is </a:t>
+            </a:r>
+            <a:r>
+              <a:rPr lang="en-US" dirty="0" err="1"/>
+              <a:t>DockerHub</a:t>
+            </a:r>
+            <a:r>
+              <a:rPr lang="en-US" dirty="0"/>
+              <a:t>.</a:t>
+            </a:r>
+          </a:p>
+          <a:p>
             <a:endParaRPr lang="en-US" dirty="0"/>
           </a:p>
           <a:p>
-            <a:pPr marL="171450" indent="-171450">
-              <a:buFontTx/>
-              <a:buChar char="-"/>
-            </a:pPr>
-            <a:r>
-              <a:rPr lang="en-US" dirty="0"/>
-              <a:t>It’s not deterministic – because we have not explicitly specified a version tag, Docker is defaulting to a tag called Latest. There are many ways in which this can come back to haunt us, because Latest doesn’t necessarily mean latest as you would expect, and as a result this can result in building your image on a complexly different version to what you actually wanted, which means that you can run the same command twice and end up with different results.  </a:t>
-            </a:r>
-          </a:p>
-          <a:p>
-            <a:pPr marL="171450" indent="-171450">
-              <a:buFontTx/>
-              <a:buChar char="-"/>
-            </a:pPr>
+            <a:r>
+              <a:rPr lang="en-GB" sz="1200" b="0" i="0" kern="1200" dirty="0">
+                <a:solidFill>
+                  <a:schemeClr val="tx1"/>
+                </a:solidFill>
+                <a:effectLst/>
+                <a:latin typeface="+mn-lt"/>
+                <a:ea typeface="+mn-ea"/>
+                <a:cs typeface="+mn-cs"/>
+              </a:rPr>
+              <a:t>The </a:t>
+            </a:r>
+            <a:r>
+              <a:rPr lang="en-GB" dirty="0"/>
+              <a:t>WORKDIR</a:t>
+            </a:r>
+            <a:r>
+              <a:rPr lang="en-GB" sz="1200" b="0" i="0" kern="1200" dirty="0">
+                <a:solidFill>
+                  <a:schemeClr val="tx1"/>
+                </a:solidFill>
+                <a:effectLst/>
+                <a:latin typeface="+mn-lt"/>
+                <a:ea typeface="+mn-ea"/>
+                <a:cs typeface="+mn-cs"/>
+              </a:rPr>
+              <a:t> instruction sets the working directory where all subsequent instructions in the </a:t>
+            </a:r>
+            <a:r>
+              <a:rPr lang="en-GB" dirty="0" err="1"/>
+              <a:t>Dockerfile</a:t>
+            </a:r>
+            <a:r>
+              <a:rPr lang="en-GB" dirty="0"/>
+              <a:t> will apply.</a:t>
+            </a:r>
+          </a:p>
+          <a:p>
+            <a:endParaRPr lang="en-GB" dirty="0"/>
+          </a:p>
+          <a:p>
+            <a:r>
+              <a:rPr lang="en-GB" dirty="0"/>
+              <a:t>The COPY instruction copies all of our source files to the file system of the image. </a:t>
+            </a:r>
+          </a:p>
+          <a:p>
+            <a:endParaRPr lang="en-GB" dirty="0"/>
+          </a:p>
+          <a:p>
+            <a:r>
+              <a:rPr lang="en-GB" dirty="0"/>
+              <a:t>The RUN instruction executes the dotnet publish command within the image. In this example, this outputs the generated </a:t>
+            </a:r>
+            <a:r>
+              <a:rPr lang="en-GB" dirty="0" err="1"/>
+              <a:t>dlls</a:t>
+            </a:r>
+            <a:r>
+              <a:rPr lang="en-GB" dirty="0"/>
+              <a:t> to the App folder, which is also our current working directory. </a:t>
+            </a:r>
+          </a:p>
+          <a:p>
+            <a:endParaRPr lang="en-GB" dirty="0"/>
+          </a:p>
+          <a:p>
+            <a:r>
+              <a:rPr lang="en-GB" dirty="0"/>
+              <a:t>The CMD instruction defaults what is executed when the Container is started - and this is the </a:t>
+            </a:r>
+            <a:r>
+              <a:rPr lang="en-GB" dirty="0" err="1"/>
+              <a:t>dll</a:t>
+            </a:r>
+            <a:r>
+              <a:rPr lang="en-GB" dirty="0"/>
+              <a:t> we have just generated via the publish command. </a:t>
+            </a:r>
             <a:endParaRPr lang="en-US" dirty="0"/>
           </a:p>
           <a:p>
-            <a:pPr marL="171450" indent="-171450">
-              <a:buFontTx/>
-              <a:buChar char="-"/>
-            </a:pPr>
-            <a:r>
-              <a:rPr lang="en-US" dirty="0"/>
-              <a:t>So lets improve upon our first attempt a little, starting with repeatable builds.</a:t>
-            </a:r>
+            <a:endParaRPr lang="en-US" dirty="0"/>
+          </a:p>
+          <a:p>
+            <a:endParaRPr lang="en-US" dirty="0"/>
+          </a:p>
+          <a:p>
+            <a:r>
+              <a:rPr lang="en-US" dirty="0"/>
+              <a:t>In essence, this </a:t>
+            </a:r>
+            <a:r>
+              <a:rPr lang="en-US" dirty="0" err="1"/>
+              <a:t>Dockerfile</a:t>
+            </a:r>
+            <a:r>
+              <a:rPr lang="en-US" dirty="0"/>
+              <a:t> builds a new image on top to the Linux </a:t>
+            </a:r>
+            <a:r>
+              <a:rPr lang="en-US" dirty="0" err="1"/>
+              <a:t>.Net</a:t>
+            </a:r>
+            <a:r>
+              <a:rPr lang="en-US" dirty="0"/>
+              <a:t> SDK image, copies our code onto the image, creates a DLL buy calling </a:t>
+            </a:r>
+            <a:r>
+              <a:rPr lang="en-US" dirty="0" err="1"/>
+              <a:t>.Net</a:t>
+            </a:r>
+            <a:r>
+              <a:rPr lang="en-US" dirty="0"/>
+              <a:t> Publish, and sets this </a:t>
+            </a:r>
+            <a:r>
+              <a:rPr lang="en-US" dirty="0" err="1"/>
+              <a:t>Dll</a:t>
+            </a:r>
+            <a:r>
+              <a:rPr lang="en-US" dirty="0"/>
+              <a:t> as the process to run when the container starts.</a:t>
+            </a:r>
+          </a:p>
+          <a:p>
+            <a:endParaRPr lang="en-US" dirty="0"/>
+          </a:p>
+          <a:p>
+            <a:endParaRPr lang="en-US" dirty="0"/>
+          </a:p>
+          <a:p>
+            <a:r>
+              <a:rPr lang="en-US" dirty="0"/>
+              <a:t>  </a:t>
+            </a:r>
+          </a:p>
+          <a:p>
+            <a:r>
+              <a:rPr lang="en-US" dirty="0"/>
+              <a:t>Our first </a:t>
+            </a:r>
+            <a:r>
+              <a:rPr lang="en-US" dirty="0" err="1"/>
+              <a:t>Dockerfile</a:t>
+            </a:r>
+            <a:r>
+              <a:rPr lang="en-US" dirty="0"/>
+              <a:t> is ready, and we could now build an image from this and spin up a Container from it.</a:t>
+            </a:r>
+          </a:p>
+          <a:p>
+            <a:r>
+              <a:rPr lang="en-US" dirty="0"/>
+              <a:t>However, there are a few issues that we really ought to resolve first!</a:t>
+            </a:r>
+          </a:p>
+          <a:p>
+            <a:endParaRPr lang="en-US" dirty="0"/>
+          </a:p>
+          <a:p>
+            <a:r>
+              <a:rPr lang="en-US" dirty="0"/>
+              <a:t>docker build -t </a:t>
+            </a:r>
+            <a:r>
+              <a:rPr lang="en-US" dirty="0" err="1"/>
+              <a:t>isprimedotnetcore</a:t>
+            </a:r>
+            <a:r>
+              <a:rPr lang="en-US" dirty="0"/>
+              <a:t> .</a:t>
+            </a:r>
+          </a:p>
+          <a:p>
+            <a:r>
+              <a:rPr lang="en-US" dirty="0"/>
+              <a:t>docker run -p 9021:9021 </a:t>
+            </a:r>
+            <a:r>
+              <a:rPr lang="en-US" dirty="0" err="1"/>
+              <a:t>isprimedotnetcore</a:t>
+            </a:r>
+            <a:r>
+              <a:rPr lang="en-US" dirty="0"/>
+              <a:t> </a:t>
+            </a:r>
+          </a:p>
+          <a:p>
+            <a:endParaRPr lang="en-US" dirty="0"/>
           </a:p>
         </p:txBody>
       </p:sp>
@@ -3286,7 +4419,7 @@
           <a:p>
             <a:fld id="{65E7520C-4FC8-4341-86D5-1A3A798BBF9A}" type="slidenum">
               <a:rPr lang="en-US" smtClean="0"/>
-              <a:t>17</a:t>
+              <a:t>16</a:t>
             </a:fld>
             <a:endParaRPr lang="en-US"/>
           </a:p>
@@ -3295,7 +4428,7 @@
     </p:spTree>
     <p:extLst>
       <p:ext uri="{BB962C8B-B14F-4D97-AF65-F5344CB8AC3E}">
-        <p14:creationId xmlns:p14="http://schemas.microsoft.com/office/powerpoint/2010/main" val="3704929222"/>
+        <p14:creationId xmlns:p14="http://schemas.microsoft.com/office/powerpoint/2010/main" val="1736587491"/>
       </p:ext>
     </p:extLst>
   </p:cSld>
@@ -3349,147 +4482,7 @@
           <a:bodyPr/>
           <a:lstStyle/>
           <a:p>
-            <a:r>
-              <a:rPr lang="en-US" dirty="0"/>
-              <a:t>In this version of our </a:t>
-            </a:r>
-            <a:r>
-              <a:rPr lang="en-US" dirty="0" err="1"/>
-              <a:t>Dockerfile</a:t>
-            </a:r>
-            <a:r>
-              <a:rPr lang="en-US" dirty="0"/>
-              <a:t> we’ve updated our FROM instruction to use a version Tag to specify a fully qualified semantic version number – in this example, v2.2.203.</a:t>
-            </a:r>
-          </a:p>
-          <a:p>
             <a:endParaRPr lang="en-US" dirty="0"/>
-          </a:p>
-          <a:p>
-            <a:r>
-              <a:rPr lang="en-US" dirty="0"/>
-              <a:t>This means that whenever and where ever we build an image from, we’ll always be using 2.2.203.</a:t>
-            </a:r>
-          </a:p>
-          <a:p>
-            <a:r>
-              <a:rPr lang="en-US" dirty="0"/>
-              <a:t> The same Docker image will be generated whenever we rebuild it, which means my </a:t>
-            </a:r>
-            <a:r>
-              <a:rPr lang="en-US" dirty="0" err="1"/>
-              <a:t>continerised</a:t>
-            </a:r>
-            <a:r>
-              <a:rPr lang="en-US" dirty="0"/>
-              <a:t> Service will behave the same, because my build artefacts haven’t mysteriously changed between builds.</a:t>
-            </a:r>
-          </a:p>
-          <a:p>
-            <a:r>
-              <a:rPr lang="en-US" dirty="0" err="1"/>
-              <a:t>Yeh</a:t>
-            </a:r>
-            <a:r>
-              <a:rPr lang="en-US" dirty="0"/>
-              <a:t>!</a:t>
-            </a:r>
-          </a:p>
-          <a:p>
-            <a:endParaRPr lang="en-US" dirty="0"/>
-          </a:p>
-          <a:p>
-            <a:r>
-              <a:rPr lang="en-US" dirty="0"/>
-              <a:t>Now the observant amongst you may have noticed that this from statement contains more differences than just a version number.</a:t>
-            </a:r>
-          </a:p>
-          <a:p>
-            <a:r>
-              <a:rPr lang="en-US" dirty="0"/>
-              <a:t>It still requests the </a:t>
-            </a:r>
-            <a:r>
-              <a:rPr lang="en-US" dirty="0" err="1"/>
-              <a:t>.Net</a:t>
-            </a:r>
-            <a:r>
-              <a:rPr lang="en-US" dirty="0"/>
-              <a:t> Core SDK, and it’s still a </a:t>
-            </a:r>
-            <a:r>
-              <a:rPr lang="en-US" dirty="0" err="1"/>
-              <a:t>Linix</a:t>
-            </a:r>
-            <a:r>
-              <a:rPr lang="en-US" dirty="0"/>
-              <a:t> image (although again, that isn’t obvious).</a:t>
-            </a:r>
-          </a:p>
-          <a:p>
-            <a:r>
-              <a:rPr lang="en-US" dirty="0"/>
-              <a:t>But this time it’s prefixed with </a:t>
-            </a:r>
-            <a:r>
-              <a:rPr lang="en-US" dirty="0" err="1"/>
-              <a:t>mcr.microsoft.com</a:t>
-            </a:r>
-            <a:r>
-              <a:rPr lang="en-US" dirty="0"/>
-              <a:t>…</a:t>
-            </a:r>
-          </a:p>
-          <a:p>
-            <a:endParaRPr lang="en-US" dirty="0"/>
-          </a:p>
-          <a:p>
-            <a:r>
-              <a:rPr lang="en-US" dirty="0"/>
-              <a:t>This is because I am now pulling my base image not from </a:t>
-            </a:r>
-            <a:r>
-              <a:rPr lang="en-US" dirty="0" err="1"/>
-              <a:t>DockerHub</a:t>
-            </a:r>
-            <a:r>
-              <a:rPr lang="en-US" dirty="0"/>
-              <a:t> as in the previous example, but from Microsoft’s own container registry (MCR for short).</a:t>
-            </a:r>
-          </a:p>
-          <a:p>
-            <a:r>
-              <a:rPr lang="en-US" dirty="0"/>
-              <a:t>MS no longer host patch versions of their images on </a:t>
-            </a:r>
-            <a:r>
-              <a:rPr lang="en-US" dirty="0" err="1"/>
-              <a:t>Dockerhub</a:t>
-            </a:r>
-            <a:r>
-              <a:rPr lang="en-US" dirty="0"/>
-              <a:t>, only on MCR, so if you want to be this specific about your image versions as this, then you need to get your images from there instead.</a:t>
-            </a:r>
-          </a:p>
-          <a:p>
-            <a:r>
-              <a:rPr lang="en-US" dirty="0"/>
-              <a:t>In fact, it’s probably best to pull your images from the MCR even if you are not being specific about versions numbers, because </a:t>
-            </a:r>
-            <a:r>
-              <a:rPr lang="en-US" dirty="0" err="1"/>
-              <a:t>Dockerhub</a:t>
-            </a:r>
-            <a:r>
-              <a:rPr lang="en-US" dirty="0"/>
-              <a:t> redirects to MCR anyway, so it should be a little quicker.</a:t>
-            </a:r>
-          </a:p>
-          <a:p>
-            <a:r>
-              <a:rPr lang="en-US" dirty="0"/>
-              <a:t>I’ve include a link explaining the reasons behind this on the resources slide at the end.  </a:t>
-            </a:r>
           </a:p>
         </p:txBody>
       </p:sp>
@@ -3510,7 +4503,7 @@
           <a:p>
             <a:fld id="{65E7520C-4FC8-4341-86D5-1A3A798BBF9A}" type="slidenum">
               <a:rPr lang="en-US" smtClean="0"/>
-              <a:t>18</a:t>
+              <a:t>17</a:t>
             </a:fld>
             <a:endParaRPr lang="en-US"/>
           </a:p>
@@ -3519,7 +4512,7 @@
     </p:spTree>
     <p:extLst>
       <p:ext uri="{BB962C8B-B14F-4D97-AF65-F5344CB8AC3E}">
-        <p14:creationId xmlns:p14="http://schemas.microsoft.com/office/powerpoint/2010/main" val="1557043513"/>
+        <p14:creationId xmlns:p14="http://schemas.microsoft.com/office/powerpoint/2010/main" val="2265069929"/>
       </p:ext>
     </p:extLst>
   </p:cSld>
@@ -3817,7 +4810,7 @@
             <a:fld id="{08B9EBBA-996F-894A-B54A-D6246ED52CEA}" type="datetimeFigureOut">
               <a:rPr lang="en-US" dirty="0"/>
               <a:pPr/>
-              <a:t>5/31/19</a:t>
+              <a:t>6/10/19</a:t>
             </a:fld>
             <a:endParaRPr lang="en-US" dirty="0"/>
           </a:p>
@@ -4132,7 +5125,7 @@
             <a:fld id="{18C79C5D-2A6F-F04D-97DA-BEF2467B64E4}" type="datetimeFigureOut">
               <a:rPr lang="en-US" dirty="0"/>
               <a:pPr/>
-              <a:t>5/31/19</a:t>
+              <a:t>6/10/19</a:t>
             </a:fld>
             <a:endParaRPr lang="en-US" dirty="0"/>
           </a:p>
@@ -4617,7 +5610,7 @@
             <a:fld id="{8DFA1846-DA80-1C48-A609-854EA85C59AD}" type="datetimeFigureOut">
               <a:rPr lang="en-US" dirty="0"/>
               <a:pPr/>
-              <a:t>5/31/19</a:t>
+              <a:t>6/10/19</a:t>
             </a:fld>
             <a:endParaRPr lang="en-US" dirty="0"/>
           </a:p>
@@ -4983,7 +5976,7 @@
             <a:fld id="{FBF54567-0DE4-3F47-BF90-CB84690072F9}" type="datetimeFigureOut">
               <a:rPr lang="en-US" dirty="0"/>
               <a:pPr/>
-              <a:t>5/31/19</a:t>
+              <a:t>6/10/19</a:t>
             </a:fld>
             <a:endParaRPr lang="en-US" dirty="0"/>
           </a:p>
@@ -5253,7 +6246,7 @@
             <a:fld id="{C6C52C72-DE31-F449-A4ED-4C594FD91407}" type="datetimeFigureOut">
               <a:rPr lang="en-US" dirty="0"/>
               <a:pPr/>
-              <a:t>5/31/19</a:t>
+              <a:t>6/10/19</a:t>
             </a:fld>
             <a:endParaRPr lang="en-US" dirty="0"/>
           </a:p>
@@ -5535,7 +6528,7 @@
             <a:fld id="{ED62726E-379B-B349-9EED-81ED093FA806}" type="datetimeFigureOut">
               <a:rPr lang="en-US" dirty="0"/>
               <a:pPr/>
-              <a:t>5/31/19</a:t>
+              <a:t>6/10/19</a:t>
             </a:fld>
             <a:endParaRPr lang="en-US" dirty="0"/>
           </a:p>
@@ -5815,7 +6808,7 @@
             <a:fld id="{9B3A1323-8D79-1946-B0D7-40001CF92E9D}" type="datetimeFigureOut">
               <a:rPr lang="en-US" dirty="0"/>
               <a:pPr/>
-              <a:t>5/31/19</a:t>
+              <a:t>6/10/19</a:t>
             </a:fld>
             <a:endParaRPr lang="en-US" dirty="0"/>
           </a:p>
@@ -6155,7 +7148,7 @@
             <a:fld id="{8DFA1846-DA80-1C48-A609-854EA85C59AD}" type="datetimeFigureOut">
               <a:rPr lang="en-US" dirty="0"/>
               <a:pPr/>
-              <a:t>5/31/19</a:t>
+              <a:t>6/10/19</a:t>
             </a:fld>
             <a:endParaRPr lang="en-US" dirty="0"/>
           </a:p>
@@ -6491,7 +7484,7 @@
             <a:fld id="{57302355-E14B-8545-A8F8-0FE83CC9D524}" type="datetimeFigureOut">
               <a:rPr lang="en-US" dirty="0"/>
               <a:pPr/>
-              <a:t>5/31/19</a:t>
+              <a:t>6/10/19</a:t>
             </a:fld>
             <a:endParaRPr lang="en-US" dirty="0"/>
           </a:p>
@@ -6965,7 +7958,7 @@
             <a:fld id="{02640F58-564D-2B4F-AE67-E407BA4FCF45}" type="datetimeFigureOut">
               <a:rPr lang="en-US" dirty="0"/>
               <a:pPr/>
-              <a:t>5/31/19</a:t>
+              <a:t>6/10/19</a:t>
             </a:fld>
             <a:endParaRPr lang="en-US" dirty="0"/>
           </a:p>
@@ -7183,7 +8176,7 @@
             <a:fld id="{F13A34C8-038E-2045-AF43-DF7DBB8E0E9E}" type="datetimeFigureOut">
               <a:rPr lang="en-US" dirty="0"/>
               <a:pPr/>
-              <a:t>5/31/19</a:t>
+              <a:t>6/10/19</a:t>
             </a:fld>
             <a:endParaRPr lang="en-US" dirty="0"/>
           </a:p>
@@ -7275,7 +8268,7 @@
             <a:fld id="{8818C68F-D26B-8F47-958C-23B49CF8A634}" type="datetimeFigureOut">
               <a:rPr lang="en-US" dirty="0"/>
               <a:pPr/>
-              <a:t>5/31/19</a:t>
+              <a:t>6/10/19</a:t>
             </a:fld>
             <a:endParaRPr lang="en-US" dirty="0"/>
           </a:p>
@@ -7739,7 +8732,7 @@
             <a:fld id="{D0DF5E60-9974-AC48-9591-99C2BB44B7CF}" type="datetimeFigureOut">
               <a:rPr lang="en-US" dirty="0"/>
               <a:pPr/>
-              <a:t>5/31/19</a:t>
+              <a:t>6/10/19</a:t>
             </a:fld>
             <a:endParaRPr lang="en-US" dirty="0"/>
           </a:p>
@@ -8049,7 +9042,7 @@
             <a:fld id="{18C79C5D-2A6F-F04D-97DA-BEF2467B64E4}" type="datetimeFigureOut">
               <a:rPr lang="en-US" dirty="0"/>
               <a:pPr/>
-              <a:t>5/31/19</a:t>
+              <a:t>6/10/19</a:t>
             </a:fld>
             <a:endParaRPr lang="en-US" dirty="0"/>
           </a:p>
@@ -8316,7 +9309,7 @@
             <a:fld id="{09B482E8-6E0E-1B4F-B1FD-C69DB9E858D9}" type="datetimeFigureOut">
               <a:rPr lang="en-US" dirty="0"/>
               <a:pPr/>
-              <a:t>5/31/19</a:t>
+              <a:t>6/10/19</a:t>
             </a:fld>
             <a:endParaRPr lang="en-US" dirty="0"/>
           </a:p>
@@ -8877,7 +9870,7 @@
             </a:r>
             <a:r>
               <a:rPr lang="en-US" dirty="0">
-                <a:hlinkClick r:id="rId2"/>
+                <a:hlinkClick r:id="rId3"/>
               </a:rPr>
               <a:t>https://bit.ly/2EO2lth</a:t>
             </a:r>
@@ -8926,7 +9919,7 @@
             <p:nvPr/>
           </p:nvPicPr>
           <p:blipFill>
-            <a:blip r:embed="rId3"/>
+            <a:blip r:embed="rId4"/>
             <a:stretch>
               <a:fillRect/>
             </a:stretch>
@@ -8956,7 +9949,7 @@
             <p:nvPr/>
           </p:nvPicPr>
           <p:blipFill>
-            <a:blip r:embed="rId4"/>
+            <a:blip r:embed="rId5"/>
             <a:stretch>
               <a:fillRect/>
             </a:stretch>
@@ -8986,7 +9979,7 @@
             <p:nvPr/>
           </p:nvPicPr>
           <p:blipFill>
-            <a:blip r:embed="rId4"/>
+            <a:blip r:embed="rId5"/>
             <a:stretch>
               <a:fillRect/>
             </a:stretch>
@@ -9016,7 +10009,7 @@
             <p:nvPr/>
           </p:nvPicPr>
           <p:blipFill>
-            <a:blip r:embed="rId4"/>
+            <a:blip r:embed="rId5"/>
             <a:stretch>
               <a:fillRect/>
             </a:stretch>
@@ -9046,7 +10039,7 @@
             <p:nvPr/>
           </p:nvPicPr>
           <p:blipFill>
-            <a:blip r:embed="rId4"/>
+            <a:blip r:embed="rId5"/>
             <a:stretch>
               <a:fillRect/>
             </a:stretch>
@@ -9076,7 +10069,7 @@
             <p:nvPr/>
           </p:nvPicPr>
           <p:blipFill>
-            <a:blip r:embed="rId4"/>
+            <a:blip r:embed="rId5"/>
             <a:stretch>
               <a:fillRect/>
             </a:stretch>
@@ -9106,7 +10099,7 @@
             <p:nvPr/>
           </p:nvPicPr>
           <p:blipFill>
-            <a:blip r:embed="rId4"/>
+            <a:blip r:embed="rId5"/>
             <a:stretch>
               <a:fillRect/>
             </a:stretch>
@@ -9136,7 +10129,7 @@
             <p:nvPr/>
           </p:nvPicPr>
           <p:blipFill>
-            <a:blip r:embed="rId4"/>
+            <a:blip r:embed="rId5"/>
             <a:stretch>
               <a:fillRect/>
             </a:stretch>
@@ -12076,6 +13069,89 @@
           <p:cNvPr id="2" name="Title 1">
             <a:extLst>
               <a:ext uri="{FF2B5EF4-FFF2-40B4-BE49-F238E27FC236}">
+                <a16:creationId xmlns:a16="http://schemas.microsoft.com/office/drawing/2014/main" id="{F2A6DE70-964D-DB48-8A02-5A25BE48C7A9}"/>
+              </a:ext>
+            </a:extLst>
+          </p:cNvPr>
+          <p:cNvSpPr>
+            <a:spLocks noGrp="1"/>
+          </p:cNvSpPr>
+          <p:nvPr>
+            <p:ph type="title"/>
+          </p:nvPr>
+        </p:nvSpPr>
+        <p:spPr/>
+        <p:txBody>
+          <a:bodyPr/>
+          <a:lstStyle/>
+          <a:p>
+            <a:r>
+              <a:rPr lang="en-US" dirty="0"/>
+              <a:t>Demo 2</a:t>
+            </a:r>
+          </a:p>
+        </p:txBody>
+      </p:sp>
+      <p:sp>
+        <p:nvSpPr>
+          <p:cNvPr id="3" name="Content Placeholder 2">
+            <a:extLst>
+              <a:ext uri="{FF2B5EF4-FFF2-40B4-BE49-F238E27FC236}">
+                <a16:creationId xmlns:a16="http://schemas.microsoft.com/office/drawing/2014/main" id="{D4D9DCFB-1840-DC42-B82A-2047B10C2554}"/>
+              </a:ext>
+            </a:extLst>
+          </p:cNvPr>
+          <p:cNvSpPr>
+            <a:spLocks noGrp="1"/>
+          </p:cNvSpPr>
+          <p:nvPr>
+            <p:ph idx="1"/>
+          </p:nvPr>
+        </p:nvSpPr>
+        <p:spPr/>
+        <p:txBody>
+          <a:bodyPr/>
+          <a:lstStyle/>
+          <a:p>
+            <a:endParaRPr lang="en-US"/>
+          </a:p>
+        </p:txBody>
+      </p:sp>
+    </p:spTree>
+    <p:extLst>
+      <p:ext uri="{BB962C8B-B14F-4D97-AF65-F5344CB8AC3E}">
+        <p14:creationId xmlns:p14="http://schemas.microsoft.com/office/powerpoint/2010/main" val="1044697380"/>
+      </p:ext>
+    </p:extLst>
+  </p:cSld>
+  <p:clrMapOvr>
+    <a:masterClrMapping/>
+  </p:clrMapOvr>
+</p:sld>
+</file>
+
+<file path=ppt/slides/slide18.xml><?xml version="1.0" encoding="utf-8"?>
+<p:sld xmlns:a="http://schemas.openxmlformats.org/drawingml/2006/main" xmlns:r="http://schemas.openxmlformats.org/officeDocument/2006/relationships" xmlns:p="http://schemas.openxmlformats.org/presentationml/2006/main">
+  <p:cSld>
+    <p:spTree>
+      <p:nvGrpSpPr>
+        <p:cNvPr id="1" name=""/>
+        <p:cNvGrpSpPr/>
+        <p:nvPr/>
+      </p:nvGrpSpPr>
+      <p:grpSpPr>
+        <a:xfrm>
+          <a:off x="0" y="0"/>
+          <a:ext cx="0" cy="0"/>
+          <a:chOff x="0" y="0"/>
+          <a:chExt cx="0" cy="0"/>
+        </a:xfrm>
+      </p:grpSpPr>
+      <p:sp>
+        <p:nvSpPr>
+          <p:cNvPr id="2" name="Title 1">
+            <a:extLst>
+              <a:ext uri="{FF2B5EF4-FFF2-40B4-BE49-F238E27FC236}">
                 <a16:creationId xmlns:a16="http://schemas.microsoft.com/office/drawing/2014/main" id="{0CE24BA8-AD47-8B4C-8AA9-5340E25D37F5}"/>
               </a:ext>
             </a:extLst>
@@ -12149,7 +13225,7 @@
 </p:sld>
 </file>
 
-<file path=ppt/slides/slide18.xml><?xml version="1.0" encoding="utf-8"?>
+<file path=ppt/slides/slide19.xml><?xml version="1.0" encoding="utf-8"?>
 <p:sld xmlns:a="http://schemas.openxmlformats.org/drawingml/2006/main" xmlns:r="http://schemas.openxmlformats.org/officeDocument/2006/relationships" xmlns:p="http://schemas.openxmlformats.org/presentationml/2006/main">
   <p:cSld>
     <p:spTree>
@@ -12228,195 +13304,6 @@
     <p:extLst>
       <p:ext uri="{BB962C8B-B14F-4D97-AF65-F5344CB8AC3E}">
         <p14:creationId xmlns:p14="http://schemas.microsoft.com/office/powerpoint/2010/main" val="1826643662"/>
-      </p:ext>
-    </p:extLst>
-  </p:cSld>
-  <p:clrMapOvr>
-    <a:masterClrMapping/>
-  </p:clrMapOvr>
-</p:sld>
-</file>
-
-<file path=ppt/slides/slide19.xml><?xml version="1.0" encoding="utf-8"?>
-<p:sld xmlns:a="http://schemas.openxmlformats.org/drawingml/2006/main" xmlns:r="http://schemas.openxmlformats.org/officeDocument/2006/relationships" xmlns:p="http://schemas.openxmlformats.org/presentationml/2006/main">
-  <p:cSld>
-    <p:spTree>
-      <p:nvGrpSpPr>
-        <p:cNvPr id="1" name=""/>
-        <p:cNvGrpSpPr/>
-        <p:nvPr/>
-      </p:nvGrpSpPr>
-      <p:grpSpPr>
-        <a:xfrm>
-          <a:off x="0" y="0"/>
-          <a:ext cx="0" cy="0"/>
-          <a:chOff x="0" y="0"/>
-          <a:chExt cx="0" cy="0"/>
-        </a:xfrm>
-      </p:grpSpPr>
-      <p:sp>
-        <p:nvSpPr>
-          <p:cNvPr id="2" name="Title 1">
-            <a:extLst>
-              <a:ext uri="{FF2B5EF4-FFF2-40B4-BE49-F238E27FC236}">
-                <a16:creationId xmlns:a16="http://schemas.microsoft.com/office/drawing/2014/main" id="{B2CCCF96-561C-9446-8DB8-DD7E9C894BAF}"/>
-              </a:ext>
-            </a:extLst>
-          </p:cNvPr>
-          <p:cNvSpPr>
-            <a:spLocks noGrp="1"/>
-          </p:cNvSpPr>
-          <p:nvPr>
-            <p:ph type="title"/>
-          </p:nvPr>
-        </p:nvSpPr>
-        <p:spPr/>
-        <p:txBody>
-          <a:bodyPr/>
-          <a:lstStyle/>
-          <a:p>
-            <a:r>
-              <a:rPr lang="en-US" dirty="0"/>
-              <a:t>Dockerfile_v3 – Multi Stage </a:t>
-            </a:r>
-            <a:r>
-              <a:rPr lang="en-US" dirty="0" err="1"/>
-              <a:t>Dockerfile</a:t>
-            </a:r>
-            <a:r>
-              <a:rPr lang="en-US" dirty="0"/>
-              <a:t>  </a:t>
-            </a:r>
-          </a:p>
-        </p:txBody>
-      </p:sp>
-      <p:sp>
-        <p:nvSpPr>
-          <p:cNvPr id="4" name="Rectangle 3">
-            <a:extLst>
-              <a:ext uri="{FF2B5EF4-FFF2-40B4-BE49-F238E27FC236}">
-                <a16:creationId xmlns:a16="http://schemas.microsoft.com/office/drawing/2014/main" id="{2AC3544A-8C77-AB41-84A2-C108A6D791E8}"/>
-              </a:ext>
-            </a:extLst>
-          </p:cNvPr>
-          <p:cNvSpPr/>
-          <p:nvPr/>
-        </p:nvSpPr>
-        <p:spPr>
-          <a:xfrm>
-            <a:off x="3048000" y="3105835"/>
-            <a:ext cx="6096000" cy="646331"/>
-          </a:xfrm>
-          <a:prstGeom prst="rect">
-            <a:avLst/>
-          </a:prstGeom>
-        </p:spPr>
-        <p:txBody>
-          <a:bodyPr>
-            <a:spAutoFit/>
-          </a:bodyPr>
-          <a:lstStyle/>
-          <a:p>
-            <a:br>
-              <a:rPr lang="en-GB" dirty="0"/>
-            </a:br>
-            <a:endParaRPr lang="en-US" dirty="0"/>
-          </a:p>
-        </p:txBody>
-      </p:sp>
-      <p:pic>
-        <p:nvPicPr>
-          <p:cNvPr id="11" name="Content Placeholder 10">
-            <a:extLst>
-              <a:ext uri="{FF2B5EF4-FFF2-40B4-BE49-F238E27FC236}">
-                <a16:creationId xmlns:a16="http://schemas.microsoft.com/office/drawing/2014/main" id="{27787DFC-1A36-B240-9214-989475531E64}"/>
-              </a:ext>
-            </a:extLst>
-          </p:cNvPr>
-          <p:cNvPicPr>
-            <a:picLocks noChangeAspect="1"/>
-          </p:cNvPicPr>
-          <p:nvPr/>
-        </p:nvPicPr>
-        <p:blipFill>
-          <a:blip r:embed="rId3"/>
-          <a:stretch>
-            <a:fillRect/>
-          </a:stretch>
-        </p:blipFill>
-        <p:spPr>
-          <a:xfrm>
-            <a:off x="1535999" y="2304000"/>
-            <a:ext cx="9119999" cy="3600000"/>
-          </a:xfrm>
-          <a:prstGeom prst="rect">
-            <a:avLst/>
-          </a:prstGeom>
-          <a:effectLst>
-            <a:outerShdw blurRad="50800" dir="14400000">
-              <a:srgbClr val="000000">
-                <a:alpha val="40000"/>
-              </a:srgbClr>
-            </a:outerShdw>
-          </a:effectLst>
-        </p:spPr>
-      </p:pic>
-      <p:sp>
-        <p:nvSpPr>
-          <p:cNvPr id="13" name="Rectangle 12">
-            <a:extLst>
-              <a:ext uri="{FF2B5EF4-FFF2-40B4-BE49-F238E27FC236}">
-                <a16:creationId xmlns:a16="http://schemas.microsoft.com/office/drawing/2014/main" id="{0D53F0EA-E1A1-294A-A65E-C37C808874AF}"/>
-              </a:ext>
-            </a:extLst>
-          </p:cNvPr>
-          <p:cNvSpPr/>
-          <p:nvPr/>
-        </p:nvSpPr>
-        <p:spPr>
-          <a:xfrm>
-            <a:off x="1535999" y="4918364"/>
-            <a:ext cx="9104292" cy="720436"/>
-          </a:xfrm>
-          <a:prstGeom prst="rect">
-            <a:avLst/>
-          </a:prstGeom>
-          <a:solidFill>
-            <a:schemeClr val="tx1"/>
-          </a:solidFill>
-          <a:ln>
-            <a:noFill/>
-          </a:ln>
-        </p:spPr>
-        <p:style>
-          <a:lnRef idx="2">
-            <a:schemeClr val="accent1">
-              <a:shade val="50000"/>
-            </a:schemeClr>
-          </a:lnRef>
-          <a:fillRef idx="1">
-            <a:schemeClr val="accent1"/>
-          </a:fillRef>
-          <a:effectRef idx="0">
-            <a:schemeClr val="accent1"/>
-          </a:effectRef>
-          <a:fontRef idx="minor">
-            <a:schemeClr val="lt1"/>
-          </a:fontRef>
-        </p:style>
-        <p:txBody>
-          <a:bodyPr rtlCol="0" anchor="ctr"/>
-          <a:lstStyle/>
-          <a:p>
-            <a:pPr algn="ctr"/>
-            <a:endParaRPr lang="en-US"/>
-          </a:p>
-        </p:txBody>
-      </p:sp>
-    </p:spTree>
-    <p:extLst>
-      <p:ext uri="{BB962C8B-B14F-4D97-AF65-F5344CB8AC3E}">
-        <p14:creationId xmlns:p14="http://schemas.microsoft.com/office/powerpoint/2010/main" val="3191747065"/>
       </p:ext>
     </p:extLst>
   </p:cSld>
@@ -12952,6 +13839,361 @@
           <p:cNvPr id="2" name="Title 1">
             <a:extLst>
               <a:ext uri="{FF2B5EF4-FFF2-40B4-BE49-F238E27FC236}">
+                <a16:creationId xmlns:a16="http://schemas.microsoft.com/office/drawing/2014/main" id="{F2A6DE70-964D-DB48-8A02-5A25BE48C7A9}"/>
+              </a:ext>
+            </a:extLst>
+          </p:cNvPr>
+          <p:cNvSpPr>
+            <a:spLocks noGrp="1"/>
+          </p:cNvSpPr>
+          <p:nvPr>
+            <p:ph type="title"/>
+          </p:nvPr>
+        </p:nvSpPr>
+        <p:spPr/>
+        <p:txBody>
+          <a:bodyPr/>
+          <a:lstStyle/>
+          <a:p>
+            <a:r>
+              <a:rPr lang="en-US" dirty="0"/>
+              <a:t>Demo 3</a:t>
+            </a:r>
+          </a:p>
+        </p:txBody>
+      </p:sp>
+      <p:sp>
+        <p:nvSpPr>
+          <p:cNvPr id="3" name="Content Placeholder 2">
+            <a:extLst>
+              <a:ext uri="{FF2B5EF4-FFF2-40B4-BE49-F238E27FC236}">
+                <a16:creationId xmlns:a16="http://schemas.microsoft.com/office/drawing/2014/main" id="{D4D9DCFB-1840-DC42-B82A-2047B10C2554}"/>
+              </a:ext>
+            </a:extLst>
+          </p:cNvPr>
+          <p:cNvSpPr>
+            <a:spLocks noGrp="1"/>
+          </p:cNvSpPr>
+          <p:nvPr>
+            <p:ph idx="1"/>
+          </p:nvPr>
+        </p:nvSpPr>
+        <p:spPr/>
+        <p:txBody>
+          <a:bodyPr/>
+          <a:lstStyle/>
+          <a:p>
+            <a:endParaRPr lang="en-US"/>
+          </a:p>
+        </p:txBody>
+      </p:sp>
+    </p:spTree>
+    <p:extLst>
+      <p:ext uri="{BB962C8B-B14F-4D97-AF65-F5344CB8AC3E}">
+        <p14:creationId xmlns:p14="http://schemas.microsoft.com/office/powerpoint/2010/main" val="3812364392"/>
+      </p:ext>
+    </p:extLst>
+  </p:cSld>
+  <p:clrMapOvr>
+    <a:masterClrMapping/>
+  </p:clrMapOvr>
+</p:sld>
+</file>
+
+<file path=ppt/slides/slide21.xml><?xml version="1.0" encoding="utf-8"?>
+<p:sld xmlns:a="http://schemas.openxmlformats.org/drawingml/2006/main" xmlns:r="http://schemas.openxmlformats.org/officeDocument/2006/relationships" xmlns:p="http://schemas.openxmlformats.org/presentationml/2006/main">
+  <p:cSld>
+    <p:spTree>
+      <p:nvGrpSpPr>
+        <p:cNvPr id="1" name=""/>
+        <p:cNvGrpSpPr/>
+        <p:nvPr/>
+      </p:nvGrpSpPr>
+      <p:grpSpPr>
+        <a:xfrm>
+          <a:off x="0" y="0"/>
+          <a:ext cx="0" cy="0"/>
+          <a:chOff x="0" y="0"/>
+          <a:chExt cx="0" cy="0"/>
+        </a:xfrm>
+      </p:grpSpPr>
+      <p:sp>
+        <p:nvSpPr>
+          <p:cNvPr id="2" name="Title 1">
+            <a:extLst>
+              <a:ext uri="{FF2B5EF4-FFF2-40B4-BE49-F238E27FC236}">
+                <a16:creationId xmlns:a16="http://schemas.microsoft.com/office/drawing/2014/main" id="{B2CCCF96-561C-9446-8DB8-DD7E9C894BAF}"/>
+              </a:ext>
+            </a:extLst>
+          </p:cNvPr>
+          <p:cNvSpPr>
+            <a:spLocks noGrp="1"/>
+          </p:cNvSpPr>
+          <p:nvPr>
+            <p:ph type="title"/>
+          </p:nvPr>
+        </p:nvSpPr>
+        <p:spPr/>
+        <p:txBody>
+          <a:bodyPr/>
+          <a:lstStyle/>
+          <a:p>
+            <a:r>
+              <a:rPr lang="en-US" dirty="0"/>
+              <a:t>Dockerfile_v3 – Multi Stage </a:t>
+            </a:r>
+            <a:r>
+              <a:rPr lang="en-US" dirty="0" err="1"/>
+              <a:t>Dockerfile</a:t>
+            </a:r>
+            <a:r>
+              <a:rPr lang="en-US" dirty="0"/>
+              <a:t>  </a:t>
+            </a:r>
+          </a:p>
+        </p:txBody>
+      </p:sp>
+      <p:sp>
+        <p:nvSpPr>
+          <p:cNvPr id="4" name="Rectangle 3">
+            <a:extLst>
+              <a:ext uri="{FF2B5EF4-FFF2-40B4-BE49-F238E27FC236}">
+                <a16:creationId xmlns:a16="http://schemas.microsoft.com/office/drawing/2014/main" id="{2AC3544A-8C77-AB41-84A2-C108A6D791E8}"/>
+              </a:ext>
+            </a:extLst>
+          </p:cNvPr>
+          <p:cNvSpPr/>
+          <p:nvPr/>
+        </p:nvSpPr>
+        <p:spPr>
+          <a:xfrm>
+            <a:off x="3048000" y="3105835"/>
+            <a:ext cx="6096000" cy="646331"/>
+          </a:xfrm>
+          <a:prstGeom prst="rect">
+            <a:avLst/>
+          </a:prstGeom>
+        </p:spPr>
+        <p:txBody>
+          <a:bodyPr>
+            <a:spAutoFit/>
+          </a:bodyPr>
+          <a:lstStyle/>
+          <a:p>
+            <a:br>
+              <a:rPr lang="en-GB" dirty="0"/>
+            </a:br>
+            <a:endParaRPr lang="en-US" dirty="0"/>
+          </a:p>
+        </p:txBody>
+      </p:sp>
+      <p:pic>
+        <p:nvPicPr>
+          <p:cNvPr id="11" name="Content Placeholder 10">
+            <a:extLst>
+              <a:ext uri="{FF2B5EF4-FFF2-40B4-BE49-F238E27FC236}">
+                <a16:creationId xmlns:a16="http://schemas.microsoft.com/office/drawing/2014/main" id="{27787DFC-1A36-B240-9214-989475531E64}"/>
+              </a:ext>
+            </a:extLst>
+          </p:cNvPr>
+          <p:cNvPicPr>
+            <a:picLocks noChangeAspect="1"/>
+          </p:cNvPicPr>
+          <p:nvPr/>
+        </p:nvPicPr>
+        <p:blipFill>
+          <a:blip r:embed="rId3"/>
+          <a:stretch>
+            <a:fillRect/>
+          </a:stretch>
+        </p:blipFill>
+        <p:spPr>
+          <a:xfrm>
+            <a:off x="1535999" y="2304000"/>
+            <a:ext cx="9119999" cy="3600000"/>
+          </a:xfrm>
+          <a:prstGeom prst="rect">
+            <a:avLst/>
+          </a:prstGeom>
+          <a:effectLst>
+            <a:outerShdw blurRad="50800" dir="14400000">
+              <a:srgbClr val="000000">
+                <a:alpha val="40000"/>
+              </a:srgbClr>
+            </a:outerShdw>
+          </a:effectLst>
+        </p:spPr>
+      </p:pic>
+      <p:sp>
+        <p:nvSpPr>
+          <p:cNvPr id="13" name="Rectangle 12">
+            <a:extLst>
+              <a:ext uri="{FF2B5EF4-FFF2-40B4-BE49-F238E27FC236}">
+                <a16:creationId xmlns:a16="http://schemas.microsoft.com/office/drawing/2014/main" id="{0D53F0EA-E1A1-294A-A65E-C37C808874AF}"/>
+              </a:ext>
+            </a:extLst>
+          </p:cNvPr>
+          <p:cNvSpPr/>
+          <p:nvPr/>
+        </p:nvSpPr>
+        <p:spPr>
+          <a:xfrm>
+            <a:off x="1535999" y="4918364"/>
+            <a:ext cx="9104292" cy="720436"/>
+          </a:xfrm>
+          <a:prstGeom prst="rect">
+            <a:avLst/>
+          </a:prstGeom>
+          <a:solidFill>
+            <a:schemeClr val="tx1"/>
+          </a:solidFill>
+          <a:ln>
+            <a:noFill/>
+          </a:ln>
+        </p:spPr>
+        <p:style>
+          <a:lnRef idx="2">
+            <a:schemeClr val="accent1">
+              <a:shade val="50000"/>
+            </a:schemeClr>
+          </a:lnRef>
+          <a:fillRef idx="1">
+            <a:schemeClr val="accent1"/>
+          </a:fillRef>
+          <a:effectRef idx="0">
+            <a:schemeClr val="accent1"/>
+          </a:effectRef>
+          <a:fontRef idx="minor">
+            <a:schemeClr val="lt1"/>
+          </a:fontRef>
+        </p:style>
+        <p:txBody>
+          <a:bodyPr rtlCol="0" anchor="ctr"/>
+          <a:lstStyle/>
+          <a:p>
+            <a:pPr algn="ctr"/>
+            <a:endParaRPr lang="en-US"/>
+          </a:p>
+        </p:txBody>
+      </p:sp>
+    </p:spTree>
+    <p:extLst>
+      <p:ext uri="{BB962C8B-B14F-4D97-AF65-F5344CB8AC3E}">
+        <p14:creationId xmlns:p14="http://schemas.microsoft.com/office/powerpoint/2010/main" val="3191747065"/>
+      </p:ext>
+    </p:extLst>
+  </p:cSld>
+  <p:clrMapOvr>
+    <a:masterClrMapping/>
+  </p:clrMapOvr>
+</p:sld>
+</file>
+
+<file path=ppt/slides/slide22.xml><?xml version="1.0" encoding="utf-8"?>
+<p:sld xmlns:a="http://schemas.openxmlformats.org/drawingml/2006/main" xmlns:r="http://schemas.openxmlformats.org/officeDocument/2006/relationships" xmlns:p="http://schemas.openxmlformats.org/presentationml/2006/main">
+  <p:cSld>
+    <p:spTree>
+      <p:nvGrpSpPr>
+        <p:cNvPr id="1" name=""/>
+        <p:cNvGrpSpPr/>
+        <p:nvPr/>
+      </p:nvGrpSpPr>
+      <p:grpSpPr>
+        <a:xfrm>
+          <a:off x="0" y="0"/>
+          <a:ext cx="0" cy="0"/>
+          <a:chOff x="0" y="0"/>
+          <a:chExt cx="0" cy="0"/>
+        </a:xfrm>
+      </p:grpSpPr>
+      <p:sp>
+        <p:nvSpPr>
+          <p:cNvPr id="2" name="Title 1">
+            <a:extLst>
+              <a:ext uri="{FF2B5EF4-FFF2-40B4-BE49-F238E27FC236}">
+                <a16:creationId xmlns:a16="http://schemas.microsoft.com/office/drawing/2014/main" id="{F2A6DE70-964D-DB48-8A02-5A25BE48C7A9}"/>
+              </a:ext>
+            </a:extLst>
+          </p:cNvPr>
+          <p:cNvSpPr>
+            <a:spLocks noGrp="1"/>
+          </p:cNvSpPr>
+          <p:nvPr>
+            <p:ph type="title"/>
+          </p:nvPr>
+        </p:nvSpPr>
+        <p:spPr/>
+        <p:txBody>
+          <a:bodyPr/>
+          <a:lstStyle/>
+          <a:p>
+            <a:r>
+              <a:rPr lang="en-US" dirty="0"/>
+              <a:t>Demo 4</a:t>
+            </a:r>
+          </a:p>
+        </p:txBody>
+      </p:sp>
+      <p:sp>
+        <p:nvSpPr>
+          <p:cNvPr id="3" name="Content Placeholder 2">
+            <a:extLst>
+              <a:ext uri="{FF2B5EF4-FFF2-40B4-BE49-F238E27FC236}">
+                <a16:creationId xmlns:a16="http://schemas.microsoft.com/office/drawing/2014/main" id="{D4D9DCFB-1840-DC42-B82A-2047B10C2554}"/>
+              </a:ext>
+            </a:extLst>
+          </p:cNvPr>
+          <p:cNvSpPr>
+            <a:spLocks noGrp="1"/>
+          </p:cNvSpPr>
+          <p:nvPr>
+            <p:ph idx="1"/>
+          </p:nvPr>
+        </p:nvSpPr>
+        <p:spPr/>
+        <p:txBody>
+          <a:bodyPr/>
+          <a:lstStyle/>
+          <a:p>
+            <a:endParaRPr lang="en-US"/>
+          </a:p>
+        </p:txBody>
+      </p:sp>
+    </p:spTree>
+    <p:extLst>
+      <p:ext uri="{BB962C8B-B14F-4D97-AF65-F5344CB8AC3E}">
+        <p14:creationId xmlns:p14="http://schemas.microsoft.com/office/powerpoint/2010/main" val="3202392530"/>
+      </p:ext>
+    </p:extLst>
+  </p:cSld>
+  <p:clrMapOvr>
+    <a:masterClrMapping/>
+  </p:clrMapOvr>
+</p:sld>
+</file>
+
+<file path=ppt/slides/slide23.xml><?xml version="1.0" encoding="utf-8"?>
+<p:sld xmlns:a="http://schemas.openxmlformats.org/drawingml/2006/main" xmlns:r="http://schemas.openxmlformats.org/officeDocument/2006/relationships" xmlns:p="http://schemas.openxmlformats.org/presentationml/2006/main">
+  <p:cSld>
+    <p:spTree>
+      <p:nvGrpSpPr>
+        <p:cNvPr id="1" name=""/>
+        <p:cNvGrpSpPr/>
+        <p:nvPr/>
+      </p:nvGrpSpPr>
+      <p:grpSpPr>
+        <a:xfrm>
+          <a:off x="0" y="0"/>
+          <a:ext cx="0" cy="0"/>
+          <a:chOff x="0" y="0"/>
+          <a:chExt cx="0" cy="0"/>
+        </a:xfrm>
+      </p:grpSpPr>
+      <p:sp>
+        <p:nvSpPr>
+          <p:cNvPr id="2" name="Title 1">
+            <a:extLst>
+              <a:ext uri="{FF2B5EF4-FFF2-40B4-BE49-F238E27FC236}">
                 <a16:creationId xmlns:a16="http://schemas.microsoft.com/office/drawing/2014/main" id="{B2CCCF96-561C-9446-8DB8-DD7E9C894BAF}"/>
               </a:ext>
             </a:extLst>
@@ -13111,7 +14353,90 @@
 </p:sld>
 </file>
 
-<file path=ppt/slides/slide21.xml><?xml version="1.0" encoding="utf-8"?>
+<file path=ppt/slides/slide24.xml><?xml version="1.0" encoding="utf-8"?>
+<p:sld xmlns:a="http://schemas.openxmlformats.org/drawingml/2006/main" xmlns:r="http://schemas.openxmlformats.org/officeDocument/2006/relationships" xmlns:p="http://schemas.openxmlformats.org/presentationml/2006/main">
+  <p:cSld>
+    <p:spTree>
+      <p:nvGrpSpPr>
+        <p:cNvPr id="1" name=""/>
+        <p:cNvGrpSpPr/>
+        <p:nvPr/>
+      </p:nvGrpSpPr>
+      <p:grpSpPr>
+        <a:xfrm>
+          <a:off x="0" y="0"/>
+          <a:ext cx="0" cy="0"/>
+          <a:chOff x="0" y="0"/>
+          <a:chExt cx="0" cy="0"/>
+        </a:xfrm>
+      </p:grpSpPr>
+      <p:sp>
+        <p:nvSpPr>
+          <p:cNvPr id="2" name="Title 1">
+            <a:extLst>
+              <a:ext uri="{FF2B5EF4-FFF2-40B4-BE49-F238E27FC236}">
+                <a16:creationId xmlns:a16="http://schemas.microsoft.com/office/drawing/2014/main" id="{F2A6DE70-964D-DB48-8A02-5A25BE48C7A9}"/>
+              </a:ext>
+            </a:extLst>
+          </p:cNvPr>
+          <p:cNvSpPr>
+            <a:spLocks noGrp="1"/>
+          </p:cNvSpPr>
+          <p:nvPr>
+            <p:ph type="title"/>
+          </p:nvPr>
+        </p:nvSpPr>
+        <p:spPr/>
+        <p:txBody>
+          <a:bodyPr/>
+          <a:lstStyle/>
+          <a:p>
+            <a:r>
+              <a:rPr lang="en-US" dirty="0"/>
+              <a:t>Demo 5</a:t>
+            </a:r>
+          </a:p>
+        </p:txBody>
+      </p:sp>
+      <p:sp>
+        <p:nvSpPr>
+          <p:cNvPr id="3" name="Content Placeholder 2">
+            <a:extLst>
+              <a:ext uri="{FF2B5EF4-FFF2-40B4-BE49-F238E27FC236}">
+                <a16:creationId xmlns:a16="http://schemas.microsoft.com/office/drawing/2014/main" id="{D4D9DCFB-1840-DC42-B82A-2047B10C2554}"/>
+              </a:ext>
+            </a:extLst>
+          </p:cNvPr>
+          <p:cNvSpPr>
+            <a:spLocks noGrp="1"/>
+          </p:cNvSpPr>
+          <p:nvPr>
+            <p:ph idx="1"/>
+          </p:nvPr>
+        </p:nvSpPr>
+        <p:spPr/>
+        <p:txBody>
+          <a:bodyPr/>
+          <a:lstStyle/>
+          <a:p>
+            <a:endParaRPr lang="en-US"/>
+          </a:p>
+        </p:txBody>
+      </p:sp>
+    </p:spTree>
+    <p:extLst>
+      <p:ext uri="{BB962C8B-B14F-4D97-AF65-F5344CB8AC3E}">
+        <p14:creationId xmlns:p14="http://schemas.microsoft.com/office/powerpoint/2010/main" val="3255097284"/>
+      </p:ext>
+    </p:extLst>
+  </p:cSld>
+  <p:clrMapOvr>
+    <a:masterClrMapping/>
+  </p:clrMapOvr>
+</p:sld>
+</file>
+
+<file path=ppt/slides/slide25.xml><?xml version="1.0" encoding="utf-8"?>
 <p:sld xmlns:a="http://schemas.openxmlformats.org/drawingml/2006/main" xmlns:r="http://schemas.openxmlformats.org/officeDocument/2006/relationships" xmlns:p="http://schemas.openxmlformats.org/presentationml/2006/main">
   <p:cSld>
     <p:spTree>
@@ -13284,7 +14609,219 @@
 </p:sld>
 </file>
 
-<file path=ppt/slides/slide22.xml><?xml version="1.0" encoding="utf-8"?>
+<file path=ppt/slides/slide26.xml><?xml version="1.0" encoding="utf-8"?>
+<p:sld xmlns:a="http://schemas.openxmlformats.org/drawingml/2006/main" xmlns:r="http://schemas.openxmlformats.org/officeDocument/2006/relationships" xmlns:p="http://schemas.openxmlformats.org/presentationml/2006/main">
+  <p:cSld>
+    <p:spTree>
+      <p:nvGrpSpPr>
+        <p:cNvPr id="1" name=""/>
+        <p:cNvGrpSpPr/>
+        <p:nvPr/>
+      </p:nvGrpSpPr>
+      <p:grpSpPr>
+        <a:xfrm>
+          <a:off x="0" y="0"/>
+          <a:ext cx="0" cy="0"/>
+          <a:chOff x="0" y="0"/>
+          <a:chExt cx="0" cy="0"/>
+        </a:xfrm>
+      </p:grpSpPr>
+      <p:sp>
+        <p:nvSpPr>
+          <p:cNvPr id="2" name="Title 1">
+            <a:extLst>
+              <a:ext uri="{FF2B5EF4-FFF2-40B4-BE49-F238E27FC236}">
+                <a16:creationId xmlns:a16="http://schemas.microsoft.com/office/drawing/2014/main" id="{F2A6DE70-964D-DB48-8A02-5A25BE48C7A9}"/>
+              </a:ext>
+            </a:extLst>
+          </p:cNvPr>
+          <p:cNvSpPr>
+            <a:spLocks noGrp="1"/>
+          </p:cNvSpPr>
+          <p:nvPr>
+            <p:ph type="title"/>
+          </p:nvPr>
+        </p:nvSpPr>
+        <p:spPr/>
+        <p:txBody>
+          <a:bodyPr/>
+          <a:lstStyle/>
+          <a:p>
+            <a:r>
+              <a:rPr lang="en-US" dirty="0"/>
+              <a:t>Demo 6</a:t>
+            </a:r>
+          </a:p>
+        </p:txBody>
+      </p:sp>
+      <p:sp>
+        <p:nvSpPr>
+          <p:cNvPr id="3" name="Content Placeholder 2">
+            <a:extLst>
+              <a:ext uri="{FF2B5EF4-FFF2-40B4-BE49-F238E27FC236}">
+                <a16:creationId xmlns:a16="http://schemas.microsoft.com/office/drawing/2014/main" id="{D4D9DCFB-1840-DC42-B82A-2047B10C2554}"/>
+              </a:ext>
+            </a:extLst>
+          </p:cNvPr>
+          <p:cNvSpPr>
+            <a:spLocks noGrp="1"/>
+          </p:cNvSpPr>
+          <p:nvPr>
+            <p:ph idx="1"/>
+          </p:nvPr>
+        </p:nvSpPr>
+        <p:spPr/>
+        <p:txBody>
+          <a:bodyPr/>
+          <a:lstStyle/>
+          <a:p>
+            <a:endParaRPr lang="en-US"/>
+          </a:p>
+        </p:txBody>
+      </p:sp>
+    </p:spTree>
+    <p:extLst>
+      <p:ext uri="{BB962C8B-B14F-4D97-AF65-F5344CB8AC3E}">
+        <p14:creationId xmlns:p14="http://schemas.microsoft.com/office/powerpoint/2010/main" val="1747237769"/>
+      </p:ext>
+    </p:extLst>
+  </p:cSld>
+  <p:clrMapOvr>
+    <a:masterClrMapping/>
+  </p:clrMapOvr>
+</p:sld>
+</file>
+
+<file path=ppt/slides/slide27.xml><?xml version="1.0" encoding="utf-8"?>
+<p:sld xmlns:a="http://schemas.openxmlformats.org/drawingml/2006/main" xmlns:r="http://schemas.openxmlformats.org/officeDocument/2006/relationships" xmlns:p="http://schemas.openxmlformats.org/presentationml/2006/main">
+  <p:cSld>
+    <p:spTree>
+      <p:nvGrpSpPr>
+        <p:cNvPr id="1" name=""/>
+        <p:cNvGrpSpPr/>
+        <p:nvPr/>
+      </p:nvGrpSpPr>
+      <p:grpSpPr>
+        <a:xfrm>
+          <a:off x="0" y="0"/>
+          <a:ext cx="0" cy="0"/>
+          <a:chOff x="0" y="0"/>
+          <a:chExt cx="0" cy="0"/>
+        </a:xfrm>
+      </p:grpSpPr>
+      <p:sp>
+        <p:nvSpPr>
+          <p:cNvPr id="2" name="Title 1">
+            <a:extLst>
+              <a:ext uri="{FF2B5EF4-FFF2-40B4-BE49-F238E27FC236}">
+                <a16:creationId xmlns:a16="http://schemas.microsoft.com/office/drawing/2014/main" id="{F2A6DE70-964D-DB48-8A02-5A25BE48C7A9}"/>
+              </a:ext>
+            </a:extLst>
+          </p:cNvPr>
+          <p:cNvSpPr>
+            <a:spLocks noGrp="1"/>
+          </p:cNvSpPr>
+          <p:nvPr>
+            <p:ph type="title"/>
+          </p:nvPr>
+        </p:nvSpPr>
+        <p:spPr/>
+        <p:txBody>
+          <a:bodyPr/>
+          <a:lstStyle/>
+          <a:p>
+            <a:r>
+              <a:rPr lang="en-US" dirty="0"/>
+              <a:t>Build an Image, start a Container</a:t>
+            </a:r>
+          </a:p>
+        </p:txBody>
+      </p:sp>
+      <p:sp>
+        <p:nvSpPr>
+          <p:cNvPr id="3" name="Content Placeholder 2">
+            <a:extLst>
+              <a:ext uri="{FF2B5EF4-FFF2-40B4-BE49-F238E27FC236}">
+                <a16:creationId xmlns:a16="http://schemas.microsoft.com/office/drawing/2014/main" id="{D4D9DCFB-1840-DC42-B82A-2047B10C2554}"/>
+              </a:ext>
+            </a:extLst>
+          </p:cNvPr>
+          <p:cNvSpPr>
+            <a:spLocks noGrp="1"/>
+          </p:cNvSpPr>
+          <p:nvPr>
+            <p:ph idx="1"/>
+          </p:nvPr>
+        </p:nvSpPr>
+        <p:spPr/>
+        <p:txBody>
+          <a:bodyPr/>
+          <a:lstStyle/>
+          <a:p>
+            <a:endParaRPr lang="en-US" dirty="0"/>
+          </a:p>
+          <a:p>
+            <a:r>
+              <a:rPr lang="en-US" dirty="0"/>
+              <a:t>docker build -t isprime_dotnetcore:1 -f ./</a:t>
+            </a:r>
+            <a:r>
+              <a:rPr lang="en-US" dirty="0" err="1"/>
+              <a:t>Dockerfile_Iterations</a:t>
+            </a:r>
+            <a:r>
+              <a:rPr lang="en-US" dirty="0"/>
+              <a:t>/v1/</a:t>
+            </a:r>
+            <a:r>
+              <a:rPr lang="en-US" dirty="0" err="1"/>
+              <a:t>Dockerfile</a:t>
+            </a:r>
+            <a:r>
+              <a:rPr lang="en-US" dirty="0"/>
+              <a:t> .</a:t>
+            </a:r>
+          </a:p>
+          <a:p>
+            <a:r>
+              <a:rPr lang="en-US" dirty="0"/>
+              <a:t>docker run -p 9021:9021 isprime_dotnetcore:1</a:t>
+            </a:r>
+          </a:p>
+          <a:p>
+            <a:endParaRPr lang="en-US" dirty="0"/>
+          </a:p>
+          <a:p>
+            <a:endParaRPr lang="en-US" dirty="0"/>
+          </a:p>
+          <a:p>
+            <a:r>
+              <a:rPr lang="en-US" dirty="0"/>
+              <a:t>docker build -t isprime_dotnetcore:1 .</a:t>
+            </a:r>
+          </a:p>
+          <a:p>
+            <a:r>
+              <a:rPr lang="en-US" dirty="0"/>
+              <a:t>docker run -p 9021:9021 isprime_dotnetcore:1</a:t>
+            </a:r>
+          </a:p>
+        </p:txBody>
+      </p:sp>
+    </p:spTree>
+    <p:extLst>
+      <p:ext uri="{BB962C8B-B14F-4D97-AF65-F5344CB8AC3E}">
+        <p14:creationId xmlns:p14="http://schemas.microsoft.com/office/powerpoint/2010/main" val="1552498800"/>
+      </p:ext>
+    </p:extLst>
+  </p:cSld>
+  <p:clrMapOvr>
+    <a:masterClrMapping/>
+  </p:clrMapOvr>
+</p:sld>
+</file>
+
+<file path=ppt/slides/slide28.xml><?xml version="1.0" encoding="utf-8"?>
 <p:sld xmlns:a="http://schemas.openxmlformats.org/drawingml/2006/main" xmlns:r="http://schemas.openxmlformats.org/officeDocument/2006/relationships" xmlns:p="http://schemas.openxmlformats.org/presentationml/2006/main">
   <p:cSld>
     <p:bg>
@@ -13492,7 +15029,785 @@
 </p:sld>
 </file>
 
-<file path=ppt/slides/slide23.xml><?xml version="1.0" encoding="utf-8"?>
+<file path=ppt/slides/slide29.xml><?xml version="1.0" encoding="utf-8"?>
+<p:sld xmlns:a="http://schemas.openxmlformats.org/drawingml/2006/main" xmlns:r="http://schemas.openxmlformats.org/officeDocument/2006/relationships" xmlns:p="http://schemas.openxmlformats.org/presentationml/2006/main">
+  <p:cSld>
+    <p:spTree>
+      <p:nvGrpSpPr>
+        <p:cNvPr id="1" name=""/>
+        <p:cNvGrpSpPr/>
+        <p:nvPr/>
+      </p:nvGrpSpPr>
+      <p:grpSpPr>
+        <a:xfrm>
+          <a:off x="0" y="0"/>
+          <a:ext cx="0" cy="0"/>
+          <a:chOff x="0" y="0"/>
+          <a:chExt cx="0" cy="0"/>
+        </a:xfrm>
+      </p:grpSpPr>
+      <p:sp>
+        <p:nvSpPr>
+          <p:cNvPr id="2" name="Title 1">
+            <a:extLst>
+              <a:ext uri="{FF2B5EF4-FFF2-40B4-BE49-F238E27FC236}">
+                <a16:creationId xmlns:a16="http://schemas.microsoft.com/office/drawing/2014/main" id="{F2A6DE70-964D-DB48-8A02-5A25BE48C7A9}"/>
+              </a:ext>
+            </a:extLst>
+          </p:cNvPr>
+          <p:cNvSpPr>
+            <a:spLocks noGrp="1"/>
+          </p:cNvSpPr>
+          <p:nvPr>
+            <p:ph type="title"/>
+          </p:nvPr>
+        </p:nvSpPr>
+        <p:spPr/>
+        <p:txBody>
+          <a:bodyPr/>
+          <a:lstStyle/>
+          <a:p>
+            <a:r>
+              <a:rPr lang="en-US" dirty="0"/>
+              <a:t>Other stuff I couldn’t fit in</a:t>
+            </a:r>
+          </a:p>
+        </p:txBody>
+      </p:sp>
+      <p:sp>
+        <p:nvSpPr>
+          <p:cNvPr id="3" name="Content Placeholder 2">
+            <a:extLst>
+              <a:ext uri="{FF2B5EF4-FFF2-40B4-BE49-F238E27FC236}">
+                <a16:creationId xmlns:a16="http://schemas.microsoft.com/office/drawing/2014/main" id="{D4D9DCFB-1840-DC42-B82A-2047B10C2554}"/>
+              </a:ext>
+            </a:extLst>
+          </p:cNvPr>
+          <p:cNvSpPr>
+            <a:spLocks noGrp="1"/>
+          </p:cNvSpPr>
+          <p:nvPr>
+            <p:ph idx="1"/>
+          </p:nvPr>
+        </p:nvSpPr>
+        <p:spPr/>
+        <p:txBody>
+          <a:bodyPr/>
+          <a:lstStyle/>
+          <a:p>
+            <a:r>
+              <a:rPr lang="en-US" dirty="0"/>
+              <a:t>Security – which user are you running as?</a:t>
+            </a:r>
+          </a:p>
+          <a:p>
+            <a:r>
+              <a:rPr lang="en-US" dirty="0" err="1"/>
+              <a:t>dockerIgnore</a:t>
+            </a:r>
+            <a:r>
+              <a:rPr lang="en-US" dirty="0"/>
+              <a:t> files – exclude files from your build context to keep </a:t>
+            </a:r>
+            <a:r>
+              <a:rPr lang="en-US"/>
+              <a:t>images smaller</a:t>
+            </a:r>
+          </a:p>
+          <a:p>
+            <a:endParaRPr lang="en-US" dirty="0"/>
+          </a:p>
+        </p:txBody>
+      </p:sp>
+    </p:spTree>
+    <p:extLst>
+      <p:ext uri="{BB962C8B-B14F-4D97-AF65-F5344CB8AC3E}">
+        <p14:creationId xmlns:p14="http://schemas.microsoft.com/office/powerpoint/2010/main" val="2081175399"/>
+      </p:ext>
+    </p:extLst>
+  </p:cSld>
+  <p:clrMapOvr>
+    <a:masterClrMapping/>
+  </p:clrMapOvr>
+</p:sld>
+</file>
+
+<file path=ppt/slides/slide3.xml><?xml version="1.0" encoding="utf-8"?>
+<p:sld xmlns:a="http://schemas.openxmlformats.org/drawingml/2006/main" xmlns:r="http://schemas.openxmlformats.org/officeDocument/2006/relationships" xmlns:p="http://schemas.openxmlformats.org/presentationml/2006/main">
+  <p:cSld>
+    <p:bg>
+      <p:bgPr>
+        <a:solidFill>
+          <a:schemeClr val="bg1"/>
+        </a:solidFill>
+        <a:effectLst/>
+      </p:bgPr>
+    </p:bg>
+    <p:spTree>
+      <p:nvGrpSpPr>
+        <p:cNvPr id="1" name=""/>
+        <p:cNvGrpSpPr/>
+        <p:nvPr/>
+      </p:nvGrpSpPr>
+      <p:grpSpPr>
+        <a:xfrm>
+          <a:off x="0" y="0"/>
+          <a:ext cx="0" cy="0"/>
+          <a:chOff x="0" y="0"/>
+          <a:chExt cx="0" cy="0"/>
+        </a:xfrm>
+      </p:grpSpPr>
+      <p:sp>
+        <p:nvSpPr>
+          <p:cNvPr id="17" name="Freeform 6">
+            <a:extLst>
+              <a:ext uri="{FF2B5EF4-FFF2-40B4-BE49-F238E27FC236}">
+                <a16:creationId xmlns:a16="http://schemas.microsoft.com/office/drawing/2014/main" id="{133F8CB7-795C-4272-9073-64D8CF97F220}"/>
+              </a:ext>
+              <a:ext uri="{C183D7F6-B498-43B3-948B-1728B52AA6E4}">
+                <adec:decorative xmlns:adec="http://schemas.microsoft.com/office/drawing/2017/decorative" val="1"/>
+              </a:ext>
+            </a:extLst>
+          </p:cNvPr>
+          <p:cNvSpPr>
+            <a:spLocks noGrp="1" noRot="1" noChangeAspect="1" noMove="1" noResize="1" noEditPoints="1" noAdjustHandles="1" noChangeArrowheads="1" noChangeShapeType="1" noTextEdit="1"/>
+          </p:cNvSpPr>
+          <p:nvPr>
+            <p:extLst>
+              <p:ext uri="{386F3935-93C4-4BCD-93E2-E3B085C9AB24}">
+                <p16:designElem xmlns:p16="http://schemas.microsoft.com/office/powerpoint/2015/main" val="1"/>
+              </p:ext>
+            </p:extLst>
+          </p:nvPr>
+        </p:nvSpPr>
+        <p:spPr bwMode="auto">
+          <a:xfrm>
+            <a:off x="0" y="-3175"/>
+            <a:ext cx="12192000" cy="5203825"/>
+          </a:xfrm>
+          <a:custGeom>
+            <a:avLst/>
+            <a:gdLst/>
+            <a:ahLst/>
+            <a:cxnLst/>
+            <a:rect l="0" t="0" r="r" b="b"/>
+            <a:pathLst>
+              <a:path w="5760" h="3278">
+                <a:moveTo>
+                  <a:pt x="5760" y="0"/>
+                </a:moveTo>
+                <a:lnTo>
+                  <a:pt x="0" y="0"/>
+                </a:lnTo>
+                <a:lnTo>
+                  <a:pt x="0" y="3090"/>
+                </a:lnTo>
+                <a:lnTo>
+                  <a:pt x="943" y="3090"/>
+                </a:lnTo>
+                <a:lnTo>
+                  <a:pt x="1123" y="3270"/>
+                </a:lnTo>
+                <a:lnTo>
+                  <a:pt x="1123" y="3270"/>
+                </a:lnTo>
+                <a:lnTo>
+                  <a:pt x="1127" y="3272"/>
+                </a:lnTo>
+                <a:lnTo>
+                  <a:pt x="1133" y="3275"/>
+                </a:lnTo>
+                <a:lnTo>
+                  <a:pt x="1139" y="3278"/>
+                </a:lnTo>
+                <a:lnTo>
+                  <a:pt x="1144" y="3278"/>
+                </a:lnTo>
+                <a:lnTo>
+                  <a:pt x="1150" y="3278"/>
+                </a:lnTo>
+                <a:lnTo>
+                  <a:pt x="1155" y="3275"/>
+                </a:lnTo>
+                <a:lnTo>
+                  <a:pt x="1161" y="3272"/>
+                </a:lnTo>
+                <a:lnTo>
+                  <a:pt x="1165" y="3270"/>
+                </a:lnTo>
+                <a:lnTo>
+                  <a:pt x="1345" y="3090"/>
+                </a:lnTo>
+                <a:lnTo>
+                  <a:pt x="5760" y="3090"/>
+                </a:lnTo>
+                <a:lnTo>
+                  <a:pt x="5760" y="0"/>
+                </a:lnTo>
+                <a:close/>
+              </a:path>
+            </a:pathLst>
+          </a:custGeom>
+          <a:ln/>
+          <a:effectLst/>
+          <a:extLst>
+            <a:ext uri="{91240B29-F687-4f45-9708-019B960494DF}">
+              <a14:hiddenLine xmlns:a14="http://schemas.microsoft.com/office/drawing/2010/main" xmlns:p14="http://schemas.microsoft.com/office/powerpoint/2010/main" xmlns:a16="http://schemas.microsoft.com/office/drawing/2014/main" xmlns="" w="9525">
+                <a:solidFill>
+                  <a:srgbClr val="000000"/>
+                </a:solidFill>
+                <a:round/>
+                <a:headEnd/>
+                <a:tailEnd/>
+              </a14:hiddenLine>
+            </a:ext>
+          </a:extLst>
+        </p:spPr>
+        <p:style>
+          <a:lnRef idx="1">
+            <a:schemeClr val="accent1"/>
+          </a:lnRef>
+          <a:fillRef idx="3">
+            <a:schemeClr val="accent1"/>
+          </a:fillRef>
+          <a:effectRef idx="2">
+            <a:schemeClr val="accent1"/>
+          </a:effectRef>
+          <a:fontRef idx="minor">
+            <a:schemeClr val="lt1"/>
+          </a:fontRef>
+        </p:style>
+      </p:sp>
+      <p:sp>
+        <p:nvSpPr>
+          <p:cNvPr id="12" name="Rectangle 11">
+            <a:extLst>
+              <a:ext uri="{FF2B5EF4-FFF2-40B4-BE49-F238E27FC236}">
+                <a16:creationId xmlns:a16="http://schemas.microsoft.com/office/drawing/2014/main" id="{B7743172-17A8-4FA4-8434-B813E03B7665}"/>
+              </a:ext>
+              <a:ext uri="{C183D7F6-B498-43B3-948B-1728B52AA6E4}">
+                <adec:decorative xmlns:adec="http://schemas.microsoft.com/office/drawing/2017/decorative" val="1"/>
+              </a:ext>
+            </a:extLst>
+          </p:cNvPr>
+          <p:cNvSpPr>
+            <a:spLocks noGrp="1" noRot="1" noChangeAspect="1" noMove="1" noResize="1" noEditPoints="1" noAdjustHandles="1" noChangeArrowheads="1" noChangeShapeType="1" noTextEdit="1"/>
+          </p:cNvSpPr>
+          <p:nvPr>
+            <p:extLst>
+              <p:ext uri="{386F3935-93C4-4BCD-93E2-E3B085C9AB24}">
+                <p16:designElem xmlns:p16="http://schemas.microsoft.com/office/powerpoint/2015/main" val="1"/>
+              </p:ext>
+            </p:extLst>
+          </p:nvPr>
+        </p:nvSpPr>
+        <p:spPr>
+          <a:xfrm>
+            <a:off x="0" y="0"/>
+            <a:ext cx="12192000" cy="6858000"/>
+          </a:xfrm>
+          <a:prstGeom prst="rect">
+            <a:avLst/>
+          </a:prstGeom>
+          <a:solidFill>
+            <a:schemeClr val="bg1"/>
+          </a:solidFill>
+          <a:ln>
+            <a:noFill/>
+          </a:ln>
+        </p:spPr>
+        <p:style>
+          <a:lnRef idx="2">
+            <a:schemeClr val="accent1">
+              <a:shade val="50000"/>
+            </a:schemeClr>
+          </a:lnRef>
+          <a:fillRef idx="1">
+            <a:schemeClr val="accent1"/>
+          </a:fillRef>
+          <a:effectRef idx="0">
+            <a:schemeClr val="accent1"/>
+          </a:effectRef>
+          <a:fontRef idx="minor">
+            <a:schemeClr val="lt1"/>
+          </a:fontRef>
+        </p:style>
+        <p:txBody>
+          <a:bodyPr rtlCol="0" anchor="ctr"/>
+          <a:lstStyle/>
+          <a:p>
+            <a:pPr algn="ctr"/>
+            <a:endParaRPr lang="en-US"/>
+          </a:p>
+        </p:txBody>
+      </p:sp>
+      <p:sp>
+        <p:nvSpPr>
+          <p:cNvPr id="14" name="Freeform 23">
+            <a:extLst>
+              <a:ext uri="{FF2B5EF4-FFF2-40B4-BE49-F238E27FC236}">
+                <a16:creationId xmlns:a16="http://schemas.microsoft.com/office/drawing/2014/main" id="{4CE1233C-FD2F-489E-BFDE-086F5FED6491}"/>
+              </a:ext>
+              <a:ext uri="{C183D7F6-B498-43B3-948B-1728B52AA6E4}">
+                <adec:decorative xmlns:adec="http://schemas.microsoft.com/office/drawing/2017/decorative" val="1"/>
+              </a:ext>
+            </a:extLst>
+          </p:cNvPr>
+          <p:cNvSpPr>
+            <a:spLocks noGrp="1" noRot="1" noChangeAspect="1" noMove="1" noResize="1" noEditPoints="1" noAdjustHandles="1" noChangeArrowheads="1" noChangeShapeType="1" noTextEdit="1"/>
+          </p:cNvSpPr>
+          <p:nvPr>
+            <p:extLst>
+              <p:ext uri="{386F3935-93C4-4BCD-93E2-E3B085C9AB24}">
+                <p16:designElem xmlns:p16="http://schemas.microsoft.com/office/powerpoint/2015/main" val="1"/>
+              </p:ext>
+            </p:extLst>
+          </p:nvPr>
+        </p:nvSpPr>
+        <p:spPr bwMode="white">
+          <a:xfrm>
+            <a:off x="0" y="0"/>
+            <a:ext cx="4637005" cy="6858000"/>
+          </a:xfrm>
+          <a:custGeom>
+            <a:avLst/>
+            <a:gdLst>
+              <a:gd name="connsiteX0" fmla="*/ 0 w 4637005"/>
+              <a:gd name="connsiteY0" fmla="*/ 0 h 6858000"/>
+              <a:gd name="connsiteX1" fmla="*/ 4637005 w 4637005"/>
+              <a:gd name="connsiteY1" fmla="*/ 0 h 6858000"/>
+              <a:gd name="connsiteX2" fmla="*/ 4637005 w 4637005"/>
+              <a:gd name="connsiteY2" fmla="*/ 1900238 h 6858000"/>
+              <a:gd name="connsiteX3" fmla="*/ 4266589 w 4637005"/>
+              <a:gd name="connsiteY3" fmla="*/ 2178050 h 6858000"/>
+              <a:gd name="connsiteX4" fmla="*/ 4262355 w 4637005"/>
+              <a:gd name="connsiteY4" fmla="*/ 2184400 h 6858000"/>
+              <a:gd name="connsiteX5" fmla="*/ 4256005 w 4637005"/>
+              <a:gd name="connsiteY5" fmla="*/ 2193925 h 6858000"/>
+              <a:gd name="connsiteX6" fmla="*/ 4249655 w 4637005"/>
+              <a:gd name="connsiteY6" fmla="*/ 2201863 h 6858000"/>
+              <a:gd name="connsiteX7" fmla="*/ 4249655 w 4637005"/>
+              <a:gd name="connsiteY7" fmla="*/ 2211388 h 6858000"/>
+              <a:gd name="connsiteX8" fmla="*/ 4249655 w 4637005"/>
+              <a:gd name="connsiteY8" fmla="*/ 2220913 h 6858000"/>
+              <a:gd name="connsiteX9" fmla="*/ 4256005 w 4637005"/>
+              <a:gd name="connsiteY9" fmla="*/ 2228850 h 6858000"/>
+              <a:gd name="connsiteX10" fmla="*/ 4262355 w 4637005"/>
+              <a:gd name="connsiteY10" fmla="*/ 2238375 h 6858000"/>
+              <a:gd name="connsiteX11" fmla="*/ 4266589 w 4637005"/>
+              <a:gd name="connsiteY11" fmla="*/ 2244725 h 6858000"/>
+              <a:gd name="connsiteX12" fmla="*/ 4637005 w 4637005"/>
+              <a:gd name="connsiteY12" fmla="*/ 2522538 h 6858000"/>
+              <a:gd name="connsiteX13" fmla="*/ 4637005 w 4637005"/>
+              <a:gd name="connsiteY13" fmla="*/ 6858000 h 6858000"/>
+              <a:gd name="connsiteX14" fmla="*/ 0 w 4637005"/>
+              <a:gd name="connsiteY14" fmla="*/ 6858000 h 6858000"/>
+            </a:gdLst>
+            <a:ahLst/>
+            <a:cxnLst>
+              <a:cxn ang="0">
+                <a:pos x="connsiteX0" y="connsiteY0"/>
+              </a:cxn>
+              <a:cxn ang="0">
+                <a:pos x="connsiteX1" y="connsiteY1"/>
+              </a:cxn>
+              <a:cxn ang="0">
+                <a:pos x="connsiteX2" y="connsiteY2"/>
+              </a:cxn>
+              <a:cxn ang="0">
+                <a:pos x="connsiteX3" y="connsiteY3"/>
+              </a:cxn>
+              <a:cxn ang="0">
+                <a:pos x="connsiteX4" y="connsiteY4"/>
+              </a:cxn>
+              <a:cxn ang="0">
+                <a:pos x="connsiteX5" y="connsiteY5"/>
+              </a:cxn>
+              <a:cxn ang="0">
+                <a:pos x="connsiteX6" y="connsiteY6"/>
+              </a:cxn>
+              <a:cxn ang="0">
+                <a:pos x="connsiteX7" y="connsiteY7"/>
+              </a:cxn>
+              <a:cxn ang="0">
+                <a:pos x="connsiteX8" y="connsiteY8"/>
+              </a:cxn>
+              <a:cxn ang="0">
+                <a:pos x="connsiteX9" y="connsiteY9"/>
+              </a:cxn>
+              <a:cxn ang="0">
+                <a:pos x="connsiteX10" y="connsiteY10"/>
+              </a:cxn>
+              <a:cxn ang="0">
+                <a:pos x="connsiteX11" y="connsiteY11"/>
+              </a:cxn>
+              <a:cxn ang="0">
+                <a:pos x="connsiteX12" y="connsiteY12"/>
+              </a:cxn>
+              <a:cxn ang="0">
+                <a:pos x="connsiteX13" y="connsiteY13"/>
+              </a:cxn>
+              <a:cxn ang="0">
+                <a:pos x="connsiteX14" y="connsiteY14"/>
+              </a:cxn>
+            </a:cxnLst>
+            <a:rect l="l" t="t" r="r" b="b"/>
+            <a:pathLst>
+              <a:path w="4637005" h="6858000">
+                <a:moveTo>
+                  <a:pt x="0" y="0"/>
+                </a:moveTo>
+                <a:lnTo>
+                  <a:pt x="4637005" y="0"/>
+                </a:lnTo>
+                <a:lnTo>
+                  <a:pt x="4637005" y="1900238"/>
+                </a:lnTo>
+                <a:lnTo>
+                  <a:pt x="4266589" y="2178050"/>
+                </a:lnTo>
+                <a:lnTo>
+                  <a:pt x="4262355" y="2184400"/>
+                </a:lnTo>
+                <a:lnTo>
+                  <a:pt x="4256005" y="2193925"/>
+                </a:lnTo>
+                <a:lnTo>
+                  <a:pt x="4249655" y="2201863"/>
+                </a:lnTo>
+                <a:lnTo>
+                  <a:pt x="4249655" y="2211388"/>
+                </a:lnTo>
+                <a:lnTo>
+                  <a:pt x="4249655" y="2220913"/>
+                </a:lnTo>
+                <a:lnTo>
+                  <a:pt x="4256005" y="2228850"/>
+                </a:lnTo>
+                <a:lnTo>
+                  <a:pt x="4262355" y="2238375"/>
+                </a:lnTo>
+                <a:lnTo>
+                  <a:pt x="4266589" y="2244725"/>
+                </a:lnTo>
+                <a:lnTo>
+                  <a:pt x="4637005" y="2522538"/>
+                </a:lnTo>
+                <a:lnTo>
+                  <a:pt x="4637005" y="6858000"/>
+                </a:lnTo>
+                <a:lnTo>
+                  <a:pt x="0" y="6858000"/>
+                </a:lnTo>
+                <a:close/>
+              </a:path>
+            </a:pathLst>
+          </a:custGeom>
+          <a:blipFill>
+            <a:blip r:embed="rId2">
+              <a:duotone>
+                <a:schemeClr val="accent1">
+                  <a:tint val="98000"/>
+                  <a:lumMod val="102000"/>
+                </a:schemeClr>
+                <a:schemeClr val="accent1">
+                  <a:shade val="98000"/>
+                  <a:lumMod val="98000"/>
+                </a:schemeClr>
+              </a:duotone>
+            </a:blip>
+            <a:tile tx="0" ty="0" sx="100000" sy="100000" flip="none" algn="tl"/>
+          </a:blipFill>
+          <a:ln>
+            <a:headEnd/>
+            <a:tailEnd/>
+          </a:ln>
+        </p:spPr>
+        <p:style>
+          <a:lnRef idx="1">
+            <a:schemeClr val="accent1"/>
+          </a:lnRef>
+          <a:fillRef idx="3">
+            <a:schemeClr val="accent1"/>
+          </a:fillRef>
+          <a:effectRef idx="2">
+            <a:schemeClr val="accent1"/>
+          </a:effectRef>
+          <a:fontRef idx="minor">
+            <a:schemeClr val="lt1"/>
+          </a:fontRef>
+        </p:style>
+        <p:txBody>
+          <a:bodyPr wrap="square" rtlCol="0" anchor="ctr">
+            <a:noAutofit/>
+          </a:bodyPr>
+          <a:lstStyle/>
+          <a:p>
+            <a:pPr algn="ctr"/>
+            <a:endParaRPr lang="en-US"/>
+          </a:p>
+        </p:txBody>
+      </p:sp>
+      <p:sp>
+        <p:nvSpPr>
+          <p:cNvPr id="2" name="Title 1">
+            <a:extLst>
+              <a:ext uri="{FF2B5EF4-FFF2-40B4-BE49-F238E27FC236}">
+                <a16:creationId xmlns:a16="http://schemas.microsoft.com/office/drawing/2014/main" id="{FADDEDD2-FA35-824D-B573-ED42223F6702}"/>
+              </a:ext>
+            </a:extLst>
+          </p:cNvPr>
+          <p:cNvSpPr>
+            <a:spLocks noGrp="1"/>
+          </p:cNvSpPr>
+          <p:nvPr>
+            <p:ph type="title"/>
+          </p:nvPr>
+        </p:nvSpPr>
+        <p:spPr>
+          <a:xfrm>
+            <a:off x="451514" y="1800225"/>
+            <a:ext cx="3444211" cy="4241136"/>
+          </a:xfrm>
+        </p:spPr>
+        <p:txBody>
+          <a:bodyPr vert="horz" lIns="91440" tIns="45720" rIns="91440" bIns="45720" rtlCol="0" anchor="t">
+            <a:normAutofit/>
+          </a:bodyPr>
+          <a:lstStyle/>
+          <a:p>
+            <a:r>
+              <a:rPr lang="en-US" sz="4400" dirty="0"/>
+              <a:t>Context:</a:t>
+            </a:r>
+            <a:br>
+              <a:rPr lang="en-US" sz="4400" dirty="0"/>
+            </a:br>
+            <a:br>
+              <a:rPr lang="en-US" sz="4400" dirty="0"/>
+            </a:br>
+            <a:r>
+              <a:rPr lang="en-US" sz="4400" dirty="0"/>
+              <a:t>Our Application</a:t>
+            </a:r>
+            <a:br>
+              <a:rPr lang="en-US" sz="4400" dirty="0"/>
+            </a:br>
+            <a:r>
+              <a:rPr lang="en-US" sz="4400" dirty="0"/>
+              <a:t>Stack</a:t>
+            </a:r>
+          </a:p>
+        </p:txBody>
+      </p:sp>
+      <p:pic>
+        <p:nvPicPr>
+          <p:cNvPr id="11" name="Content Placeholder 10">
+            <a:extLst>
+              <a:ext uri="{FF2B5EF4-FFF2-40B4-BE49-F238E27FC236}">
+                <a16:creationId xmlns:a16="http://schemas.microsoft.com/office/drawing/2014/main" id="{D5B66045-EA5F-5743-9EBE-63DDE9120620}"/>
+              </a:ext>
+            </a:extLst>
+          </p:cNvPr>
+          <p:cNvPicPr>
+            <a:picLocks noGrp="1" noChangeAspect="1"/>
+          </p:cNvPicPr>
+          <p:nvPr>
+            <p:ph idx="1"/>
+          </p:nvPr>
+        </p:nvPicPr>
+        <p:blipFill>
+          <a:blip r:embed="rId3"/>
+          <a:stretch>
+            <a:fillRect/>
+          </a:stretch>
+        </p:blipFill>
+        <p:spPr>
+          <a:xfrm>
+            <a:off x="6427792" y="295982"/>
+            <a:ext cx="4201855" cy="6246000"/>
+          </a:xfrm>
+        </p:spPr>
+      </p:pic>
+      <p:sp>
+        <p:nvSpPr>
+          <p:cNvPr id="13" name="TextBox 12">
+            <a:extLst>
+              <a:ext uri="{FF2B5EF4-FFF2-40B4-BE49-F238E27FC236}">
+                <a16:creationId xmlns:a16="http://schemas.microsoft.com/office/drawing/2014/main" id="{6C5A9D27-82BD-A647-82F0-56AE004FF271}"/>
+              </a:ext>
+            </a:extLst>
+          </p:cNvPr>
+          <p:cNvSpPr txBox="1"/>
+          <p:nvPr/>
+        </p:nvSpPr>
+        <p:spPr>
+          <a:xfrm>
+            <a:off x="6272213" y="3943349"/>
+            <a:ext cx="1571625" cy="646331"/>
+          </a:xfrm>
+          <a:prstGeom prst="rect">
+            <a:avLst/>
+          </a:prstGeom>
+          <a:noFill/>
+        </p:spPr>
+        <p:txBody>
+          <a:bodyPr wrap="square" rtlCol="0">
+            <a:spAutoFit/>
+          </a:bodyPr>
+          <a:lstStyle/>
+          <a:p>
+            <a:pPr algn="ctr"/>
+            <a:r>
+              <a:rPr lang="en-US" dirty="0"/>
+              <a:t>Automated </a:t>
+            </a:r>
+          </a:p>
+          <a:p>
+            <a:pPr algn="ctr"/>
+            <a:r>
+              <a:rPr lang="en-US" dirty="0"/>
+              <a:t>Tests</a:t>
+            </a:r>
+          </a:p>
+        </p:txBody>
+      </p:sp>
+      <p:sp>
+        <p:nvSpPr>
+          <p:cNvPr id="16" name="TextBox 15">
+            <a:extLst>
+              <a:ext uri="{FF2B5EF4-FFF2-40B4-BE49-F238E27FC236}">
+                <a16:creationId xmlns:a16="http://schemas.microsoft.com/office/drawing/2014/main" id="{E9FE9047-96B3-F142-B31A-F2976693D6FD}"/>
+              </a:ext>
+            </a:extLst>
+          </p:cNvPr>
+          <p:cNvSpPr txBox="1"/>
+          <p:nvPr/>
+        </p:nvSpPr>
+        <p:spPr>
+          <a:xfrm>
+            <a:off x="10382246" y="2967036"/>
+            <a:ext cx="1571625" cy="646331"/>
+          </a:xfrm>
+          <a:prstGeom prst="rect">
+            <a:avLst/>
+          </a:prstGeom>
+          <a:noFill/>
+        </p:spPr>
+        <p:txBody>
+          <a:bodyPr wrap="square" rtlCol="0">
+            <a:spAutoFit/>
+          </a:bodyPr>
+          <a:lstStyle/>
+          <a:p>
+            <a:pPr algn="ctr"/>
+            <a:r>
+              <a:rPr lang="en-US" dirty="0"/>
+              <a:t>Web</a:t>
+            </a:r>
+          </a:p>
+          <a:p>
+            <a:pPr algn="ctr"/>
+            <a:r>
+              <a:rPr lang="en-US" dirty="0"/>
+              <a:t>API</a:t>
+            </a:r>
+          </a:p>
+        </p:txBody>
+      </p:sp>
+      <p:sp>
+        <p:nvSpPr>
+          <p:cNvPr id="18" name="TextBox 17">
+            <a:extLst>
+              <a:ext uri="{FF2B5EF4-FFF2-40B4-BE49-F238E27FC236}">
+                <a16:creationId xmlns:a16="http://schemas.microsoft.com/office/drawing/2014/main" id="{4D86B5D8-AF71-414E-83D7-46A52BF95719}"/>
+              </a:ext>
+            </a:extLst>
+          </p:cNvPr>
+          <p:cNvSpPr txBox="1"/>
+          <p:nvPr/>
+        </p:nvSpPr>
+        <p:spPr>
+          <a:xfrm>
+            <a:off x="7897149" y="476248"/>
+            <a:ext cx="1571625" cy="646331"/>
+          </a:xfrm>
+          <a:prstGeom prst="rect">
+            <a:avLst/>
+          </a:prstGeom>
+          <a:noFill/>
+        </p:spPr>
+        <p:txBody>
+          <a:bodyPr wrap="square" rtlCol="0">
+            <a:spAutoFit/>
+          </a:bodyPr>
+          <a:lstStyle/>
+          <a:p>
+            <a:pPr algn="ctr"/>
+            <a:r>
+              <a:rPr lang="en-US" dirty="0"/>
+              <a:t>Web</a:t>
+            </a:r>
+          </a:p>
+          <a:p>
+            <a:pPr algn="ctr"/>
+            <a:r>
+              <a:rPr lang="en-US" dirty="0"/>
+              <a:t>Front end</a:t>
+            </a:r>
+          </a:p>
+        </p:txBody>
+      </p:sp>
+      <p:sp>
+        <p:nvSpPr>
+          <p:cNvPr id="19" name="TextBox 18">
+            <a:extLst>
+              <a:ext uri="{FF2B5EF4-FFF2-40B4-BE49-F238E27FC236}">
+                <a16:creationId xmlns:a16="http://schemas.microsoft.com/office/drawing/2014/main" id="{109225E6-8637-C540-8B01-B5C1FF90F725}"/>
+              </a:ext>
+            </a:extLst>
+          </p:cNvPr>
+          <p:cNvSpPr txBox="1"/>
+          <p:nvPr/>
+        </p:nvSpPr>
+        <p:spPr>
+          <a:xfrm>
+            <a:off x="7771482" y="5705318"/>
+            <a:ext cx="1571625" cy="369332"/>
+          </a:xfrm>
+          <a:prstGeom prst="rect">
+            <a:avLst/>
+          </a:prstGeom>
+          <a:noFill/>
+        </p:spPr>
+        <p:txBody>
+          <a:bodyPr wrap="square" rtlCol="0">
+            <a:spAutoFit/>
+          </a:bodyPr>
+          <a:lstStyle/>
+          <a:p>
+            <a:pPr algn="ctr"/>
+            <a:r>
+              <a:rPr lang="en-US" dirty="0"/>
+              <a:t>Database</a:t>
+            </a:r>
+          </a:p>
+        </p:txBody>
+      </p:sp>
+    </p:spTree>
+    <p:extLst>
+      <p:ext uri="{BB962C8B-B14F-4D97-AF65-F5344CB8AC3E}">
+        <p14:creationId xmlns:p14="http://schemas.microsoft.com/office/powerpoint/2010/main" val="4124585691"/>
+      </p:ext>
+    </p:extLst>
+  </p:cSld>
+  <p:clrMapOvr>
+    <a:overrideClrMapping bg1="lt1" tx1="dk1" bg2="lt2" tx2="dk2" accent1="accent1" accent2="accent2" accent3="accent3" accent4="accent4" accent5="accent5" accent6="accent6" hlink="hlink" folHlink="folHlink"/>
+  </p:clrMapOvr>
+</p:sld>
+</file>
+
+<file path=ppt/slides/slide30.xml><?xml version="1.0" encoding="utf-8"?>
 <p:sld xmlns:a="http://schemas.openxmlformats.org/drawingml/2006/main" xmlns:r="http://schemas.openxmlformats.org/officeDocument/2006/relationships" xmlns:p="http://schemas.openxmlformats.org/presentationml/2006/main">
   <p:cSld>
     <p:spTree>
@@ -14277,7 +16592,7 @@
 </p:sld>
 </file>
 
-<file path=ppt/slides/slide24.xml><?xml version="1.0" encoding="utf-8"?>
+<file path=ppt/slides/slide31.xml><?xml version="1.0" encoding="utf-8"?>
 <p:sld xmlns:a="http://schemas.openxmlformats.org/drawingml/2006/main" xmlns:r="http://schemas.openxmlformats.org/officeDocument/2006/relationships" xmlns:p="http://schemas.openxmlformats.org/presentationml/2006/main">
   <p:cSld>
     <p:spTree>
@@ -14959,7 +17274,7 @@
 </p:sld>
 </file>
 
-<file path=ppt/slides/slide25.xml><?xml version="1.0" encoding="utf-8"?>
+<file path=ppt/slides/slide32.xml><?xml version="1.0" encoding="utf-8"?>
 <p:sld xmlns:a="http://schemas.openxmlformats.org/drawingml/2006/main" xmlns:r="http://schemas.openxmlformats.org/officeDocument/2006/relationships" xmlns:p="http://schemas.openxmlformats.org/presentationml/2006/main">
   <p:cSld>
     <p:spTree>
@@ -15076,7 +17391,7 @@
 </p:sld>
 </file>
 
-<file path=ppt/slides/slide26.xml><?xml version="1.0" encoding="utf-8"?>
+<file path=ppt/slides/slide33.xml><?xml version="1.0" encoding="utf-8"?>
 <p:sld xmlns:a="http://schemas.openxmlformats.org/drawingml/2006/main" xmlns:r="http://schemas.openxmlformats.org/officeDocument/2006/relationships" xmlns:p="http://schemas.openxmlformats.org/presentationml/2006/main">
   <p:cSld>
     <p:spTree>
@@ -15289,7 +17604,7 @@
 </p:sld>
 </file>
 
-<file path=ppt/slides/slide27.xml><?xml version="1.0" encoding="utf-8"?>
+<file path=ppt/slides/slide34.xml><?xml version="1.0" encoding="utf-8"?>
 <p:sld xmlns:a="http://schemas.openxmlformats.org/drawingml/2006/main" xmlns:r="http://schemas.openxmlformats.org/officeDocument/2006/relationships" xmlns:p="http://schemas.openxmlformats.org/presentationml/2006/main">
   <p:cSld>
     <p:spTree>
@@ -15747,7 +18062,7 @@
 </p:sld>
 </file>
 
-<file path=ppt/slides/slide28.xml><?xml version="1.0" encoding="utf-8"?>
+<file path=ppt/slides/slide35.xml><?xml version="1.0" encoding="utf-8"?>
 <p:sld xmlns:a="http://schemas.openxmlformats.org/drawingml/2006/main" xmlns:r="http://schemas.openxmlformats.org/officeDocument/2006/relationships" xmlns:p="http://schemas.openxmlformats.org/presentationml/2006/main">
   <p:cSld>
     <p:spTree>
@@ -15913,7 +18228,7 @@
 </p:sld>
 </file>
 
-<file path=ppt/slides/slide29.xml><?xml version="1.0" encoding="utf-8"?>
+<file path=ppt/slides/slide36.xml><?xml version="1.0" encoding="utf-8"?>
 <p:sld xmlns:a="http://schemas.openxmlformats.org/drawingml/2006/main" xmlns:r="http://schemas.openxmlformats.org/officeDocument/2006/relationships" xmlns:p="http://schemas.openxmlformats.org/presentationml/2006/main">
   <p:cSld>
     <p:spTree>
@@ -16055,682 +18370,7 @@
 </p:sld>
 </file>
 
-<file path=ppt/slides/slide3.xml><?xml version="1.0" encoding="utf-8"?>
-<p:sld xmlns:a="http://schemas.openxmlformats.org/drawingml/2006/main" xmlns:r="http://schemas.openxmlformats.org/officeDocument/2006/relationships" xmlns:p="http://schemas.openxmlformats.org/presentationml/2006/main">
-  <p:cSld>
-    <p:bg>
-      <p:bgPr>
-        <a:solidFill>
-          <a:schemeClr val="bg1"/>
-        </a:solidFill>
-        <a:effectLst/>
-      </p:bgPr>
-    </p:bg>
-    <p:spTree>
-      <p:nvGrpSpPr>
-        <p:cNvPr id="1" name=""/>
-        <p:cNvGrpSpPr/>
-        <p:nvPr/>
-      </p:nvGrpSpPr>
-      <p:grpSpPr>
-        <a:xfrm>
-          <a:off x="0" y="0"/>
-          <a:ext cx="0" cy="0"/>
-          <a:chOff x="0" y="0"/>
-          <a:chExt cx="0" cy="0"/>
-        </a:xfrm>
-      </p:grpSpPr>
-      <p:sp>
-        <p:nvSpPr>
-          <p:cNvPr id="17" name="Freeform 6">
-            <a:extLst>
-              <a:ext uri="{FF2B5EF4-FFF2-40B4-BE49-F238E27FC236}">
-                <a16:creationId xmlns:a16="http://schemas.microsoft.com/office/drawing/2014/main" id="{133F8CB7-795C-4272-9073-64D8CF97F220}"/>
-              </a:ext>
-              <a:ext uri="{C183D7F6-B498-43B3-948B-1728B52AA6E4}">
-                <adec:decorative xmlns:adec="http://schemas.microsoft.com/office/drawing/2017/decorative" val="1"/>
-              </a:ext>
-            </a:extLst>
-          </p:cNvPr>
-          <p:cNvSpPr>
-            <a:spLocks noGrp="1" noRot="1" noChangeAspect="1" noMove="1" noResize="1" noEditPoints="1" noAdjustHandles="1" noChangeArrowheads="1" noChangeShapeType="1" noTextEdit="1"/>
-          </p:cNvSpPr>
-          <p:nvPr>
-            <p:extLst>
-              <p:ext uri="{386F3935-93C4-4BCD-93E2-E3B085C9AB24}">
-                <p16:designElem xmlns:p16="http://schemas.microsoft.com/office/powerpoint/2015/main" val="1"/>
-              </p:ext>
-            </p:extLst>
-          </p:nvPr>
-        </p:nvSpPr>
-        <p:spPr bwMode="auto">
-          <a:xfrm>
-            <a:off x="0" y="-3175"/>
-            <a:ext cx="12192000" cy="5203825"/>
-          </a:xfrm>
-          <a:custGeom>
-            <a:avLst/>
-            <a:gdLst/>
-            <a:ahLst/>
-            <a:cxnLst/>
-            <a:rect l="0" t="0" r="r" b="b"/>
-            <a:pathLst>
-              <a:path w="5760" h="3278">
-                <a:moveTo>
-                  <a:pt x="5760" y="0"/>
-                </a:moveTo>
-                <a:lnTo>
-                  <a:pt x="0" y="0"/>
-                </a:lnTo>
-                <a:lnTo>
-                  <a:pt x="0" y="3090"/>
-                </a:lnTo>
-                <a:lnTo>
-                  <a:pt x="943" y="3090"/>
-                </a:lnTo>
-                <a:lnTo>
-                  <a:pt x="1123" y="3270"/>
-                </a:lnTo>
-                <a:lnTo>
-                  <a:pt x="1123" y="3270"/>
-                </a:lnTo>
-                <a:lnTo>
-                  <a:pt x="1127" y="3272"/>
-                </a:lnTo>
-                <a:lnTo>
-                  <a:pt x="1133" y="3275"/>
-                </a:lnTo>
-                <a:lnTo>
-                  <a:pt x="1139" y="3278"/>
-                </a:lnTo>
-                <a:lnTo>
-                  <a:pt x="1144" y="3278"/>
-                </a:lnTo>
-                <a:lnTo>
-                  <a:pt x="1150" y="3278"/>
-                </a:lnTo>
-                <a:lnTo>
-                  <a:pt x="1155" y="3275"/>
-                </a:lnTo>
-                <a:lnTo>
-                  <a:pt x="1161" y="3272"/>
-                </a:lnTo>
-                <a:lnTo>
-                  <a:pt x="1165" y="3270"/>
-                </a:lnTo>
-                <a:lnTo>
-                  <a:pt x="1345" y="3090"/>
-                </a:lnTo>
-                <a:lnTo>
-                  <a:pt x="5760" y="3090"/>
-                </a:lnTo>
-                <a:lnTo>
-                  <a:pt x="5760" y="0"/>
-                </a:lnTo>
-                <a:close/>
-              </a:path>
-            </a:pathLst>
-          </a:custGeom>
-          <a:ln/>
-          <a:effectLst/>
-          <a:extLst>
-            <a:ext uri="{91240B29-F687-4f45-9708-019B960494DF}">
-              <a14:hiddenLine xmlns:a14="http://schemas.microsoft.com/office/drawing/2010/main" xmlns:p14="http://schemas.microsoft.com/office/powerpoint/2010/main" xmlns:a16="http://schemas.microsoft.com/office/drawing/2014/main" xmlns="" w="9525">
-                <a:solidFill>
-                  <a:srgbClr val="000000"/>
-                </a:solidFill>
-                <a:round/>
-                <a:headEnd/>
-                <a:tailEnd/>
-              </a14:hiddenLine>
-            </a:ext>
-          </a:extLst>
-        </p:spPr>
-        <p:style>
-          <a:lnRef idx="1">
-            <a:schemeClr val="accent1"/>
-          </a:lnRef>
-          <a:fillRef idx="3">
-            <a:schemeClr val="accent1"/>
-          </a:fillRef>
-          <a:effectRef idx="2">
-            <a:schemeClr val="accent1"/>
-          </a:effectRef>
-          <a:fontRef idx="minor">
-            <a:schemeClr val="lt1"/>
-          </a:fontRef>
-        </p:style>
-      </p:sp>
-      <p:sp>
-        <p:nvSpPr>
-          <p:cNvPr id="12" name="Rectangle 11">
-            <a:extLst>
-              <a:ext uri="{FF2B5EF4-FFF2-40B4-BE49-F238E27FC236}">
-                <a16:creationId xmlns:a16="http://schemas.microsoft.com/office/drawing/2014/main" id="{B7743172-17A8-4FA4-8434-B813E03B7665}"/>
-              </a:ext>
-              <a:ext uri="{C183D7F6-B498-43B3-948B-1728B52AA6E4}">
-                <adec:decorative xmlns:adec="http://schemas.microsoft.com/office/drawing/2017/decorative" val="1"/>
-              </a:ext>
-            </a:extLst>
-          </p:cNvPr>
-          <p:cNvSpPr>
-            <a:spLocks noGrp="1" noRot="1" noChangeAspect="1" noMove="1" noResize="1" noEditPoints="1" noAdjustHandles="1" noChangeArrowheads="1" noChangeShapeType="1" noTextEdit="1"/>
-          </p:cNvSpPr>
-          <p:nvPr>
-            <p:extLst>
-              <p:ext uri="{386F3935-93C4-4BCD-93E2-E3B085C9AB24}">
-                <p16:designElem xmlns:p16="http://schemas.microsoft.com/office/powerpoint/2015/main" val="1"/>
-              </p:ext>
-            </p:extLst>
-          </p:nvPr>
-        </p:nvSpPr>
-        <p:spPr>
-          <a:xfrm>
-            <a:off x="0" y="0"/>
-            <a:ext cx="12192000" cy="6858000"/>
-          </a:xfrm>
-          <a:prstGeom prst="rect">
-            <a:avLst/>
-          </a:prstGeom>
-          <a:solidFill>
-            <a:schemeClr val="bg1"/>
-          </a:solidFill>
-          <a:ln>
-            <a:noFill/>
-          </a:ln>
-        </p:spPr>
-        <p:style>
-          <a:lnRef idx="2">
-            <a:schemeClr val="accent1">
-              <a:shade val="50000"/>
-            </a:schemeClr>
-          </a:lnRef>
-          <a:fillRef idx="1">
-            <a:schemeClr val="accent1"/>
-          </a:fillRef>
-          <a:effectRef idx="0">
-            <a:schemeClr val="accent1"/>
-          </a:effectRef>
-          <a:fontRef idx="minor">
-            <a:schemeClr val="lt1"/>
-          </a:fontRef>
-        </p:style>
-        <p:txBody>
-          <a:bodyPr rtlCol="0" anchor="ctr"/>
-          <a:lstStyle/>
-          <a:p>
-            <a:pPr algn="ctr"/>
-            <a:endParaRPr lang="en-US"/>
-          </a:p>
-        </p:txBody>
-      </p:sp>
-      <p:sp>
-        <p:nvSpPr>
-          <p:cNvPr id="14" name="Freeform 23">
-            <a:extLst>
-              <a:ext uri="{FF2B5EF4-FFF2-40B4-BE49-F238E27FC236}">
-                <a16:creationId xmlns:a16="http://schemas.microsoft.com/office/drawing/2014/main" id="{4CE1233C-FD2F-489E-BFDE-086F5FED6491}"/>
-              </a:ext>
-              <a:ext uri="{C183D7F6-B498-43B3-948B-1728B52AA6E4}">
-                <adec:decorative xmlns:adec="http://schemas.microsoft.com/office/drawing/2017/decorative" val="1"/>
-              </a:ext>
-            </a:extLst>
-          </p:cNvPr>
-          <p:cNvSpPr>
-            <a:spLocks noGrp="1" noRot="1" noChangeAspect="1" noMove="1" noResize="1" noEditPoints="1" noAdjustHandles="1" noChangeArrowheads="1" noChangeShapeType="1" noTextEdit="1"/>
-          </p:cNvSpPr>
-          <p:nvPr>
-            <p:extLst>
-              <p:ext uri="{386F3935-93C4-4BCD-93E2-E3B085C9AB24}">
-                <p16:designElem xmlns:p16="http://schemas.microsoft.com/office/powerpoint/2015/main" val="1"/>
-              </p:ext>
-            </p:extLst>
-          </p:nvPr>
-        </p:nvSpPr>
-        <p:spPr bwMode="white">
-          <a:xfrm>
-            <a:off x="0" y="0"/>
-            <a:ext cx="4637005" cy="6858000"/>
-          </a:xfrm>
-          <a:custGeom>
-            <a:avLst/>
-            <a:gdLst>
-              <a:gd name="connsiteX0" fmla="*/ 0 w 4637005"/>
-              <a:gd name="connsiteY0" fmla="*/ 0 h 6858000"/>
-              <a:gd name="connsiteX1" fmla="*/ 4637005 w 4637005"/>
-              <a:gd name="connsiteY1" fmla="*/ 0 h 6858000"/>
-              <a:gd name="connsiteX2" fmla="*/ 4637005 w 4637005"/>
-              <a:gd name="connsiteY2" fmla="*/ 1900238 h 6858000"/>
-              <a:gd name="connsiteX3" fmla="*/ 4266589 w 4637005"/>
-              <a:gd name="connsiteY3" fmla="*/ 2178050 h 6858000"/>
-              <a:gd name="connsiteX4" fmla="*/ 4262355 w 4637005"/>
-              <a:gd name="connsiteY4" fmla="*/ 2184400 h 6858000"/>
-              <a:gd name="connsiteX5" fmla="*/ 4256005 w 4637005"/>
-              <a:gd name="connsiteY5" fmla="*/ 2193925 h 6858000"/>
-              <a:gd name="connsiteX6" fmla="*/ 4249655 w 4637005"/>
-              <a:gd name="connsiteY6" fmla="*/ 2201863 h 6858000"/>
-              <a:gd name="connsiteX7" fmla="*/ 4249655 w 4637005"/>
-              <a:gd name="connsiteY7" fmla="*/ 2211388 h 6858000"/>
-              <a:gd name="connsiteX8" fmla="*/ 4249655 w 4637005"/>
-              <a:gd name="connsiteY8" fmla="*/ 2220913 h 6858000"/>
-              <a:gd name="connsiteX9" fmla="*/ 4256005 w 4637005"/>
-              <a:gd name="connsiteY9" fmla="*/ 2228850 h 6858000"/>
-              <a:gd name="connsiteX10" fmla="*/ 4262355 w 4637005"/>
-              <a:gd name="connsiteY10" fmla="*/ 2238375 h 6858000"/>
-              <a:gd name="connsiteX11" fmla="*/ 4266589 w 4637005"/>
-              <a:gd name="connsiteY11" fmla="*/ 2244725 h 6858000"/>
-              <a:gd name="connsiteX12" fmla="*/ 4637005 w 4637005"/>
-              <a:gd name="connsiteY12" fmla="*/ 2522538 h 6858000"/>
-              <a:gd name="connsiteX13" fmla="*/ 4637005 w 4637005"/>
-              <a:gd name="connsiteY13" fmla="*/ 6858000 h 6858000"/>
-              <a:gd name="connsiteX14" fmla="*/ 0 w 4637005"/>
-              <a:gd name="connsiteY14" fmla="*/ 6858000 h 6858000"/>
-            </a:gdLst>
-            <a:ahLst/>
-            <a:cxnLst>
-              <a:cxn ang="0">
-                <a:pos x="connsiteX0" y="connsiteY0"/>
-              </a:cxn>
-              <a:cxn ang="0">
-                <a:pos x="connsiteX1" y="connsiteY1"/>
-              </a:cxn>
-              <a:cxn ang="0">
-                <a:pos x="connsiteX2" y="connsiteY2"/>
-              </a:cxn>
-              <a:cxn ang="0">
-                <a:pos x="connsiteX3" y="connsiteY3"/>
-              </a:cxn>
-              <a:cxn ang="0">
-                <a:pos x="connsiteX4" y="connsiteY4"/>
-              </a:cxn>
-              <a:cxn ang="0">
-                <a:pos x="connsiteX5" y="connsiteY5"/>
-              </a:cxn>
-              <a:cxn ang="0">
-                <a:pos x="connsiteX6" y="connsiteY6"/>
-              </a:cxn>
-              <a:cxn ang="0">
-                <a:pos x="connsiteX7" y="connsiteY7"/>
-              </a:cxn>
-              <a:cxn ang="0">
-                <a:pos x="connsiteX8" y="connsiteY8"/>
-              </a:cxn>
-              <a:cxn ang="0">
-                <a:pos x="connsiteX9" y="connsiteY9"/>
-              </a:cxn>
-              <a:cxn ang="0">
-                <a:pos x="connsiteX10" y="connsiteY10"/>
-              </a:cxn>
-              <a:cxn ang="0">
-                <a:pos x="connsiteX11" y="connsiteY11"/>
-              </a:cxn>
-              <a:cxn ang="0">
-                <a:pos x="connsiteX12" y="connsiteY12"/>
-              </a:cxn>
-              <a:cxn ang="0">
-                <a:pos x="connsiteX13" y="connsiteY13"/>
-              </a:cxn>
-              <a:cxn ang="0">
-                <a:pos x="connsiteX14" y="connsiteY14"/>
-              </a:cxn>
-            </a:cxnLst>
-            <a:rect l="l" t="t" r="r" b="b"/>
-            <a:pathLst>
-              <a:path w="4637005" h="6858000">
-                <a:moveTo>
-                  <a:pt x="0" y="0"/>
-                </a:moveTo>
-                <a:lnTo>
-                  <a:pt x="4637005" y="0"/>
-                </a:lnTo>
-                <a:lnTo>
-                  <a:pt x="4637005" y="1900238"/>
-                </a:lnTo>
-                <a:lnTo>
-                  <a:pt x="4266589" y="2178050"/>
-                </a:lnTo>
-                <a:lnTo>
-                  <a:pt x="4262355" y="2184400"/>
-                </a:lnTo>
-                <a:lnTo>
-                  <a:pt x="4256005" y="2193925"/>
-                </a:lnTo>
-                <a:lnTo>
-                  <a:pt x="4249655" y="2201863"/>
-                </a:lnTo>
-                <a:lnTo>
-                  <a:pt x="4249655" y="2211388"/>
-                </a:lnTo>
-                <a:lnTo>
-                  <a:pt x="4249655" y="2220913"/>
-                </a:lnTo>
-                <a:lnTo>
-                  <a:pt x="4256005" y="2228850"/>
-                </a:lnTo>
-                <a:lnTo>
-                  <a:pt x="4262355" y="2238375"/>
-                </a:lnTo>
-                <a:lnTo>
-                  <a:pt x="4266589" y="2244725"/>
-                </a:lnTo>
-                <a:lnTo>
-                  <a:pt x="4637005" y="2522538"/>
-                </a:lnTo>
-                <a:lnTo>
-                  <a:pt x="4637005" y="6858000"/>
-                </a:lnTo>
-                <a:lnTo>
-                  <a:pt x="0" y="6858000"/>
-                </a:lnTo>
-                <a:close/>
-              </a:path>
-            </a:pathLst>
-          </a:custGeom>
-          <a:blipFill>
-            <a:blip r:embed="rId2">
-              <a:duotone>
-                <a:schemeClr val="accent1">
-                  <a:tint val="98000"/>
-                  <a:lumMod val="102000"/>
-                </a:schemeClr>
-                <a:schemeClr val="accent1">
-                  <a:shade val="98000"/>
-                  <a:lumMod val="98000"/>
-                </a:schemeClr>
-              </a:duotone>
-            </a:blip>
-            <a:tile tx="0" ty="0" sx="100000" sy="100000" flip="none" algn="tl"/>
-          </a:blipFill>
-          <a:ln>
-            <a:headEnd/>
-            <a:tailEnd/>
-          </a:ln>
-        </p:spPr>
-        <p:style>
-          <a:lnRef idx="1">
-            <a:schemeClr val="accent1"/>
-          </a:lnRef>
-          <a:fillRef idx="3">
-            <a:schemeClr val="accent1"/>
-          </a:fillRef>
-          <a:effectRef idx="2">
-            <a:schemeClr val="accent1"/>
-          </a:effectRef>
-          <a:fontRef idx="minor">
-            <a:schemeClr val="lt1"/>
-          </a:fontRef>
-        </p:style>
-        <p:txBody>
-          <a:bodyPr wrap="square" rtlCol="0" anchor="ctr">
-            <a:noAutofit/>
-          </a:bodyPr>
-          <a:lstStyle/>
-          <a:p>
-            <a:pPr algn="ctr"/>
-            <a:endParaRPr lang="en-US"/>
-          </a:p>
-        </p:txBody>
-      </p:sp>
-      <p:sp>
-        <p:nvSpPr>
-          <p:cNvPr id="2" name="Title 1">
-            <a:extLst>
-              <a:ext uri="{FF2B5EF4-FFF2-40B4-BE49-F238E27FC236}">
-                <a16:creationId xmlns:a16="http://schemas.microsoft.com/office/drawing/2014/main" id="{FADDEDD2-FA35-824D-B573-ED42223F6702}"/>
-              </a:ext>
-            </a:extLst>
-          </p:cNvPr>
-          <p:cNvSpPr>
-            <a:spLocks noGrp="1"/>
-          </p:cNvSpPr>
-          <p:nvPr>
-            <p:ph type="title"/>
-          </p:nvPr>
-        </p:nvSpPr>
-        <p:spPr>
-          <a:xfrm>
-            <a:off x="451514" y="1800225"/>
-            <a:ext cx="3444211" cy="4241136"/>
-          </a:xfrm>
-        </p:spPr>
-        <p:txBody>
-          <a:bodyPr vert="horz" lIns="91440" tIns="45720" rIns="91440" bIns="45720" rtlCol="0" anchor="t">
-            <a:normAutofit/>
-          </a:bodyPr>
-          <a:lstStyle/>
-          <a:p>
-            <a:r>
-              <a:rPr lang="en-US" sz="4400" dirty="0"/>
-              <a:t>Context:</a:t>
-            </a:r>
-            <a:br>
-              <a:rPr lang="en-US" sz="4400" dirty="0"/>
-            </a:br>
-            <a:br>
-              <a:rPr lang="en-US" sz="4400" dirty="0"/>
-            </a:br>
-            <a:r>
-              <a:rPr lang="en-US" sz="4400" dirty="0"/>
-              <a:t>Our Application</a:t>
-            </a:r>
-            <a:br>
-              <a:rPr lang="en-US" sz="4400" dirty="0"/>
-            </a:br>
-            <a:r>
-              <a:rPr lang="en-US" sz="4400" dirty="0"/>
-              <a:t>Stack</a:t>
-            </a:r>
-          </a:p>
-        </p:txBody>
-      </p:sp>
-      <p:pic>
-        <p:nvPicPr>
-          <p:cNvPr id="11" name="Content Placeholder 10">
-            <a:extLst>
-              <a:ext uri="{FF2B5EF4-FFF2-40B4-BE49-F238E27FC236}">
-                <a16:creationId xmlns:a16="http://schemas.microsoft.com/office/drawing/2014/main" id="{D5B66045-EA5F-5743-9EBE-63DDE9120620}"/>
-              </a:ext>
-            </a:extLst>
-          </p:cNvPr>
-          <p:cNvPicPr>
-            <a:picLocks noGrp="1" noChangeAspect="1"/>
-          </p:cNvPicPr>
-          <p:nvPr>
-            <p:ph idx="1"/>
-          </p:nvPr>
-        </p:nvPicPr>
-        <p:blipFill>
-          <a:blip r:embed="rId3"/>
-          <a:stretch>
-            <a:fillRect/>
-          </a:stretch>
-        </p:blipFill>
-        <p:spPr>
-          <a:xfrm>
-            <a:off x="6427792" y="295982"/>
-            <a:ext cx="4201855" cy="6246000"/>
-          </a:xfrm>
-        </p:spPr>
-      </p:pic>
-      <p:sp>
-        <p:nvSpPr>
-          <p:cNvPr id="13" name="TextBox 12">
-            <a:extLst>
-              <a:ext uri="{FF2B5EF4-FFF2-40B4-BE49-F238E27FC236}">
-                <a16:creationId xmlns:a16="http://schemas.microsoft.com/office/drawing/2014/main" id="{6C5A9D27-82BD-A647-82F0-56AE004FF271}"/>
-              </a:ext>
-            </a:extLst>
-          </p:cNvPr>
-          <p:cNvSpPr txBox="1"/>
-          <p:nvPr/>
-        </p:nvSpPr>
-        <p:spPr>
-          <a:xfrm>
-            <a:off x="6272213" y="3943349"/>
-            <a:ext cx="1571625" cy="646331"/>
-          </a:xfrm>
-          <a:prstGeom prst="rect">
-            <a:avLst/>
-          </a:prstGeom>
-          <a:noFill/>
-        </p:spPr>
-        <p:txBody>
-          <a:bodyPr wrap="square" rtlCol="0">
-            <a:spAutoFit/>
-          </a:bodyPr>
-          <a:lstStyle/>
-          <a:p>
-            <a:pPr algn="ctr"/>
-            <a:r>
-              <a:rPr lang="en-US" dirty="0"/>
-              <a:t>Automated </a:t>
-            </a:r>
-          </a:p>
-          <a:p>
-            <a:pPr algn="ctr"/>
-            <a:r>
-              <a:rPr lang="en-US" dirty="0"/>
-              <a:t>Tests</a:t>
-            </a:r>
-          </a:p>
-        </p:txBody>
-      </p:sp>
-      <p:sp>
-        <p:nvSpPr>
-          <p:cNvPr id="16" name="TextBox 15">
-            <a:extLst>
-              <a:ext uri="{FF2B5EF4-FFF2-40B4-BE49-F238E27FC236}">
-                <a16:creationId xmlns:a16="http://schemas.microsoft.com/office/drawing/2014/main" id="{E9FE9047-96B3-F142-B31A-F2976693D6FD}"/>
-              </a:ext>
-            </a:extLst>
-          </p:cNvPr>
-          <p:cNvSpPr txBox="1"/>
-          <p:nvPr/>
-        </p:nvSpPr>
-        <p:spPr>
-          <a:xfrm>
-            <a:off x="10382246" y="2967036"/>
-            <a:ext cx="1571625" cy="646331"/>
-          </a:xfrm>
-          <a:prstGeom prst="rect">
-            <a:avLst/>
-          </a:prstGeom>
-          <a:noFill/>
-        </p:spPr>
-        <p:txBody>
-          <a:bodyPr wrap="square" rtlCol="0">
-            <a:spAutoFit/>
-          </a:bodyPr>
-          <a:lstStyle/>
-          <a:p>
-            <a:pPr algn="ctr"/>
-            <a:r>
-              <a:rPr lang="en-US" dirty="0"/>
-              <a:t>Web</a:t>
-            </a:r>
-          </a:p>
-          <a:p>
-            <a:pPr algn="ctr"/>
-            <a:r>
-              <a:rPr lang="en-US" dirty="0"/>
-              <a:t>API</a:t>
-            </a:r>
-          </a:p>
-        </p:txBody>
-      </p:sp>
-      <p:sp>
-        <p:nvSpPr>
-          <p:cNvPr id="18" name="TextBox 17">
-            <a:extLst>
-              <a:ext uri="{FF2B5EF4-FFF2-40B4-BE49-F238E27FC236}">
-                <a16:creationId xmlns:a16="http://schemas.microsoft.com/office/drawing/2014/main" id="{4D86B5D8-AF71-414E-83D7-46A52BF95719}"/>
-              </a:ext>
-            </a:extLst>
-          </p:cNvPr>
-          <p:cNvSpPr txBox="1"/>
-          <p:nvPr/>
-        </p:nvSpPr>
-        <p:spPr>
-          <a:xfrm>
-            <a:off x="7897149" y="476248"/>
-            <a:ext cx="1571625" cy="646331"/>
-          </a:xfrm>
-          <a:prstGeom prst="rect">
-            <a:avLst/>
-          </a:prstGeom>
-          <a:noFill/>
-        </p:spPr>
-        <p:txBody>
-          <a:bodyPr wrap="square" rtlCol="0">
-            <a:spAutoFit/>
-          </a:bodyPr>
-          <a:lstStyle/>
-          <a:p>
-            <a:pPr algn="ctr"/>
-            <a:r>
-              <a:rPr lang="en-US" dirty="0"/>
-              <a:t>Web</a:t>
-            </a:r>
-          </a:p>
-          <a:p>
-            <a:pPr algn="ctr"/>
-            <a:r>
-              <a:rPr lang="en-US" dirty="0"/>
-              <a:t>Front end</a:t>
-            </a:r>
-          </a:p>
-        </p:txBody>
-      </p:sp>
-      <p:sp>
-        <p:nvSpPr>
-          <p:cNvPr id="19" name="TextBox 18">
-            <a:extLst>
-              <a:ext uri="{FF2B5EF4-FFF2-40B4-BE49-F238E27FC236}">
-                <a16:creationId xmlns:a16="http://schemas.microsoft.com/office/drawing/2014/main" id="{109225E6-8637-C540-8B01-B5C1FF90F725}"/>
-              </a:ext>
-            </a:extLst>
-          </p:cNvPr>
-          <p:cNvSpPr txBox="1"/>
-          <p:nvPr/>
-        </p:nvSpPr>
-        <p:spPr>
-          <a:xfrm>
-            <a:off x="7771482" y="5705318"/>
-            <a:ext cx="1571625" cy="369332"/>
-          </a:xfrm>
-          <a:prstGeom prst="rect">
-            <a:avLst/>
-          </a:prstGeom>
-          <a:noFill/>
-        </p:spPr>
-        <p:txBody>
-          <a:bodyPr wrap="square" rtlCol="0">
-            <a:spAutoFit/>
-          </a:bodyPr>
-          <a:lstStyle/>
-          <a:p>
-            <a:pPr algn="ctr"/>
-            <a:r>
-              <a:rPr lang="en-US" dirty="0"/>
-              <a:t>Database</a:t>
-            </a:r>
-          </a:p>
-        </p:txBody>
-      </p:sp>
-    </p:spTree>
-    <p:extLst>
-      <p:ext uri="{BB962C8B-B14F-4D97-AF65-F5344CB8AC3E}">
-        <p14:creationId xmlns:p14="http://schemas.microsoft.com/office/powerpoint/2010/main" val="4124585691"/>
-      </p:ext>
-    </p:extLst>
-  </p:cSld>
-  <p:clrMapOvr>
-    <a:overrideClrMapping bg1="lt1" tx1="dk1" bg2="lt2" tx2="dk2" accent1="accent1" accent2="accent2" accent3="accent3" accent4="accent4" accent5="accent5" accent6="accent6" hlink="hlink" folHlink="folHlink"/>
-  </p:clrMapOvr>
-</p:sld>
-</file>
-
-<file path=ppt/slides/slide30.xml><?xml version="1.0" encoding="utf-8"?>
+<file path=ppt/slides/slide37.xml><?xml version="1.0" encoding="utf-8"?>
 <p:sld xmlns:a="http://schemas.openxmlformats.org/drawingml/2006/main" xmlns:r="http://schemas.openxmlformats.org/officeDocument/2006/relationships" xmlns:p="http://schemas.openxmlformats.org/presentationml/2006/main">
   <p:cSld>
     <p:spTree>

--- a/Dockerising .Net Applications v2.pptx
+++ b/Dockerising .Net Applications v2.pptx
@@ -5,7 +5,7 @@
     <p:sldMasterId id="2147483648" r:id="rId1"/>
   </p:sldMasterIdLst>
   <p:notesMasterIdLst>
-    <p:notesMasterId r:id="rId35"/>
+    <p:notesMasterId r:id="rId27"/>
   </p:notesMasterIdLst>
   <p:sldIdLst>
     <p:sldId id="256" r:id="rId2"/>
@@ -30,17 +30,9 @@
     <p:sldId id="299" r:id="rId21"/>
     <p:sldId id="278" r:id="rId22"/>
     <p:sldId id="304" r:id="rId23"/>
-    <p:sldId id="265" r:id="rId24"/>
-    <p:sldId id="301" r:id="rId25"/>
-    <p:sldId id="298" r:id="rId26"/>
-    <p:sldId id="279" r:id="rId27"/>
-    <p:sldId id="260" r:id="rId28"/>
-    <p:sldId id="268" r:id="rId29"/>
-    <p:sldId id="270" r:id="rId30"/>
-    <p:sldId id="271" r:id="rId31"/>
-    <p:sldId id="272" r:id="rId32"/>
-    <p:sldId id="288" r:id="rId33"/>
-    <p:sldId id="289" r:id="rId34"/>
+    <p:sldId id="305" r:id="rId24"/>
+    <p:sldId id="265" r:id="rId25"/>
+    <p:sldId id="301" r:id="rId26"/>
   </p:sldIdLst>
   <p:sldSz cx="12192000" cy="6858000"/>
   <p:notesSz cx="6858000" cy="9144000"/>
@@ -1170,7 +1162,7 @@
           <a:p>
             <a:fld id="{65E7520C-4FC8-4341-86D5-1A3A798BBF9A}" type="slidenum">
               <a:rPr lang="en-US" smtClean="0"/>
-              <a:t>24</a:t>
+              <a:t>23</a:t>
             </a:fld>
             <a:endParaRPr lang="en-US"/>
           </a:p>
@@ -1179,7 +1171,7 @@
     </p:spTree>
     <p:extLst>
       <p:ext uri="{BB962C8B-B14F-4D97-AF65-F5344CB8AC3E}">
-        <p14:creationId xmlns:p14="http://schemas.microsoft.com/office/powerpoint/2010/main" val="3547126409"/>
+        <p14:creationId xmlns:p14="http://schemas.microsoft.com/office/powerpoint/2010/main" val="3028619602"/>
       </p:ext>
     </p:extLst>
   </p:cSld>
@@ -1254,7 +1246,7 @@
           <a:p>
             <a:fld id="{65E7520C-4FC8-4341-86D5-1A3A798BBF9A}" type="slidenum">
               <a:rPr lang="en-US" smtClean="0"/>
-              <a:t>25</a:t>
+              <a:t>24</a:t>
             </a:fld>
             <a:endParaRPr lang="en-US"/>
           </a:p>
@@ -1263,7 +1255,7 @@
     </p:spTree>
     <p:extLst>
       <p:ext uri="{BB962C8B-B14F-4D97-AF65-F5344CB8AC3E}">
-        <p14:creationId xmlns:p14="http://schemas.microsoft.com/office/powerpoint/2010/main" val="3612699240"/>
+        <p14:creationId xmlns:p14="http://schemas.microsoft.com/office/powerpoint/2010/main" val="2522404395"/>
       </p:ext>
     </p:extLst>
   </p:cSld>
@@ -1317,155 +1309,7 @@
           <a:bodyPr/>
           <a:lstStyle/>
           <a:p>
-            <a:r>
-              <a:rPr lang="en-US" dirty="0"/>
-              <a:t>Never mind all the sale pitch, and dev ops </a:t>
-            </a:r>
-            <a:r>
-              <a:rPr lang="en-US" dirty="0" err="1"/>
-              <a:t>bla</a:t>
-            </a:r>
-            <a:r>
-              <a:rPr lang="en-US" dirty="0"/>
-              <a:t> </a:t>
-            </a:r>
-            <a:r>
-              <a:rPr lang="en-US" dirty="0" err="1"/>
-              <a:t>bla</a:t>
-            </a:r>
-            <a:r>
-              <a:rPr lang="en-US" dirty="0"/>
-              <a:t>.</a:t>
-            </a:r>
-          </a:p>
-          <a:p>
             <a:endParaRPr lang="en-US" dirty="0"/>
-          </a:p>
-          <a:p>
-            <a:r>
-              <a:rPr lang="en-US" dirty="0"/>
-              <a:t>What problems does it solve for a team of people trying to deliver software, regardless of whether they have permission to use Docker in production?</a:t>
-            </a:r>
-          </a:p>
-          <a:p>
-            <a:endParaRPr lang="en-US" dirty="0"/>
-          </a:p>
-          <a:p>
-            <a:pPr marL="171450" indent="-171450">
-              <a:buFontTx/>
-              <a:buChar char="-"/>
-            </a:pPr>
-            <a:r>
-              <a:rPr lang="en-US" dirty="0"/>
-              <a:t>Works on my machine</a:t>
-            </a:r>
-          </a:p>
-          <a:p>
-            <a:pPr marL="171450" indent="-171450">
-              <a:buFontTx/>
-              <a:buChar char="-"/>
-            </a:pPr>
-            <a:r>
-              <a:rPr lang="en-US" dirty="0"/>
-              <a:t>New team members up and running quick – no more installation and setup guides that takes days: just pull the repo and run!</a:t>
-            </a:r>
-          </a:p>
-          <a:p>
-            <a:pPr marL="171450" indent="-171450">
-              <a:buFontTx/>
-              <a:buChar char="-"/>
-            </a:pPr>
-            <a:r>
-              <a:rPr lang="en-US" dirty="0"/>
-              <a:t>Less technical team members up and running quick, with no detailed knowledge how the software all hangs together</a:t>
-            </a:r>
-          </a:p>
-          <a:p>
-            <a:pPr marL="171450" indent="-171450">
-              <a:buFontTx/>
-              <a:buChar char="-"/>
-            </a:pPr>
-            <a:r>
-              <a:rPr lang="en-US" dirty="0"/>
-              <a:t>Infrastructure as code</a:t>
-            </a:r>
-          </a:p>
-          <a:p>
-            <a:pPr marL="171450" indent="-171450">
-              <a:buFontTx/>
-              <a:buChar char="-"/>
-            </a:pPr>
-            <a:r>
-              <a:rPr lang="en-US" dirty="0"/>
-              <a:t>Maintainable, reproducible build and test process</a:t>
-            </a:r>
-          </a:p>
-          <a:p>
-            <a:pPr marL="171450" indent="-171450">
-              <a:buFontTx/>
-              <a:buChar char="-"/>
-            </a:pPr>
-            <a:r>
-              <a:rPr lang="en-US" dirty="0"/>
-              <a:t>Means that context switching between applications is much less painful</a:t>
-            </a:r>
-          </a:p>
-          <a:p>
-            <a:pPr marL="171450" indent="-171450">
-              <a:buFontTx/>
-              <a:buChar char="-"/>
-            </a:pPr>
-            <a:r>
-              <a:rPr lang="en-US" dirty="0"/>
-              <a:t>Language agnostic</a:t>
-            </a:r>
-          </a:p>
-          <a:p>
-            <a:pPr marL="171450" indent="-171450">
-              <a:buFontTx/>
-              <a:buChar char="-"/>
-            </a:pPr>
-            <a:r>
-              <a:rPr lang="en-US" dirty="0"/>
-              <a:t>Tech agnostic</a:t>
-            </a:r>
-          </a:p>
-          <a:p>
-            <a:pPr marL="171450" indent="-171450">
-              <a:buFontTx/>
-              <a:buChar char="-"/>
-            </a:pPr>
-            <a:r>
-              <a:rPr lang="en-US" dirty="0"/>
-              <a:t>OS agnostic</a:t>
-            </a:r>
-          </a:p>
-          <a:p>
-            <a:pPr marL="171450" indent="-171450">
-              <a:buFontTx/>
-              <a:buChar char="-"/>
-            </a:pPr>
-            <a:r>
-              <a:rPr lang="en-US" dirty="0"/>
-              <a:t>Fast</a:t>
-            </a:r>
-          </a:p>
-          <a:p>
-            <a:pPr marL="171450" indent="-171450">
-              <a:buFontTx/>
-              <a:buChar char="-"/>
-            </a:pPr>
-            <a:endParaRPr lang="en-US" dirty="0"/>
-          </a:p>
-          <a:p>
-            <a:pPr marL="171450" indent="-171450">
-              <a:buFontTx/>
-              <a:buChar char="-"/>
-            </a:pPr>
-            <a:r>
-              <a:rPr lang="en-US" dirty="0"/>
-              <a:t>Need to explain all this!</a:t>
-            </a:r>
           </a:p>
         </p:txBody>
       </p:sp>
@@ -1486,7 +1330,7 @@
           <a:p>
             <a:fld id="{65E7520C-4FC8-4341-86D5-1A3A798BBF9A}" type="slidenum">
               <a:rPr lang="en-US" smtClean="0"/>
-              <a:t>26</a:t>
+              <a:t>25</a:t>
             </a:fld>
             <a:endParaRPr lang="en-US"/>
           </a:p>
@@ -1495,208 +1339,7 @@
     </p:spTree>
     <p:extLst>
       <p:ext uri="{BB962C8B-B14F-4D97-AF65-F5344CB8AC3E}">
-        <p14:creationId xmlns:p14="http://schemas.microsoft.com/office/powerpoint/2010/main" val="3203360650"/>
-      </p:ext>
-    </p:extLst>
-  </p:cSld>
-  <p:clrMapOvr>
-    <a:masterClrMapping/>
-  </p:clrMapOvr>
-</p:notes>
-</file>
-
-<file path=ppt/notesSlides/notesSlide19.xml><?xml version="1.0" encoding="utf-8"?>
-<p:notes xmlns:a="http://schemas.openxmlformats.org/drawingml/2006/main" xmlns:r="http://schemas.openxmlformats.org/officeDocument/2006/relationships" xmlns:p="http://schemas.openxmlformats.org/presentationml/2006/main">
-  <p:cSld>
-    <p:spTree>
-      <p:nvGrpSpPr>
-        <p:cNvPr id="1" name=""/>
-        <p:cNvGrpSpPr/>
-        <p:nvPr/>
-      </p:nvGrpSpPr>
-      <p:grpSpPr>
-        <a:xfrm>
-          <a:off x="0" y="0"/>
-          <a:ext cx="0" cy="0"/>
-          <a:chOff x="0" y="0"/>
-          <a:chExt cx="0" cy="0"/>
-        </a:xfrm>
-      </p:grpSpPr>
-      <p:sp>
-        <p:nvSpPr>
-          <p:cNvPr id="2" name="Slide Image Placeholder 1"/>
-          <p:cNvSpPr>
-            <a:spLocks noGrp="1" noRot="1" noChangeAspect="1"/>
-          </p:cNvSpPr>
-          <p:nvPr>
-            <p:ph type="sldImg"/>
-          </p:nvPr>
-        </p:nvSpPr>
-        <p:spPr/>
-      </p:sp>
-      <p:sp>
-        <p:nvSpPr>
-          <p:cNvPr id="3" name="Notes Placeholder 2"/>
-          <p:cNvSpPr>
-            <a:spLocks noGrp="1"/>
-          </p:cNvSpPr>
-          <p:nvPr>
-            <p:ph type="body" idx="1"/>
-          </p:nvPr>
-        </p:nvSpPr>
-        <p:spPr/>
-        <p:txBody>
-          <a:bodyPr/>
-          <a:lstStyle/>
-          <a:p>
-            <a:r>
-              <a:rPr lang="en-US" dirty="0"/>
-              <a:t>It’s fast, in many aspects:</a:t>
-            </a:r>
-          </a:p>
-          <a:p>
-            <a:pPr marL="171450" indent="-171450">
-              <a:buFont typeface="Arial" panose="020B0604020202020204" pitchFamily="34" charset="0"/>
-              <a:buChar char="•"/>
-            </a:pPr>
-            <a:r>
-              <a:rPr lang="en-US" dirty="0"/>
-              <a:t>spinning up a container can take as little as a few seconds, especially Unix containers which are mush faster than Windows containers</a:t>
-            </a:r>
-          </a:p>
-          <a:p>
-            <a:pPr marL="171450" indent="-171450">
-              <a:buFont typeface="Arial" panose="020B0604020202020204" pitchFamily="34" charset="0"/>
-              <a:buChar char="•"/>
-            </a:pPr>
-            <a:r>
-              <a:rPr lang="en-US" dirty="0"/>
-              <a:t>new </a:t>
-            </a:r>
-            <a:r>
-              <a:rPr lang="en-US" dirty="0" err="1"/>
-              <a:t>devs</a:t>
-            </a:r>
-            <a:r>
-              <a:rPr lang="en-US" dirty="0"/>
-              <a:t> on the team can be setup in minutes instead of hours, days or weeks, so they can start delivering value faster</a:t>
-            </a:r>
-          </a:p>
-          <a:p>
-            <a:pPr marL="171450" marR="0" lvl="0" indent="-171450" algn="l" defTabSz="914400" rtl="0" eaLnBrk="1" fontAlgn="auto" latinLnBrk="0" hangingPunct="1">
-              <a:lnSpc>
-                <a:spcPct val="100000"/>
-              </a:lnSpc>
-              <a:spcBef>
-                <a:spcPts val="0"/>
-              </a:spcBef>
-              <a:spcAft>
-                <a:spcPts val="0"/>
-              </a:spcAft>
-              <a:buClrTx/>
-              <a:buSzTx/>
-              <a:buFont typeface="Arial" panose="020B0604020202020204" pitchFamily="34" charset="0"/>
-              <a:buChar char="•"/>
-              <a:tabLst/>
-              <a:defRPr/>
-            </a:pPr>
-            <a:r>
-              <a:rPr lang="en-US" dirty="0"/>
-              <a:t>Massively reduces the burden of keeping software running on less technical team members development environments</a:t>
-            </a:r>
-          </a:p>
-          <a:p>
-            <a:pPr marL="171450" marR="0" lvl="0" indent="-171450" algn="l" defTabSz="914400" rtl="0" eaLnBrk="1" fontAlgn="auto" latinLnBrk="0" hangingPunct="1">
-              <a:lnSpc>
-                <a:spcPct val="100000"/>
-              </a:lnSpc>
-              <a:spcBef>
-                <a:spcPts val="0"/>
-              </a:spcBef>
-              <a:spcAft>
-                <a:spcPts val="0"/>
-              </a:spcAft>
-              <a:buClrTx/>
-              <a:buSzTx/>
-              <a:buFont typeface="Arial" panose="020B0604020202020204" pitchFamily="34" charset="0"/>
-              <a:buChar char="•"/>
-              <a:tabLst/>
-              <a:defRPr/>
-            </a:pPr>
-            <a:r>
-              <a:rPr lang="en-US" dirty="0"/>
-              <a:t>Enables automation, and therefore reduces human error and speeds up delivery.</a:t>
-            </a:r>
-          </a:p>
-          <a:p>
-            <a:endParaRPr lang="en-US" dirty="0"/>
-          </a:p>
-          <a:p>
-            <a:r>
-              <a:rPr lang="en-US" dirty="0"/>
-              <a:t>Its also a highly sort after skillset – industry standard – stack overflow (Expand a little)</a:t>
-            </a:r>
-          </a:p>
-          <a:p>
-            <a:pPr marL="171450" indent="-171450">
-              <a:buFont typeface="Arial" panose="020B0604020202020204" pitchFamily="34" charset="0"/>
-              <a:buChar char="•"/>
-            </a:pPr>
-            <a:endParaRPr lang="en-US" dirty="0"/>
-          </a:p>
-          <a:p>
-            <a:r>
-              <a:rPr lang="en-US" dirty="0"/>
-              <a:t>OS &amp; Language agnostic – so it fits well with polyglot development </a:t>
-            </a:r>
-          </a:p>
-          <a:p>
-            <a:r>
-              <a:rPr lang="en-US" dirty="0"/>
-              <a:t>Everything just works ‘out the box’ solves the age old headache of environment setup and configuration of new environments and workstations, so gone are the days of ”Works on my machine!” </a:t>
-            </a:r>
-          </a:p>
-          <a:p>
-            <a:endParaRPr lang="en-US" dirty="0"/>
-          </a:p>
-          <a:p>
-            <a:r>
-              <a:rPr lang="en-US" dirty="0"/>
-              <a:t>And, as already stated, puts you in control of infrastructure – you’ll see exactly how and why that is soon.</a:t>
-            </a:r>
-          </a:p>
-          <a:p>
-            <a:endParaRPr lang="en-US" dirty="0"/>
-          </a:p>
-        </p:txBody>
-      </p:sp>
-      <p:sp>
-        <p:nvSpPr>
-          <p:cNvPr id="4" name="Slide Number Placeholder 3"/>
-          <p:cNvSpPr>
-            <a:spLocks noGrp="1"/>
-          </p:cNvSpPr>
-          <p:nvPr>
-            <p:ph type="sldNum" sz="quarter" idx="5"/>
-          </p:nvPr>
-        </p:nvSpPr>
-        <p:spPr/>
-        <p:txBody>
-          <a:bodyPr/>
-          <a:lstStyle/>
-          <a:p>
-            <a:fld id="{65E7520C-4FC8-4341-86D5-1A3A798BBF9A}" type="slidenum">
-              <a:rPr lang="en-US" smtClean="0"/>
-              <a:t>27</a:t>
-            </a:fld>
-            <a:endParaRPr lang="en-US"/>
-          </a:p>
-        </p:txBody>
-      </p:sp>
-    </p:spTree>
-    <p:extLst>
-      <p:ext uri="{BB962C8B-B14F-4D97-AF65-F5344CB8AC3E}">
-        <p14:creationId xmlns:p14="http://schemas.microsoft.com/office/powerpoint/2010/main" val="565019329"/>
+        <p14:creationId xmlns:p14="http://schemas.microsoft.com/office/powerpoint/2010/main" val="3547126409"/>
       </p:ext>
     </p:extLst>
   </p:cSld>
@@ -1781,1030 +1424,6 @@
     <p:extLst>
       <p:ext uri="{BB962C8B-B14F-4D97-AF65-F5344CB8AC3E}">
         <p14:creationId xmlns:p14="http://schemas.microsoft.com/office/powerpoint/2010/main" val="3794809964"/>
-      </p:ext>
-    </p:extLst>
-  </p:cSld>
-  <p:clrMapOvr>
-    <a:masterClrMapping/>
-  </p:clrMapOvr>
-</p:notes>
-</file>
-
-<file path=ppt/notesSlides/notesSlide20.xml><?xml version="1.0" encoding="utf-8"?>
-<p:notes xmlns:a="http://schemas.openxmlformats.org/drawingml/2006/main" xmlns:r="http://schemas.openxmlformats.org/officeDocument/2006/relationships" xmlns:p="http://schemas.openxmlformats.org/presentationml/2006/main">
-  <p:cSld>
-    <p:spTree>
-      <p:nvGrpSpPr>
-        <p:cNvPr id="1" name=""/>
-        <p:cNvGrpSpPr/>
-        <p:nvPr/>
-      </p:nvGrpSpPr>
-      <p:grpSpPr>
-        <a:xfrm>
-          <a:off x="0" y="0"/>
-          <a:ext cx="0" cy="0"/>
-          <a:chOff x="0" y="0"/>
-          <a:chExt cx="0" cy="0"/>
-        </a:xfrm>
-      </p:grpSpPr>
-      <p:sp>
-        <p:nvSpPr>
-          <p:cNvPr id="2" name="Slide Image Placeholder 1"/>
-          <p:cNvSpPr>
-            <a:spLocks noGrp="1" noRot="1" noChangeAspect="1"/>
-          </p:cNvSpPr>
-          <p:nvPr>
-            <p:ph type="sldImg"/>
-          </p:nvPr>
-        </p:nvSpPr>
-        <p:spPr/>
-      </p:sp>
-      <p:sp>
-        <p:nvSpPr>
-          <p:cNvPr id="3" name="Notes Placeholder 2"/>
-          <p:cNvSpPr>
-            <a:spLocks noGrp="1"/>
-          </p:cNvSpPr>
-          <p:nvPr>
-            <p:ph type="body" idx="1"/>
-          </p:nvPr>
-        </p:nvSpPr>
-        <p:spPr/>
-        <p:txBody>
-          <a:bodyPr/>
-          <a:lstStyle/>
-          <a:p>
-            <a:endParaRPr lang="en-US" dirty="0"/>
-          </a:p>
-        </p:txBody>
-      </p:sp>
-      <p:sp>
-        <p:nvSpPr>
-          <p:cNvPr id="4" name="Slide Number Placeholder 3"/>
-          <p:cNvSpPr>
-            <a:spLocks noGrp="1"/>
-          </p:cNvSpPr>
-          <p:nvPr>
-            <p:ph type="sldNum" sz="quarter" idx="5"/>
-          </p:nvPr>
-        </p:nvSpPr>
-        <p:spPr/>
-        <p:txBody>
-          <a:bodyPr/>
-          <a:lstStyle/>
-          <a:p>
-            <a:fld id="{65E7520C-4FC8-4341-86D5-1A3A798BBF9A}" type="slidenum">
-              <a:rPr lang="en-US" smtClean="0"/>
-              <a:t>28</a:t>
-            </a:fld>
-            <a:endParaRPr lang="en-US"/>
-          </a:p>
-        </p:txBody>
-      </p:sp>
-    </p:spTree>
-    <p:extLst>
-      <p:ext uri="{BB962C8B-B14F-4D97-AF65-F5344CB8AC3E}">
-        <p14:creationId xmlns:p14="http://schemas.microsoft.com/office/powerpoint/2010/main" val="1053287691"/>
-      </p:ext>
-    </p:extLst>
-  </p:cSld>
-  <p:clrMapOvr>
-    <a:masterClrMapping/>
-  </p:clrMapOvr>
-</p:notes>
-</file>
-
-<file path=ppt/notesSlides/notesSlide21.xml><?xml version="1.0" encoding="utf-8"?>
-<p:notes xmlns:a="http://schemas.openxmlformats.org/drawingml/2006/main" xmlns:r="http://schemas.openxmlformats.org/officeDocument/2006/relationships" xmlns:p="http://schemas.openxmlformats.org/presentationml/2006/main">
-  <p:cSld>
-    <p:spTree>
-      <p:nvGrpSpPr>
-        <p:cNvPr id="1" name=""/>
-        <p:cNvGrpSpPr/>
-        <p:nvPr/>
-      </p:nvGrpSpPr>
-      <p:grpSpPr>
-        <a:xfrm>
-          <a:off x="0" y="0"/>
-          <a:ext cx="0" cy="0"/>
-          <a:chOff x="0" y="0"/>
-          <a:chExt cx="0" cy="0"/>
-        </a:xfrm>
-      </p:grpSpPr>
-      <p:sp>
-        <p:nvSpPr>
-          <p:cNvPr id="2" name="Slide Image Placeholder 1"/>
-          <p:cNvSpPr>
-            <a:spLocks noGrp="1" noRot="1" noChangeAspect="1"/>
-          </p:cNvSpPr>
-          <p:nvPr>
-            <p:ph type="sldImg"/>
-          </p:nvPr>
-        </p:nvSpPr>
-        <p:spPr/>
-      </p:sp>
-      <p:sp>
-        <p:nvSpPr>
-          <p:cNvPr id="3" name="Notes Placeholder 2"/>
-          <p:cNvSpPr>
-            <a:spLocks noGrp="1"/>
-          </p:cNvSpPr>
-          <p:nvPr>
-            <p:ph type="body" idx="1"/>
-          </p:nvPr>
-        </p:nvSpPr>
-        <p:spPr/>
-        <p:txBody>
-          <a:bodyPr/>
-          <a:lstStyle/>
-          <a:p>
-            <a:r>
-              <a:rPr lang="en-US" dirty="0"/>
-              <a:t>What’s wrong with this then?</a:t>
-            </a:r>
-          </a:p>
-          <a:p>
-            <a:endParaRPr lang="en-US" dirty="0"/>
-          </a:p>
-          <a:p>
-            <a:r>
-              <a:rPr lang="en-US" dirty="0"/>
-              <a:t>A number of things!</a:t>
-            </a:r>
-          </a:p>
-          <a:p>
-            <a:endParaRPr lang="en-US" dirty="0"/>
-          </a:p>
-          <a:p>
-            <a:pPr marL="171450" indent="-171450">
-              <a:buFontTx/>
-              <a:buChar char="-"/>
-            </a:pPr>
-            <a:r>
-              <a:rPr lang="en-US" dirty="0"/>
-              <a:t>It doesn’t run any of the tests from the solution, so we could be generating an image to load up a service that compiles ok, but actually doesn’t behave quite how we expect it to.</a:t>
-            </a:r>
-          </a:p>
-          <a:p>
-            <a:pPr marL="171450" indent="-171450">
-              <a:buFontTx/>
-              <a:buChar char="-"/>
-            </a:pPr>
-            <a:endParaRPr lang="en-US" dirty="0"/>
-          </a:p>
-          <a:p>
-            <a:pPr marL="171450" indent="-171450">
-              <a:buFontTx/>
-              <a:buChar char="-"/>
-            </a:pPr>
-            <a:r>
-              <a:rPr lang="en-US" dirty="0"/>
-              <a:t>Our image is based on the </a:t>
-            </a:r>
-            <a:r>
-              <a:rPr lang="en-US" dirty="0" err="1"/>
-              <a:t>.Net</a:t>
-            </a:r>
-            <a:r>
-              <a:rPr lang="en-US" dirty="0"/>
-              <a:t> Core SDK, rather than the runtime. We don’t want to use the SDK in production: the SDK is much bigger than the runtime, so takes longer to download, and obviously has a much larger attack vector and opportunities for misuse. Just like how we’d never install the full SDK of the </a:t>
-            </a:r>
-            <a:r>
-              <a:rPr lang="en-US" dirty="0" err="1"/>
-              <a:t>.Net</a:t>
-            </a:r>
-            <a:r>
-              <a:rPr lang="en-US" dirty="0"/>
-              <a:t> Framework on a production server, we don’t want to use it in Docker either.</a:t>
-            </a:r>
-          </a:p>
-          <a:p>
-            <a:pPr marL="171450" indent="-171450">
-              <a:buFontTx/>
-              <a:buChar char="-"/>
-            </a:pPr>
-            <a:endParaRPr lang="en-US" dirty="0"/>
-          </a:p>
-          <a:p>
-            <a:pPr marL="171450" indent="-171450">
-              <a:buFontTx/>
-              <a:buChar char="-"/>
-            </a:pPr>
-            <a:r>
-              <a:rPr lang="en-US" dirty="0"/>
-              <a:t>The copy instruction copies WAY too many files to the the Container – it’s copied literally everything from the root of our project to the image, so again, increasing the size of the image, and therefore the time to download it.</a:t>
-            </a:r>
-          </a:p>
-          <a:p>
-            <a:pPr marL="171450" indent="-171450">
-              <a:buFontTx/>
-              <a:buChar char="-"/>
-            </a:pPr>
-            <a:endParaRPr lang="en-US" dirty="0"/>
-          </a:p>
-          <a:p>
-            <a:pPr marL="171450" indent="-171450">
-              <a:buFontTx/>
-              <a:buChar char="-"/>
-            </a:pPr>
-            <a:r>
-              <a:rPr lang="en-US" dirty="0"/>
-              <a:t>It’s not deterministic – because we have not explicitly specified a version tag, Docker is defaulting to a tag called Latest. There are many ways in which this can come back to haunt us, because Latest doesn’t necessarily mean latest as you would expect, and as a result this can result in building your image on a complexly different version to what you actually wanted, which means that you can run the same command twice and end up with different results.  </a:t>
-            </a:r>
-          </a:p>
-          <a:p>
-            <a:pPr marL="171450" indent="-171450">
-              <a:buFontTx/>
-              <a:buChar char="-"/>
-            </a:pPr>
-            <a:endParaRPr lang="en-US" dirty="0"/>
-          </a:p>
-          <a:p>
-            <a:pPr marL="171450" indent="-171450">
-              <a:buFontTx/>
-              <a:buChar char="-"/>
-            </a:pPr>
-            <a:r>
-              <a:rPr lang="en-US" dirty="0"/>
-              <a:t>So lets improve upon our first attempt a little, starting with repeatable builds.</a:t>
-            </a:r>
-          </a:p>
-        </p:txBody>
-      </p:sp>
-      <p:sp>
-        <p:nvSpPr>
-          <p:cNvPr id="4" name="Slide Number Placeholder 3"/>
-          <p:cNvSpPr>
-            <a:spLocks noGrp="1"/>
-          </p:cNvSpPr>
-          <p:nvPr>
-            <p:ph type="sldNum" sz="quarter" idx="5"/>
-          </p:nvPr>
-        </p:nvSpPr>
-        <p:spPr/>
-        <p:txBody>
-          <a:bodyPr/>
-          <a:lstStyle/>
-          <a:p>
-            <a:fld id="{65E7520C-4FC8-4341-86D5-1A3A798BBF9A}" type="slidenum">
-              <a:rPr lang="en-US" smtClean="0"/>
-              <a:t>29</a:t>
-            </a:fld>
-            <a:endParaRPr lang="en-US"/>
-          </a:p>
-        </p:txBody>
-      </p:sp>
-    </p:spTree>
-    <p:extLst>
-      <p:ext uri="{BB962C8B-B14F-4D97-AF65-F5344CB8AC3E}">
-        <p14:creationId xmlns:p14="http://schemas.microsoft.com/office/powerpoint/2010/main" val="4236585615"/>
-      </p:ext>
-    </p:extLst>
-  </p:cSld>
-  <p:clrMapOvr>
-    <a:masterClrMapping/>
-  </p:clrMapOvr>
-</p:notes>
-</file>
-
-<file path=ppt/notesSlides/notesSlide22.xml><?xml version="1.0" encoding="utf-8"?>
-<p:notes xmlns:a="http://schemas.openxmlformats.org/drawingml/2006/main" xmlns:r="http://schemas.openxmlformats.org/officeDocument/2006/relationships" xmlns:p="http://schemas.openxmlformats.org/presentationml/2006/main">
-  <p:cSld>
-    <p:spTree>
-      <p:nvGrpSpPr>
-        <p:cNvPr id="1" name=""/>
-        <p:cNvGrpSpPr/>
-        <p:nvPr/>
-      </p:nvGrpSpPr>
-      <p:grpSpPr>
-        <a:xfrm>
-          <a:off x="0" y="0"/>
-          <a:ext cx="0" cy="0"/>
-          <a:chOff x="0" y="0"/>
-          <a:chExt cx="0" cy="0"/>
-        </a:xfrm>
-      </p:grpSpPr>
-      <p:sp>
-        <p:nvSpPr>
-          <p:cNvPr id="2" name="Slide Image Placeholder 1"/>
-          <p:cNvSpPr>
-            <a:spLocks noGrp="1" noRot="1" noChangeAspect="1"/>
-          </p:cNvSpPr>
-          <p:nvPr>
-            <p:ph type="sldImg"/>
-          </p:nvPr>
-        </p:nvSpPr>
-        <p:spPr/>
-      </p:sp>
-      <p:sp>
-        <p:nvSpPr>
-          <p:cNvPr id="3" name="Notes Placeholder 2"/>
-          <p:cNvSpPr>
-            <a:spLocks noGrp="1"/>
-          </p:cNvSpPr>
-          <p:nvPr>
-            <p:ph type="body" idx="1"/>
-          </p:nvPr>
-        </p:nvSpPr>
-        <p:spPr/>
-        <p:txBody>
-          <a:bodyPr/>
-          <a:lstStyle/>
-          <a:p>
-            <a:r>
-              <a:rPr lang="en-US" dirty="0"/>
-              <a:t>In this version of our </a:t>
-            </a:r>
-            <a:r>
-              <a:rPr lang="en-US" dirty="0" err="1"/>
-              <a:t>Dockerfile</a:t>
-            </a:r>
-            <a:r>
-              <a:rPr lang="en-US" dirty="0"/>
-              <a:t> we’ve updated our FROM instruction to use a version Tag to specify a fully qualified semantic version number – in this example, v2.2.204.</a:t>
-            </a:r>
-          </a:p>
-          <a:p>
-            <a:endParaRPr lang="en-US" dirty="0"/>
-          </a:p>
-          <a:p>
-            <a:r>
-              <a:rPr lang="en-US" dirty="0"/>
-              <a:t>This means that whenever and where ever we build an image from, we’ll always be using 2.2.204.</a:t>
-            </a:r>
-          </a:p>
-          <a:p>
-            <a:r>
-              <a:rPr lang="en-US" dirty="0"/>
-              <a:t>The same Docker image will be generated whenever we rebuild it, which means my </a:t>
-            </a:r>
-            <a:r>
-              <a:rPr lang="en-US" dirty="0" err="1"/>
-              <a:t>continerised</a:t>
-            </a:r>
-            <a:r>
-              <a:rPr lang="en-US" dirty="0"/>
-              <a:t> Service will behave the same, because my build artefacts haven’t mysteriously changed between builds.</a:t>
-            </a:r>
-          </a:p>
-          <a:p>
-            <a:r>
-              <a:rPr lang="en-US" dirty="0" err="1"/>
-              <a:t>Yeh</a:t>
-            </a:r>
-            <a:r>
-              <a:rPr lang="en-US" dirty="0"/>
-              <a:t>!</a:t>
-            </a:r>
-          </a:p>
-          <a:p>
-            <a:endParaRPr lang="en-US" dirty="0"/>
-          </a:p>
-          <a:p>
-            <a:r>
-              <a:rPr lang="en-US" dirty="0"/>
-              <a:t>Now the observant amongst you may have noticed that this from statement contains more differences than just a version number.</a:t>
-            </a:r>
-          </a:p>
-          <a:p>
-            <a:r>
-              <a:rPr lang="en-US" dirty="0"/>
-              <a:t>It still requests the </a:t>
-            </a:r>
-            <a:r>
-              <a:rPr lang="en-US" dirty="0" err="1"/>
-              <a:t>.Net</a:t>
-            </a:r>
-            <a:r>
-              <a:rPr lang="en-US" dirty="0"/>
-              <a:t> Core SDK, and it’s still a </a:t>
-            </a:r>
-            <a:r>
-              <a:rPr lang="en-US" dirty="0" err="1"/>
-              <a:t>Linix</a:t>
-            </a:r>
-            <a:r>
-              <a:rPr lang="en-US" dirty="0"/>
-              <a:t> image (although again, that isn’t obvious).</a:t>
-            </a:r>
-          </a:p>
-          <a:p>
-            <a:r>
-              <a:rPr lang="en-US" dirty="0"/>
-              <a:t>But this time it’s prefixed with </a:t>
-            </a:r>
-            <a:r>
-              <a:rPr lang="en-US" dirty="0" err="1"/>
-              <a:t>mcr.microsoft.com</a:t>
-            </a:r>
-            <a:r>
-              <a:rPr lang="en-US" dirty="0"/>
-              <a:t>…</a:t>
-            </a:r>
-          </a:p>
-          <a:p>
-            <a:endParaRPr lang="en-US" dirty="0"/>
-          </a:p>
-          <a:p>
-            <a:r>
-              <a:rPr lang="en-US" dirty="0"/>
-              <a:t>This is because I am now pulling my base image not from </a:t>
-            </a:r>
-            <a:r>
-              <a:rPr lang="en-US" dirty="0" err="1"/>
-              <a:t>DockerHub</a:t>
-            </a:r>
-            <a:r>
-              <a:rPr lang="en-US" dirty="0"/>
-              <a:t> as in the previous example, but from Microsoft’s own container registry (MCR for short).</a:t>
-            </a:r>
-          </a:p>
-          <a:p>
-            <a:r>
-              <a:rPr lang="en-US" dirty="0"/>
-              <a:t>MS no longer host patch versions of their images on </a:t>
-            </a:r>
-            <a:r>
-              <a:rPr lang="en-US" dirty="0" err="1"/>
-              <a:t>Dockerhub</a:t>
-            </a:r>
-            <a:r>
-              <a:rPr lang="en-US" dirty="0"/>
-              <a:t>, only on MCR, so if you want to be this specific about your image versions as this, then you need to get your images from there instead.</a:t>
-            </a:r>
-          </a:p>
-          <a:p>
-            <a:r>
-              <a:rPr lang="en-US" dirty="0"/>
-              <a:t>In fact, it’s probably best to pull your images from the MCR even if you are not being specific about versions numbers, because </a:t>
-            </a:r>
-            <a:r>
-              <a:rPr lang="en-US" dirty="0" err="1"/>
-              <a:t>Dockerhub</a:t>
-            </a:r>
-            <a:r>
-              <a:rPr lang="en-US" dirty="0"/>
-              <a:t> redirects to MCR anyway, so it should be a little quicker.</a:t>
-            </a:r>
-          </a:p>
-          <a:p>
-            <a:r>
-              <a:rPr lang="en-US" dirty="0"/>
-              <a:t>I’ve include a link explaining the reasons behind this on the resources slide at the end.  </a:t>
-            </a:r>
-          </a:p>
-        </p:txBody>
-      </p:sp>
-      <p:sp>
-        <p:nvSpPr>
-          <p:cNvPr id="4" name="Slide Number Placeholder 3"/>
-          <p:cNvSpPr>
-            <a:spLocks noGrp="1"/>
-          </p:cNvSpPr>
-          <p:nvPr>
-            <p:ph type="sldNum" sz="quarter" idx="5"/>
-          </p:nvPr>
-        </p:nvSpPr>
-        <p:spPr/>
-        <p:txBody>
-          <a:bodyPr/>
-          <a:lstStyle/>
-          <a:p>
-            <a:fld id="{65E7520C-4FC8-4341-86D5-1A3A798BBF9A}" type="slidenum">
-              <a:rPr lang="en-US" smtClean="0"/>
-              <a:t>30</a:t>
-            </a:fld>
-            <a:endParaRPr lang="en-US"/>
-          </a:p>
-        </p:txBody>
-      </p:sp>
-    </p:spTree>
-    <p:extLst>
-      <p:ext uri="{BB962C8B-B14F-4D97-AF65-F5344CB8AC3E}">
-        <p14:creationId xmlns:p14="http://schemas.microsoft.com/office/powerpoint/2010/main" val="3918472334"/>
-      </p:ext>
-    </p:extLst>
-  </p:cSld>
-  <p:clrMapOvr>
-    <a:masterClrMapping/>
-  </p:clrMapOvr>
-</p:notes>
-</file>
-
-<file path=ppt/notesSlides/notesSlide23.xml><?xml version="1.0" encoding="utf-8"?>
-<p:notes xmlns:a="http://schemas.openxmlformats.org/drawingml/2006/main" xmlns:r="http://schemas.openxmlformats.org/officeDocument/2006/relationships" xmlns:p="http://schemas.openxmlformats.org/presentationml/2006/main">
-  <p:cSld>
-    <p:spTree>
-      <p:nvGrpSpPr>
-        <p:cNvPr id="1" name=""/>
-        <p:cNvGrpSpPr/>
-        <p:nvPr/>
-      </p:nvGrpSpPr>
-      <p:grpSpPr>
-        <a:xfrm>
-          <a:off x="0" y="0"/>
-          <a:ext cx="0" cy="0"/>
-          <a:chOff x="0" y="0"/>
-          <a:chExt cx="0" cy="0"/>
-        </a:xfrm>
-      </p:grpSpPr>
-      <p:sp>
-        <p:nvSpPr>
-          <p:cNvPr id="2" name="Slide Image Placeholder 1"/>
-          <p:cNvSpPr>
-            <a:spLocks noGrp="1" noRot="1" noChangeAspect="1"/>
-          </p:cNvSpPr>
-          <p:nvPr>
-            <p:ph type="sldImg"/>
-          </p:nvPr>
-        </p:nvSpPr>
-        <p:spPr/>
-      </p:sp>
-      <p:sp>
-        <p:nvSpPr>
-          <p:cNvPr id="3" name="Notes Placeholder 2"/>
-          <p:cNvSpPr>
-            <a:spLocks noGrp="1"/>
-          </p:cNvSpPr>
-          <p:nvPr>
-            <p:ph type="body" idx="1"/>
-          </p:nvPr>
-        </p:nvSpPr>
-        <p:spPr/>
-        <p:txBody>
-          <a:bodyPr/>
-          <a:lstStyle/>
-          <a:p>
-            <a:r>
-              <a:rPr lang="en-US" dirty="0"/>
-              <a:t>In this version of our </a:t>
-            </a:r>
-            <a:r>
-              <a:rPr lang="en-US" dirty="0" err="1"/>
-              <a:t>Dockerfile</a:t>
-            </a:r>
-            <a:r>
-              <a:rPr lang="en-US" dirty="0"/>
-              <a:t>, we address the issue of using the SDK in our production environment by using a Multistage </a:t>
-            </a:r>
-            <a:r>
-              <a:rPr lang="en-US" dirty="0" err="1"/>
-              <a:t>Dockerfile</a:t>
-            </a:r>
-            <a:r>
-              <a:rPr lang="en-US" dirty="0"/>
-              <a:t>.</a:t>
-            </a:r>
-          </a:p>
-          <a:p>
-            <a:endParaRPr lang="en-US" dirty="0"/>
-          </a:p>
-          <a:p>
-            <a:r>
-              <a:rPr lang="en-US" dirty="0"/>
-              <a:t>A Multistage </a:t>
-            </a:r>
-            <a:r>
-              <a:rPr lang="en-US" dirty="0" err="1"/>
-              <a:t>DockerFile</a:t>
-            </a:r>
-            <a:r>
-              <a:rPr lang="en-US" dirty="0"/>
-              <a:t> contains multiple FROM instructions, with each FROM instruction creating a new stage.</a:t>
-            </a:r>
-          </a:p>
-          <a:p>
-            <a:r>
-              <a:rPr lang="en-GB" sz="1200" b="0" i="0" kern="1200" dirty="0">
-                <a:solidFill>
-                  <a:schemeClr val="tx1"/>
-                </a:solidFill>
-                <a:effectLst/>
-                <a:latin typeface="+mn-lt"/>
-                <a:ea typeface="+mn-ea"/>
-                <a:cs typeface="+mn-cs"/>
-              </a:rPr>
-              <a:t>You can selectively copy </a:t>
-            </a:r>
-            <a:r>
-              <a:rPr lang="en-GB" sz="1200" b="0" i="0" kern="1200" dirty="0" err="1">
-                <a:solidFill>
-                  <a:schemeClr val="tx1"/>
-                </a:solidFill>
-                <a:effectLst/>
-                <a:latin typeface="+mn-lt"/>
-                <a:ea typeface="+mn-ea"/>
-                <a:cs typeface="+mn-cs"/>
-              </a:rPr>
-              <a:t>artifacts</a:t>
-            </a:r>
-            <a:r>
-              <a:rPr lang="en-GB" sz="1200" b="0" i="0" kern="1200" dirty="0">
-                <a:solidFill>
-                  <a:schemeClr val="tx1"/>
-                </a:solidFill>
-                <a:effectLst/>
-                <a:latin typeface="+mn-lt"/>
-                <a:ea typeface="+mn-ea"/>
-                <a:cs typeface="+mn-cs"/>
-              </a:rPr>
-              <a:t> from one stage to another, leaving behind everything you don’t want in the final image.</a:t>
-            </a:r>
-          </a:p>
-          <a:p>
-            <a:endParaRPr lang="en-US" dirty="0"/>
-          </a:p>
-          <a:p>
-            <a:r>
-              <a:rPr lang="en-US" dirty="0"/>
-              <a:t>This example contains 2 stages.</a:t>
-            </a:r>
-          </a:p>
-          <a:p>
-            <a:endParaRPr lang="en-US" dirty="0"/>
-          </a:p>
-          <a:p>
-            <a:r>
-              <a:rPr lang="en-US" dirty="0"/>
-              <a:t>The first stage executes a FROM instruction using the SDK that we used previously to create an image, </a:t>
-            </a:r>
-          </a:p>
-          <a:p>
-            <a:endParaRPr lang="en-US" dirty="0"/>
-          </a:p>
-          <a:p>
-            <a:r>
-              <a:rPr lang="en-US" dirty="0"/>
-              <a:t>The second stage, which starts on line 5 with the second FROM instruction, specifies the base image to create a new image based on the </a:t>
-            </a:r>
-            <a:r>
-              <a:rPr lang="en-US" dirty="0" err="1"/>
-              <a:t>.Net</a:t>
-            </a:r>
-            <a:r>
-              <a:rPr lang="en-US" dirty="0"/>
-              <a:t> Core ASP Net runtime (Note that we are using a Tag to request a</a:t>
-            </a:r>
-          </a:p>
-          <a:p>
-            <a:r>
-              <a:rPr lang="en-US" dirty="0"/>
-              <a:t>Specific version of the runtime image in order to get deterministic builds)</a:t>
-            </a:r>
-          </a:p>
-          <a:p>
-            <a:endParaRPr lang="en-US" dirty="0"/>
-          </a:p>
-          <a:p>
-            <a:r>
-              <a:rPr lang="en-US" dirty="0"/>
-              <a:t>Then on line 8 we copy the contents of the app folder from the first stage to the final image that we will use as our build artefact.</a:t>
-            </a:r>
-          </a:p>
-          <a:p>
-            <a:endParaRPr lang="en-US" dirty="0"/>
-          </a:p>
-          <a:p>
-            <a:r>
-              <a:rPr lang="en-US" dirty="0"/>
-              <a:t>It does this using the Name we gave to the first stage at the end of line 1.</a:t>
-            </a:r>
-          </a:p>
-          <a:p>
-            <a:endParaRPr lang="en-US" dirty="0"/>
-          </a:p>
-          <a:p>
-            <a:r>
-              <a:rPr lang="en-US" dirty="0"/>
-              <a:t>Everything works exactly the same as it did before, but this time, our final image that we will create Containers from is built on top of the smaller, less vulnerable Runtime image.</a:t>
-            </a:r>
-          </a:p>
-          <a:p>
-            <a:endParaRPr lang="en-US" dirty="0"/>
-          </a:p>
-          <a:p>
-            <a:r>
-              <a:rPr lang="en-US" dirty="0"/>
-              <a:t>Do another quick demo to show that everything still works.  </a:t>
-            </a:r>
-          </a:p>
-        </p:txBody>
-      </p:sp>
-      <p:sp>
-        <p:nvSpPr>
-          <p:cNvPr id="4" name="Slide Number Placeholder 3"/>
-          <p:cNvSpPr>
-            <a:spLocks noGrp="1"/>
-          </p:cNvSpPr>
-          <p:nvPr>
-            <p:ph type="sldNum" sz="quarter" idx="5"/>
-          </p:nvPr>
-        </p:nvSpPr>
-        <p:spPr/>
-        <p:txBody>
-          <a:bodyPr/>
-          <a:lstStyle/>
-          <a:p>
-            <a:fld id="{65E7520C-4FC8-4341-86D5-1A3A798BBF9A}" type="slidenum">
-              <a:rPr lang="en-US" smtClean="0"/>
-              <a:t>31</a:t>
-            </a:fld>
-            <a:endParaRPr lang="en-US"/>
-          </a:p>
-        </p:txBody>
-      </p:sp>
-    </p:spTree>
-    <p:extLst>
-      <p:ext uri="{BB962C8B-B14F-4D97-AF65-F5344CB8AC3E}">
-        <p14:creationId xmlns:p14="http://schemas.microsoft.com/office/powerpoint/2010/main" val="3396551233"/>
-      </p:ext>
-    </p:extLst>
-  </p:cSld>
-  <p:clrMapOvr>
-    <a:masterClrMapping/>
-  </p:clrMapOvr>
-</p:notes>
-</file>
-
-<file path=ppt/notesSlides/notesSlide24.xml><?xml version="1.0" encoding="utf-8"?>
-<p:notes xmlns:a="http://schemas.openxmlformats.org/drawingml/2006/main" xmlns:r="http://schemas.openxmlformats.org/officeDocument/2006/relationships" xmlns:p="http://schemas.openxmlformats.org/presentationml/2006/main">
-  <p:cSld>
-    <p:spTree>
-      <p:nvGrpSpPr>
-        <p:cNvPr id="1" name=""/>
-        <p:cNvGrpSpPr/>
-        <p:nvPr/>
-      </p:nvGrpSpPr>
-      <p:grpSpPr>
-        <a:xfrm>
-          <a:off x="0" y="0"/>
-          <a:ext cx="0" cy="0"/>
-          <a:chOff x="0" y="0"/>
-          <a:chExt cx="0" cy="0"/>
-        </a:xfrm>
-      </p:grpSpPr>
-      <p:sp>
-        <p:nvSpPr>
-          <p:cNvPr id="2" name="Slide Image Placeholder 1"/>
-          <p:cNvSpPr>
-            <a:spLocks noGrp="1" noRot="1" noChangeAspect="1"/>
-          </p:cNvSpPr>
-          <p:nvPr>
-            <p:ph type="sldImg"/>
-          </p:nvPr>
-        </p:nvSpPr>
-        <p:spPr/>
-      </p:sp>
-      <p:sp>
-        <p:nvSpPr>
-          <p:cNvPr id="3" name="Notes Placeholder 2"/>
-          <p:cNvSpPr>
-            <a:spLocks noGrp="1"/>
-          </p:cNvSpPr>
-          <p:nvPr>
-            <p:ph type="body" idx="1"/>
-          </p:nvPr>
-        </p:nvSpPr>
-        <p:spPr/>
-        <p:txBody>
-          <a:bodyPr/>
-          <a:lstStyle/>
-          <a:p>
-            <a:r>
-              <a:rPr lang="en-US" dirty="0"/>
-              <a:t>In this version of our </a:t>
-            </a:r>
-            <a:r>
-              <a:rPr lang="en-US" dirty="0" err="1"/>
-              <a:t>DockerFile</a:t>
-            </a:r>
-            <a:r>
-              <a:rPr lang="en-US" dirty="0"/>
-              <a:t> we want to ensure that we only generate build artefacts if our service is actually behaving the way we expect, </a:t>
-            </a:r>
-            <a:r>
-              <a:rPr lang="en-US" dirty="0" err="1"/>
-              <a:t>ie</a:t>
-            </a:r>
-            <a:r>
-              <a:rPr lang="en-US" dirty="0"/>
-              <a:t> it meets the specification</a:t>
-            </a:r>
-          </a:p>
-          <a:p>
-            <a:endParaRPr lang="en-US" dirty="0"/>
-          </a:p>
-          <a:p>
-            <a:r>
-              <a:rPr lang="en-US" dirty="0"/>
-              <a:t>In order to do this, we need to run the tests from with our Test Project.</a:t>
-            </a:r>
-          </a:p>
-          <a:p>
-            <a:endParaRPr lang="en-US" dirty="0"/>
-          </a:p>
-          <a:p>
-            <a:r>
-              <a:rPr lang="en-US" dirty="0"/>
-              <a:t>In order to run our tests we need to use the SDK to run the dotnet test command (an operation we cant run using the runtime).</a:t>
-            </a:r>
-          </a:p>
-          <a:p>
-            <a:endParaRPr lang="en-US" dirty="0"/>
-          </a:p>
-          <a:p>
-            <a:r>
-              <a:rPr lang="en-US" dirty="0"/>
-              <a:t>On line 4 we now execute Dotnet test against the test project that has already been copied to our builder stage.</a:t>
-            </a:r>
-          </a:p>
-          <a:p>
-            <a:endParaRPr lang="en-US" dirty="0"/>
-          </a:p>
-          <a:p>
-            <a:r>
-              <a:rPr lang="en-US" dirty="0"/>
-              <a:t>At this point, if any of the tests in that test project fail for any reason, the rest of the build will stop and exit with an error code. (Check this is all correct)</a:t>
-            </a:r>
-          </a:p>
-          <a:p>
-            <a:endParaRPr lang="en-US" dirty="0"/>
-          </a:p>
-          <a:p>
-            <a:r>
-              <a:rPr lang="en-US" dirty="0"/>
-              <a:t>Again – quick demo to show everything still works (Failure Demo??)</a:t>
-            </a:r>
-          </a:p>
-        </p:txBody>
-      </p:sp>
-      <p:sp>
-        <p:nvSpPr>
-          <p:cNvPr id="4" name="Slide Number Placeholder 3"/>
-          <p:cNvSpPr>
-            <a:spLocks noGrp="1"/>
-          </p:cNvSpPr>
-          <p:nvPr>
-            <p:ph type="sldNum" sz="quarter" idx="5"/>
-          </p:nvPr>
-        </p:nvSpPr>
-        <p:spPr/>
-        <p:txBody>
-          <a:bodyPr/>
-          <a:lstStyle/>
-          <a:p>
-            <a:fld id="{65E7520C-4FC8-4341-86D5-1A3A798BBF9A}" type="slidenum">
-              <a:rPr lang="en-US" smtClean="0"/>
-              <a:t>32</a:t>
-            </a:fld>
-            <a:endParaRPr lang="en-US"/>
-          </a:p>
-        </p:txBody>
-      </p:sp>
-    </p:spTree>
-    <p:extLst>
-      <p:ext uri="{BB962C8B-B14F-4D97-AF65-F5344CB8AC3E}">
-        <p14:creationId xmlns:p14="http://schemas.microsoft.com/office/powerpoint/2010/main" val="3275766128"/>
-      </p:ext>
-    </p:extLst>
-  </p:cSld>
-  <p:clrMapOvr>
-    <a:masterClrMapping/>
-  </p:clrMapOvr>
-</p:notes>
-</file>
-
-<file path=ppt/notesSlides/notesSlide25.xml><?xml version="1.0" encoding="utf-8"?>
-<p:notes xmlns:a="http://schemas.openxmlformats.org/drawingml/2006/main" xmlns:r="http://schemas.openxmlformats.org/officeDocument/2006/relationships" xmlns:p="http://schemas.openxmlformats.org/presentationml/2006/main">
-  <p:cSld>
-    <p:spTree>
-      <p:nvGrpSpPr>
-        <p:cNvPr id="1" name=""/>
-        <p:cNvGrpSpPr/>
-        <p:nvPr/>
-      </p:nvGrpSpPr>
-      <p:grpSpPr>
-        <a:xfrm>
-          <a:off x="0" y="0"/>
-          <a:ext cx="0" cy="0"/>
-          <a:chOff x="0" y="0"/>
-          <a:chExt cx="0" cy="0"/>
-        </a:xfrm>
-      </p:grpSpPr>
-      <p:sp>
-        <p:nvSpPr>
-          <p:cNvPr id="2" name="Slide Image Placeholder 1"/>
-          <p:cNvSpPr>
-            <a:spLocks noGrp="1" noRot="1" noChangeAspect="1"/>
-          </p:cNvSpPr>
-          <p:nvPr>
-            <p:ph type="sldImg"/>
-          </p:nvPr>
-        </p:nvSpPr>
-        <p:spPr/>
-      </p:sp>
-      <p:sp>
-        <p:nvSpPr>
-          <p:cNvPr id="3" name="Notes Placeholder 2"/>
-          <p:cNvSpPr>
-            <a:spLocks noGrp="1"/>
-          </p:cNvSpPr>
-          <p:nvPr>
-            <p:ph type="body" idx="1"/>
-          </p:nvPr>
-        </p:nvSpPr>
-        <p:spPr/>
-        <p:txBody>
-          <a:bodyPr/>
-          <a:lstStyle/>
-          <a:p>
-            <a:r>
-              <a:rPr lang="en-US" dirty="0"/>
-              <a:t>In our final revision of our </a:t>
-            </a:r>
-            <a:r>
-              <a:rPr lang="en-US" dirty="0" err="1"/>
-              <a:t>Dockerfile</a:t>
-            </a:r>
-            <a:r>
-              <a:rPr lang="en-US" dirty="0"/>
-              <a:t>, we have made a very minor adjustment to the base images that well use in our Multistage build process.</a:t>
-            </a:r>
-          </a:p>
-          <a:p>
-            <a:r>
-              <a:rPr lang="en-US" dirty="0"/>
-              <a:t>At the end of lines 1 and 7 you will see that the image Tags now include an Alpine version.</a:t>
-            </a:r>
-          </a:p>
-          <a:p>
-            <a:endParaRPr lang="en-US" dirty="0"/>
-          </a:p>
-          <a:p>
-            <a:r>
-              <a:rPr lang="en-US" dirty="0"/>
-              <a:t>This change is aimed at reducing the size of our images so that they build faster, and so that we can push and pull them from our container registry faster.</a:t>
-            </a:r>
-          </a:p>
-          <a:p>
-            <a:endParaRPr lang="en-US" dirty="0"/>
-          </a:p>
-          <a:p>
-            <a:r>
-              <a:rPr lang="en-US" dirty="0"/>
-              <a:t>This is because Alpine is a very light weight version of the Unix operating system. Other choices include Debian &amp; Ubuntu.</a:t>
-            </a:r>
-          </a:p>
-          <a:p>
-            <a:endParaRPr lang="en-US" dirty="0"/>
-          </a:p>
-          <a:p>
-            <a:r>
-              <a:rPr lang="en-US" dirty="0"/>
-              <a:t>Lets have another quick demo to check things still work, and have a look at how much we’ve brought down the image size with all these improvements.</a:t>
-            </a:r>
-          </a:p>
-          <a:p>
-            <a:endParaRPr lang="en-US" dirty="0"/>
-          </a:p>
-          <a:p>
-            <a:endParaRPr lang="en-US" dirty="0"/>
-          </a:p>
-          <a:p>
-            <a:endParaRPr lang="en-US" dirty="0"/>
-          </a:p>
-          <a:p>
-            <a:endParaRPr lang="en-US" dirty="0"/>
-          </a:p>
-        </p:txBody>
-      </p:sp>
-      <p:sp>
-        <p:nvSpPr>
-          <p:cNvPr id="4" name="Slide Number Placeholder 3"/>
-          <p:cNvSpPr>
-            <a:spLocks noGrp="1"/>
-          </p:cNvSpPr>
-          <p:nvPr>
-            <p:ph type="sldNum" sz="quarter" idx="5"/>
-          </p:nvPr>
-        </p:nvSpPr>
-        <p:spPr/>
-        <p:txBody>
-          <a:bodyPr/>
-          <a:lstStyle/>
-          <a:p>
-            <a:fld id="{65E7520C-4FC8-4341-86D5-1A3A798BBF9A}" type="slidenum">
-              <a:rPr lang="en-US" smtClean="0"/>
-              <a:t>33</a:t>
-            </a:fld>
-            <a:endParaRPr lang="en-US"/>
-          </a:p>
-        </p:txBody>
-      </p:sp>
-    </p:spTree>
-    <p:extLst>
-      <p:ext uri="{BB962C8B-B14F-4D97-AF65-F5344CB8AC3E}">
-        <p14:creationId xmlns:p14="http://schemas.microsoft.com/office/powerpoint/2010/main" val="1355172048"/>
       </p:ext>
     </p:extLst>
   </p:cSld>
@@ -11295,12 +9914,12 @@
         <p:spPr>
           <a:xfrm>
             <a:off x="810000" y="5280847"/>
-            <a:ext cx="6333749" cy="1377128"/>
+            <a:ext cx="7236720" cy="1377128"/>
           </a:xfrm>
         </p:spPr>
         <p:txBody>
           <a:bodyPr>
-            <a:normAutofit/>
+            <a:normAutofit fontScale="92500"/>
           </a:bodyPr>
           <a:lstStyle/>
           <a:p>
@@ -11310,7 +9929,7 @@
             </a:pPr>
             <a:r>
               <a:rPr lang="en-US" dirty="0"/>
-              <a:t>Containers are created from Images</a:t>
+              <a:t>Containers are running instances of Images</a:t>
             </a:r>
           </a:p>
           <a:p>
@@ -11320,8 +9939,13 @@
             </a:pPr>
             <a:r>
               <a:rPr lang="en-US" dirty="0"/>
-              <a:t>Images describe your application, like blue-prints</a:t>
-            </a:r>
+              <a:t>Images are created from a </a:t>
+            </a:r>
+            <a:r>
+              <a:rPr lang="en-US" dirty="0" err="1"/>
+              <a:t>Dockerfile</a:t>
+            </a:r>
+            <a:endParaRPr lang="en-US" dirty="0"/>
           </a:p>
           <a:p>
             <a:pPr marL="285750" indent="-285750">
@@ -11329,14 +9953,13 @@
               <a:buChar char="•"/>
             </a:pPr>
             <a:r>
+              <a:rPr lang="en-US" dirty="0" err="1"/>
+              <a:t>Dockerfiles</a:t>
+            </a:r>
+            <a:r>
               <a:rPr lang="en-US" dirty="0"/>
-              <a:t>Images are created using a </a:t>
-            </a:r>
-            <a:r>
-              <a:rPr lang="en-US" dirty="0" err="1"/>
-              <a:t>Dockerfile</a:t>
-            </a:r>
-            <a:endParaRPr lang="en-US" dirty="0"/>
+              <a:t> contain instructions of how to build you application </a:t>
+            </a:r>
           </a:p>
           <a:p>
             <a:pPr marL="285750" indent="-285750">
@@ -11602,21 +10225,31 @@
             <p:ph idx="1"/>
           </p:nvPr>
         </p:nvSpPr>
-        <p:spPr/>
-        <p:txBody>
-          <a:bodyPr/>
+        <p:spPr>
+          <a:xfrm>
+            <a:off x="0" y="2222287"/>
+            <a:ext cx="12192000" cy="3636511"/>
+          </a:xfrm>
+        </p:spPr>
+        <p:txBody>
+          <a:bodyPr>
+            <a:normAutofit/>
+          </a:bodyPr>
           <a:lstStyle/>
           <a:p>
-            <a:endParaRPr lang="en-US" dirty="0"/>
-          </a:p>
-          <a:p>
-            <a:r>
-              <a:rPr lang="en-US" dirty="0"/>
+            <a:endParaRPr lang="en-US" sz="4000" dirty="0"/>
+          </a:p>
+          <a:p>
+            <a:pPr marL="0" indent="0" algn="ctr">
+              <a:buNone/>
+            </a:pPr>
+            <a:r>
+              <a:rPr lang="en-US" sz="4000" dirty="0"/>
               <a:t>docker build -t isprime_dotnetcore:1 .</a:t>
             </a:r>
           </a:p>
           <a:p>
-            <a:endParaRPr lang="en-US" dirty="0"/>
+            <a:endParaRPr lang="en-US" sz="4000" dirty="0"/>
           </a:p>
         </p:txBody>
       </p:sp>
@@ -11777,19 +10410,23 @@
             <p:ph idx="1"/>
           </p:nvPr>
         </p:nvSpPr>
-        <p:spPr/>
-        <p:txBody>
-          <a:bodyPr/>
+        <p:spPr>
+          <a:xfrm>
+            <a:off x="0" y="2222287"/>
+            <a:ext cx="12192000" cy="3636511"/>
+          </a:xfrm>
+        </p:spPr>
+        <p:txBody>
+          <a:bodyPr>
+            <a:normAutofit/>
+          </a:bodyPr>
           <a:lstStyle/>
           <a:p>
-            <a:pPr marL="0" indent="0">
+            <a:pPr marL="0" indent="0" algn="ctr">
               <a:buNone/>
             </a:pPr>
-            <a:endParaRPr lang="en-US" dirty="0"/>
-          </a:p>
-          <a:p>
-            <a:r>
-              <a:rPr lang="en-US" dirty="0"/>
+            <a:r>
+              <a:rPr lang="en-US" sz="4000" dirty="0"/>
               <a:t>docker run -p 80:9021 isprime_dotnetcore:1</a:t>
             </a:r>
           </a:p>
@@ -12898,6 +11535,156 @@
 </file>
 
 <file path=ppt/slides/slide23.xml><?xml version="1.0" encoding="utf-8"?>
+<p:sld xmlns:a="http://schemas.openxmlformats.org/drawingml/2006/main" xmlns:r="http://schemas.openxmlformats.org/officeDocument/2006/relationships" xmlns:p="http://schemas.openxmlformats.org/presentationml/2006/main">
+  <p:cSld>
+    <p:bg>
+      <p:bgPr>
+        <a:solidFill>
+          <a:schemeClr val="bg2"/>
+        </a:solidFill>
+        <a:effectLst/>
+      </p:bgPr>
+    </p:bg>
+    <p:spTree>
+      <p:nvGrpSpPr>
+        <p:cNvPr id="1" name=""/>
+        <p:cNvGrpSpPr/>
+        <p:nvPr/>
+      </p:nvGrpSpPr>
+      <p:grpSpPr>
+        <a:xfrm>
+          <a:off x="0" y="0"/>
+          <a:ext cx="0" cy="0"/>
+          <a:chOff x="0" y="0"/>
+          <a:chExt cx="0" cy="0"/>
+        </a:xfrm>
+      </p:grpSpPr>
+      <p:sp>
+        <p:nvSpPr>
+          <p:cNvPr id="2" name="Title 1">
+            <a:extLst>
+              <a:ext uri="{FF2B5EF4-FFF2-40B4-BE49-F238E27FC236}">
+                <a16:creationId xmlns:a16="http://schemas.microsoft.com/office/drawing/2014/main" id="{F2A6DE70-964D-DB48-8A02-5A25BE48C7A9}"/>
+              </a:ext>
+            </a:extLst>
+          </p:cNvPr>
+          <p:cNvSpPr>
+            <a:spLocks noGrp="1"/>
+          </p:cNvSpPr>
+          <p:nvPr>
+            <p:ph type="title"/>
+          </p:nvPr>
+        </p:nvSpPr>
+        <p:spPr>
+          <a:xfrm>
+            <a:off x="810000" y="447188"/>
+            <a:ext cx="10571998" cy="970450"/>
+          </a:xfrm>
+        </p:spPr>
+        <p:txBody>
+          <a:bodyPr>
+            <a:normAutofit/>
+          </a:bodyPr>
+          <a:lstStyle/>
+          <a:p>
+            <a:r>
+              <a:rPr lang="en-US" dirty="0"/>
+              <a:t>Quick Plug, then Questions</a:t>
+            </a:r>
+          </a:p>
+        </p:txBody>
+      </p:sp>
+      <p:sp>
+        <p:nvSpPr>
+          <p:cNvPr id="10" name="Content Placeholder 9">
+            <a:extLst>
+              <a:ext uri="{FF2B5EF4-FFF2-40B4-BE49-F238E27FC236}">
+                <a16:creationId xmlns:a16="http://schemas.microsoft.com/office/drawing/2014/main" id="{9B58BF46-AB90-4648-BB7E-1F54A0405EAD}"/>
+              </a:ext>
+            </a:extLst>
+          </p:cNvPr>
+          <p:cNvSpPr>
+            <a:spLocks noGrp="1"/>
+          </p:cNvSpPr>
+          <p:nvPr>
+            <p:ph idx="1"/>
+          </p:nvPr>
+        </p:nvSpPr>
+        <p:spPr>
+          <a:xfrm>
+            <a:off x="0" y="5518019"/>
+            <a:ext cx="12192000" cy="1098912"/>
+          </a:xfrm>
+        </p:spPr>
+        <p:txBody>
+          <a:bodyPr>
+            <a:normAutofit/>
+          </a:bodyPr>
+          <a:lstStyle/>
+          <a:p>
+            <a:pPr marL="0" indent="0" algn="ctr">
+              <a:buNone/>
+            </a:pPr>
+            <a:r>
+              <a:rPr lang="en-GB" sz="4400" dirty="0">
+                <a:hlinkClick r:id="rId3"/>
+              </a:rPr>
+              <a:t>www.dddeastanglia.com/</a:t>
+            </a:r>
+            <a:endParaRPr lang="en-US" sz="4400" dirty="0"/>
+          </a:p>
+        </p:txBody>
+      </p:sp>
+      <p:pic>
+        <p:nvPicPr>
+          <p:cNvPr id="7" name="Graphic 6">
+            <a:extLst>
+              <a:ext uri="{FF2B5EF4-FFF2-40B4-BE49-F238E27FC236}">
+                <a16:creationId xmlns:a16="http://schemas.microsoft.com/office/drawing/2014/main" id="{4EE6076C-03FE-E844-A5F5-73D6CD61C97B}"/>
+              </a:ext>
+            </a:extLst>
+          </p:cNvPr>
+          <p:cNvPicPr>
+            <a:picLocks noChangeAspect="1"/>
+          </p:cNvPicPr>
+          <p:nvPr/>
+        </p:nvPicPr>
+        <p:blipFill>
+          <a:blip r:embed="rId4">
+            <a:extLst>
+              <a:ext uri="{96DAC541-7B7A-43D3-8B79-37D633B846F1}">
+                <asvg:svgBlip xmlns:asvg="http://schemas.microsoft.com/office/drawing/2016/SVG/main" r:embed="rId5"/>
+              </a:ext>
+            </a:extLst>
+          </a:blip>
+          <a:stretch>
+            <a:fillRect/>
+          </a:stretch>
+        </p:blipFill>
+        <p:spPr>
+          <a:xfrm>
+            <a:off x="2409823" y="1417638"/>
+            <a:ext cx="7372351" cy="4844688"/>
+          </a:xfrm>
+          <a:prstGeom prst="rect">
+            <a:avLst/>
+          </a:prstGeom>
+        </p:spPr>
+      </p:pic>
+    </p:spTree>
+    <p:extLst>
+      <p:ext uri="{BB962C8B-B14F-4D97-AF65-F5344CB8AC3E}">
+        <p14:creationId xmlns:p14="http://schemas.microsoft.com/office/powerpoint/2010/main" val="1318647410"/>
+      </p:ext>
+    </p:extLst>
+  </p:cSld>
+  <p:clrMapOvr>
+    <a:masterClrMapping/>
+  </p:clrMapOvr>
+</p:sld>
+</file>
+
+<file path=ppt/slides/slide24.xml><?xml version="1.0" encoding="utf-8"?>
 <p:sld xmlns:a="http://schemas.openxmlformats.org/drawingml/2006/main" xmlns:r="http://schemas.openxmlformats.org/officeDocument/2006/relationships" xmlns:p="http://schemas.openxmlformats.org/presentationml/2006/main">
   <p:cSld>
     <p:spTree>
@@ -13241,7 +12028,7 @@
           <p:nvPr/>
         </p:nvPicPr>
         <p:blipFill>
-          <a:blip r:embed="rId2"/>
+          <a:blip r:embed="rId3"/>
           <a:stretch>
             <a:fillRect/>
           </a:stretch>
@@ -13271,7 +12058,7 @@
           <p:nvPr/>
         </p:nvPicPr>
         <p:blipFill>
-          <a:blip r:embed="rId3"/>
+          <a:blip r:embed="rId4"/>
           <a:stretch>
             <a:fillRect/>
           </a:stretch>
@@ -13301,7 +12088,7 @@
           <p:nvPr/>
         </p:nvPicPr>
         <p:blipFill>
-          <a:blip r:embed="rId4"/>
+          <a:blip r:embed="rId5"/>
           <a:stretch>
             <a:fillRect/>
           </a:stretch>
@@ -13599,7 +12386,7 @@
             </a:r>
             <a:r>
               <a:rPr lang="en-US" dirty="0">
-                <a:hlinkClick r:id="rId5"/>
+                <a:hlinkClick r:id="rId6"/>
               </a:rPr>
               <a:t>https://bit.ly/2EO2lth</a:t>
             </a:r>
@@ -13622,7 +12409,7 @@
           <p:nvPr/>
         </p:nvPicPr>
         <p:blipFill>
-          <a:blip r:embed="rId4"/>
+          <a:blip r:embed="rId5"/>
           <a:stretch>
             <a:fillRect/>
           </a:stretch>
@@ -13641,176 +12428,6 @@
     <p:extLst>
       <p:ext uri="{BB962C8B-B14F-4D97-AF65-F5344CB8AC3E}">
         <p14:creationId xmlns:p14="http://schemas.microsoft.com/office/powerpoint/2010/main" val="3388494448"/>
-      </p:ext>
-    </p:extLst>
-  </p:cSld>
-  <p:clrMapOvr>
-    <a:masterClrMapping/>
-  </p:clrMapOvr>
-</p:sld>
-</file>
-
-<file path=ppt/slides/slide24.xml><?xml version="1.0" encoding="utf-8"?>
-<p:sld xmlns:a="http://schemas.openxmlformats.org/drawingml/2006/main" xmlns:r="http://schemas.openxmlformats.org/officeDocument/2006/relationships" xmlns:p="http://schemas.openxmlformats.org/presentationml/2006/main">
-  <p:cSld>
-    <p:spTree>
-      <p:nvGrpSpPr>
-        <p:cNvPr id="1" name=""/>
-        <p:cNvGrpSpPr/>
-        <p:nvPr/>
-      </p:nvGrpSpPr>
-      <p:grpSpPr>
-        <a:xfrm>
-          <a:off x="0" y="0"/>
-          <a:ext cx="0" cy="0"/>
-          <a:chOff x="0" y="0"/>
-          <a:chExt cx="0" cy="0"/>
-        </a:xfrm>
-      </p:grpSpPr>
-      <p:sp>
-        <p:nvSpPr>
-          <p:cNvPr id="2" name="Title 1">
-            <a:extLst>
-              <a:ext uri="{FF2B5EF4-FFF2-40B4-BE49-F238E27FC236}">
-                <a16:creationId xmlns:a16="http://schemas.microsoft.com/office/drawing/2014/main" id="{F2A6DE70-964D-DB48-8A02-5A25BE48C7A9}"/>
-              </a:ext>
-            </a:extLst>
-          </p:cNvPr>
-          <p:cNvSpPr>
-            <a:spLocks noGrp="1"/>
-          </p:cNvSpPr>
-          <p:nvPr>
-            <p:ph type="title"/>
-          </p:nvPr>
-        </p:nvSpPr>
-        <p:spPr/>
-        <p:txBody>
-          <a:bodyPr/>
-          <a:lstStyle/>
-          <a:p>
-            <a:r>
-              <a:rPr lang="en-US" dirty="0"/>
-              <a:t>Resources</a:t>
-            </a:r>
-          </a:p>
-        </p:txBody>
-      </p:sp>
-      <p:sp>
-        <p:nvSpPr>
-          <p:cNvPr id="3" name="Content Placeholder 2">
-            <a:extLst>
-              <a:ext uri="{FF2B5EF4-FFF2-40B4-BE49-F238E27FC236}">
-                <a16:creationId xmlns:a16="http://schemas.microsoft.com/office/drawing/2014/main" id="{D4D9DCFB-1840-DC42-B82A-2047B10C2554}"/>
-              </a:ext>
-            </a:extLst>
-          </p:cNvPr>
-          <p:cNvSpPr>
-            <a:spLocks noGrp="1"/>
-          </p:cNvSpPr>
-          <p:nvPr>
-            <p:ph idx="1"/>
-          </p:nvPr>
-        </p:nvSpPr>
-        <p:spPr>
-          <a:xfrm>
-            <a:off x="818712" y="2887301"/>
-            <a:ext cx="10554574" cy="3636511"/>
-          </a:xfrm>
-        </p:spPr>
-        <p:txBody>
-          <a:bodyPr/>
-          <a:lstStyle/>
-          <a:p>
-            <a:r>
-              <a:rPr lang="en-US" dirty="0">
-                <a:hlinkClick r:id="rId3"/>
-              </a:rPr>
-              <a:t>Exploring Net Core Docker Files - Andrew Lock</a:t>
-            </a:r>
-            <a:endParaRPr lang="en-US" dirty="0"/>
-          </a:p>
-          <a:p>
-            <a:r>
-              <a:rPr lang="en-US" dirty="0">
-                <a:hlinkClick r:id="rId4"/>
-              </a:rPr>
-              <a:t>Docker for .Net Developers (7 part Series) - Steve Gordon</a:t>
-            </a:r>
-            <a:endParaRPr lang="en-US" dirty="0"/>
-          </a:p>
-          <a:p>
-            <a:r>
-              <a:rPr lang="en-US" dirty="0">
-                <a:hlinkClick r:id="rId5"/>
-              </a:rPr>
-              <a:t>Announcing the Microsoft Container Registry - Rich Lander</a:t>
-            </a:r>
-            <a:endParaRPr lang="en-US" dirty="0"/>
-          </a:p>
-          <a:p>
-            <a:r>
-              <a:rPr lang="en-US" dirty="0">
-                <a:hlinkClick r:id="rId6"/>
-              </a:rPr>
-              <a:t>How To Build a Smaller Docker Image – Medium</a:t>
-            </a:r>
-            <a:endParaRPr lang="en-US" dirty="0"/>
-          </a:p>
-          <a:p>
-            <a:r>
-              <a:rPr lang="en-US" dirty="0">
-                <a:hlinkClick r:id="rId7"/>
-              </a:rPr>
-              <a:t>What's wrong with Latest</a:t>
-            </a:r>
-            <a:r>
-              <a:rPr lang="en-US" dirty="0"/>
-              <a:t> and </a:t>
-            </a:r>
-            <a:r>
-              <a:rPr lang="en-US" dirty="0">
-                <a:hlinkClick r:id="rId8"/>
-              </a:rPr>
-              <a:t>The misunderstood latest tag </a:t>
-            </a:r>
-            <a:endParaRPr lang="en-US" dirty="0"/>
-          </a:p>
-          <a:p>
-            <a:r>
-              <a:rPr lang="en-US" dirty="0">
-                <a:hlinkClick r:id="rId9"/>
-              </a:rPr>
-              <a:t>Play with Docker Classroom - Dockers Labs</a:t>
-            </a:r>
-            <a:endParaRPr lang="en-US" dirty="0"/>
-          </a:p>
-          <a:p>
-            <a:r>
-              <a:rPr lang="en-GB" dirty="0">
-                <a:hlinkClick r:id="rId10"/>
-              </a:rPr>
-              <a:t>https://docs.docker.com/engine/examples/dotnetcore/</a:t>
-            </a:r>
-            <a:endParaRPr lang="en-GB" dirty="0"/>
-          </a:p>
-          <a:p>
-            <a:pPr marL="0" indent="0">
-              <a:buNone/>
-            </a:pPr>
-            <a:endParaRPr lang="en-US" dirty="0"/>
-          </a:p>
-          <a:p>
-            <a:endParaRPr lang="en-US" dirty="0"/>
-          </a:p>
-          <a:p>
-            <a:endParaRPr lang="en-US" dirty="0"/>
-          </a:p>
-        </p:txBody>
-      </p:sp>
-    </p:spTree>
-    <p:extLst>
-      <p:ext uri="{BB962C8B-B14F-4D97-AF65-F5344CB8AC3E}">
-        <p14:creationId xmlns:p14="http://schemas.microsoft.com/office/powerpoint/2010/main" val="3312594132"/>
       </p:ext>
     </p:extLst>
   </p:cSld>
@@ -13860,7 +12477,7 @@
           <a:p>
             <a:r>
               <a:rPr lang="en-US" dirty="0"/>
-              <a:t>Other stuff I couldn’t fit in</a:t>
+              <a:t>Resources</a:t>
             </a:r>
           </a:p>
         </p:txBody>
@@ -13881,29 +12498,96 @@
             <p:ph idx="1"/>
           </p:nvPr>
         </p:nvSpPr>
-        <p:spPr/>
+        <p:spPr>
+          <a:xfrm>
+            <a:off x="818712" y="2887301"/>
+            <a:ext cx="10554574" cy="3636511"/>
+          </a:xfrm>
+        </p:spPr>
         <p:txBody>
           <a:bodyPr/>
           <a:lstStyle/>
           <a:p>
             <a:r>
+              <a:rPr lang="en-US" dirty="0">
+                <a:hlinkClick r:id="rId3"/>
+              </a:rPr>
+              <a:t>Exploring Net Core Docker Files - Andrew Lock</a:t>
+            </a:r>
+            <a:endParaRPr lang="en-US" dirty="0"/>
+          </a:p>
+          <a:p>
+            <a:r>
+              <a:rPr lang="en-US" dirty="0">
+                <a:hlinkClick r:id="rId4"/>
+              </a:rPr>
+              <a:t>Docker for .Net Developers (7 part Series) - Steve Gordon</a:t>
+            </a:r>
+            <a:endParaRPr lang="en-US" dirty="0"/>
+          </a:p>
+          <a:p>
+            <a:r>
+              <a:rPr lang="en-US" dirty="0">
+                <a:hlinkClick r:id="rId5"/>
+              </a:rPr>
+              <a:t>Announcing the Microsoft Container Registry - Rich Lander</a:t>
+            </a:r>
+            <a:endParaRPr lang="en-US" dirty="0"/>
+          </a:p>
+          <a:p>
+            <a:r>
+              <a:rPr lang="en-US" dirty="0">
+                <a:hlinkClick r:id="rId6"/>
+              </a:rPr>
+              <a:t>How To Build a Smaller Docker Image – Medium</a:t>
+            </a:r>
+            <a:endParaRPr lang="en-US" dirty="0"/>
+          </a:p>
+          <a:p>
+            <a:r>
+              <a:rPr lang="en-US" dirty="0">
+                <a:hlinkClick r:id="rId7"/>
+              </a:rPr>
+              <a:t>What's wrong with Latest</a:t>
+            </a:r>
+            <a:r>
               <a:rPr lang="en-US" dirty="0"/>
-              <a:t>Security – which user are you running as?</a:t>
-            </a:r>
-          </a:p>
-          <a:p>
-            <a:r>
-              <a:rPr lang="en-US" dirty="0" err="1"/>
-              <a:t>dockerIgnore</a:t>
-            </a:r>
-            <a:r>
-              <a:rPr lang="en-US" dirty="0"/>
-              <a:t> files – exclude files from your build context to keep </a:t>
-            </a:r>
-            <a:r>
-              <a:rPr lang="en-US"/>
-              <a:t>images smaller</a:t>
-            </a:r>
+              <a:t> and </a:t>
+            </a:r>
+            <a:r>
+              <a:rPr lang="en-US" dirty="0">
+                <a:hlinkClick r:id="rId8"/>
+              </a:rPr>
+              <a:t>The misunderstood latest tag </a:t>
+            </a:r>
+            <a:endParaRPr lang="en-US" dirty="0"/>
+          </a:p>
+          <a:p>
+            <a:r>
+              <a:rPr lang="en-US" dirty="0">
+                <a:hlinkClick r:id="rId9"/>
+              </a:rPr>
+              <a:t>Play with Docker Classroom - Dockers Labs</a:t>
+            </a:r>
+            <a:endParaRPr lang="en-US" dirty="0"/>
+          </a:p>
+          <a:p>
+            <a:r>
+              <a:rPr lang="en-GB" dirty="0">
+                <a:hlinkClick r:id="rId10"/>
+              </a:rPr>
+              <a:t>https://docs.docker.com/engine/examples/dotnetcore/</a:t>
+            </a:r>
+            <a:endParaRPr lang="en-GB" dirty="0"/>
+          </a:p>
+          <a:p>
+            <a:pPr marL="0" indent="0">
+              <a:buNone/>
+            </a:pPr>
+            <a:endParaRPr lang="en-US" dirty="0"/>
+          </a:p>
+          <a:p>
+            <a:endParaRPr lang="en-US" dirty="0"/>
           </a:p>
           <a:p>
             <a:endParaRPr lang="en-US" dirty="0"/>
@@ -13913,481 +12597,7 @@
     </p:spTree>
     <p:extLst>
       <p:ext uri="{BB962C8B-B14F-4D97-AF65-F5344CB8AC3E}">
-        <p14:creationId xmlns:p14="http://schemas.microsoft.com/office/powerpoint/2010/main" val="2081175399"/>
-      </p:ext>
-    </p:extLst>
-  </p:cSld>
-  <p:clrMapOvr>
-    <a:masterClrMapping/>
-  </p:clrMapOvr>
-</p:sld>
-</file>
-
-<file path=ppt/slides/slide26.xml><?xml version="1.0" encoding="utf-8"?>
-<p:sld xmlns:a="http://schemas.openxmlformats.org/drawingml/2006/main" xmlns:r="http://schemas.openxmlformats.org/officeDocument/2006/relationships" xmlns:p="http://schemas.openxmlformats.org/presentationml/2006/main">
-  <p:cSld>
-    <p:spTree>
-      <p:nvGrpSpPr>
-        <p:cNvPr id="1" name=""/>
-        <p:cNvGrpSpPr/>
-        <p:nvPr/>
-      </p:nvGrpSpPr>
-      <p:grpSpPr>
-        <a:xfrm>
-          <a:off x="0" y="0"/>
-          <a:ext cx="0" cy="0"/>
-          <a:chOff x="0" y="0"/>
-          <a:chExt cx="0" cy="0"/>
-        </a:xfrm>
-      </p:grpSpPr>
-      <p:sp>
-        <p:nvSpPr>
-          <p:cNvPr id="2" name="Title 1">
-            <a:extLst>
-              <a:ext uri="{FF2B5EF4-FFF2-40B4-BE49-F238E27FC236}">
-                <a16:creationId xmlns:a16="http://schemas.microsoft.com/office/drawing/2014/main" id="{55D7A9F0-73A3-AD40-8035-9605FCC9BB28}"/>
-              </a:ext>
-            </a:extLst>
-          </p:cNvPr>
-          <p:cNvSpPr>
-            <a:spLocks noGrp="1"/>
-          </p:cNvSpPr>
-          <p:nvPr>
-            <p:ph type="ctrTitle"/>
-          </p:nvPr>
-        </p:nvSpPr>
-        <p:spPr/>
-        <p:txBody>
-          <a:bodyPr/>
-          <a:lstStyle/>
-          <a:p>
-            <a:r>
-              <a:rPr lang="en-US" dirty="0"/>
-              <a:t>What can Docker give me and my team, right now?</a:t>
-            </a:r>
-          </a:p>
-        </p:txBody>
-      </p:sp>
-      <p:sp>
-        <p:nvSpPr>
-          <p:cNvPr id="3" name="Subtitle 2">
-            <a:extLst>
-              <a:ext uri="{FF2B5EF4-FFF2-40B4-BE49-F238E27FC236}">
-                <a16:creationId xmlns:a16="http://schemas.microsoft.com/office/drawing/2014/main" id="{C5668594-C0F7-0747-9C23-EB6C68833AC8}"/>
-              </a:ext>
-            </a:extLst>
-          </p:cNvPr>
-          <p:cNvSpPr>
-            <a:spLocks noGrp="1"/>
-          </p:cNvSpPr>
-          <p:nvPr>
-            <p:ph type="subTitle" idx="1"/>
-          </p:nvPr>
-        </p:nvSpPr>
-        <p:spPr>
-          <a:xfrm>
-            <a:off x="810001" y="5280847"/>
-            <a:ext cx="10572000" cy="1357020"/>
-          </a:xfrm>
-        </p:spPr>
-        <p:txBody>
-          <a:bodyPr>
-            <a:normAutofit/>
-          </a:bodyPr>
-          <a:lstStyle/>
-          <a:p>
-            <a:pPr marL="285750" indent="-285750">
-              <a:buFont typeface="Arial" panose="020B0604020202020204" pitchFamily="34" charset="0"/>
-              <a:buChar char="•"/>
-            </a:pPr>
-            <a:r>
-              <a:rPr lang="en-US" dirty="0"/>
-              <a:t>Control</a:t>
-            </a:r>
-          </a:p>
-          <a:p>
-            <a:pPr marL="285750" indent="-285750">
-              <a:buFont typeface="Arial" panose="020B0604020202020204" pitchFamily="34" charset="0"/>
-              <a:buChar char="•"/>
-            </a:pPr>
-            <a:r>
-              <a:rPr lang="en-US" dirty="0"/>
-              <a:t>Speed</a:t>
-            </a:r>
-          </a:p>
-          <a:p>
-            <a:pPr marL="285750" indent="-285750">
-              <a:buFont typeface="Arial" panose="020B0604020202020204" pitchFamily="34" charset="0"/>
-              <a:buChar char="•"/>
-            </a:pPr>
-            <a:r>
-              <a:rPr lang="en-US" dirty="0"/>
-              <a:t>Repeatability </a:t>
-            </a:r>
-          </a:p>
-        </p:txBody>
-      </p:sp>
-    </p:spTree>
-    <p:extLst>
-      <p:ext uri="{BB962C8B-B14F-4D97-AF65-F5344CB8AC3E}">
-        <p14:creationId xmlns:p14="http://schemas.microsoft.com/office/powerpoint/2010/main" val="1976320933"/>
-      </p:ext>
-    </p:extLst>
-  </p:cSld>
-  <p:clrMapOvr>
-    <a:masterClrMapping/>
-  </p:clrMapOvr>
-</p:sld>
-</file>
-
-<file path=ppt/slides/slide27.xml><?xml version="1.0" encoding="utf-8"?>
-<p:sld xmlns:a="http://schemas.openxmlformats.org/drawingml/2006/main" xmlns:r="http://schemas.openxmlformats.org/officeDocument/2006/relationships" xmlns:p="http://schemas.openxmlformats.org/presentationml/2006/main">
-  <p:cSld>
-    <p:spTree>
-      <p:nvGrpSpPr>
-        <p:cNvPr id="1" name=""/>
-        <p:cNvGrpSpPr/>
-        <p:nvPr/>
-      </p:nvGrpSpPr>
-      <p:grpSpPr>
-        <a:xfrm>
-          <a:off x="0" y="0"/>
-          <a:ext cx="0" cy="0"/>
-          <a:chOff x="0" y="0"/>
-          <a:chExt cx="0" cy="0"/>
-        </a:xfrm>
-      </p:grpSpPr>
-      <p:sp>
-        <p:nvSpPr>
-          <p:cNvPr id="2" name="Title 1">
-            <a:extLst>
-              <a:ext uri="{FF2B5EF4-FFF2-40B4-BE49-F238E27FC236}">
-                <a16:creationId xmlns:a16="http://schemas.microsoft.com/office/drawing/2014/main" id="{55D7A9F0-73A3-AD40-8035-9605FCC9BB28}"/>
-              </a:ext>
-            </a:extLst>
-          </p:cNvPr>
-          <p:cNvSpPr>
-            <a:spLocks noGrp="1"/>
-          </p:cNvSpPr>
-          <p:nvPr>
-            <p:ph type="ctrTitle"/>
-          </p:nvPr>
-        </p:nvSpPr>
-        <p:spPr/>
-        <p:txBody>
-          <a:bodyPr/>
-          <a:lstStyle/>
-          <a:p>
-            <a:r>
-              <a:rPr lang="en-US" dirty="0"/>
-              <a:t>Why use </a:t>
-            </a:r>
-            <a:br>
-              <a:rPr lang="en-US" dirty="0"/>
-            </a:br>
-            <a:r>
-              <a:rPr lang="en-US" dirty="0"/>
-              <a:t>Docker?</a:t>
-            </a:r>
-          </a:p>
-        </p:txBody>
-      </p:sp>
-      <p:sp>
-        <p:nvSpPr>
-          <p:cNvPr id="3" name="Subtitle 2">
-            <a:extLst>
-              <a:ext uri="{FF2B5EF4-FFF2-40B4-BE49-F238E27FC236}">
-                <a16:creationId xmlns:a16="http://schemas.microsoft.com/office/drawing/2014/main" id="{C5668594-C0F7-0747-9C23-EB6C68833AC8}"/>
-              </a:ext>
-            </a:extLst>
-          </p:cNvPr>
-          <p:cNvSpPr>
-            <a:spLocks noGrp="1"/>
-          </p:cNvSpPr>
-          <p:nvPr>
-            <p:ph type="subTitle" idx="1"/>
-          </p:nvPr>
-        </p:nvSpPr>
-        <p:spPr>
-          <a:xfrm>
-            <a:off x="810001" y="5280847"/>
-            <a:ext cx="10572000" cy="1334266"/>
-          </a:xfrm>
-        </p:spPr>
-        <p:txBody>
-          <a:bodyPr/>
-          <a:lstStyle/>
-          <a:p>
-            <a:pPr marL="285750" indent="-285750">
-              <a:buFont typeface="Arial" panose="020B0604020202020204" pitchFamily="34" charset="0"/>
-              <a:buChar char="•"/>
-            </a:pPr>
-            <a:r>
-              <a:rPr lang="en-US" dirty="0"/>
-              <a:t>Fast, and reduces manual setup tasks, making the team go faster</a:t>
-            </a:r>
-          </a:p>
-          <a:p>
-            <a:pPr marL="285750" indent="-285750">
-              <a:buFont typeface="Arial" panose="020B0604020202020204" pitchFamily="34" charset="0"/>
-              <a:buChar char="•"/>
-            </a:pPr>
-            <a:r>
-              <a:rPr lang="en-US" dirty="0"/>
-              <a:t>Sort after skills, can be applied to any OS or programming language</a:t>
-            </a:r>
-          </a:p>
-          <a:p>
-            <a:pPr marL="285750" indent="-285750">
-              <a:buFont typeface="Arial" panose="020B0604020202020204" pitchFamily="34" charset="0"/>
-              <a:buChar char="•"/>
-            </a:pPr>
-            <a:r>
-              <a:rPr lang="en-US" dirty="0"/>
-              <a:t>“Works in my Container!” == “Well I guess it just </a:t>
-            </a:r>
-            <a:r>
-              <a:rPr lang="en-US" dirty="0" err="1"/>
-              <a:t>flippin</a:t>
-            </a:r>
-            <a:r>
-              <a:rPr lang="en-US" dirty="0"/>
-              <a:t>’ well works then!”</a:t>
-            </a:r>
-          </a:p>
-          <a:p>
-            <a:pPr marL="285750" indent="-285750">
-              <a:buFont typeface="Arial" panose="020B0604020202020204" pitchFamily="34" charset="0"/>
-              <a:buChar char="•"/>
-            </a:pPr>
-            <a:endParaRPr lang="en-US" dirty="0"/>
-          </a:p>
-        </p:txBody>
-      </p:sp>
-      <p:pic>
-        <p:nvPicPr>
-          <p:cNvPr id="5" name="Picture 4">
-            <a:extLst>
-              <a:ext uri="{FF2B5EF4-FFF2-40B4-BE49-F238E27FC236}">
-                <a16:creationId xmlns:a16="http://schemas.microsoft.com/office/drawing/2014/main" id="{6C502EAA-6D08-F740-80B1-8EAEF41BD6F1}"/>
-              </a:ext>
-            </a:extLst>
-          </p:cNvPr>
-          <p:cNvPicPr>
-            <a:picLocks/>
-          </p:cNvPicPr>
-          <p:nvPr/>
-        </p:nvPicPr>
-        <p:blipFill rotWithShape="1">
-          <a:blip r:embed="rId3"/>
-          <a:srcRect r="67270"/>
-          <a:stretch/>
-        </p:blipFill>
-        <p:spPr>
-          <a:xfrm>
-            <a:off x="6840000" y="1080000"/>
-            <a:ext cx="4680000" cy="3600000"/>
-          </a:xfrm>
-          <a:prstGeom prst="rect">
-            <a:avLst/>
-          </a:prstGeom>
-        </p:spPr>
-      </p:pic>
-    </p:spTree>
-    <p:extLst>
-      <p:ext uri="{BB962C8B-B14F-4D97-AF65-F5344CB8AC3E}">
-        <p14:creationId xmlns:p14="http://schemas.microsoft.com/office/powerpoint/2010/main" val="3084763154"/>
-      </p:ext>
-    </p:extLst>
-  </p:cSld>
-  <p:clrMapOvr>
-    <a:masterClrMapping/>
-  </p:clrMapOvr>
-</p:sld>
-</file>
-
-<file path=ppt/slides/slide28.xml><?xml version="1.0" encoding="utf-8"?>
-<p:sld xmlns:a="http://schemas.openxmlformats.org/drawingml/2006/main" xmlns:r="http://schemas.openxmlformats.org/officeDocument/2006/relationships" xmlns:p="http://schemas.openxmlformats.org/presentationml/2006/main">
-  <p:cSld>
-    <p:spTree>
-      <p:nvGrpSpPr>
-        <p:cNvPr id="1" name=""/>
-        <p:cNvGrpSpPr/>
-        <p:nvPr/>
-      </p:nvGrpSpPr>
-      <p:grpSpPr>
-        <a:xfrm>
-          <a:off x="0" y="0"/>
-          <a:ext cx="0" cy="0"/>
-          <a:chOff x="0" y="0"/>
-          <a:chExt cx="0" cy="0"/>
-        </a:xfrm>
-      </p:grpSpPr>
-      <p:sp>
-        <p:nvSpPr>
-          <p:cNvPr id="2" name="Title 1">
-            <a:extLst>
-              <a:ext uri="{FF2B5EF4-FFF2-40B4-BE49-F238E27FC236}">
-                <a16:creationId xmlns:a16="http://schemas.microsoft.com/office/drawing/2014/main" id="{7EF99C1D-E373-8D4F-B179-08BA69EC6306}"/>
-              </a:ext>
-            </a:extLst>
-          </p:cNvPr>
-          <p:cNvSpPr>
-            <a:spLocks noGrp="1"/>
-          </p:cNvSpPr>
-          <p:nvPr>
-            <p:ph type="title"/>
-          </p:nvPr>
-        </p:nvSpPr>
-        <p:spPr/>
-        <p:txBody>
-          <a:bodyPr/>
-          <a:lstStyle/>
-          <a:p>
-            <a:r>
-              <a:rPr lang="en-US" dirty="0" err="1"/>
-              <a:t>Dockerfile</a:t>
-            </a:r>
-            <a:r>
-              <a:rPr lang="en-US" dirty="0"/>
-              <a:t> – Layer our App on top of </a:t>
-            </a:r>
-            <a:r>
-              <a:rPr lang="en-US" dirty="0" err="1"/>
-              <a:t>.Net</a:t>
-            </a:r>
-            <a:endParaRPr lang="en-US" dirty="0"/>
-          </a:p>
-        </p:txBody>
-      </p:sp>
-      <p:pic>
-        <p:nvPicPr>
-          <p:cNvPr id="6" name="Content Placeholder 5">
-            <a:extLst>
-              <a:ext uri="{FF2B5EF4-FFF2-40B4-BE49-F238E27FC236}">
-                <a16:creationId xmlns:a16="http://schemas.microsoft.com/office/drawing/2014/main" id="{4D9DD1B8-401C-174D-B7A9-998DA20EA421}"/>
-              </a:ext>
-            </a:extLst>
-          </p:cNvPr>
-          <p:cNvPicPr>
-            <a:picLocks noGrp="1" noChangeAspect="1"/>
-          </p:cNvPicPr>
-          <p:nvPr>
-            <p:ph idx="1"/>
-          </p:nvPr>
-        </p:nvPicPr>
-        <p:blipFill>
-          <a:blip r:embed="rId3"/>
-          <a:stretch>
-            <a:fillRect/>
-          </a:stretch>
-        </p:blipFill>
-        <p:spPr>
-          <a:xfrm>
-            <a:off x="1537200" y="2304000"/>
-            <a:ext cx="9118800" cy="3915048"/>
-          </a:xfrm>
-        </p:spPr>
-      </p:pic>
-    </p:spTree>
-    <p:extLst>
-      <p:ext uri="{BB962C8B-B14F-4D97-AF65-F5344CB8AC3E}">
-        <p14:creationId xmlns:p14="http://schemas.microsoft.com/office/powerpoint/2010/main" val="3367308585"/>
-      </p:ext>
-    </p:extLst>
-  </p:cSld>
-  <p:clrMapOvr>
-    <a:masterClrMapping/>
-  </p:clrMapOvr>
-</p:sld>
-</file>
-
-<file path=ppt/slides/slide29.xml><?xml version="1.0" encoding="utf-8"?>
-<p:sld xmlns:a="http://schemas.openxmlformats.org/drawingml/2006/main" xmlns:r="http://schemas.openxmlformats.org/officeDocument/2006/relationships" xmlns:p="http://schemas.openxmlformats.org/presentationml/2006/main">
-  <p:cSld>
-    <p:spTree>
-      <p:nvGrpSpPr>
-        <p:cNvPr id="1" name=""/>
-        <p:cNvGrpSpPr/>
-        <p:nvPr/>
-      </p:nvGrpSpPr>
-      <p:grpSpPr>
-        <a:xfrm>
-          <a:off x="0" y="0"/>
-          <a:ext cx="0" cy="0"/>
-          <a:chOff x="0" y="0"/>
-          <a:chExt cx="0" cy="0"/>
-        </a:xfrm>
-      </p:grpSpPr>
-      <p:sp>
-        <p:nvSpPr>
-          <p:cNvPr id="2" name="Title 1">
-            <a:extLst>
-              <a:ext uri="{FF2B5EF4-FFF2-40B4-BE49-F238E27FC236}">
-                <a16:creationId xmlns:a16="http://schemas.microsoft.com/office/drawing/2014/main" id="{0CE24BA8-AD47-8B4C-8AA9-5340E25D37F5}"/>
-              </a:ext>
-            </a:extLst>
-          </p:cNvPr>
-          <p:cNvSpPr>
-            <a:spLocks noGrp="1"/>
-          </p:cNvSpPr>
-          <p:nvPr>
-            <p:ph type="title"/>
-          </p:nvPr>
-        </p:nvSpPr>
-        <p:spPr/>
-        <p:txBody>
-          <a:bodyPr/>
-          <a:lstStyle/>
-          <a:p>
-            <a:r>
-              <a:rPr lang="en-US" dirty="0"/>
-              <a:t>Dockerfile_v1 - Issues</a:t>
-            </a:r>
-          </a:p>
-        </p:txBody>
-      </p:sp>
-      <p:pic>
-        <p:nvPicPr>
-          <p:cNvPr id="7" name="Content Placeholder 13">
-            <a:extLst>
-              <a:ext uri="{FF2B5EF4-FFF2-40B4-BE49-F238E27FC236}">
-                <a16:creationId xmlns:a16="http://schemas.microsoft.com/office/drawing/2014/main" id="{2EC95000-DD18-5243-9135-7D48AEC106F7}"/>
-              </a:ext>
-            </a:extLst>
-          </p:cNvPr>
-          <p:cNvPicPr>
-            <a:picLocks noChangeAspect="1"/>
-          </p:cNvPicPr>
-          <p:nvPr/>
-        </p:nvPicPr>
-        <p:blipFill>
-          <a:blip r:embed="rId3"/>
-          <a:stretch>
-            <a:fillRect/>
-          </a:stretch>
-        </p:blipFill>
-        <p:spPr>
-          <a:xfrm>
-            <a:off x="1535999" y="2304000"/>
-            <a:ext cx="9119999" cy="3600000"/>
-          </a:xfrm>
-          <a:prstGeom prst="rect">
-            <a:avLst/>
-          </a:prstGeom>
-          <a:effectLst>
-            <a:outerShdw blurRad="50800" dir="14400000">
-              <a:srgbClr val="000000">
-                <a:alpha val="40000"/>
-              </a:srgbClr>
-            </a:outerShdw>
-          </a:effectLst>
-        </p:spPr>
-      </p:pic>
-    </p:spTree>
-    <p:extLst>
-      <p:ext uri="{BB962C8B-B14F-4D97-AF65-F5344CB8AC3E}">
-        <p14:creationId xmlns:p14="http://schemas.microsoft.com/office/powerpoint/2010/main" val="3824583246"/>
+        <p14:creationId xmlns:p14="http://schemas.microsoft.com/office/powerpoint/2010/main" val="3312594132"/>
       </p:ext>
     </p:extLst>
   </p:cSld>
@@ -15068,637 +13278,6 @@
   </p:cSld>
   <p:clrMapOvr>
     <a:overrideClrMapping bg1="lt1" tx1="dk1" bg2="lt2" tx2="dk2" accent1="accent1" accent2="accent2" accent3="accent3" accent4="accent4" accent5="accent5" accent6="accent6" hlink="hlink" folHlink="folHlink"/>
-  </p:clrMapOvr>
-</p:sld>
-</file>
-
-<file path=ppt/slides/slide30.xml><?xml version="1.0" encoding="utf-8"?>
-<p:sld xmlns:a="http://schemas.openxmlformats.org/drawingml/2006/main" xmlns:r="http://schemas.openxmlformats.org/officeDocument/2006/relationships" xmlns:p="http://schemas.openxmlformats.org/presentationml/2006/main">
-  <p:cSld>
-    <p:spTree>
-      <p:nvGrpSpPr>
-        <p:cNvPr id="1" name=""/>
-        <p:cNvGrpSpPr/>
-        <p:nvPr/>
-      </p:nvGrpSpPr>
-      <p:grpSpPr>
-        <a:xfrm>
-          <a:off x="0" y="0"/>
-          <a:ext cx="0" cy="0"/>
-          <a:chOff x="0" y="0"/>
-          <a:chExt cx="0" cy="0"/>
-        </a:xfrm>
-      </p:grpSpPr>
-      <p:sp>
-        <p:nvSpPr>
-          <p:cNvPr id="2" name="Title 1">
-            <a:extLst>
-              <a:ext uri="{FF2B5EF4-FFF2-40B4-BE49-F238E27FC236}">
-                <a16:creationId xmlns:a16="http://schemas.microsoft.com/office/drawing/2014/main" id="{0CE24BA8-AD47-8B4C-8AA9-5340E25D37F5}"/>
-              </a:ext>
-            </a:extLst>
-          </p:cNvPr>
-          <p:cNvSpPr>
-            <a:spLocks noGrp="1"/>
-          </p:cNvSpPr>
-          <p:nvPr>
-            <p:ph type="title"/>
-          </p:nvPr>
-        </p:nvSpPr>
-        <p:spPr/>
-        <p:txBody>
-          <a:bodyPr/>
-          <a:lstStyle/>
-          <a:p>
-            <a:r>
-              <a:rPr lang="en-US" dirty="0"/>
-              <a:t>Dockerfile_v2 - Deterministic </a:t>
-            </a:r>
-          </a:p>
-        </p:txBody>
-      </p:sp>
-      <p:pic>
-        <p:nvPicPr>
-          <p:cNvPr id="18" name="Picture 17">
-            <a:extLst>
-              <a:ext uri="{FF2B5EF4-FFF2-40B4-BE49-F238E27FC236}">
-                <a16:creationId xmlns:a16="http://schemas.microsoft.com/office/drawing/2014/main" id="{70F9D637-7975-8244-A9FC-917808BF4ED3}"/>
-              </a:ext>
-            </a:extLst>
-          </p:cNvPr>
-          <p:cNvPicPr>
-            <a:picLocks noChangeAspect="1"/>
-          </p:cNvPicPr>
-          <p:nvPr/>
-        </p:nvPicPr>
-        <p:blipFill>
-          <a:blip r:embed="rId3"/>
-          <a:stretch>
-            <a:fillRect/>
-          </a:stretch>
-        </p:blipFill>
-        <p:spPr>
-          <a:xfrm>
-            <a:off x="1535999" y="2304000"/>
-            <a:ext cx="9120000" cy="3600000"/>
-          </a:xfrm>
-          <a:prstGeom prst="rect">
-            <a:avLst/>
-          </a:prstGeom>
-        </p:spPr>
-      </p:pic>
-    </p:spTree>
-    <p:extLst>
-      <p:ext uri="{BB962C8B-B14F-4D97-AF65-F5344CB8AC3E}">
-        <p14:creationId xmlns:p14="http://schemas.microsoft.com/office/powerpoint/2010/main" val="2488705105"/>
-      </p:ext>
-    </p:extLst>
-  </p:cSld>
-  <p:clrMapOvr>
-    <a:masterClrMapping/>
-  </p:clrMapOvr>
-</p:sld>
-</file>
-
-<file path=ppt/slides/slide31.xml><?xml version="1.0" encoding="utf-8"?>
-<p:sld xmlns:a="http://schemas.openxmlformats.org/drawingml/2006/main" xmlns:r="http://schemas.openxmlformats.org/officeDocument/2006/relationships" xmlns:p="http://schemas.openxmlformats.org/presentationml/2006/main">
-  <p:cSld>
-    <p:spTree>
-      <p:nvGrpSpPr>
-        <p:cNvPr id="1" name=""/>
-        <p:cNvGrpSpPr/>
-        <p:nvPr/>
-      </p:nvGrpSpPr>
-      <p:grpSpPr>
-        <a:xfrm>
-          <a:off x="0" y="0"/>
-          <a:ext cx="0" cy="0"/>
-          <a:chOff x="0" y="0"/>
-          <a:chExt cx="0" cy="0"/>
-        </a:xfrm>
-      </p:grpSpPr>
-      <p:sp>
-        <p:nvSpPr>
-          <p:cNvPr id="2" name="Title 1">
-            <a:extLst>
-              <a:ext uri="{FF2B5EF4-FFF2-40B4-BE49-F238E27FC236}">
-                <a16:creationId xmlns:a16="http://schemas.microsoft.com/office/drawing/2014/main" id="{B2CCCF96-561C-9446-8DB8-DD7E9C894BAF}"/>
-              </a:ext>
-            </a:extLst>
-          </p:cNvPr>
-          <p:cNvSpPr>
-            <a:spLocks noGrp="1"/>
-          </p:cNvSpPr>
-          <p:nvPr>
-            <p:ph type="title"/>
-          </p:nvPr>
-        </p:nvSpPr>
-        <p:spPr/>
-        <p:txBody>
-          <a:bodyPr/>
-          <a:lstStyle/>
-          <a:p>
-            <a:r>
-              <a:rPr lang="en-US" dirty="0"/>
-              <a:t>Dockerfile_v3 – Multi Stage </a:t>
-            </a:r>
-            <a:r>
-              <a:rPr lang="en-US" dirty="0" err="1"/>
-              <a:t>Dockerfile</a:t>
-            </a:r>
-            <a:r>
-              <a:rPr lang="en-US" dirty="0"/>
-              <a:t>  </a:t>
-            </a:r>
-          </a:p>
-        </p:txBody>
-      </p:sp>
-      <p:sp>
-        <p:nvSpPr>
-          <p:cNvPr id="4" name="Rectangle 3">
-            <a:extLst>
-              <a:ext uri="{FF2B5EF4-FFF2-40B4-BE49-F238E27FC236}">
-                <a16:creationId xmlns:a16="http://schemas.microsoft.com/office/drawing/2014/main" id="{2AC3544A-8C77-AB41-84A2-C108A6D791E8}"/>
-              </a:ext>
-            </a:extLst>
-          </p:cNvPr>
-          <p:cNvSpPr/>
-          <p:nvPr/>
-        </p:nvSpPr>
-        <p:spPr>
-          <a:xfrm>
-            <a:off x="3048000" y="3105835"/>
-            <a:ext cx="6096000" cy="646331"/>
-          </a:xfrm>
-          <a:prstGeom prst="rect">
-            <a:avLst/>
-          </a:prstGeom>
-        </p:spPr>
-        <p:txBody>
-          <a:bodyPr>
-            <a:spAutoFit/>
-          </a:bodyPr>
-          <a:lstStyle/>
-          <a:p>
-            <a:br>
-              <a:rPr lang="en-GB" dirty="0"/>
-            </a:br>
-            <a:endParaRPr lang="en-US" dirty="0"/>
-          </a:p>
-        </p:txBody>
-      </p:sp>
-      <p:pic>
-        <p:nvPicPr>
-          <p:cNvPr id="11" name="Content Placeholder 10">
-            <a:extLst>
-              <a:ext uri="{FF2B5EF4-FFF2-40B4-BE49-F238E27FC236}">
-                <a16:creationId xmlns:a16="http://schemas.microsoft.com/office/drawing/2014/main" id="{27787DFC-1A36-B240-9214-989475531E64}"/>
-              </a:ext>
-            </a:extLst>
-          </p:cNvPr>
-          <p:cNvPicPr>
-            <a:picLocks noChangeAspect="1"/>
-          </p:cNvPicPr>
-          <p:nvPr/>
-        </p:nvPicPr>
-        <p:blipFill>
-          <a:blip r:embed="rId3"/>
-          <a:stretch>
-            <a:fillRect/>
-          </a:stretch>
-        </p:blipFill>
-        <p:spPr>
-          <a:xfrm>
-            <a:off x="1535999" y="2304000"/>
-            <a:ext cx="9119999" cy="3600000"/>
-          </a:xfrm>
-          <a:prstGeom prst="rect">
-            <a:avLst/>
-          </a:prstGeom>
-          <a:effectLst>
-            <a:outerShdw blurRad="50800" dir="14400000">
-              <a:srgbClr val="000000">
-                <a:alpha val="40000"/>
-              </a:srgbClr>
-            </a:outerShdw>
-          </a:effectLst>
-        </p:spPr>
-      </p:pic>
-      <p:sp>
-        <p:nvSpPr>
-          <p:cNvPr id="13" name="Rectangle 12">
-            <a:extLst>
-              <a:ext uri="{FF2B5EF4-FFF2-40B4-BE49-F238E27FC236}">
-                <a16:creationId xmlns:a16="http://schemas.microsoft.com/office/drawing/2014/main" id="{0D53F0EA-E1A1-294A-A65E-C37C808874AF}"/>
-              </a:ext>
-            </a:extLst>
-          </p:cNvPr>
-          <p:cNvSpPr/>
-          <p:nvPr/>
-        </p:nvSpPr>
-        <p:spPr>
-          <a:xfrm>
-            <a:off x="1535999" y="4918364"/>
-            <a:ext cx="9104292" cy="720436"/>
-          </a:xfrm>
-          <a:prstGeom prst="rect">
-            <a:avLst/>
-          </a:prstGeom>
-          <a:solidFill>
-            <a:schemeClr val="tx1"/>
-          </a:solidFill>
-          <a:ln>
-            <a:noFill/>
-          </a:ln>
-        </p:spPr>
-        <p:style>
-          <a:lnRef idx="2">
-            <a:schemeClr val="accent1">
-              <a:shade val="50000"/>
-            </a:schemeClr>
-          </a:lnRef>
-          <a:fillRef idx="1">
-            <a:schemeClr val="accent1"/>
-          </a:fillRef>
-          <a:effectRef idx="0">
-            <a:schemeClr val="accent1"/>
-          </a:effectRef>
-          <a:fontRef idx="minor">
-            <a:schemeClr val="lt1"/>
-          </a:fontRef>
-        </p:style>
-        <p:txBody>
-          <a:bodyPr rtlCol="0" anchor="ctr"/>
-          <a:lstStyle/>
-          <a:p>
-            <a:pPr algn="ctr"/>
-            <a:endParaRPr lang="en-US"/>
-          </a:p>
-        </p:txBody>
-      </p:sp>
-    </p:spTree>
-    <p:extLst>
-      <p:ext uri="{BB962C8B-B14F-4D97-AF65-F5344CB8AC3E}">
-        <p14:creationId xmlns:p14="http://schemas.microsoft.com/office/powerpoint/2010/main" val="3469897548"/>
-      </p:ext>
-    </p:extLst>
-  </p:cSld>
-  <p:clrMapOvr>
-    <a:masterClrMapping/>
-  </p:clrMapOvr>
-</p:sld>
-</file>
-
-<file path=ppt/slides/slide32.xml><?xml version="1.0" encoding="utf-8"?>
-<p:sld xmlns:a="http://schemas.openxmlformats.org/drawingml/2006/main" xmlns:r="http://schemas.openxmlformats.org/officeDocument/2006/relationships" xmlns:p="http://schemas.openxmlformats.org/presentationml/2006/main">
-  <p:cSld>
-    <p:spTree>
-      <p:nvGrpSpPr>
-        <p:cNvPr id="1" name=""/>
-        <p:cNvGrpSpPr/>
-        <p:nvPr/>
-      </p:nvGrpSpPr>
-      <p:grpSpPr>
-        <a:xfrm>
-          <a:off x="0" y="0"/>
-          <a:ext cx="0" cy="0"/>
-          <a:chOff x="0" y="0"/>
-          <a:chExt cx="0" cy="0"/>
-        </a:xfrm>
-      </p:grpSpPr>
-      <p:sp>
-        <p:nvSpPr>
-          <p:cNvPr id="2" name="Title 1">
-            <a:extLst>
-              <a:ext uri="{FF2B5EF4-FFF2-40B4-BE49-F238E27FC236}">
-                <a16:creationId xmlns:a16="http://schemas.microsoft.com/office/drawing/2014/main" id="{B2CCCF96-561C-9446-8DB8-DD7E9C894BAF}"/>
-              </a:ext>
-            </a:extLst>
-          </p:cNvPr>
-          <p:cNvSpPr>
-            <a:spLocks noGrp="1"/>
-          </p:cNvSpPr>
-          <p:nvPr>
-            <p:ph type="title"/>
-          </p:nvPr>
-        </p:nvSpPr>
-        <p:spPr/>
-        <p:txBody>
-          <a:bodyPr/>
-          <a:lstStyle/>
-          <a:p>
-            <a:r>
-              <a:rPr lang="en-US" dirty="0"/>
-              <a:t>Dockerfile_v4 – run the Tests  </a:t>
-            </a:r>
-          </a:p>
-        </p:txBody>
-      </p:sp>
-      <p:sp>
-        <p:nvSpPr>
-          <p:cNvPr id="4" name="Rectangle 3">
-            <a:extLst>
-              <a:ext uri="{FF2B5EF4-FFF2-40B4-BE49-F238E27FC236}">
-                <a16:creationId xmlns:a16="http://schemas.microsoft.com/office/drawing/2014/main" id="{2AC3544A-8C77-AB41-84A2-C108A6D791E8}"/>
-              </a:ext>
-            </a:extLst>
-          </p:cNvPr>
-          <p:cNvSpPr/>
-          <p:nvPr/>
-        </p:nvSpPr>
-        <p:spPr>
-          <a:xfrm>
-            <a:off x="3048000" y="3105835"/>
-            <a:ext cx="6096000" cy="646331"/>
-          </a:xfrm>
-          <a:prstGeom prst="rect">
-            <a:avLst/>
-          </a:prstGeom>
-        </p:spPr>
-        <p:txBody>
-          <a:bodyPr>
-            <a:spAutoFit/>
-          </a:bodyPr>
-          <a:lstStyle/>
-          <a:p>
-            <a:br>
-              <a:rPr lang="en-GB" dirty="0"/>
-            </a:br>
-            <a:endParaRPr lang="en-US" dirty="0"/>
-          </a:p>
-        </p:txBody>
-      </p:sp>
-      <p:pic>
-        <p:nvPicPr>
-          <p:cNvPr id="11" name="Content Placeholder 9">
-            <a:extLst>
-              <a:ext uri="{FF2B5EF4-FFF2-40B4-BE49-F238E27FC236}">
-                <a16:creationId xmlns:a16="http://schemas.microsoft.com/office/drawing/2014/main" id="{18BBB9FC-F6CB-9A43-B062-B7F1EE44889F}"/>
-              </a:ext>
-            </a:extLst>
-          </p:cNvPr>
-          <p:cNvPicPr>
-            <a:picLocks noChangeAspect="1"/>
-          </p:cNvPicPr>
-          <p:nvPr/>
-        </p:nvPicPr>
-        <p:blipFill>
-          <a:blip r:embed="rId3"/>
-          <a:stretch>
-            <a:fillRect/>
-          </a:stretch>
-        </p:blipFill>
-        <p:spPr>
-          <a:xfrm>
-            <a:off x="1535999" y="2304000"/>
-            <a:ext cx="9119999" cy="3600000"/>
-          </a:xfrm>
-          <a:prstGeom prst="rect">
-            <a:avLst/>
-          </a:prstGeom>
-          <a:effectLst>
-            <a:outerShdw blurRad="50800" dir="14400000">
-              <a:srgbClr val="000000">
-                <a:alpha val="40000"/>
-              </a:srgbClr>
-            </a:outerShdw>
-          </a:effectLst>
-        </p:spPr>
-      </p:pic>
-      <p:sp>
-        <p:nvSpPr>
-          <p:cNvPr id="12" name="Rectangle 11">
-            <a:extLst>
-              <a:ext uri="{FF2B5EF4-FFF2-40B4-BE49-F238E27FC236}">
-                <a16:creationId xmlns:a16="http://schemas.microsoft.com/office/drawing/2014/main" id="{9788950A-48AF-5A41-A0B7-6C9F57876EFB}"/>
-              </a:ext>
-            </a:extLst>
-          </p:cNvPr>
-          <p:cNvSpPr/>
-          <p:nvPr/>
-        </p:nvSpPr>
-        <p:spPr>
-          <a:xfrm>
-            <a:off x="1535999" y="5417122"/>
-            <a:ext cx="9104292" cy="486878"/>
-          </a:xfrm>
-          <a:prstGeom prst="rect">
-            <a:avLst/>
-          </a:prstGeom>
-          <a:solidFill>
-            <a:schemeClr val="tx1"/>
-          </a:solidFill>
-          <a:ln>
-            <a:noFill/>
-          </a:ln>
-        </p:spPr>
-        <p:style>
-          <a:lnRef idx="2">
-            <a:schemeClr val="accent1">
-              <a:shade val="50000"/>
-            </a:schemeClr>
-          </a:lnRef>
-          <a:fillRef idx="1">
-            <a:schemeClr val="accent1"/>
-          </a:fillRef>
-          <a:effectRef idx="0">
-            <a:schemeClr val="accent1"/>
-          </a:effectRef>
-          <a:fontRef idx="minor">
-            <a:schemeClr val="lt1"/>
-          </a:fontRef>
-        </p:style>
-        <p:txBody>
-          <a:bodyPr rtlCol="0" anchor="ctr"/>
-          <a:lstStyle/>
-          <a:p>
-            <a:pPr algn="ctr"/>
-            <a:endParaRPr lang="en-US"/>
-          </a:p>
-        </p:txBody>
-      </p:sp>
-    </p:spTree>
-    <p:extLst>
-      <p:ext uri="{BB962C8B-B14F-4D97-AF65-F5344CB8AC3E}">
-        <p14:creationId xmlns:p14="http://schemas.microsoft.com/office/powerpoint/2010/main" val="2335032682"/>
-      </p:ext>
-    </p:extLst>
-  </p:cSld>
-  <p:clrMapOvr>
-    <a:masterClrMapping/>
-  </p:clrMapOvr>
-</p:sld>
-</file>
-
-<file path=ppt/slides/slide33.xml><?xml version="1.0" encoding="utf-8"?>
-<p:sld xmlns:a="http://schemas.openxmlformats.org/drawingml/2006/main" xmlns:r="http://schemas.openxmlformats.org/officeDocument/2006/relationships" xmlns:p="http://schemas.openxmlformats.org/presentationml/2006/main">
-  <p:cSld>
-    <p:spTree>
-      <p:nvGrpSpPr>
-        <p:cNvPr id="1" name=""/>
-        <p:cNvGrpSpPr/>
-        <p:nvPr/>
-      </p:nvGrpSpPr>
-      <p:grpSpPr>
-        <a:xfrm>
-          <a:off x="0" y="0"/>
-          <a:ext cx="0" cy="0"/>
-          <a:chOff x="0" y="0"/>
-          <a:chExt cx="0" cy="0"/>
-        </a:xfrm>
-      </p:grpSpPr>
-      <p:sp>
-        <p:nvSpPr>
-          <p:cNvPr id="2" name="Title 1">
-            <a:extLst>
-              <a:ext uri="{FF2B5EF4-FFF2-40B4-BE49-F238E27FC236}">
-                <a16:creationId xmlns:a16="http://schemas.microsoft.com/office/drawing/2014/main" id="{B2CCCF96-561C-9446-8DB8-DD7E9C894BAF}"/>
-              </a:ext>
-            </a:extLst>
-          </p:cNvPr>
-          <p:cNvSpPr>
-            <a:spLocks noGrp="1"/>
-          </p:cNvSpPr>
-          <p:nvPr>
-            <p:ph type="title"/>
-          </p:nvPr>
-        </p:nvSpPr>
-        <p:spPr/>
-        <p:txBody>
-          <a:bodyPr/>
-          <a:lstStyle/>
-          <a:p>
-            <a:r>
-              <a:rPr lang="en-US" dirty="0"/>
-              <a:t>Dockerfile_v5 – smaller images FTW!  </a:t>
-            </a:r>
-          </a:p>
-        </p:txBody>
-      </p:sp>
-      <p:sp>
-        <p:nvSpPr>
-          <p:cNvPr id="4" name="Rectangle 3">
-            <a:extLst>
-              <a:ext uri="{FF2B5EF4-FFF2-40B4-BE49-F238E27FC236}">
-                <a16:creationId xmlns:a16="http://schemas.microsoft.com/office/drawing/2014/main" id="{2AC3544A-8C77-AB41-84A2-C108A6D791E8}"/>
-              </a:ext>
-            </a:extLst>
-          </p:cNvPr>
-          <p:cNvSpPr/>
-          <p:nvPr/>
-        </p:nvSpPr>
-        <p:spPr>
-          <a:xfrm>
-            <a:off x="3048000" y="3105835"/>
-            <a:ext cx="6096000" cy="646331"/>
-          </a:xfrm>
-          <a:prstGeom prst="rect">
-            <a:avLst/>
-          </a:prstGeom>
-        </p:spPr>
-        <p:txBody>
-          <a:bodyPr>
-            <a:spAutoFit/>
-          </a:bodyPr>
-          <a:lstStyle/>
-          <a:p>
-            <a:br>
-              <a:rPr lang="en-GB" dirty="0"/>
-            </a:br>
-            <a:endParaRPr lang="en-US" dirty="0"/>
-          </a:p>
-        </p:txBody>
-      </p:sp>
-      <p:pic>
-        <p:nvPicPr>
-          <p:cNvPr id="12" name="Content Placeholder 11">
-            <a:extLst>
-              <a:ext uri="{FF2B5EF4-FFF2-40B4-BE49-F238E27FC236}">
-                <a16:creationId xmlns:a16="http://schemas.microsoft.com/office/drawing/2014/main" id="{18ABD5F7-2082-C74F-BA5B-039A572FB07C}"/>
-              </a:ext>
-            </a:extLst>
-          </p:cNvPr>
-          <p:cNvPicPr>
-            <a:picLocks noGrp="1" noChangeAspect="1"/>
-          </p:cNvPicPr>
-          <p:nvPr>
-            <p:ph idx="1"/>
-          </p:nvPr>
-        </p:nvPicPr>
-        <p:blipFill>
-          <a:blip r:embed="rId3"/>
-          <a:stretch>
-            <a:fillRect/>
-          </a:stretch>
-        </p:blipFill>
-        <p:spPr>
-          <a:xfrm>
-            <a:off x="1535999" y="2304000"/>
-            <a:ext cx="9119999" cy="3600000"/>
-          </a:xfrm>
-        </p:spPr>
-      </p:pic>
-      <p:sp>
-        <p:nvSpPr>
-          <p:cNvPr id="13" name="Rectangle 12">
-            <a:extLst>
-              <a:ext uri="{FF2B5EF4-FFF2-40B4-BE49-F238E27FC236}">
-                <a16:creationId xmlns:a16="http://schemas.microsoft.com/office/drawing/2014/main" id="{FAB851B9-1264-414F-901B-AA5D93A0D9AF}"/>
-              </a:ext>
-            </a:extLst>
-          </p:cNvPr>
-          <p:cNvSpPr/>
-          <p:nvPr/>
-        </p:nvSpPr>
-        <p:spPr>
-          <a:xfrm>
-            <a:off x="1535999" y="5417122"/>
-            <a:ext cx="9104292" cy="486878"/>
-          </a:xfrm>
-          <a:prstGeom prst="rect">
-            <a:avLst/>
-          </a:prstGeom>
-          <a:solidFill>
-            <a:schemeClr val="tx1"/>
-          </a:solidFill>
-          <a:ln>
-            <a:noFill/>
-          </a:ln>
-        </p:spPr>
-        <p:style>
-          <a:lnRef idx="2">
-            <a:schemeClr val="accent1">
-              <a:shade val="50000"/>
-            </a:schemeClr>
-          </a:lnRef>
-          <a:fillRef idx="1">
-            <a:schemeClr val="accent1"/>
-          </a:fillRef>
-          <a:effectRef idx="0">
-            <a:schemeClr val="accent1"/>
-          </a:effectRef>
-          <a:fontRef idx="minor">
-            <a:schemeClr val="lt1"/>
-          </a:fontRef>
-        </p:style>
-        <p:txBody>
-          <a:bodyPr rtlCol="0" anchor="ctr"/>
-          <a:lstStyle/>
-          <a:p>
-            <a:pPr algn="ctr"/>
-            <a:endParaRPr lang="en-US"/>
-          </a:p>
-        </p:txBody>
-      </p:sp>
-    </p:spTree>
-    <p:extLst>
-      <p:ext uri="{BB962C8B-B14F-4D97-AF65-F5344CB8AC3E}">
-        <p14:creationId xmlns:p14="http://schemas.microsoft.com/office/powerpoint/2010/main" val="2981422663"/>
-      </p:ext>
-    </p:extLst>
-  </p:cSld>
-  <p:clrMapOvr>
-    <a:masterClrMapping/>
   </p:clrMapOvr>
 </p:sld>
 </file>
